--- a/Proposal/Final/Presentation R1.pptx
+++ b/Proposal/Final/Presentation R1.pptx
@@ -18,8 +18,8 @@
     <p:sldId id="296" r:id="rId9"/>
     <p:sldId id="263" r:id="rId10"/>
     <p:sldId id="297" r:id="rId11"/>
-    <p:sldId id="298" r:id="rId12"/>
-    <p:sldId id="264" r:id="rId13"/>
+    <p:sldId id="264" r:id="rId12"/>
+    <p:sldId id="298" r:id="rId13"/>
     <p:sldId id="299" r:id="rId14"/>
     <p:sldId id="290" r:id="rId15"/>
     <p:sldId id="266" r:id="rId16"/>
@@ -158,8 +158,8 @@
             <p14:sldId id="296"/>
             <p14:sldId id="263"/>
             <p14:sldId id="297"/>
+            <p14:sldId id="264"/>
             <p14:sldId id="298"/>
-            <p14:sldId id="264"/>
             <p14:sldId id="299"/>
             <p14:sldId id="290"/>
             <p14:sldId id="266"/>
@@ -4545,10 +4545,27 @@
               <a:rPr lang="en-US" dirty="0"/>
             </a:br>
             <a:r>
-              <a:rPr lang="th-TH" b="1" dirty="0"/>
-              <a:t>ระบบบริหารจัดการศูนย์ออกกำลังกาย</a:t>
-            </a:r>
-            <a:endParaRPr lang="en-US" dirty="0"/>
+              <a:rPr lang="th-TH" dirty="0" smtClean="0"/>
+              <a:t> </a:t>
+            </a:r>
+            <a:r>
+              <a:rPr lang="th-TH" b="1" dirty="0" smtClean="0">
+                <a:latin typeface="TH Sarabun New" pitchFamily="34" charset="-34"/>
+                <a:cs typeface="TH Sarabun New" pitchFamily="34" charset="-34"/>
+              </a:rPr>
+              <a:t>ระบบ</a:t>
+            </a:r>
+            <a:r>
+              <a:rPr lang="th-TH" b="1" dirty="0">
+                <a:latin typeface="TH Sarabun New" pitchFamily="34" charset="-34"/>
+                <a:cs typeface="TH Sarabun New" pitchFamily="34" charset="-34"/>
+              </a:rPr>
+              <a:t>บริหารจัดการศูนย์ออกกำลังกาย</a:t>
+            </a:r>
+            <a:endParaRPr lang="en-US" dirty="0">
+              <a:latin typeface="TH Sarabun New" pitchFamily="34" charset="-34"/>
+              <a:cs typeface="TH Sarabun New" pitchFamily="34" charset="-34"/>
+            </a:endParaRPr>
           </a:p>
         </p:txBody>
       </p:sp>
@@ -4596,14 +4613,22 @@
         </p:nvSpPr>
         <p:spPr/>
         <p:txBody>
-          <a:bodyPr/>
+          <a:bodyPr>
+            <a:normAutofit/>
+          </a:bodyPr>
           <a:lstStyle/>
           <a:p>
             <a:r>
-              <a:rPr lang="th-TH" dirty="0" smtClean="0"/>
+              <a:rPr lang="th-TH" sz="4000" b="1" dirty="0" smtClean="0">
+                <a:latin typeface="TH Sarabun New" pitchFamily="34" charset="-34"/>
+                <a:cs typeface="TH Sarabun New" pitchFamily="34" charset="-34"/>
+              </a:rPr>
               <a:t>การคำนวณค่าตอบแทนพนักงาน</a:t>
             </a:r>
-            <a:endParaRPr lang="th-TH" dirty="0"/>
+            <a:endParaRPr lang="th-TH" sz="4000" b="1" dirty="0">
+              <a:latin typeface="TH Sarabun New" pitchFamily="34" charset="-34"/>
+              <a:cs typeface="TH Sarabun New" pitchFamily="34" charset="-34"/>
+            </a:endParaRPr>
           </a:p>
         </p:txBody>
       </p:sp>
@@ -4628,7 +4653,7 @@
         </p:blipFill>
         <p:spPr bwMode="auto">
           <a:xfrm>
-            <a:off x="3386464" y="1297353"/>
+            <a:off x="3577850" y="1417638"/>
             <a:ext cx="4206138" cy="4953977"/>
           </a:xfrm>
           <a:prstGeom prst="rect">
@@ -4655,6 +4680,13 @@
   <p:clrMapOvr>
     <a:masterClrMapping/>
   </p:clrMapOvr>
+  <p:timing>
+    <p:tnLst>
+      <p:par>
+        <p:cTn id="1" dur="indefinite" restart="never" nodeType="tmRoot"/>
+      </p:par>
+    </p:tnLst>
+  </p:timing>
 </p:sld>
 </file>
 
@@ -4677,69 +4709,147 @@
       </p:grpSpPr>
       <p:sp>
         <p:nvSpPr>
-          <p:cNvPr id="7" name="ชื่อเรื่อง 6"/>
+          <p:cNvPr id="2" name="ชื่อเรื่อง 1"/>
           <p:cNvSpPr>
             <a:spLocks noGrp="1"/>
           </p:cNvSpPr>
           <p:nvPr>
             <p:ph type="title"/>
+          </p:nvPr>
+        </p:nvSpPr>
+        <p:spPr/>
+        <p:txBody>
+          <a:bodyPr>
+            <a:normAutofit/>
+          </a:bodyPr>
+          <a:lstStyle/>
+          <a:p>
+            <a:r>
+              <a:rPr lang="th-TH" sz="4000" b="1" dirty="0" smtClean="0">
+                <a:latin typeface="TH Sarabun New" pitchFamily="34" charset="-34"/>
+                <a:cs typeface="TH Sarabun New" pitchFamily="34" charset="-34"/>
+              </a:rPr>
+              <a:t>วัตถุประสงค์ในการพัฒนาระบบ</a:t>
+            </a:r>
+            <a:endParaRPr lang="th-TH" sz="4000" b="1" dirty="0">
+              <a:latin typeface="TH Sarabun New" pitchFamily="34" charset="-34"/>
+              <a:cs typeface="TH Sarabun New" pitchFamily="34" charset="-34"/>
+            </a:endParaRPr>
+          </a:p>
+        </p:txBody>
+      </p:sp>
+      <p:sp>
+        <p:nvSpPr>
+          <p:cNvPr id="3" name="Content Placeholder 2"/>
+          <p:cNvSpPr>
+            <a:spLocks noGrp="1"/>
+          </p:cNvSpPr>
+          <p:nvPr>
+            <p:ph idx="1"/>
           </p:nvPr>
         </p:nvSpPr>
         <p:spPr>
           <a:xfrm>
-            <a:off x="2866291" y="4406900"/>
-            <a:ext cx="5628421" cy="1362075"/>
-          </a:xfrm>
-        </p:spPr>
-        <p:txBody>
-          <a:bodyPr/>
+            <a:off x="457200" y="1600201"/>
+            <a:ext cx="8229600" cy="2599660"/>
+          </a:xfrm>
+        </p:spPr>
+        <p:txBody>
+          <a:bodyPr>
+            <a:normAutofit/>
+          </a:bodyPr>
           <a:lstStyle/>
           <a:p>
             <a:r>
+              <a:rPr lang="th-TH" dirty="0">
+                <a:latin typeface="TH Sarabun New" pitchFamily="34" charset="-34"/>
+                <a:cs typeface="TH Sarabun New" pitchFamily="34" charset="-34"/>
+              </a:rPr>
+              <a:t>เพื่อพัฒนาระบบให้มีฟังก์ชันการทำงานที่</a:t>
+            </a:r>
+            <a:r>
               <a:rPr lang="th-TH" dirty="0" smtClean="0">
-                <a:solidFill>
-                  <a:srgbClr val="C00000"/>
-                </a:solidFill>
-              </a:rPr>
-              <a:t>ภาพรวมของระบบใหม่</a:t>
-            </a:r>
+                <a:latin typeface="TH Sarabun New" pitchFamily="34" charset="-34"/>
+                <a:cs typeface="TH Sarabun New" pitchFamily="34" charset="-34"/>
+              </a:rPr>
+              <a:t>เหมาะสม</a:t>
+            </a:r>
+          </a:p>
+          <a:p>
+            <a:r>
+              <a:rPr lang="th-TH" dirty="0" smtClean="0">
+                <a:latin typeface="TH Sarabun New" pitchFamily="34" charset="-34"/>
+                <a:cs typeface="TH Sarabun New" pitchFamily="34" charset="-34"/>
+              </a:rPr>
+              <a:t>เพื่อพัฒนาการสืบค้น</a:t>
+            </a:r>
+            <a:r>
+              <a:rPr lang="th-TH" dirty="0">
+                <a:latin typeface="TH Sarabun New" pitchFamily="34" charset="-34"/>
+                <a:cs typeface="TH Sarabun New" pitchFamily="34" charset="-34"/>
+              </a:rPr>
+              <a:t>ข้อมูล สร้าง และแก้ไข</a:t>
+            </a:r>
+            <a:r>
+              <a:rPr lang="th-TH" dirty="0" smtClean="0">
+                <a:latin typeface="TH Sarabun New" pitchFamily="34" charset="-34"/>
+                <a:cs typeface="TH Sarabun New" pitchFamily="34" charset="-34"/>
+              </a:rPr>
+              <a:t>เอกสารอย่างเป็นระบบ</a:t>
+            </a:r>
+          </a:p>
+          <a:p>
+            <a:r>
+              <a:rPr lang="th-TH" dirty="0" smtClean="0">
+                <a:latin typeface="TH Sarabun New" pitchFamily="34" charset="-34"/>
+                <a:cs typeface="TH Sarabun New" pitchFamily="34" charset="-34"/>
+              </a:rPr>
+              <a:t>เพื่อพัฒนากำหนด</a:t>
+            </a:r>
+            <a:r>
+              <a:rPr lang="th-TH" dirty="0">
+                <a:latin typeface="TH Sarabun New" pitchFamily="34" charset="-34"/>
+                <a:cs typeface="TH Sarabun New" pitchFamily="34" charset="-34"/>
+              </a:rPr>
+              <a:t>เป้าหมายในการปฏิบัติงานของพนักงานแต่ละ</a:t>
+            </a:r>
+            <a:r>
+              <a:rPr lang="th-TH" dirty="0" smtClean="0">
+                <a:latin typeface="TH Sarabun New" pitchFamily="34" charset="-34"/>
+                <a:cs typeface="TH Sarabun New" pitchFamily="34" charset="-34"/>
+              </a:rPr>
+              <a:t>ฝ่ายผ่านระบบได้</a:t>
+            </a:r>
+            <a:endParaRPr lang="en-US" dirty="0">
+              <a:latin typeface="TH Sarabun New" pitchFamily="34" charset="-34"/>
+              <a:cs typeface="TH Sarabun New" pitchFamily="34" charset="-34"/>
+            </a:endParaRPr>
+          </a:p>
+          <a:p>
             <a:endParaRPr lang="th-TH" dirty="0">
-              <a:solidFill>
-                <a:srgbClr val="C00000"/>
-              </a:solidFill>
+              <a:latin typeface="TH Sarabun New" pitchFamily="34" charset="-34"/>
+              <a:cs typeface="TH Sarabun New" pitchFamily="34" charset="-34"/>
             </a:endParaRPr>
-          </a:p>
-        </p:txBody>
-      </p:sp>
-      <p:sp>
-        <p:nvSpPr>
-          <p:cNvPr id="8" name="ตัวแทนข้อความ 7"/>
-          <p:cNvSpPr>
-            <a:spLocks noGrp="1"/>
-          </p:cNvSpPr>
-          <p:nvPr>
-            <p:ph type="body" idx="1"/>
-          </p:nvPr>
-        </p:nvSpPr>
-        <p:spPr/>
-        <p:txBody>
-          <a:bodyPr/>
-          <a:lstStyle/>
-          <a:p>
-            <a:endParaRPr lang="th-TH"/>
           </a:p>
         </p:txBody>
       </p:sp>
     </p:spTree>
     <p:extLst>
       <p:ext uri="{BB962C8B-B14F-4D97-AF65-F5344CB8AC3E}">
-        <p14:creationId xmlns:p14="http://schemas.microsoft.com/office/powerpoint/2010/main" val="102299389"/>
+        <p14:creationId xmlns:p14="http://schemas.microsoft.com/office/powerpoint/2010/main" val="3628872196"/>
       </p:ext>
     </p:extLst>
   </p:cSld>
   <p:clrMapOvr>
     <a:masterClrMapping/>
   </p:clrMapOvr>
+  <p:timing>
+    <p:tnLst>
+      <p:par>
+        <p:cTn id="1" dur="indefinite" restart="never" nodeType="tmRoot"/>
+      </p:par>
+    </p:tnLst>
+  </p:timing>
 </p:sld>
 </file>
 
@@ -4762,12 +4872,55 @@
       </p:grpSpPr>
       <p:sp>
         <p:nvSpPr>
-          <p:cNvPr id="2" name="ชื่อเรื่อง 1"/>
+          <p:cNvPr id="7" name="ชื่อเรื่อง 6"/>
           <p:cNvSpPr>
             <a:spLocks noGrp="1"/>
           </p:cNvSpPr>
           <p:nvPr>
             <p:ph type="title"/>
+          </p:nvPr>
+        </p:nvSpPr>
+        <p:spPr>
+          <a:xfrm>
+            <a:off x="2866291" y="4406900"/>
+            <a:ext cx="5628421" cy="1362075"/>
+          </a:xfrm>
+        </p:spPr>
+        <p:txBody>
+          <a:bodyPr>
+            <a:normAutofit/>
+          </a:bodyPr>
+          <a:lstStyle/>
+          <a:p>
+            <a:pPr algn="ctr"/>
+            <a:r>
+              <a:rPr lang="th-TH" sz="4400" dirty="0" smtClean="0">
+                <a:solidFill>
+                  <a:srgbClr val="C00000"/>
+                </a:solidFill>
+                <a:latin typeface="TH Sarabun New" pitchFamily="34" charset="-34"/>
+                <a:cs typeface="TH Sarabun New" pitchFamily="34" charset="-34"/>
+              </a:rPr>
+              <a:t>ภาพรวมของระบบใหม่</a:t>
+            </a:r>
+            <a:endParaRPr lang="th-TH" sz="4400" dirty="0">
+              <a:solidFill>
+                <a:srgbClr val="C00000"/>
+              </a:solidFill>
+              <a:latin typeface="TH Sarabun New" pitchFamily="34" charset="-34"/>
+              <a:cs typeface="TH Sarabun New" pitchFamily="34" charset="-34"/>
+            </a:endParaRPr>
+          </a:p>
+        </p:txBody>
+      </p:sp>
+      <p:sp>
+        <p:nvSpPr>
+          <p:cNvPr id="8" name="ตัวแทนข้อความ 7"/>
+          <p:cNvSpPr>
+            <a:spLocks noGrp="1"/>
+          </p:cNvSpPr>
+          <p:nvPr>
+            <p:ph type="body" idx="1"/>
           </p:nvPr>
         </p:nvSpPr>
         <p:spPr/>
@@ -4775,81 +4928,14 @@
           <a:bodyPr/>
           <a:lstStyle/>
           <a:p>
-            <a:r>
-              <a:rPr lang="th-TH" dirty="0" smtClean="0"/>
-              <a:t>วัตถุประสงค์ในการพัฒนาระบบ</a:t>
-            </a:r>
-            <a:endParaRPr lang="th-TH" dirty="0"/>
-          </a:p>
-        </p:txBody>
-      </p:sp>
-      <p:sp>
-        <p:nvSpPr>
-          <p:cNvPr id="3" name="Content Placeholder 2"/>
-          <p:cNvSpPr>
-            <a:spLocks noGrp="1"/>
-          </p:cNvSpPr>
-          <p:nvPr>
-            <p:ph idx="1"/>
-          </p:nvPr>
-        </p:nvSpPr>
-        <p:spPr/>
-        <p:txBody>
-          <a:bodyPr/>
-          <a:lstStyle/>
-          <a:p>
-            <a:r>
-              <a:rPr lang="th-TH" dirty="0"/>
-              <a:t>เพื่อพัฒนาระบบให้มีฟังก์ชันการทำงานที่</a:t>
-            </a:r>
-            <a:r>
-              <a:rPr lang="th-TH" dirty="0" smtClean="0"/>
-              <a:t>เหมาะสม</a:t>
-            </a:r>
-          </a:p>
-          <a:p>
-            <a:r>
-              <a:rPr lang="th-TH" dirty="0" smtClean="0"/>
-              <a:t>เพื่อพัฒนาการ</a:t>
-            </a:r>
-            <a:r>
-              <a:rPr lang="th-TH" dirty="0" smtClean="0"/>
-              <a:t>สืบค้น</a:t>
-            </a:r>
-            <a:r>
-              <a:rPr lang="th-TH" dirty="0"/>
-              <a:t>ข้อมูล สร้าง และแก้ไข</a:t>
-            </a:r>
-            <a:r>
-              <a:rPr lang="th-TH" dirty="0" smtClean="0"/>
-              <a:t>เอกสารอย่างเป็นระบบ</a:t>
-            </a:r>
-            <a:endParaRPr lang="th-TH" dirty="0" smtClean="0"/>
-          </a:p>
-          <a:p>
-            <a:r>
-              <a:rPr lang="th-TH" dirty="0" smtClean="0"/>
-              <a:t>เพื่อพัฒนากำหนด</a:t>
-            </a:r>
-            <a:r>
-              <a:rPr lang="th-TH" dirty="0"/>
-              <a:t>เป้าหมายในการปฏิบัติงานของพนักงานแต่ละ</a:t>
-            </a:r>
-            <a:r>
-              <a:rPr lang="th-TH" dirty="0" smtClean="0"/>
-              <a:t>ฝ่ายผ่านระบบได้</a:t>
-            </a:r>
-            <a:endParaRPr lang="en-US" dirty="0"/>
-          </a:p>
-          <a:p>
-            <a:endParaRPr lang="th-TH" dirty="0"/>
+            <a:endParaRPr lang="th-TH"/>
           </a:p>
         </p:txBody>
       </p:sp>
     </p:spTree>
     <p:extLst>
       <p:ext uri="{BB962C8B-B14F-4D97-AF65-F5344CB8AC3E}">
-        <p14:creationId xmlns:p14="http://schemas.microsoft.com/office/powerpoint/2010/main" val="3628872196"/>
+        <p14:creationId xmlns:p14="http://schemas.microsoft.com/office/powerpoint/2010/main" val="102299389"/>
       </p:ext>
     </p:extLst>
   </p:cSld>
@@ -4901,10 +4987,16 @@
           <a:lstStyle/>
           <a:p>
             <a:r>
-              <a:rPr lang="th-TH" dirty="0" smtClean="0"/>
+              <a:rPr lang="th-TH" sz="4000" b="1" dirty="0" smtClean="0">
+                <a:latin typeface="TH Sarabun New" pitchFamily="34" charset="-34"/>
+                <a:cs typeface="TH Sarabun New" pitchFamily="34" charset="-34"/>
+              </a:rPr>
               <a:t>โครงสร้างระบบใหม่ (ภาพรวม)</a:t>
             </a:r>
-            <a:endParaRPr lang="th-TH" dirty="0"/>
+            <a:endParaRPr lang="th-TH" sz="4000" b="1" dirty="0">
+              <a:latin typeface="TH Sarabun New" pitchFamily="34" charset="-34"/>
+              <a:cs typeface="TH Sarabun New" pitchFamily="34" charset="-34"/>
+            </a:endParaRPr>
           </a:p>
         </p:txBody>
       </p:sp>
@@ -4928,7 +5020,7 @@
         </p:blipFill>
         <p:spPr>
           <a:xfrm>
-            <a:off x="352718" y="2067388"/>
+            <a:off x="457200" y="1759043"/>
             <a:ext cx="8391232" cy="3810269"/>
           </a:xfrm>
           <a:prstGeom prst="rect">
@@ -4936,8 +5028,9 @@
           </a:prstGeom>
           <a:ln w="3175">
             <a:solidFill>
-              <a:schemeClr val="bg1">
-                <a:lumMod val="75000"/>
+              <a:schemeClr val="tx1">
+                <a:lumMod val="50000"/>
+                <a:lumOff val="50000"/>
               </a:schemeClr>
             </a:solidFill>
           </a:ln>
@@ -4992,7 +5085,7 @@
         </p:nvSpPr>
         <p:spPr>
           <a:xfrm>
-            <a:off x="444840" y="891354"/>
+            <a:off x="444840" y="997684"/>
             <a:ext cx="7421153" cy="862834"/>
           </a:xfrm>
         </p:spPr>
@@ -5003,32 +5096,49 @@
           <a:lstStyle/>
           <a:p>
             <a:r>
-              <a:rPr lang="th-TH" dirty="0"/>
+              <a:rPr lang="th-TH" b="1" dirty="0">
+                <a:latin typeface="TH Sarabun New" pitchFamily="34" charset="-34"/>
+                <a:cs typeface="TH Sarabun New" pitchFamily="34" charset="-34"/>
+              </a:rPr>
               <a:t>ระบบตรวจสอบสิทธิ์ผู้เข้าใช้</a:t>
             </a:r>
             <a:r>
-              <a:rPr lang="th-TH" dirty="0" smtClean="0"/>
+              <a:rPr lang="th-TH" b="1" dirty="0" smtClean="0">
+                <a:latin typeface="TH Sarabun New" pitchFamily="34" charset="-34"/>
+                <a:cs typeface="TH Sarabun New" pitchFamily="34" charset="-34"/>
+              </a:rPr>
               <a:t>ระบบ</a:t>
             </a:r>
             <a:br>
-              <a:rPr lang="th-TH" dirty="0" smtClean="0"/>
+              <a:rPr lang="th-TH" b="1" dirty="0" smtClean="0">
+                <a:latin typeface="TH Sarabun New" pitchFamily="34" charset="-34"/>
+                <a:cs typeface="TH Sarabun New" pitchFamily="34" charset="-34"/>
+              </a:rPr>
             </a:br>
             <a:r>
-              <a:rPr lang="th-TH" dirty="0" smtClean="0"/>
+              <a:rPr lang="th-TH" b="1" dirty="0" smtClean="0">
+                <a:latin typeface="TH Sarabun New" pitchFamily="34" charset="-34"/>
+                <a:cs typeface="TH Sarabun New" pitchFamily="34" charset="-34"/>
+              </a:rPr>
               <a:t> </a:t>
             </a:r>
             <a:r>
-              <a:rPr lang="en-US" dirty="0"/>
+              <a:rPr lang="en-US" b="1" dirty="0">
+                <a:latin typeface="TH Sarabun New" pitchFamily="34" charset="-34"/>
+                <a:cs typeface="TH Sarabun New" pitchFamily="34" charset="-34"/>
+              </a:rPr>
               <a:t>(User Authentication) </a:t>
             </a:r>
-            <a:r>
-              <a:rPr lang="en-US" b="1" dirty="0"/>
-              <a:t/>
-            </a:r>
             <a:br>
-              <a:rPr lang="en-US" b="1" dirty="0"/>
+              <a:rPr lang="en-US" b="1" dirty="0">
+                <a:latin typeface="TH Sarabun New" pitchFamily="34" charset="-34"/>
+                <a:cs typeface="TH Sarabun New" pitchFamily="34" charset="-34"/>
+              </a:rPr>
             </a:br>
-            <a:endParaRPr lang="th-TH" dirty="0"/>
+            <a:endParaRPr lang="th-TH" b="1" dirty="0">
+              <a:latin typeface="TH Sarabun New" pitchFamily="34" charset="-34"/>
+              <a:cs typeface="TH Sarabun New" pitchFamily="34" charset="-34"/>
+            </a:endParaRPr>
           </a:p>
         </p:txBody>
       </p:sp>
@@ -5044,8 +5154,8 @@
         </p:nvSpPr>
         <p:spPr>
           <a:xfrm>
-            <a:off x="2755900" y="1930400"/>
-            <a:ext cx="5930900" cy="4195763"/>
+            <a:off x="1711841" y="1930400"/>
+            <a:ext cx="7070651" cy="4195763"/>
           </a:xfrm>
         </p:spPr>
         <p:txBody>
@@ -5058,19 +5168,38 @@
               <a:buNone/>
             </a:pPr>
             <a:r>
-              <a:rPr lang="th-TH" sz="2500" dirty="0" smtClean="0"/>
+              <a:rPr lang="th-TH" sz="2500" dirty="0" smtClean="0">
+                <a:latin typeface="TH Sarabun New" pitchFamily="34" charset="-34"/>
+                <a:cs typeface="TH Sarabun New" pitchFamily="34" charset="-34"/>
+              </a:rPr>
+              <a:t>	</a:t>
+            </a:r>
+            <a:r>
+              <a:rPr lang="th-TH" dirty="0" smtClean="0">
+                <a:latin typeface="TH Sarabun New" pitchFamily="34" charset="-34"/>
+                <a:cs typeface="TH Sarabun New" pitchFamily="34" charset="-34"/>
+              </a:rPr>
               <a:t>เป็น</a:t>
             </a:r>
             <a:r>
-              <a:rPr lang="th-TH" sz="2500" dirty="0"/>
+              <a:rPr lang="th-TH" dirty="0">
+                <a:latin typeface="TH Sarabun New" pitchFamily="34" charset="-34"/>
+                <a:cs typeface="TH Sarabun New" pitchFamily="34" charset="-34"/>
+              </a:rPr>
               <a:t>ส่วนที่ใช้แบ่งสิทธิ์การเข้าใช้ระบบโดยจะแบ่งตามหน้าที่ของผู้ใช้งานระบบ ซึ่ง</a:t>
             </a:r>
             <a:r>
-              <a:rPr lang="th-TH" sz="2500" dirty="0" smtClean="0"/>
+              <a:rPr lang="th-TH" dirty="0" smtClean="0">
+                <a:latin typeface="TH Sarabun New" pitchFamily="34" charset="-34"/>
+                <a:cs typeface="TH Sarabun New" pitchFamily="34" charset="-34"/>
+              </a:rPr>
               <a:t>ในแต่ละผู้ใช้</a:t>
             </a:r>
             <a:r>
-              <a:rPr lang="th-TH" sz="2500" dirty="0"/>
+              <a:rPr lang="th-TH" dirty="0">
+                <a:latin typeface="TH Sarabun New" pitchFamily="34" charset="-34"/>
+                <a:cs typeface="TH Sarabun New" pitchFamily="34" charset="-34"/>
+              </a:rPr>
               <a:t>ระบบจะมีสิทธิ์ที่แตกต่างกัน </a:t>
             </a:r>
           </a:p>
@@ -5079,10 +5208,16 @@
               <a:buNone/>
             </a:pPr>
             <a:r>
-              <a:rPr lang="th-TH" sz="2500" dirty="0" smtClean="0"/>
+              <a:rPr lang="th-TH" sz="2500" dirty="0" smtClean="0">
+                <a:latin typeface="TH Sarabun New" pitchFamily="34" charset="-34"/>
+                <a:cs typeface="TH Sarabun New" pitchFamily="34" charset="-34"/>
+              </a:rPr>
               <a:t>	</a:t>
             </a:r>
-            <a:endParaRPr lang="th-TH" sz="2500" dirty="0"/>
+            <a:endParaRPr lang="th-TH" sz="2500" dirty="0">
+              <a:latin typeface="TH Sarabun New" pitchFamily="34" charset="-34"/>
+              <a:cs typeface="TH Sarabun New" pitchFamily="34" charset="-34"/>
+            </a:endParaRPr>
           </a:p>
         </p:txBody>
       </p:sp>
@@ -5094,7 +5229,7 @@
         </p:nvSpPr>
         <p:spPr>
           <a:xfrm>
-            <a:off x="4438327" y="4227443"/>
+            <a:off x="4438327" y="3887187"/>
             <a:ext cx="2346785" cy="980661"/>
           </a:xfrm>
           <a:prstGeom prst="ellipse">
@@ -5121,10 +5256,16 @@
           <a:p>
             <a:pPr algn="ctr"/>
             <a:r>
-              <a:rPr lang="th-TH" sz="2400" dirty="0" smtClean="0"/>
+              <a:rPr lang="th-TH" sz="2400" b="1" dirty="0" smtClean="0">
+                <a:latin typeface="TH Sarabun New" pitchFamily="34" charset="-34"/>
+                <a:cs typeface="TH Sarabun New" pitchFamily="34" charset="-34"/>
+              </a:rPr>
               <a:t>ระบบตรวจสอบสิทธ์ผู้เข้าใช้ระบบ</a:t>
             </a:r>
-            <a:endParaRPr lang="th-TH" sz="2400" dirty="0"/>
+            <a:endParaRPr lang="th-TH" sz="2400" b="1" dirty="0">
+              <a:latin typeface="TH Sarabun New" pitchFamily="34" charset="-34"/>
+              <a:cs typeface="TH Sarabun New" pitchFamily="34" charset="-34"/>
+            </a:endParaRPr>
           </a:p>
         </p:txBody>
       </p:sp>
@@ -5151,7 +5292,7 @@
         </p:blipFill>
         <p:spPr bwMode="auto">
           <a:xfrm>
-            <a:off x="3159815" y="3429000"/>
+            <a:off x="3159815" y="3088744"/>
             <a:ext cx="571500" cy="752475"/>
           </a:xfrm>
           <a:prstGeom prst="rect">
@@ -5215,7 +5356,7 @@
         </p:blipFill>
         <p:spPr bwMode="auto">
           <a:xfrm>
-            <a:off x="7580243" y="3428999"/>
+            <a:off x="7580243" y="3088743"/>
             <a:ext cx="571500" cy="752475"/>
           </a:xfrm>
           <a:prstGeom prst="rect">
@@ -5279,7 +5420,7 @@
         </p:blipFill>
         <p:spPr bwMode="auto">
           <a:xfrm>
-            <a:off x="3159815" y="5373688"/>
+            <a:off x="3159815" y="5033432"/>
             <a:ext cx="571500" cy="752475"/>
           </a:xfrm>
           <a:prstGeom prst="rect">
@@ -5343,7 +5484,7 @@
         </p:blipFill>
         <p:spPr bwMode="auto">
           <a:xfrm>
-            <a:off x="7633252" y="5373688"/>
+            <a:off x="7633252" y="5033432"/>
             <a:ext cx="571500" cy="752475"/>
           </a:xfrm>
           <a:prstGeom prst="rect">
@@ -5392,7 +5533,7 @@
         </p:nvCxnSpPr>
         <p:spPr>
           <a:xfrm>
-            <a:off x="3837332" y="4028661"/>
+            <a:off x="3837332" y="3688405"/>
             <a:ext cx="707013" cy="450574"/>
           </a:xfrm>
           <a:prstGeom prst="straightConnector1">
@@ -5425,7 +5566,7 @@
         </p:nvCxnSpPr>
         <p:spPr>
           <a:xfrm flipH="1">
-            <a:off x="6785112" y="4028661"/>
+            <a:off x="6785112" y="3688405"/>
             <a:ext cx="795131" cy="450574"/>
           </a:xfrm>
           <a:prstGeom prst="straightConnector1">
@@ -5458,7 +5599,7 @@
         </p:nvCxnSpPr>
         <p:spPr>
           <a:xfrm flipH="1" flipV="1">
-            <a:off x="6732103" y="5010012"/>
+            <a:off x="6732103" y="4669756"/>
             <a:ext cx="848140" cy="727352"/>
           </a:xfrm>
           <a:prstGeom prst="straightConnector1">
@@ -5491,7 +5632,7 @@
         </p:nvCxnSpPr>
         <p:spPr>
           <a:xfrm flipV="1">
-            <a:off x="3731315" y="5010012"/>
+            <a:off x="3731315" y="4669756"/>
             <a:ext cx="813030" cy="489640"/>
           </a:xfrm>
           <a:prstGeom prst="straightConnector1">
@@ -5524,7 +5665,7 @@
         </p:nvSpPr>
         <p:spPr>
           <a:xfrm>
-            <a:off x="2615049" y="4227443"/>
+            <a:off x="2615049" y="3887187"/>
             <a:ext cx="1661032" cy="707886"/>
           </a:xfrm>
           <a:prstGeom prst="rect">
@@ -5539,12 +5680,18 @@
           <a:lstStyle/>
           <a:p>
             <a:r>
-              <a:rPr lang="th-TH" sz="2000" dirty="0"/>
+              <a:rPr lang="th-TH" sz="2000" dirty="0">
+                <a:latin typeface="TH Sarabun New" pitchFamily="34" charset="-34"/>
+                <a:cs typeface="TH Sarabun New" pitchFamily="34" charset="-34"/>
+              </a:rPr>
               <a:t>พนักงานบริการลูกค้า</a:t>
             </a:r>
           </a:p>
           <a:p>
-            <a:endParaRPr lang="th-TH" sz="2000" dirty="0"/>
+            <a:endParaRPr lang="th-TH" sz="2000" dirty="0">
+              <a:latin typeface="TH Sarabun New" pitchFamily="34" charset="-34"/>
+              <a:cs typeface="TH Sarabun New" pitchFamily="34" charset="-34"/>
+            </a:endParaRPr>
           </a:p>
         </p:txBody>
       </p:sp>
@@ -5556,7 +5703,7 @@
         </p:nvSpPr>
         <p:spPr>
           <a:xfrm>
-            <a:off x="7336951" y="4267200"/>
+            <a:off x="7336951" y="3926944"/>
             <a:ext cx="1164101" cy="677108"/>
           </a:xfrm>
           <a:prstGeom prst="rect">
@@ -5571,8 +5718,15 @@
           <a:lstStyle/>
           <a:p>
             <a:r>
+              <a:rPr lang="th-TH" sz="2000" dirty="0">
+                <a:latin typeface="TH Sarabun New" pitchFamily="34" charset="-34"/>
+                <a:cs typeface="TH Sarabun New" pitchFamily="34" charset="-34"/>
+              </a:rPr>
+              <a:t>พนักงาน</a:t>
+            </a:r>
+            <a:r>
               <a:rPr lang="th-TH" sz="2000" dirty="0"/>
-              <a:t>พนักงานบัญชี</a:t>
+              <a:t>บัญชี</a:t>
             </a:r>
           </a:p>
           <a:p>
@@ -5588,8 +5742,8 @@
         </p:nvSpPr>
         <p:spPr>
           <a:xfrm>
-            <a:off x="2408824" y="6126163"/>
-            <a:ext cx="2135521" cy="677108"/>
+            <a:off x="2706548" y="5785907"/>
+            <a:ext cx="1460656" cy="707886"/>
           </a:xfrm>
           <a:prstGeom prst="rect">
             <a:avLst/>
@@ -5600,11 +5754,25 @@
           <a:bodyPr wrap="none" rtlCol="0">
             <a:spAutoFit/>
           </a:bodyPr>
-          <a:lstStyle/>
-          <a:p>
-            <a:r>
-              <a:rPr lang="th-TH" sz="2000" dirty="0"/>
-              <a:t>พนักงานผู้ช่วยฝึกส่วนบุคคล</a:t>
+          <a:lstStyle>
+            <a:defPPr>
+              <a:defRPr lang="en-US"/>
+            </a:defPPr>
+            <a:lvl1pPr>
+              <a:defRPr sz="2000">
+                <a:latin typeface="TH Sarabun New" pitchFamily="34" charset="-34"/>
+                <a:cs typeface="TH Sarabun New" pitchFamily="34" charset="-34"/>
+              </a:defRPr>
+            </a:lvl1pPr>
+          </a:lstStyle>
+          <a:p>
+            <a:r>
+              <a:rPr lang="th-TH" dirty="0"/>
+              <a:t>ผู้ช่วย</a:t>
+            </a:r>
+            <a:r>
+              <a:rPr lang="th-TH" dirty="0"/>
+              <a:t>ฝึกส่วนบุคคล</a:t>
             </a:r>
           </a:p>
           <a:p>
@@ -5620,7 +5788,7 @@
         </p:nvSpPr>
         <p:spPr>
           <a:xfrm>
-            <a:off x="7580244" y="6228522"/>
+            <a:off x="7601510" y="5792569"/>
             <a:ext cx="750636" cy="677108"/>
           </a:xfrm>
           <a:prstGeom prst="rect">
@@ -5635,7 +5803,10 @@
           <a:lstStyle/>
           <a:p>
             <a:r>
-              <a:rPr lang="th-TH" sz="2000" dirty="0"/>
+              <a:rPr lang="th-TH" sz="2000" dirty="0">
+                <a:latin typeface="TH Sarabun New" pitchFamily="34" charset="-34"/>
+                <a:cs typeface="TH Sarabun New" pitchFamily="34" charset="-34"/>
+              </a:rPr>
               <a:t>ผู้บริหาร</a:t>
             </a:r>
           </a:p>
@@ -5694,19 +5865,28 @@
         <p:spPr/>
         <p:txBody>
           <a:bodyPr>
-            <a:normAutofit fontScale="90000"/>
+            <a:normAutofit/>
           </a:bodyPr>
           <a:lstStyle/>
           <a:p>
             <a:r>
-              <a:rPr lang="th-TH" dirty="0"/>
+              <a:rPr lang="th-TH" sz="4000" b="1" dirty="0">
+                <a:latin typeface="TH Sarabun New" pitchFamily="34" charset="-34"/>
+                <a:cs typeface="TH Sarabun New" pitchFamily="34" charset="-34"/>
+              </a:rPr>
               <a:t>ระบบจัดการสมาชิก </a:t>
             </a:r>
             <a:r>
-              <a:rPr lang="en-US" dirty="0"/>
+              <a:rPr lang="en-US" sz="4000" b="1" dirty="0">
+                <a:latin typeface="TH Sarabun New" pitchFamily="34" charset="-34"/>
+                <a:cs typeface="TH Sarabun New" pitchFamily="34" charset="-34"/>
+              </a:rPr>
               <a:t>(Member Profile) </a:t>
             </a:r>
-            <a:endParaRPr lang="th-TH" dirty="0"/>
+            <a:endParaRPr lang="th-TH" sz="4000" b="1" dirty="0">
+              <a:latin typeface="TH Sarabun New" pitchFamily="34" charset="-34"/>
+              <a:cs typeface="TH Sarabun New" pitchFamily="34" charset="-34"/>
+            </a:endParaRPr>
           </a:p>
         </p:txBody>
       </p:sp>
@@ -5731,62 +5911,99 @@
               <a:buNone/>
             </a:pPr>
             <a:r>
-              <a:rPr lang="th-TH" sz="2500" dirty="0" smtClean="0"/>
-              <a:t>เป็น</a:t>
-            </a:r>
-            <a:r>
-              <a:rPr lang="th-TH" sz="2500" dirty="0"/>
+              <a:rPr lang="th-TH" dirty="0" smtClean="0">
+                <a:latin typeface="TH Sarabun New" pitchFamily="34" charset="-34"/>
+                <a:cs typeface="TH Sarabun New" pitchFamily="34" charset="-34"/>
+              </a:rPr>
+              <a:t>	เป็น</a:t>
+            </a:r>
+            <a:r>
+              <a:rPr lang="th-TH" dirty="0">
+                <a:latin typeface="TH Sarabun New" pitchFamily="34" charset="-34"/>
+                <a:cs typeface="TH Sarabun New" pitchFamily="34" charset="-34"/>
+              </a:rPr>
               <a:t>ส่วนสำหรับพนักงานบริการลูกค้า ใช้ในการจัดการรายละเอียดข้อมูลของสมาชิกที่เข้ามาใช้บริการ ซึ่งจะมีฟังก์ชันการทำงานภายในระบบจัดการสมาชิก </a:t>
             </a:r>
             <a:r>
-              <a:rPr lang="th-TH" sz="2500" dirty="0" smtClean="0"/>
+              <a:rPr lang="th-TH" dirty="0" smtClean="0">
+                <a:latin typeface="TH Sarabun New" pitchFamily="34" charset="-34"/>
+                <a:cs typeface="TH Sarabun New" pitchFamily="34" charset="-34"/>
+              </a:rPr>
               <a:t>	</a:t>
             </a:r>
-            <a:endParaRPr lang="th-TH" sz="2500" dirty="0" smtClean="0"/>
-          </a:p>
-          <a:p>
-            <a:r>
-              <a:rPr lang="th-TH" sz="2500" dirty="0" smtClean="0"/>
+          </a:p>
+          <a:p>
+            <a:r>
+              <a:rPr lang="th-TH" dirty="0" smtClean="0">
+                <a:latin typeface="TH Sarabun New" pitchFamily="34" charset="-34"/>
+                <a:cs typeface="TH Sarabun New" pitchFamily="34" charset="-34"/>
+              </a:rPr>
               <a:t>สามารถ</a:t>
             </a:r>
             <a:r>
-              <a:rPr lang="th-TH" sz="2500" dirty="0"/>
+              <a:rPr lang="th-TH" dirty="0">
+                <a:latin typeface="TH Sarabun New" pitchFamily="34" charset="-34"/>
+                <a:cs typeface="TH Sarabun New" pitchFamily="34" charset="-34"/>
+              </a:rPr>
               <a:t>เพิ่ม ลบ แก้ไข และค้นหาสมาชิก</a:t>
             </a:r>
             <a:r>
-              <a:rPr lang="th-TH" sz="2500" dirty="0" smtClean="0"/>
+              <a:rPr lang="th-TH" dirty="0" smtClean="0">
+                <a:latin typeface="TH Sarabun New" pitchFamily="34" charset="-34"/>
+                <a:cs typeface="TH Sarabun New" pitchFamily="34" charset="-34"/>
+              </a:rPr>
               <a:t>ได้	</a:t>
             </a:r>
-            <a:endParaRPr lang="th-TH" sz="2500" dirty="0" smtClean="0"/>
-          </a:p>
-          <a:p>
-            <a:r>
-              <a:rPr lang="th-TH" sz="2500" dirty="0" smtClean="0"/>
+          </a:p>
+          <a:p>
+            <a:r>
+              <a:rPr lang="th-TH" dirty="0" smtClean="0">
+                <a:latin typeface="TH Sarabun New" pitchFamily="34" charset="-34"/>
+                <a:cs typeface="TH Sarabun New" pitchFamily="34" charset="-34"/>
+              </a:rPr>
               <a:t>สามารถ</a:t>
             </a:r>
             <a:r>
-              <a:rPr lang="th-TH" sz="2500" dirty="0"/>
+              <a:rPr lang="th-TH" dirty="0">
+                <a:latin typeface="TH Sarabun New" pitchFamily="34" charset="-34"/>
+                <a:cs typeface="TH Sarabun New" pitchFamily="34" charset="-34"/>
+              </a:rPr>
               <a:t>จัดเก็บทะเบียนสมาชิก รายละเอียดประกอบไปด้วย ประเภท</a:t>
             </a:r>
             <a:r>
-              <a:rPr lang="th-TH" sz="2500" dirty="0" smtClean="0"/>
+              <a:rPr lang="th-TH" dirty="0" smtClean="0">
+                <a:latin typeface="TH Sarabun New" pitchFamily="34" charset="-34"/>
+                <a:cs typeface="TH Sarabun New" pitchFamily="34" charset="-34"/>
+              </a:rPr>
               <a:t>ของสมาชิก </a:t>
             </a:r>
             <a:r>
-              <a:rPr lang="th-TH" sz="2500" dirty="0"/>
+              <a:rPr lang="th-TH" dirty="0">
+                <a:latin typeface="TH Sarabun New" pitchFamily="34" charset="-34"/>
+                <a:cs typeface="TH Sarabun New" pitchFamily="34" charset="-34"/>
+              </a:rPr>
               <a:t>วันเริ่มต้นเข้าใช้บริการ วันหมดอายุของสมาชิก และรายละเอียด</a:t>
             </a:r>
             <a:r>
-              <a:rPr lang="th-TH" sz="2500" dirty="0" smtClean="0"/>
+              <a:rPr lang="th-TH" dirty="0" smtClean="0">
+                <a:latin typeface="TH Sarabun New" pitchFamily="34" charset="-34"/>
+                <a:cs typeface="TH Sarabun New" pitchFamily="34" charset="-34"/>
+              </a:rPr>
               <a:t>การ	เข้าใช้บริการต่างๆ</a:t>
             </a:r>
-            <a:endParaRPr lang="th-TH" sz="2500" dirty="0"/>
+            <a:endParaRPr lang="th-TH" dirty="0">
+              <a:latin typeface="TH Sarabun New" pitchFamily="34" charset="-34"/>
+              <a:cs typeface="TH Sarabun New" pitchFamily="34" charset="-34"/>
+            </a:endParaRPr>
           </a:p>
           <a:p>
             <a:pPr marL="457200" indent="-457200">
               <a:buAutoNum type="arabicPeriod" startAt="2"/>
             </a:pPr>
-            <a:endParaRPr lang="th-TH" sz="2500" b="1" dirty="0"/>
+            <a:endParaRPr lang="th-TH" dirty="0">
+              <a:latin typeface="TH Sarabun New" pitchFamily="34" charset="-34"/>
+              <a:cs typeface="TH Sarabun New" pitchFamily="34" charset="-34"/>
+            </a:endParaRPr>
           </a:p>
         </p:txBody>
       </p:sp>
@@ -5851,44 +6068,77 @@
           <a:p>
             <a:pPr lvl="0"/>
             <a:r>
-              <a:rPr lang="th-TH" dirty="0"/>
+              <a:rPr lang="th-TH" b="1" dirty="0">
+                <a:latin typeface="TH Sarabun New" pitchFamily="34" charset="-34"/>
+                <a:cs typeface="TH Sarabun New" pitchFamily="34" charset="-34"/>
+              </a:rPr>
               <a:t>ระบบจัดการชั้นเรียน </a:t>
             </a:r>
             <a:r>
-              <a:rPr lang="th-TH" dirty="0" smtClean="0"/>
+              <a:rPr lang="th-TH" b="1" dirty="0" smtClean="0">
+                <a:latin typeface="TH Sarabun New" pitchFamily="34" charset="-34"/>
+                <a:cs typeface="TH Sarabun New" pitchFamily="34" charset="-34"/>
+              </a:rPr>
               <a:t/>
             </a:r>
             <a:br>
-              <a:rPr lang="th-TH" dirty="0" smtClean="0"/>
+              <a:rPr lang="th-TH" b="1" dirty="0" smtClean="0">
+                <a:latin typeface="TH Sarabun New" pitchFamily="34" charset="-34"/>
+                <a:cs typeface="TH Sarabun New" pitchFamily="34" charset="-34"/>
+              </a:rPr>
             </a:br>
             <a:r>
-              <a:rPr lang="th-TH" dirty="0" smtClean="0"/>
+              <a:rPr lang="th-TH" b="1" dirty="0" smtClean="0">
+                <a:latin typeface="TH Sarabun New" pitchFamily="34" charset="-34"/>
+                <a:cs typeface="TH Sarabun New" pitchFamily="34" charset="-34"/>
+              </a:rPr>
               <a:t>(</a:t>
             </a:r>
             <a:r>
-              <a:rPr lang="th-TH" dirty="0" err="1"/>
+              <a:rPr lang="th-TH" b="1" dirty="0" err="1">
+                <a:latin typeface="TH Sarabun New" pitchFamily="34" charset="-34"/>
+                <a:cs typeface="TH Sarabun New" pitchFamily="34" charset="-34"/>
+              </a:rPr>
               <a:t>Class</a:t>
             </a:r>
             <a:r>
-              <a:rPr lang="th-TH" dirty="0"/>
+              <a:rPr lang="th-TH" b="1" dirty="0">
+                <a:latin typeface="TH Sarabun New" pitchFamily="34" charset="-34"/>
+                <a:cs typeface="TH Sarabun New" pitchFamily="34" charset="-34"/>
+              </a:rPr>
               <a:t> </a:t>
             </a:r>
             <a:r>
-              <a:rPr lang="th-TH" dirty="0" err="1"/>
+              <a:rPr lang="th-TH" b="1" dirty="0" err="1">
+                <a:latin typeface="TH Sarabun New" pitchFamily="34" charset="-34"/>
+                <a:cs typeface="TH Sarabun New" pitchFamily="34" charset="-34"/>
+              </a:rPr>
               <a:t>Management</a:t>
             </a:r>
             <a:r>
-              <a:rPr lang="th-TH" dirty="0"/>
+              <a:rPr lang="th-TH" b="1" dirty="0">
+                <a:latin typeface="TH Sarabun New" pitchFamily="34" charset="-34"/>
+                <a:cs typeface="TH Sarabun New" pitchFamily="34" charset="-34"/>
+              </a:rPr>
               <a:t>) </a:t>
             </a:r>
             <a:r>
-              <a:rPr lang="en-US" dirty="0"/>
+              <a:rPr lang="en-US" b="1" dirty="0">
+                <a:latin typeface="TH Sarabun New" pitchFamily="34" charset="-34"/>
+                <a:cs typeface="TH Sarabun New" pitchFamily="34" charset="-34"/>
+              </a:rPr>
               <a:t/>
             </a:r>
             <a:br>
-              <a:rPr lang="en-US" dirty="0"/>
+              <a:rPr lang="en-US" b="1" dirty="0">
+                <a:latin typeface="TH Sarabun New" pitchFamily="34" charset="-34"/>
+                <a:cs typeface="TH Sarabun New" pitchFamily="34" charset="-34"/>
+              </a:rPr>
             </a:br>
-            <a:endParaRPr lang="th-TH" dirty="0"/>
+            <a:endParaRPr lang="th-TH" b="1" dirty="0">
+              <a:latin typeface="TH Sarabun New" pitchFamily="34" charset="-34"/>
+              <a:cs typeface="TH Sarabun New" pitchFamily="34" charset="-34"/>
+            </a:endParaRPr>
           </a:p>
         </p:txBody>
       </p:sp>
@@ -5914,80 +6164,125 @@
           </a:bodyPr>
           <a:lstStyle/>
           <a:p>
-            <a:pPr marL="0" indent="0">
+            <a:pPr marL="0" indent="0" algn="thaiDist">
               <a:buNone/>
             </a:pPr>
             <a:r>
-              <a:rPr lang="th-TH" dirty="0" smtClean="0"/>
+              <a:rPr lang="th-TH" dirty="0" smtClean="0">
+                <a:latin typeface="TH Sarabun New" pitchFamily="34" charset="-34"/>
+                <a:cs typeface="TH Sarabun New" pitchFamily="34" charset="-34"/>
+              </a:rPr>
               <a:t>	เป็น</a:t>
             </a:r>
             <a:r>
-              <a:rPr lang="th-TH" dirty="0"/>
+              <a:rPr lang="th-TH" dirty="0">
+                <a:latin typeface="TH Sarabun New" pitchFamily="34" charset="-34"/>
+                <a:cs typeface="TH Sarabun New" pitchFamily="34" charset="-34"/>
+              </a:rPr>
               <a:t>ส่วนสำหรับผู้ดูแลระบบและผู้ช่วยฝึกส่วนบุคคลใช้ในการจัดการรายละเอียดข้อมูลของชั้นเรียนในศูนย์บริการออกกำลังกาย ซึ่งระบบนี้จะมีฟังก์ชันการทำงานดังต่อไปนี้</a:t>
             </a:r>
           </a:p>
           <a:p>
-            <a:r>
-              <a:rPr lang="th-TH" dirty="0" smtClean="0"/>
+            <a:pPr algn="thaiDist"/>
+            <a:r>
+              <a:rPr lang="th-TH" dirty="0" smtClean="0">
+                <a:latin typeface="TH Sarabun New" pitchFamily="34" charset="-34"/>
+                <a:cs typeface="TH Sarabun New" pitchFamily="34" charset="-34"/>
+              </a:rPr>
               <a:t>สามารถ</a:t>
             </a:r>
             <a:r>
-              <a:rPr lang="th-TH" dirty="0"/>
+              <a:rPr lang="th-TH" dirty="0">
+                <a:latin typeface="TH Sarabun New" pitchFamily="34" charset="-34"/>
+                <a:cs typeface="TH Sarabun New" pitchFamily="34" charset="-34"/>
+              </a:rPr>
               <a:t>จัดตารางเวลาโปรแกรมการสอนของผู้ช่วยฝึกส่วน</a:t>
             </a:r>
             <a:r>
-              <a:rPr lang="th-TH" dirty="0" smtClean="0"/>
+              <a:rPr lang="th-TH" dirty="0" smtClean="0">
+                <a:latin typeface="TH Sarabun New" pitchFamily="34" charset="-34"/>
+                <a:cs typeface="TH Sarabun New" pitchFamily="34" charset="-34"/>
+              </a:rPr>
               <a:t>บุคคล</a:t>
             </a:r>
           </a:p>
           <a:p>
-            <a:r>
-              <a:rPr lang="th-TH" dirty="0" smtClean="0"/>
+            <a:pPr algn="thaiDist"/>
+            <a:r>
+              <a:rPr lang="th-TH" dirty="0" smtClean="0">
+                <a:latin typeface="TH Sarabun New" pitchFamily="34" charset="-34"/>
+                <a:cs typeface="TH Sarabun New" pitchFamily="34" charset="-34"/>
+              </a:rPr>
               <a:t>สามารถ</a:t>
             </a:r>
             <a:r>
-              <a:rPr lang="th-TH" dirty="0"/>
+              <a:rPr lang="th-TH" dirty="0">
+                <a:latin typeface="TH Sarabun New" pitchFamily="34" charset="-34"/>
+                <a:cs typeface="TH Sarabun New" pitchFamily="34" charset="-34"/>
+              </a:rPr>
               <a:t>จัดเก็บ เพิ่ม ลบ แก้ไข และค้นหาข้อมูลของโปรแกรมการสอนออก</a:t>
             </a:r>
             <a:r>
-              <a:rPr lang="th-TH" dirty="0" smtClean="0"/>
-              <a:t>กำลัง</a:t>
-            </a:r>
-            <a:r>
-              <a:rPr lang="th-TH" dirty="0" smtClean="0"/>
-              <a:t>กาย</a:t>
-            </a:r>
-            <a:endParaRPr lang="th-TH" dirty="0"/>
-          </a:p>
-          <a:p>
-            <a:r>
-              <a:rPr lang="th-TH" dirty="0" smtClean="0"/>
+              <a:rPr lang="th-TH" dirty="0" smtClean="0">
+                <a:latin typeface="TH Sarabun New" pitchFamily="34" charset="-34"/>
+                <a:cs typeface="TH Sarabun New" pitchFamily="34" charset="-34"/>
+              </a:rPr>
+              <a:t>กำลังกาย</a:t>
+            </a:r>
+            <a:endParaRPr lang="th-TH" dirty="0">
+              <a:latin typeface="TH Sarabun New" pitchFamily="34" charset="-34"/>
+              <a:cs typeface="TH Sarabun New" pitchFamily="34" charset="-34"/>
+            </a:endParaRPr>
+          </a:p>
+          <a:p>
+            <a:pPr algn="thaiDist"/>
+            <a:r>
+              <a:rPr lang="th-TH" dirty="0" smtClean="0">
+                <a:latin typeface="TH Sarabun New" pitchFamily="34" charset="-34"/>
+                <a:cs typeface="TH Sarabun New" pitchFamily="34" charset="-34"/>
+              </a:rPr>
               <a:t>สามารถ</a:t>
             </a:r>
             <a:r>
-              <a:rPr lang="th-TH" dirty="0"/>
+              <a:rPr lang="th-TH" dirty="0">
+                <a:latin typeface="TH Sarabun New" pitchFamily="34" charset="-34"/>
+                <a:cs typeface="TH Sarabun New" pitchFamily="34" charset="-34"/>
+              </a:rPr>
               <a:t>จัดเก็บตารางการทำงานของพนักงานผู้ช่วยฝึกส่วน</a:t>
             </a:r>
             <a:r>
-              <a:rPr lang="th-TH" dirty="0" smtClean="0"/>
+              <a:rPr lang="th-TH" dirty="0" smtClean="0">
+                <a:latin typeface="TH Sarabun New" pitchFamily="34" charset="-34"/>
+                <a:cs typeface="TH Sarabun New" pitchFamily="34" charset="-34"/>
+              </a:rPr>
               <a:t>บุคคล</a:t>
             </a:r>
           </a:p>
           <a:p>
-            <a:r>
-              <a:rPr lang="th-TH" dirty="0" smtClean="0"/>
+            <a:pPr algn="thaiDist"/>
+            <a:r>
+              <a:rPr lang="th-TH" dirty="0" smtClean="0">
+                <a:latin typeface="TH Sarabun New" pitchFamily="34" charset="-34"/>
+                <a:cs typeface="TH Sarabun New" pitchFamily="34" charset="-34"/>
+              </a:rPr>
               <a:t>สามารถ</a:t>
             </a:r>
             <a:r>
-              <a:rPr lang="th-TH" dirty="0"/>
+              <a:rPr lang="th-TH" dirty="0">
+                <a:latin typeface="TH Sarabun New" pitchFamily="34" charset="-34"/>
+                <a:cs typeface="TH Sarabun New" pitchFamily="34" charset="-34"/>
+              </a:rPr>
               <a:t>จัดเก็บจำนวนสมาชิกที่เข้าเรียนในแต่ละชั้นเรียน</a:t>
             </a:r>
           </a:p>
           <a:p>
-            <a:pPr marL="457200" indent="-457200">
+            <a:pPr marL="457200" indent="-457200" algn="thaiDist">
               <a:buAutoNum type="arabicPeriod" startAt="2"/>
             </a:pPr>
-            <a:endParaRPr lang="th-TH" b="1" dirty="0"/>
+            <a:endParaRPr lang="th-TH" b="1" dirty="0">
+              <a:latin typeface="TH Sarabun New" pitchFamily="34" charset="-34"/>
+              <a:cs typeface="TH Sarabun New" pitchFamily="34" charset="-34"/>
+            </a:endParaRPr>
           </a:p>
         </p:txBody>
       </p:sp>
@@ -6051,32 +6346,49 @@
           <a:lstStyle/>
           <a:p>
             <a:r>
-              <a:rPr lang="th-TH" dirty="0"/>
+              <a:rPr lang="th-TH" b="1" dirty="0">
+                <a:latin typeface="TH Sarabun New" pitchFamily="34" charset="-34"/>
+                <a:cs typeface="TH Sarabun New" pitchFamily="34" charset="-34"/>
+              </a:rPr>
               <a:t>ระบบจัดการสินค้าคงคลัง </a:t>
             </a:r>
             <a:r>
-              <a:rPr lang="en-US" dirty="0" smtClean="0"/>
+              <a:rPr lang="en-US" b="1" dirty="0" smtClean="0">
+                <a:latin typeface="TH Sarabun New" pitchFamily="34" charset="-34"/>
+                <a:cs typeface="TH Sarabun New" pitchFamily="34" charset="-34"/>
+              </a:rPr>
               <a:t/>
             </a:r>
             <a:br>
-              <a:rPr lang="en-US" dirty="0" smtClean="0"/>
+              <a:rPr lang="en-US" b="1" dirty="0" smtClean="0">
+                <a:latin typeface="TH Sarabun New" pitchFamily="34" charset="-34"/>
+                <a:cs typeface="TH Sarabun New" pitchFamily="34" charset="-34"/>
+              </a:rPr>
             </a:br>
             <a:r>
-              <a:rPr lang="en-US" dirty="0" smtClean="0"/>
+              <a:rPr lang="en-US" b="1" dirty="0" smtClean="0">
+                <a:latin typeface="TH Sarabun New" pitchFamily="34" charset="-34"/>
+                <a:cs typeface="TH Sarabun New" pitchFamily="34" charset="-34"/>
+              </a:rPr>
               <a:t>(</a:t>
             </a:r>
             <a:r>
-              <a:rPr lang="en-US" dirty="0"/>
+              <a:rPr lang="en-US" b="1" dirty="0">
+                <a:latin typeface="TH Sarabun New" pitchFamily="34" charset="-34"/>
+                <a:cs typeface="TH Sarabun New" pitchFamily="34" charset="-34"/>
+              </a:rPr>
               <a:t>Inventory Management) </a:t>
             </a:r>
-            <a:r>
-              <a:rPr lang="en-US" b="1" dirty="0"/>
-              <a:t/>
-            </a:r>
             <a:br>
-              <a:rPr lang="en-US" b="1" dirty="0"/>
+              <a:rPr lang="en-US" b="1" dirty="0">
+                <a:latin typeface="TH Sarabun New" pitchFamily="34" charset="-34"/>
+                <a:cs typeface="TH Sarabun New" pitchFamily="34" charset="-34"/>
+              </a:rPr>
             </a:br>
-            <a:endParaRPr lang="th-TH" dirty="0"/>
+            <a:endParaRPr lang="th-TH" b="1" dirty="0">
+              <a:latin typeface="TH Sarabun New" pitchFamily="34" charset="-34"/>
+              <a:cs typeface="TH Sarabun New" pitchFamily="34" charset="-34"/>
+            </a:endParaRPr>
           </a:p>
         </p:txBody>
       </p:sp>
@@ -6093,12 +6405,12 @@
         <p:spPr>
           <a:xfrm>
             <a:off x="457200" y="1936751"/>
-            <a:ext cx="8229600" cy="2590800"/>
+            <a:ext cx="8229600" cy="2826635"/>
           </a:xfrm>
         </p:spPr>
         <p:txBody>
           <a:bodyPr>
-            <a:normAutofit/>
+            <a:noAutofit/>
           </a:bodyPr>
           <a:lstStyle/>
           <a:p>
@@ -6106,54 +6418,90 @@
               <a:buNone/>
             </a:pPr>
             <a:r>
-              <a:rPr lang="th-TH" sz="2500" dirty="0" smtClean="0"/>
-              <a:t>เป็น</a:t>
-            </a:r>
-            <a:r>
-              <a:rPr lang="th-TH" sz="2500" dirty="0"/>
+              <a:rPr lang="th-TH" dirty="0" smtClean="0">
+                <a:latin typeface="TH Sarabun New" pitchFamily="34" charset="-34"/>
+                <a:cs typeface="TH Sarabun New" pitchFamily="34" charset="-34"/>
+              </a:rPr>
+              <a:t>	เป็น</a:t>
+            </a:r>
+            <a:r>
+              <a:rPr lang="th-TH" dirty="0">
+                <a:latin typeface="TH Sarabun New" pitchFamily="34" charset="-34"/>
+                <a:cs typeface="TH Sarabun New" pitchFamily="34" charset="-34"/>
+              </a:rPr>
               <a:t>ส่วนสำหรับพนักงานบริการลูกค้าและพนักงานบัญชี ใช้ตรวจสอบยอดขาย </a:t>
             </a:r>
             <a:r>
-              <a:rPr lang="th-TH" sz="2500" dirty="0" smtClean="0"/>
+              <a:rPr lang="th-TH" dirty="0" smtClean="0">
+                <a:latin typeface="TH Sarabun New" pitchFamily="34" charset="-34"/>
+                <a:cs typeface="TH Sarabun New" pitchFamily="34" charset="-34"/>
+              </a:rPr>
               <a:t>และจำนวน</a:t>
             </a:r>
             <a:r>
-              <a:rPr lang="th-TH" sz="2500" dirty="0"/>
+              <a:rPr lang="th-TH" dirty="0">
+                <a:latin typeface="TH Sarabun New" pitchFamily="34" charset="-34"/>
+                <a:cs typeface="TH Sarabun New" pitchFamily="34" charset="-34"/>
+              </a:rPr>
               <a:t>สินค้าคงคลัง</a:t>
             </a:r>
           </a:p>
           <a:p>
             <a:r>
-              <a:rPr lang="th-TH" sz="2500" dirty="0" smtClean="0"/>
+              <a:rPr lang="th-TH" dirty="0" smtClean="0">
+                <a:latin typeface="TH Sarabun New" pitchFamily="34" charset="-34"/>
+                <a:cs typeface="TH Sarabun New" pitchFamily="34" charset="-34"/>
+              </a:rPr>
               <a:t>สามารถ</a:t>
             </a:r>
             <a:r>
-              <a:rPr lang="th-TH" sz="2500" dirty="0"/>
+              <a:rPr lang="th-TH" dirty="0">
+                <a:latin typeface="TH Sarabun New" pitchFamily="34" charset="-34"/>
+                <a:cs typeface="TH Sarabun New" pitchFamily="34" charset="-34"/>
+              </a:rPr>
               <a:t>ตรวจสอบยอดขายประจำวัน</a:t>
             </a:r>
             <a:r>
-              <a:rPr lang="th-TH" sz="2500" dirty="0" smtClean="0"/>
+              <a:rPr lang="th-TH" dirty="0" smtClean="0">
+                <a:latin typeface="TH Sarabun New" pitchFamily="34" charset="-34"/>
+                <a:cs typeface="TH Sarabun New" pitchFamily="34" charset="-34"/>
+              </a:rPr>
               <a:t>ได้</a:t>
             </a:r>
           </a:p>
           <a:p>
             <a:r>
-              <a:rPr lang="th-TH" sz="2500" dirty="0" smtClean="0"/>
+              <a:rPr lang="th-TH" dirty="0" smtClean="0">
+                <a:latin typeface="TH Sarabun New" pitchFamily="34" charset="-34"/>
+                <a:cs typeface="TH Sarabun New" pitchFamily="34" charset="-34"/>
+              </a:rPr>
               <a:t>สามารถ</a:t>
             </a:r>
             <a:r>
-              <a:rPr lang="th-TH" sz="2500" dirty="0"/>
+              <a:rPr lang="th-TH" dirty="0">
+                <a:latin typeface="TH Sarabun New" pitchFamily="34" charset="-34"/>
+                <a:cs typeface="TH Sarabun New" pitchFamily="34" charset="-34"/>
+              </a:rPr>
               <a:t>จัดการรายละเอียดข้อมูลสินค้าได้ </a:t>
             </a:r>
-            <a:endParaRPr lang="th-TH" sz="2500" dirty="0" smtClean="0"/>
-          </a:p>
-          <a:p>
-            <a:r>
-              <a:rPr lang="th-TH" sz="2500" dirty="0" smtClean="0"/>
+            <a:endParaRPr lang="th-TH" dirty="0" smtClean="0">
+              <a:latin typeface="TH Sarabun New" pitchFamily="34" charset="-34"/>
+              <a:cs typeface="TH Sarabun New" pitchFamily="34" charset="-34"/>
+            </a:endParaRPr>
+          </a:p>
+          <a:p>
+            <a:r>
+              <a:rPr lang="th-TH" dirty="0" smtClean="0">
+                <a:latin typeface="TH Sarabun New" pitchFamily="34" charset="-34"/>
+                <a:cs typeface="TH Sarabun New" pitchFamily="34" charset="-34"/>
+              </a:rPr>
               <a:t>สามารถ</a:t>
             </a:r>
             <a:r>
-              <a:rPr lang="th-TH" sz="2500" dirty="0"/>
+              <a:rPr lang="th-TH" dirty="0">
+                <a:latin typeface="TH Sarabun New" pitchFamily="34" charset="-34"/>
+                <a:cs typeface="TH Sarabun New" pitchFamily="34" charset="-34"/>
+              </a:rPr>
               <a:t>จัดการสินค้าในคลังสินค้าได้</a:t>
             </a:r>
           </a:p>
@@ -6161,7 +6509,10 @@
             <a:pPr marL="457200" indent="-457200">
               <a:buAutoNum type="arabicPeriod" startAt="4"/>
             </a:pPr>
-            <a:endParaRPr lang="th-TH" sz="2500" b="1" dirty="0"/>
+            <a:endParaRPr lang="th-TH" b="1" dirty="0">
+              <a:latin typeface="TH Sarabun New" pitchFamily="34" charset="-34"/>
+              <a:cs typeface="TH Sarabun New" pitchFamily="34" charset="-34"/>
+            </a:endParaRPr>
           </a:p>
         </p:txBody>
       </p:sp>
@@ -6220,25 +6571,43 @@
           <a:lstStyle/>
           <a:p>
             <a:r>
-              <a:rPr lang="th-TH" dirty="0"/>
+              <a:rPr lang="th-TH" b="1" dirty="0">
+                <a:latin typeface="TH Sarabun New" pitchFamily="34" charset="-34"/>
+                <a:cs typeface="TH Sarabun New" pitchFamily="34" charset="-34"/>
+              </a:rPr>
               <a:t>ระบบออกรายงาน </a:t>
             </a:r>
             <a:r>
-              <a:rPr lang="th-TH" dirty="0" smtClean="0"/>
+              <a:rPr lang="th-TH" b="1" dirty="0" smtClean="0">
+                <a:latin typeface="TH Sarabun New" pitchFamily="34" charset="-34"/>
+                <a:cs typeface="TH Sarabun New" pitchFamily="34" charset="-34"/>
+              </a:rPr>
               <a:t/>
             </a:r>
             <a:br>
-              <a:rPr lang="th-TH" dirty="0" smtClean="0"/>
+              <a:rPr lang="th-TH" b="1" dirty="0" smtClean="0">
+                <a:latin typeface="TH Sarabun New" pitchFamily="34" charset="-34"/>
+                <a:cs typeface="TH Sarabun New" pitchFamily="34" charset="-34"/>
+              </a:rPr>
             </a:br>
             <a:r>
-              <a:rPr lang="th-TH" dirty="0" smtClean="0"/>
+              <a:rPr lang="th-TH" b="1" dirty="0" smtClean="0">
+                <a:latin typeface="TH Sarabun New" pitchFamily="34" charset="-34"/>
+                <a:cs typeface="TH Sarabun New" pitchFamily="34" charset="-34"/>
+              </a:rPr>
               <a:t>(</a:t>
             </a:r>
             <a:r>
-              <a:rPr lang="en-US" dirty="0"/>
+              <a:rPr lang="en-US" b="1" dirty="0">
+                <a:latin typeface="TH Sarabun New" pitchFamily="34" charset="-34"/>
+                <a:cs typeface="TH Sarabun New" pitchFamily="34" charset="-34"/>
+              </a:rPr>
               <a:t>Report Management)</a:t>
             </a:r>
-            <a:endParaRPr lang="th-TH" dirty="0"/>
+            <a:endParaRPr lang="th-TH" b="1" dirty="0">
+              <a:latin typeface="TH Sarabun New" pitchFamily="34" charset="-34"/>
+              <a:cs typeface="TH Sarabun New" pitchFamily="34" charset="-34"/>
+            </a:endParaRPr>
           </a:p>
         </p:txBody>
       </p:sp>
@@ -6268,57 +6637,320 @@
               <a:buNone/>
             </a:pPr>
             <a:r>
-              <a:rPr lang="th-TH" dirty="0" smtClean="0"/>
-              <a:t>เป็น</a:t>
-            </a:r>
-            <a:r>
-              <a:rPr lang="th-TH" dirty="0"/>
+              <a:rPr lang="th-TH" dirty="0" smtClean="0">
+                <a:latin typeface="TH Sarabun New" pitchFamily="34" charset="-34"/>
+                <a:cs typeface="TH Sarabun New" pitchFamily="34" charset="-34"/>
+              </a:rPr>
+              <a:t>	เป็น</a:t>
+            </a:r>
+            <a:r>
+              <a:rPr lang="th-TH" dirty="0">
+                <a:latin typeface="TH Sarabun New" pitchFamily="34" charset="-34"/>
+                <a:cs typeface="TH Sarabun New" pitchFamily="34" charset="-34"/>
+              </a:rPr>
               <a:t>ระบบที่ใช้ในการออกรายงานเพื่อสนับสนุนการทำงานของพนักงานแต่ละหน้าที่ โดยระบบจะประกอบไปด้วยรายงานดังต่อไปนี้</a:t>
             </a:r>
           </a:p>
           <a:p>
             <a:r>
-              <a:rPr lang="th-TH" dirty="0" smtClean="0"/>
+              <a:rPr lang="th-TH" dirty="0" smtClean="0">
+                <a:latin typeface="TH Sarabun New" pitchFamily="34" charset="-34"/>
+                <a:cs typeface="TH Sarabun New" pitchFamily="34" charset="-34"/>
+              </a:rPr>
               <a:t>รายงาน</a:t>
             </a:r>
             <a:r>
-              <a:rPr lang="th-TH" dirty="0"/>
+              <a:rPr lang="th-TH" dirty="0">
+                <a:latin typeface="TH Sarabun New" pitchFamily="34" charset="-34"/>
+                <a:cs typeface="TH Sarabun New" pitchFamily="34" charset="-34"/>
+              </a:rPr>
               <a:t>ข้อมูลสมาชิกประเภท</a:t>
             </a:r>
             <a:r>
-              <a:rPr lang="th-TH" dirty="0" smtClean="0"/>
+              <a:rPr lang="th-TH" dirty="0" smtClean="0">
+                <a:latin typeface="TH Sarabun New" pitchFamily="34" charset="-34"/>
+                <a:cs typeface="TH Sarabun New" pitchFamily="34" charset="-34"/>
+              </a:rPr>
               <a:t>ต่างๆ </a:t>
             </a:r>
-            <a:endParaRPr lang="th-TH" dirty="0" smtClean="0"/>
-          </a:p>
-          <a:p>
-            <a:r>
-              <a:rPr lang="th-TH" dirty="0" smtClean="0"/>
+          </a:p>
+          <a:p>
+            <a:r>
+              <a:rPr lang="th-TH" dirty="0" smtClean="0">
+                <a:latin typeface="TH Sarabun New" pitchFamily="34" charset="-34"/>
+                <a:cs typeface="TH Sarabun New" pitchFamily="34" charset="-34"/>
+              </a:rPr>
               <a:t>รายงาน</a:t>
             </a:r>
             <a:r>
-              <a:rPr lang="th-TH" dirty="0"/>
+              <a:rPr lang="th-TH" dirty="0">
+                <a:latin typeface="TH Sarabun New" pitchFamily="34" charset="-34"/>
+                <a:cs typeface="TH Sarabun New" pitchFamily="34" charset="-34"/>
+              </a:rPr>
               <a:t>ข้อมูลรายรับ</a:t>
             </a:r>
             <a:r>
-              <a:rPr lang="th-TH" dirty="0" smtClean="0"/>
+              <a:rPr lang="th-TH" dirty="0" smtClean="0">
+                <a:latin typeface="TH Sarabun New" pitchFamily="34" charset="-34"/>
+                <a:cs typeface="TH Sarabun New" pitchFamily="34" charset="-34"/>
+              </a:rPr>
               <a:t>รายจ่าย</a:t>
             </a:r>
           </a:p>
           <a:p>
             <a:r>
-              <a:rPr lang="th-TH" dirty="0" smtClean="0"/>
+              <a:rPr lang="th-TH" dirty="0" smtClean="0">
+                <a:latin typeface="TH Sarabun New" pitchFamily="34" charset="-34"/>
+                <a:cs typeface="TH Sarabun New" pitchFamily="34" charset="-34"/>
+              </a:rPr>
               <a:t>รายงาน</a:t>
             </a:r>
             <a:r>
-              <a:rPr lang="th-TH" dirty="0"/>
-              <a:t>ฉบับนี้เป็นรายงานสรุปผล</a:t>
-            </a:r>
-            <a:r>
-              <a:rPr lang="th-TH" dirty="0" smtClean="0"/>
+              <a:rPr lang="th-TH" dirty="0">
+                <a:latin typeface="TH Sarabun New" pitchFamily="34" charset="-34"/>
+                <a:cs typeface="TH Sarabun New" pitchFamily="34" charset="-34"/>
+              </a:rPr>
+              <a:t>สรุปผล</a:t>
+            </a:r>
+            <a:r>
+              <a:rPr lang="th-TH" dirty="0" smtClean="0">
+                <a:latin typeface="TH Sarabun New" pitchFamily="34" charset="-34"/>
+                <a:cs typeface="TH Sarabun New" pitchFamily="34" charset="-34"/>
+              </a:rPr>
               <a:t>ยอดขาย</a:t>
             </a:r>
-            <a:endParaRPr lang="th-TH" b="1" dirty="0"/>
+            <a:endParaRPr lang="th-TH" b="1" dirty="0">
+              <a:latin typeface="TH Sarabun New" pitchFamily="34" charset="-34"/>
+              <a:cs typeface="TH Sarabun New" pitchFamily="34" charset="-34"/>
+            </a:endParaRPr>
+          </a:p>
+        </p:txBody>
+      </p:sp>
+      <p:sp>
+        <p:nvSpPr>
+          <p:cNvPr id="4" name="Content Placeholder 2"/>
+          <p:cNvSpPr txBox="1">
+            <a:spLocks/>
+          </p:cNvSpPr>
+          <p:nvPr/>
+        </p:nvSpPr>
+        <p:spPr>
+          <a:xfrm>
+            <a:off x="4773574" y="3302887"/>
+            <a:ext cx="3856075" cy="3105150"/>
+          </a:xfrm>
+          <a:prstGeom prst="rect">
+            <a:avLst/>
+          </a:prstGeom>
+        </p:spPr>
+        <p:style>
+          <a:lnRef idx="1">
+            <a:schemeClr val="accent2"/>
+          </a:lnRef>
+          <a:fillRef idx="2">
+            <a:schemeClr val="accent2"/>
+          </a:fillRef>
+          <a:effectRef idx="1">
+            <a:schemeClr val="accent2"/>
+          </a:effectRef>
+          <a:fontRef idx="minor">
+            <a:schemeClr val="dk1"/>
+          </a:fontRef>
+        </p:style>
+        <p:txBody>
+          <a:bodyPr vert="horz" lIns="91440" tIns="45720" rIns="91440" bIns="45720" rtlCol="0">
+            <a:normAutofit fontScale="85000" lnSpcReduction="20000"/>
+          </a:bodyPr>
+          <a:lstStyle>
+            <a:lvl1pPr marL="342900" indent="-342900" algn="l" defTabSz="457200" rtl="0" eaLnBrk="1" latinLnBrk="0" hangingPunct="1">
+              <a:spcBef>
+                <a:spcPct val="20000"/>
+              </a:spcBef>
+              <a:buFont typeface="Arial"/>
+              <a:buChar char="•"/>
+              <a:defRPr sz="3200" kern="1200">
+                <a:solidFill>
+                  <a:srgbClr val="000000"/>
+                </a:solidFill>
+                <a:latin typeface="+mn-lt"/>
+                <a:ea typeface="+mn-ea"/>
+                <a:cs typeface="+mn-cs"/>
+              </a:defRPr>
+            </a:lvl1pPr>
+            <a:lvl2pPr marL="742950" indent="-285750" algn="l" defTabSz="457200" rtl="0" eaLnBrk="1" latinLnBrk="0" hangingPunct="1">
+              <a:spcBef>
+                <a:spcPct val="20000"/>
+              </a:spcBef>
+              <a:buFont typeface="Arial"/>
+              <a:buChar char="–"/>
+              <a:defRPr sz="2800" kern="1200">
+                <a:solidFill>
+                  <a:srgbClr val="000000"/>
+                </a:solidFill>
+                <a:latin typeface="+mn-lt"/>
+                <a:ea typeface="+mn-ea"/>
+                <a:cs typeface="+mn-cs"/>
+              </a:defRPr>
+            </a:lvl2pPr>
+            <a:lvl3pPr marL="1143000" indent="-228600" algn="l" defTabSz="457200" rtl="0" eaLnBrk="1" latinLnBrk="0" hangingPunct="1">
+              <a:spcBef>
+                <a:spcPct val="20000"/>
+              </a:spcBef>
+              <a:buFont typeface="Arial"/>
+              <a:buChar char="•"/>
+              <a:defRPr sz="2400" kern="1200">
+                <a:solidFill>
+                  <a:srgbClr val="000000"/>
+                </a:solidFill>
+                <a:latin typeface="+mn-lt"/>
+                <a:ea typeface="+mn-ea"/>
+                <a:cs typeface="+mn-cs"/>
+              </a:defRPr>
+            </a:lvl3pPr>
+            <a:lvl4pPr marL="1600200" indent="-228600" algn="l" defTabSz="457200" rtl="0" eaLnBrk="1" latinLnBrk="0" hangingPunct="1">
+              <a:spcBef>
+                <a:spcPct val="20000"/>
+              </a:spcBef>
+              <a:buFont typeface="Arial"/>
+              <a:buChar char="–"/>
+              <a:defRPr sz="2000" kern="1200">
+                <a:solidFill>
+                  <a:srgbClr val="000000"/>
+                </a:solidFill>
+                <a:latin typeface="+mn-lt"/>
+                <a:ea typeface="+mn-ea"/>
+                <a:cs typeface="+mn-cs"/>
+              </a:defRPr>
+            </a:lvl4pPr>
+            <a:lvl5pPr marL="2057400" indent="-228600" algn="l" defTabSz="457200" rtl="0" eaLnBrk="1" latinLnBrk="0" hangingPunct="1">
+              <a:spcBef>
+                <a:spcPct val="20000"/>
+              </a:spcBef>
+              <a:buFont typeface="Arial"/>
+              <a:buChar char="»"/>
+              <a:defRPr sz="2000" kern="1200">
+                <a:solidFill>
+                  <a:srgbClr val="000000"/>
+                </a:solidFill>
+                <a:latin typeface="+mn-lt"/>
+                <a:ea typeface="+mn-ea"/>
+                <a:cs typeface="+mn-cs"/>
+              </a:defRPr>
+            </a:lvl5pPr>
+            <a:lvl6pPr marL="2514600" indent="-228600" algn="l" defTabSz="457200" rtl="0" eaLnBrk="1" latinLnBrk="0" hangingPunct="1">
+              <a:spcBef>
+                <a:spcPct val="20000"/>
+              </a:spcBef>
+              <a:buFont typeface="Arial"/>
+              <a:buChar char="•"/>
+              <a:defRPr sz="2000" kern="1200">
+                <a:solidFill>
+                  <a:schemeClr val="tx1"/>
+                </a:solidFill>
+                <a:latin typeface="+mn-lt"/>
+                <a:ea typeface="+mn-ea"/>
+                <a:cs typeface="+mn-cs"/>
+              </a:defRPr>
+            </a:lvl6pPr>
+            <a:lvl7pPr marL="2971800" indent="-228600" algn="l" defTabSz="457200" rtl="0" eaLnBrk="1" latinLnBrk="0" hangingPunct="1">
+              <a:spcBef>
+                <a:spcPct val="20000"/>
+              </a:spcBef>
+              <a:buFont typeface="Arial"/>
+              <a:buChar char="•"/>
+              <a:defRPr sz="2000" kern="1200">
+                <a:solidFill>
+                  <a:schemeClr val="tx1"/>
+                </a:solidFill>
+                <a:latin typeface="+mn-lt"/>
+                <a:ea typeface="+mn-ea"/>
+                <a:cs typeface="+mn-cs"/>
+              </a:defRPr>
+            </a:lvl7pPr>
+            <a:lvl8pPr marL="3429000" indent="-228600" algn="l" defTabSz="457200" rtl="0" eaLnBrk="1" latinLnBrk="0" hangingPunct="1">
+              <a:spcBef>
+                <a:spcPct val="20000"/>
+              </a:spcBef>
+              <a:buFont typeface="Arial"/>
+              <a:buChar char="•"/>
+              <a:defRPr sz="2000" kern="1200">
+                <a:solidFill>
+                  <a:schemeClr val="tx1"/>
+                </a:solidFill>
+                <a:latin typeface="+mn-lt"/>
+                <a:ea typeface="+mn-ea"/>
+                <a:cs typeface="+mn-cs"/>
+              </a:defRPr>
+            </a:lvl8pPr>
+            <a:lvl9pPr marL="3886200" indent="-228600" algn="l" defTabSz="457200" rtl="0" eaLnBrk="1" latinLnBrk="0" hangingPunct="1">
+              <a:spcBef>
+                <a:spcPct val="20000"/>
+              </a:spcBef>
+              <a:buFont typeface="Arial"/>
+              <a:buChar char="•"/>
+              <a:defRPr sz="2000" kern="1200">
+                <a:solidFill>
+                  <a:schemeClr val="tx1"/>
+                </a:solidFill>
+                <a:latin typeface="+mn-lt"/>
+                <a:ea typeface="+mn-ea"/>
+                <a:cs typeface="+mn-cs"/>
+              </a:defRPr>
+            </a:lvl9pPr>
+          </a:lstStyle>
+          <a:p>
+            <a:pPr algn="thaiDist"/>
+            <a:r>
+              <a:rPr lang="th-TH" dirty="0" smtClean="0">
+                <a:latin typeface="TH Sarabun New" pitchFamily="34" charset="-34"/>
+                <a:cs typeface="TH Sarabun New" pitchFamily="34" charset="-34"/>
+              </a:rPr>
+              <a:t>รายงานบันทึกข้อมูลการสอนของผู้ช่วยฝึกสอน</a:t>
+            </a:r>
+          </a:p>
+          <a:p>
+            <a:pPr algn="thaiDist"/>
+            <a:r>
+              <a:rPr lang="th-TH" dirty="0" smtClean="0">
+                <a:latin typeface="TH Sarabun New" pitchFamily="34" charset="-34"/>
+                <a:cs typeface="TH Sarabun New" pitchFamily="34" charset="-34"/>
+              </a:rPr>
+              <a:t>รายงานจำนวนสมาชิกที่เข้าใช้บริการในแต่ละชั้นเรียน</a:t>
+            </a:r>
+          </a:p>
+          <a:p>
+            <a:pPr algn="thaiDist"/>
+            <a:r>
+              <a:rPr lang="th-TH" dirty="0" smtClean="0">
+                <a:latin typeface="TH Sarabun New" pitchFamily="34" charset="-34"/>
+                <a:cs typeface="TH Sarabun New" pitchFamily="34" charset="-34"/>
+              </a:rPr>
+              <a:t>รายงานประจำเดือนค่านายหน้าของพนักงาน</a:t>
+            </a:r>
+          </a:p>
+          <a:p>
+            <a:pPr algn="thaiDist"/>
+            <a:r>
+              <a:rPr lang="th-TH" dirty="0" smtClean="0">
+                <a:latin typeface="TH Sarabun New" pitchFamily="34" charset="-34"/>
+                <a:cs typeface="TH Sarabun New" pitchFamily="34" charset="-34"/>
+              </a:rPr>
+              <a:t>รายงานสินค้าคงคลัง</a:t>
+            </a:r>
+          </a:p>
+          <a:p>
+            <a:pPr algn="thaiDist"/>
+            <a:r>
+              <a:rPr lang="th-TH" dirty="0" smtClean="0">
+                <a:latin typeface="TH Sarabun New" pitchFamily="34" charset="-34"/>
+                <a:cs typeface="TH Sarabun New" pitchFamily="34" charset="-34"/>
+              </a:rPr>
+              <a:t>รายงานสรุปยอดขายประจำวัน</a:t>
+            </a:r>
+            <a:endParaRPr lang="th-TH" dirty="0">
+              <a:latin typeface="TH Sarabun New" pitchFamily="34" charset="-34"/>
+              <a:cs typeface="TH Sarabun New" pitchFamily="34" charset="-34"/>
+            </a:endParaRPr>
           </a:p>
         </p:txBody>
       </p:sp>
@@ -6335,9 +6967,390 @@
   <p:timing>
     <p:tnLst>
       <p:par>
-        <p:cTn id="1" dur="indefinite" restart="never" nodeType="tmRoot"/>
+        <p:cTn id="1" dur="indefinite" restart="never" nodeType="tmRoot">
+          <p:childTnLst>
+            <p:seq concurrent="1" nextAc="seek">
+              <p:cTn id="2" dur="indefinite" nodeType="mainSeq">
+                <p:childTnLst>
+                  <p:par>
+                    <p:cTn id="3" fill="hold">
+                      <p:stCondLst>
+                        <p:cond delay="indefinite"/>
+                      </p:stCondLst>
+                      <p:childTnLst>
+                        <p:par>
+                          <p:cTn id="4" fill="hold">
+                            <p:stCondLst>
+                              <p:cond delay="0"/>
+                            </p:stCondLst>
+                            <p:childTnLst>
+                              <p:par>
+                                <p:cTn id="5" presetID="10" presetClass="entr" presetSubtype="0" fill="hold" grpId="0" nodeType="clickEffect">
+                                  <p:stCondLst>
+                                    <p:cond delay="0"/>
+                                  </p:stCondLst>
+                                  <p:childTnLst>
+                                    <p:set>
+                                      <p:cBhvr>
+                                        <p:cTn id="6" dur="1" fill="hold">
+                                          <p:stCondLst>
+                                            <p:cond delay="0"/>
+                                          </p:stCondLst>
+                                        </p:cTn>
+                                        <p:tgtEl>
+                                          <p:spTgt spid="3">
+                                            <p:bg/>
+                                          </p:spTgt>
+                                        </p:tgtEl>
+                                        <p:attrNameLst>
+                                          <p:attrName>style.visibility</p:attrName>
+                                        </p:attrNameLst>
+                                      </p:cBhvr>
+                                      <p:to>
+                                        <p:strVal val="visible"/>
+                                      </p:to>
+                                    </p:set>
+                                    <p:animEffect transition="in" filter="fade">
+                                      <p:cBhvr>
+                                        <p:cTn id="7" dur="500"/>
+                                        <p:tgtEl>
+                                          <p:spTgt spid="3">
+                                            <p:bg/>
+                                          </p:spTgt>
+                                        </p:tgtEl>
+                                      </p:cBhvr>
+                                    </p:animEffect>
+                                  </p:childTnLst>
+                                </p:cTn>
+                              </p:par>
+                            </p:childTnLst>
+                          </p:cTn>
+                        </p:par>
+                      </p:childTnLst>
+                    </p:cTn>
+                  </p:par>
+                  <p:par>
+                    <p:cTn id="8" fill="hold">
+                      <p:stCondLst>
+                        <p:cond delay="indefinite"/>
+                      </p:stCondLst>
+                      <p:childTnLst>
+                        <p:par>
+                          <p:cTn id="9" fill="hold">
+                            <p:stCondLst>
+                              <p:cond delay="0"/>
+                            </p:stCondLst>
+                            <p:childTnLst>
+                              <p:par>
+                                <p:cTn id="10" presetID="10" presetClass="entr" presetSubtype="0" fill="hold" grpId="0" nodeType="clickEffect">
+                                  <p:stCondLst>
+                                    <p:cond delay="0"/>
+                                  </p:stCondLst>
+                                  <p:childTnLst>
+                                    <p:set>
+                                      <p:cBhvr>
+                                        <p:cTn id="11" dur="1" fill="hold">
+                                          <p:stCondLst>
+                                            <p:cond delay="0"/>
+                                          </p:stCondLst>
+                                        </p:cTn>
+                                        <p:tgtEl>
+                                          <p:spTgt spid="3">
+                                            <p:txEl>
+                                              <p:pRg st="0" end="0"/>
+                                            </p:txEl>
+                                          </p:spTgt>
+                                        </p:tgtEl>
+                                        <p:attrNameLst>
+                                          <p:attrName>style.visibility</p:attrName>
+                                        </p:attrNameLst>
+                                      </p:cBhvr>
+                                      <p:to>
+                                        <p:strVal val="visible"/>
+                                      </p:to>
+                                    </p:set>
+                                    <p:animEffect transition="in" filter="fade">
+                                      <p:cBhvr>
+                                        <p:cTn id="12" dur="500"/>
+                                        <p:tgtEl>
+                                          <p:spTgt spid="3">
+                                            <p:txEl>
+                                              <p:pRg st="0" end="0"/>
+                                            </p:txEl>
+                                          </p:spTgt>
+                                        </p:tgtEl>
+                                      </p:cBhvr>
+                                    </p:animEffect>
+                                  </p:childTnLst>
+                                </p:cTn>
+                              </p:par>
+                            </p:childTnLst>
+                          </p:cTn>
+                        </p:par>
+                      </p:childTnLst>
+                    </p:cTn>
+                  </p:par>
+                  <p:par>
+                    <p:cTn id="13" fill="hold">
+                      <p:stCondLst>
+                        <p:cond delay="indefinite"/>
+                      </p:stCondLst>
+                      <p:childTnLst>
+                        <p:par>
+                          <p:cTn id="14" fill="hold">
+                            <p:stCondLst>
+                              <p:cond delay="0"/>
+                            </p:stCondLst>
+                            <p:childTnLst>
+                              <p:par>
+                                <p:cTn id="15" presetID="10" presetClass="entr" presetSubtype="0" fill="hold" grpId="0" nodeType="clickEffect">
+                                  <p:stCondLst>
+                                    <p:cond delay="0"/>
+                                  </p:stCondLst>
+                                  <p:childTnLst>
+                                    <p:set>
+                                      <p:cBhvr>
+                                        <p:cTn id="16" dur="1" fill="hold">
+                                          <p:stCondLst>
+                                            <p:cond delay="0"/>
+                                          </p:stCondLst>
+                                        </p:cTn>
+                                        <p:tgtEl>
+                                          <p:spTgt spid="3">
+                                            <p:txEl>
+                                              <p:pRg st="1" end="1"/>
+                                            </p:txEl>
+                                          </p:spTgt>
+                                        </p:tgtEl>
+                                        <p:attrNameLst>
+                                          <p:attrName>style.visibility</p:attrName>
+                                        </p:attrNameLst>
+                                      </p:cBhvr>
+                                      <p:to>
+                                        <p:strVal val="visible"/>
+                                      </p:to>
+                                    </p:set>
+                                    <p:animEffect transition="in" filter="fade">
+                                      <p:cBhvr>
+                                        <p:cTn id="17" dur="500"/>
+                                        <p:tgtEl>
+                                          <p:spTgt spid="3">
+                                            <p:txEl>
+                                              <p:pRg st="1" end="1"/>
+                                            </p:txEl>
+                                          </p:spTgt>
+                                        </p:tgtEl>
+                                      </p:cBhvr>
+                                    </p:animEffect>
+                                  </p:childTnLst>
+                                </p:cTn>
+                              </p:par>
+                            </p:childTnLst>
+                          </p:cTn>
+                        </p:par>
+                      </p:childTnLst>
+                    </p:cTn>
+                  </p:par>
+                  <p:par>
+                    <p:cTn id="18" fill="hold">
+                      <p:stCondLst>
+                        <p:cond delay="indefinite"/>
+                      </p:stCondLst>
+                      <p:childTnLst>
+                        <p:par>
+                          <p:cTn id="19" fill="hold">
+                            <p:stCondLst>
+                              <p:cond delay="0"/>
+                            </p:stCondLst>
+                            <p:childTnLst>
+                              <p:par>
+                                <p:cTn id="20" presetID="10" presetClass="entr" presetSubtype="0" fill="hold" grpId="0" nodeType="clickEffect">
+                                  <p:stCondLst>
+                                    <p:cond delay="0"/>
+                                  </p:stCondLst>
+                                  <p:childTnLst>
+                                    <p:set>
+                                      <p:cBhvr>
+                                        <p:cTn id="21" dur="1" fill="hold">
+                                          <p:stCondLst>
+                                            <p:cond delay="0"/>
+                                          </p:stCondLst>
+                                        </p:cTn>
+                                        <p:tgtEl>
+                                          <p:spTgt spid="3">
+                                            <p:txEl>
+                                              <p:pRg st="2" end="2"/>
+                                            </p:txEl>
+                                          </p:spTgt>
+                                        </p:tgtEl>
+                                        <p:attrNameLst>
+                                          <p:attrName>style.visibility</p:attrName>
+                                        </p:attrNameLst>
+                                      </p:cBhvr>
+                                      <p:to>
+                                        <p:strVal val="visible"/>
+                                      </p:to>
+                                    </p:set>
+                                    <p:animEffect transition="in" filter="fade">
+                                      <p:cBhvr>
+                                        <p:cTn id="22" dur="500"/>
+                                        <p:tgtEl>
+                                          <p:spTgt spid="3">
+                                            <p:txEl>
+                                              <p:pRg st="2" end="2"/>
+                                            </p:txEl>
+                                          </p:spTgt>
+                                        </p:tgtEl>
+                                      </p:cBhvr>
+                                    </p:animEffect>
+                                  </p:childTnLst>
+                                </p:cTn>
+                              </p:par>
+                            </p:childTnLst>
+                          </p:cTn>
+                        </p:par>
+                      </p:childTnLst>
+                    </p:cTn>
+                  </p:par>
+                  <p:par>
+                    <p:cTn id="23" fill="hold">
+                      <p:stCondLst>
+                        <p:cond delay="indefinite"/>
+                      </p:stCondLst>
+                      <p:childTnLst>
+                        <p:par>
+                          <p:cTn id="24" fill="hold">
+                            <p:stCondLst>
+                              <p:cond delay="0"/>
+                            </p:stCondLst>
+                            <p:childTnLst>
+                              <p:par>
+                                <p:cTn id="25" presetID="10" presetClass="entr" presetSubtype="0" fill="hold" grpId="0" nodeType="clickEffect">
+                                  <p:stCondLst>
+                                    <p:cond delay="0"/>
+                                  </p:stCondLst>
+                                  <p:childTnLst>
+                                    <p:set>
+                                      <p:cBhvr>
+                                        <p:cTn id="26" dur="1" fill="hold">
+                                          <p:stCondLst>
+                                            <p:cond delay="0"/>
+                                          </p:stCondLst>
+                                        </p:cTn>
+                                        <p:tgtEl>
+                                          <p:spTgt spid="3">
+                                            <p:txEl>
+                                              <p:pRg st="3" end="3"/>
+                                            </p:txEl>
+                                          </p:spTgt>
+                                        </p:tgtEl>
+                                        <p:attrNameLst>
+                                          <p:attrName>style.visibility</p:attrName>
+                                        </p:attrNameLst>
+                                      </p:cBhvr>
+                                      <p:to>
+                                        <p:strVal val="visible"/>
+                                      </p:to>
+                                    </p:set>
+                                    <p:animEffect transition="in" filter="fade">
+                                      <p:cBhvr>
+                                        <p:cTn id="27" dur="500"/>
+                                        <p:tgtEl>
+                                          <p:spTgt spid="3">
+                                            <p:txEl>
+                                              <p:pRg st="3" end="3"/>
+                                            </p:txEl>
+                                          </p:spTgt>
+                                        </p:tgtEl>
+                                      </p:cBhvr>
+                                    </p:animEffect>
+                                  </p:childTnLst>
+                                </p:cTn>
+                              </p:par>
+                            </p:childTnLst>
+                          </p:cTn>
+                        </p:par>
+                      </p:childTnLst>
+                    </p:cTn>
+                  </p:par>
+                  <p:par>
+                    <p:cTn id="28" fill="hold">
+                      <p:stCondLst>
+                        <p:cond delay="indefinite"/>
+                      </p:stCondLst>
+                      <p:childTnLst>
+                        <p:par>
+                          <p:cTn id="29" fill="hold">
+                            <p:stCondLst>
+                              <p:cond delay="0"/>
+                            </p:stCondLst>
+                            <p:childTnLst>
+                              <p:par>
+                                <p:cTn id="30" presetID="10" presetClass="entr" presetSubtype="0" fill="hold" grpId="0" nodeType="clickEffect">
+                                  <p:stCondLst>
+                                    <p:cond delay="0"/>
+                                  </p:stCondLst>
+                                  <p:childTnLst>
+                                    <p:set>
+                                      <p:cBhvr>
+                                        <p:cTn id="31" dur="1" fill="hold">
+                                          <p:stCondLst>
+                                            <p:cond delay="0"/>
+                                          </p:stCondLst>
+                                        </p:cTn>
+                                        <p:tgtEl>
+                                          <p:spTgt spid="4"/>
+                                        </p:tgtEl>
+                                        <p:attrNameLst>
+                                          <p:attrName>style.visibility</p:attrName>
+                                        </p:attrNameLst>
+                                      </p:cBhvr>
+                                      <p:to>
+                                        <p:strVal val="visible"/>
+                                      </p:to>
+                                    </p:set>
+                                    <p:animEffect transition="in" filter="fade">
+                                      <p:cBhvr>
+                                        <p:cTn id="32" dur="500"/>
+                                        <p:tgtEl>
+                                          <p:spTgt spid="4"/>
+                                        </p:tgtEl>
+                                      </p:cBhvr>
+                                    </p:animEffect>
+                                  </p:childTnLst>
+                                </p:cTn>
+                              </p:par>
+                            </p:childTnLst>
+                          </p:cTn>
+                        </p:par>
+                      </p:childTnLst>
+                    </p:cTn>
+                  </p:par>
+                </p:childTnLst>
+              </p:cTn>
+              <p:prevCondLst>
+                <p:cond evt="onPrev" delay="0">
+                  <p:tgtEl>
+                    <p:sldTgt/>
+                  </p:tgtEl>
+                </p:cond>
+              </p:prevCondLst>
+              <p:nextCondLst>
+                <p:cond evt="onNext" delay="0">
+                  <p:tgtEl>
+                    <p:sldTgt/>
+                  </p:tgtEl>
+                </p:cond>
+              </p:nextCondLst>
+            </p:seq>
+          </p:childTnLst>
+        </p:cTn>
       </p:par>
     </p:tnLst>
+    <p:bldLst>
+      <p:bldP spid="3" grpId="0" build="p" animBg="1"/>
+      <p:bldP spid="4" grpId="0" animBg="1"/>
+    </p:bldLst>
   </p:timing>
 </p:sld>
 </file>
@@ -6369,7 +7382,12 @@
             <p:ph type="title"/>
           </p:nvPr>
         </p:nvSpPr>
-        <p:spPr/>
+        <p:spPr>
+          <a:xfrm>
+            <a:off x="457200" y="650501"/>
+            <a:ext cx="7135402" cy="862834"/>
+          </a:xfrm>
+        </p:spPr>
         <p:txBody>
           <a:bodyPr>
             <a:normAutofit fontScale="90000"/>
@@ -6377,25 +7395,43 @@
           <a:lstStyle/>
           <a:p>
             <a:r>
-              <a:rPr lang="th-TH" dirty="0"/>
+              <a:rPr lang="th-TH" b="1" dirty="0">
+                <a:latin typeface="TH Sarabun New" pitchFamily="34" charset="-34"/>
+                <a:cs typeface="TH Sarabun New" pitchFamily="34" charset="-34"/>
+              </a:rPr>
               <a:t>ระบบประเมินเป้าหมายยอดขาย </a:t>
             </a:r>
             <a:r>
-              <a:rPr lang="th-TH" dirty="0" smtClean="0"/>
+              <a:rPr lang="th-TH" b="1" dirty="0" smtClean="0">
+                <a:latin typeface="TH Sarabun New" pitchFamily="34" charset="-34"/>
+                <a:cs typeface="TH Sarabun New" pitchFamily="34" charset="-34"/>
+              </a:rPr>
               <a:t/>
             </a:r>
             <a:br>
-              <a:rPr lang="th-TH" dirty="0" smtClean="0"/>
+              <a:rPr lang="th-TH" b="1" dirty="0" smtClean="0">
+                <a:latin typeface="TH Sarabun New" pitchFamily="34" charset="-34"/>
+                <a:cs typeface="TH Sarabun New" pitchFamily="34" charset="-34"/>
+              </a:rPr>
             </a:br>
             <a:r>
-              <a:rPr lang="th-TH" dirty="0" smtClean="0"/>
+              <a:rPr lang="th-TH" b="1" dirty="0" smtClean="0">
+                <a:latin typeface="TH Sarabun New" pitchFamily="34" charset="-34"/>
+                <a:cs typeface="TH Sarabun New" pitchFamily="34" charset="-34"/>
+              </a:rPr>
               <a:t>(</a:t>
             </a:r>
             <a:r>
-              <a:rPr lang="en-US" dirty="0"/>
+              <a:rPr lang="en-US" b="1" dirty="0">
+                <a:latin typeface="TH Sarabun New" pitchFamily="34" charset="-34"/>
+                <a:cs typeface="TH Sarabun New" pitchFamily="34" charset="-34"/>
+              </a:rPr>
               <a:t>Goal Management)</a:t>
             </a:r>
-            <a:endParaRPr lang="th-TH" dirty="0"/>
+            <a:endParaRPr lang="th-TH" b="1" dirty="0">
+              <a:latin typeface="TH Sarabun New" pitchFamily="34" charset="-34"/>
+              <a:cs typeface="TH Sarabun New" pitchFamily="34" charset="-34"/>
+            </a:endParaRPr>
           </a:p>
         </p:txBody>
       </p:sp>
@@ -6411,12 +7447,12 @@
         </p:nvSpPr>
         <p:spPr>
           <a:xfrm>
-            <a:off x="520700" y="2495551"/>
-            <a:ext cx="8229600" cy="1885950"/>
-          </a:xfrm>
-        </p:spPr>
-        <p:txBody>
-          <a:bodyPr>
+            <a:off x="520700" y="2381693"/>
+            <a:ext cx="8229600" cy="1999808"/>
+          </a:xfrm>
+        </p:spPr>
+        <p:txBody>
+          <a:bodyPr anchor="ctr">
             <a:normAutofit/>
           </a:bodyPr>
           <a:lstStyle/>
@@ -6425,18 +7461,30 @@
               <a:buNone/>
             </a:pPr>
             <a:r>
-              <a:rPr lang="th-TH" dirty="0" smtClean="0"/>
-              <a:t>เป็น</a:t>
-            </a:r>
-            <a:r>
-              <a:rPr lang="th-TH" dirty="0"/>
+              <a:rPr lang="th-TH" dirty="0" smtClean="0">
+                <a:latin typeface="TH Sarabun New" pitchFamily="34" charset="-34"/>
+                <a:cs typeface="TH Sarabun New" pitchFamily="34" charset="-34"/>
+              </a:rPr>
+              <a:t>	เป็น</a:t>
+            </a:r>
+            <a:r>
+              <a:rPr lang="th-TH" dirty="0">
+                <a:latin typeface="TH Sarabun New" pitchFamily="34" charset="-34"/>
+                <a:cs typeface="TH Sarabun New" pitchFamily="34" charset="-34"/>
+              </a:rPr>
               <a:t>ระบบที่ผู้บริหารสามารถตั้งเป้าหมายให้พนักงานแต่ละบุคคล รวมทั้งสามารถประเมินเป้าหมายยอดขายต่างๆ ได้ โดยเบื้องต้นผู้บริหารต้องการให้ระบบสามารถตั้งเป้าหมายของแต่ละ</a:t>
             </a:r>
             <a:r>
-              <a:rPr lang="th-TH" dirty="0" smtClean="0"/>
+              <a:rPr lang="th-TH" dirty="0" smtClean="0">
+                <a:latin typeface="TH Sarabun New" pitchFamily="34" charset="-34"/>
+                <a:cs typeface="TH Sarabun New" pitchFamily="34" charset="-34"/>
+              </a:rPr>
               <a:t>หน้าที่</a:t>
             </a:r>
-            <a:endParaRPr lang="th-TH" b="1" dirty="0"/>
+            <a:endParaRPr lang="th-TH" b="1" dirty="0">
+              <a:latin typeface="TH Sarabun New" pitchFamily="34" charset="-34"/>
+              <a:cs typeface="TH Sarabun New" pitchFamily="34" charset="-34"/>
+            </a:endParaRPr>
           </a:p>
         </p:txBody>
       </p:sp>
@@ -6487,20 +7535,34 @@
             <p:ph type="title"/>
           </p:nvPr>
         </p:nvSpPr>
-        <p:spPr/>
+        <p:spPr>
+          <a:xfrm>
+            <a:off x="2990850" y="1375541"/>
+            <a:ext cx="3019425" cy="862834"/>
+          </a:xfrm>
+        </p:spPr>
         <p:txBody>
           <a:bodyPr/>
           <a:lstStyle/>
           <a:p>
             <a:r>
-              <a:rPr lang="th-TH" dirty="0"/>
-              <a:t>กลุ่ม </a:t>
-            </a:r>
-            <a:r>
-              <a:rPr lang="en-US" dirty="0"/>
+              <a:rPr lang="th-TH" b="1" dirty="0" smtClean="0">
+                <a:latin typeface="TH Sarabun New" pitchFamily="34" charset="-34"/>
+                <a:cs typeface="TH Sarabun New" pitchFamily="34" charset="-34"/>
+              </a:rPr>
+              <a:t>สมาชิกกลุ่ม </a:t>
+            </a:r>
+            <a:r>
+              <a:rPr lang="en-US" b="1" dirty="0">
+                <a:latin typeface="TH Sarabun New" pitchFamily="34" charset="-34"/>
+                <a:cs typeface="TH Sarabun New" pitchFamily="34" charset="-34"/>
+              </a:rPr>
               <a:t>6</a:t>
             </a:r>
-            <a:endParaRPr lang="th-TH" dirty="0"/>
+            <a:endParaRPr lang="th-TH" b="1" dirty="0">
+              <a:latin typeface="TH Sarabun New" pitchFamily="34" charset="-34"/>
+              <a:cs typeface="TH Sarabun New" pitchFamily="34" charset="-34"/>
+            </a:endParaRPr>
           </a:p>
         </p:txBody>
       </p:sp>
@@ -6514,142 +7576,242 @@
             <p:ph idx="1"/>
           </p:nvPr>
         </p:nvSpPr>
-        <p:spPr/>
-        <p:txBody>
-          <a:bodyPr/>
+        <p:spPr>
+          <a:xfrm>
+            <a:off x="2952750" y="2514600"/>
+            <a:ext cx="5895975" cy="2943225"/>
+          </a:xfrm>
+        </p:spPr>
+        <p:txBody>
+          <a:bodyPr>
+            <a:normAutofit/>
+          </a:bodyPr>
           <a:lstStyle/>
           <a:p>
             <a:pPr marL="0" indent="0">
               <a:buNone/>
             </a:pPr>
             <a:r>
-              <a:rPr lang="en-US" dirty="0"/>
+              <a:rPr lang="en-US" b="1" dirty="0">
+                <a:latin typeface="TH Sarabun New" pitchFamily="34" charset="-34"/>
+                <a:cs typeface="TH Sarabun New" pitchFamily="34" charset="-34"/>
+              </a:rPr>
               <a:t>587 09085 21	</a:t>
             </a:r>
             <a:r>
-              <a:rPr lang="th-TH" dirty="0" smtClean="0"/>
+              <a:rPr lang="th-TH" b="1" dirty="0" smtClean="0">
+                <a:latin typeface="TH Sarabun New" pitchFamily="34" charset="-34"/>
+                <a:cs typeface="TH Sarabun New" pitchFamily="34" charset="-34"/>
+              </a:rPr>
               <a:t>	นาย</a:t>
             </a:r>
             <a:r>
-              <a:rPr lang="th-TH" dirty="0"/>
+              <a:rPr lang="th-TH" b="1" dirty="0">
+                <a:latin typeface="TH Sarabun New" pitchFamily="34" charset="-34"/>
+                <a:cs typeface="TH Sarabun New" pitchFamily="34" charset="-34"/>
+              </a:rPr>
               <a:t>คทาธิป	พานิช</a:t>
             </a:r>
-            <a:endParaRPr lang="en-US" dirty="0"/>
+            <a:endParaRPr lang="en-US" b="1" dirty="0">
+              <a:latin typeface="TH Sarabun New" pitchFamily="34" charset="-34"/>
+              <a:cs typeface="TH Sarabun New" pitchFamily="34" charset="-34"/>
+            </a:endParaRPr>
           </a:p>
           <a:p>
             <a:pPr marL="0" indent="0">
               <a:buNone/>
             </a:pPr>
             <a:r>
-              <a:rPr lang="en-US" dirty="0"/>
+              <a:rPr lang="en-US" b="1" dirty="0">
+                <a:latin typeface="TH Sarabun New" pitchFamily="34" charset="-34"/>
+                <a:cs typeface="TH Sarabun New" pitchFamily="34" charset="-34"/>
+              </a:rPr>
               <a:t>587 09188 </a:t>
             </a:r>
             <a:r>
-              <a:rPr lang="en-US" dirty="0" smtClean="0"/>
+              <a:rPr lang="en-US" b="1" dirty="0" smtClean="0">
+                <a:latin typeface="TH Sarabun New" pitchFamily="34" charset="-34"/>
+                <a:cs typeface="TH Sarabun New" pitchFamily="34" charset="-34"/>
+              </a:rPr>
               <a:t>21	</a:t>
             </a:r>
             <a:r>
-              <a:rPr lang="en-US" dirty="0"/>
+              <a:rPr lang="en-US" b="1" dirty="0">
+                <a:latin typeface="TH Sarabun New" pitchFamily="34" charset="-34"/>
+                <a:cs typeface="TH Sarabun New" pitchFamily="34" charset="-34"/>
+              </a:rPr>
               <a:t>	</a:t>
             </a:r>
             <a:r>
-              <a:rPr lang="th-TH" dirty="0"/>
+              <a:rPr lang="th-TH" b="1" dirty="0">
+                <a:latin typeface="TH Sarabun New" pitchFamily="34" charset="-34"/>
+                <a:cs typeface="TH Sarabun New" pitchFamily="34" charset="-34"/>
+              </a:rPr>
               <a:t>นายปฤษฎี	</a:t>
             </a:r>
             <a:r>
-              <a:rPr lang="th-TH" dirty="0" smtClean="0"/>
+              <a:rPr lang="th-TH" b="1" dirty="0" smtClean="0">
+                <a:latin typeface="TH Sarabun New" pitchFamily="34" charset="-34"/>
+                <a:cs typeface="TH Sarabun New" pitchFamily="34" charset="-34"/>
+              </a:rPr>
               <a:t>ท่า</a:t>
             </a:r>
             <a:r>
-              <a:rPr lang="th-TH" dirty="0"/>
+              <a:rPr lang="th-TH" b="1" dirty="0">
+                <a:latin typeface="TH Sarabun New" pitchFamily="34" charset="-34"/>
+                <a:cs typeface="TH Sarabun New" pitchFamily="34" charset="-34"/>
+              </a:rPr>
               <a:t>ดีสม</a:t>
             </a:r>
-            <a:endParaRPr lang="en-US" dirty="0"/>
+            <a:endParaRPr lang="en-US" b="1" dirty="0">
+              <a:latin typeface="TH Sarabun New" pitchFamily="34" charset="-34"/>
+              <a:cs typeface="TH Sarabun New" pitchFamily="34" charset="-34"/>
+            </a:endParaRPr>
           </a:p>
           <a:p>
             <a:pPr marL="0" indent="0">
               <a:buNone/>
             </a:pPr>
             <a:r>
-              <a:rPr lang="en-US" dirty="0"/>
+              <a:rPr lang="en-US" b="1" dirty="0">
+                <a:latin typeface="TH Sarabun New" pitchFamily="34" charset="-34"/>
+                <a:cs typeface="TH Sarabun New" pitchFamily="34" charset="-34"/>
+              </a:rPr>
               <a:t>587 09470 21	</a:t>
             </a:r>
             <a:r>
-              <a:rPr lang="th-TH" dirty="0" smtClean="0"/>
+              <a:rPr lang="th-TH" b="1" dirty="0" smtClean="0">
+                <a:latin typeface="TH Sarabun New" pitchFamily="34" charset="-34"/>
+                <a:cs typeface="TH Sarabun New" pitchFamily="34" charset="-34"/>
+              </a:rPr>
               <a:t>	นางสาว</a:t>
             </a:r>
             <a:r>
-              <a:rPr lang="th-TH" dirty="0"/>
+              <a:rPr lang="th-TH" b="1" dirty="0">
+                <a:latin typeface="TH Sarabun New" pitchFamily="34" charset="-34"/>
+                <a:cs typeface="TH Sarabun New" pitchFamily="34" charset="-34"/>
+              </a:rPr>
               <a:t>ปาริชาติ</a:t>
             </a:r>
             <a:r>
-              <a:rPr lang="en-US" dirty="0"/>
+              <a:rPr lang="en-US" b="1" dirty="0">
+                <a:latin typeface="TH Sarabun New" pitchFamily="34" charset="-34"/>
+                <a:cs typeface="TH Sarabun New" pitchFamily="34" charset="-34"/>
+              </a:rPr>
               <a:t>	</a:t>
             </a:r>
             <a:r>
-              <a:rPr lang="th-TH" dirty="0"/>
+              <a:rPr lang="th-TH" b="1" dirty="0">
+                <a:latin typeface="TH Sarabun New" pitchFamily="34" charset="-34"/>
+                <a:cs typeface="TH Sarabun New" pitchFamily="34" charset="-34"/>
+              </a:rPr>
               <a:t> </a:t>
             </a:r>
             <a:r>
-              <a:rPr lang="th-TH" dirty="0" smtClean="0"/>
+              <a:rPr lang="th-TH" b="1" dirty="0" smtClean="0">
+                <a:latin typeface="TH Sarabun New" pitchFamily="34" charset="-34"/>
+                <a:cs typeface="TH Sarabun New" pitchFamily="34" charset="-34"/>
+              </a:rPr>
               <a:t> เกียรติ</a:t>
             </a:r>
             <a:r>
-              <a:rPr lang="th-TH" dirty="0"/>
+              <a:rPr lang="th-TH" b="1" dirty="0">
+                <a:latin typeface="TH Sarabun New" pitchFamily="34" charset="-34"/>
+                <a:cs typeface="TH Sarabun New" pitchFamily="34" charset="-34"/>
+              </a:rPr>
               <a:t>เผ่า</a:t>
             </a:r>
-            <a:endParaRPr lang="en-US" dirty="0"/>
+            <a:endParaRPr lang="en-US" b="1" dirty="0">
+              <a:latin typeface="TH Sarabun New" pitchFamily="34" charset="-34"/>
+              <a:cs typeface="TH Sarabun New" pitchFamily="34" charset="-34"/>
+            </a:endParaRPr>
           </a:p>
           <a:p>
             <a:pPr marL="0" indent="0">
               <a:buNone/>
             </a:pPr>
             <a:r>
-              <a:rPr lang="en-US" dirty="0"/>
+              <a:rPr lang="en-US" b="1" dirty="0">
+                <a:latin typeface="TH Sarabun New" pitchFamily="34" charset="-34"/>
+                <a:cs typeface="TH Sarabun New" pitchFamily="34" charset="-34"/>
+              </a:rPr>
               <a:t>587 09537 21	</a:t>
             </a:r>
             <a:r>
-              <a:rPr lang="th-TH" dirty="0" smtClean="0"/>
+              <a:rPr lang="th-TH" b="1" dirty="0" smtClean="0">
+                <a:latin typeface="TH Sarabun New" pitchFamily="34" charset="-34"/>
+                <a:cs typeface="TH Sarabun New" pitchFamily="34" charset="-34"/>
+              </a:rPr>
               <a:t>	นาย</a:t>
             </a:r>
             <a:r>
-              <a:rPr lang="th-TH" dirty="0"/>
+              <a:rPr lang="th-TH" b="1" dirty="0">
+                <a:latin typeface="TH Sarabun New" pitchFamily="34" charset="-34"/>
+                <a:cs typeface="TH Sarabun New" pitchFamily="34" charset="-34"/>
+              </a:rPr>
               <a:t>ภาคภูมิ </a:t>
             </a:r>
             <a:r>
-              <a:rPr lang="th-TH" dirty="0" smtClean="0"/>
+              <a:rPr lang="th-TH" b="1" dirty="0" smtClean="0">
+                <a:latin typeface="TH Sarabun New" pitchFamily="34" charset="-34"/>
+                <a:cs typeface="TH Sarabun New" pitchFamily="34" charset="-34"/>
+              </a:rPr>
               <a:t> แสง</a:t>
             </a:r>
             <a:r>
-              <a:rPr lang="th-TH" dirty="0"/>
+              <a:rPr lang="th-TH" b="1" dirty="0">
+                <a:latin typeface="TH Sarabun New" pitchFamily="34" charset="-34"/>
+                <a:cs typeface="TH Sarabun New" pitchFamily="34" charset="-34"/>
+              </a:rPr>
               <a:t>ประสิทธิโชค</a:t>
             </a:r>
-            <a:endParaRPr lang="en-US" dirty="0"/>
+            <a:endParaRPr lang="en-US" b="1" dirty="0">
+              <a:latin typeface="TH Sarabun New" pitchFamily="34" charset="-34"/>
+              <a:cs typeface="TH Sarabun New" pitchFamily="34" charset="-34"/>
+            </a:endParaRPr>
           </a:p>
           <a:p>
             <a:pPr marL="0" indent="0">
               <a:buNone/>
             </a:pPr>
             <a:r>
-              <a:rPr lang="en-US" dirty="0"/>
+              <a:rPr lang="en-US" b="1" dirty="0">
+                <a:latin typeface="TH Sarabun New" pitchFamily="34" charset="-34"/>
+                <a:cs typeface="TH Sarabun New" pitchFamily="34" charset="-34"/>
+              </a:rPr>
               <a:t>587 09761 </a:t>
             </a:r>
             <a:r>
-              <a:rPr lang="en-US" dirty="0" smtClean="0"/>
+              <a:rPr lang="en-US" b="1" dirty="0" smtClean="0">
+                <a:latin typeface="TH Sarabun New" pitchFamily="34" charset="-34"/>
+                <a:cs typeface="TH Sarabun New" pitchFamily="34" charset="-34"/>
+              </a:rPr>
               <a:t>21	</a:t>
             </a:r>
             <a:r>
-              <a:rPr lang="en-US" dirty="0"/>
+              <a:rPr lang="en-US" b="1" dirty="0">
+                <a:latin typeface="TH Sarabun New" pitchFamily="34" charset="-34"/>
+                <a:cs typeface="TH Sarabun New" pitchFamily="34" charset="-34"/>
+              </a:rPr>
               <a:t>	</a:t>
             </a:r>
             <a:r>
-              <a:rPr lang="th-TH" dirty="0"/>
+              <a:rPr lang="th-TH" b="1" dirty="0">
+                <a:latin typeface="TH Sarabun New" pitchFamily="34" charset="-34"/>
+                <a:cs typeface="TH Sarabun New" pitchFamily="34" charset="-34"/>
+              </a:rPr>
               <a:t>นางสาวสุพัตรา	อินศรี</a:t>
             </a:r>
-            <a:endParaRPr lang="en-US" dirty="0"/>
-          </a:p>
-          <a:p>
-            <a:endParaRPr lang="th-TH" dirty="0"/>
+            <a:endParaRPr lang="en-US" b="1" dirty="0">
+              <a:latin typeface="TH Sarabun New" pitchFamily="34" charset="-34"/>
+              <a:cs typeface="TH Sarabun New" pitchFamily="34" charset="-34"/>
+            </a:endParaRPr>
+          </a:p>
+          <a:p>
+            <a:endParaRPr lang="th-TH" b="1" dirty="0">
+              <a:latin typeface="TH Sarabun New" pitchFamily="34" charset="-34"/>
+              <a:cs typeface="TH Sarabun New" pitchFamily="34" charset="-34"/>
+            </a:endParaRPr>
           </a:p>
         </p:txBody>
       </p:sp>
@@ -6755,6 +7917,13 @@
   <p:clrMapOvr>
     <a:masterClrMapping/>
   </p:clrMapOvr>
+  <p:timing>
+    <p:tnLst>
+      <p:par>
+        <p:cTn id="1" dur="indefinite" restart="never" nodeType="tmRoot"/>
+      </p:par>
+    </p:tnLst>
+  </p:timing>
 </p:sld>
 </file>
 
@@ -7584,7 +8753,6 @@
               <a:rPr lang="th-TH" sz="2000" dirty="0" smtClean="0"/>
               <a:t>ระบบออกรายงาน</a:t>
             </a:r>
-            <a:endParaRPr lang="th-TH" sz="2000" dirty="0" smtClean="0"/>
           </a:p>
         </p:txBody>
       </p:sp>
@@ -7659,7 +8827,6 @@
               <a:rPr lang="th-TH" sz="2000" dirty="0" smtClean="0"/>
               <a:t>ช่วงเริ่มต้นการพัฒนาระบบ</a:t>
             </a:r>
-            <a:endParaRPr lang="th-TH" sz="2000" dirty="0" smtClean="0"/>
           </a:p>
         </p:txBody>
       </p:sp>
@@ -7993,7 +9160,6 @@
               <a:rPr lang="en-US" sz="2400" dirty="0"/>
               <a:t> (User Authentication) </a:t>
             </a:r>
-            <a:endParaRPr lang="en-US" sz="2400" dirty="0"/>
           </a:p>
           <a:p>
             <a:pPr marL="0" indent="0">
@@ -8148,7 +9314,6 @@
               <a:rPr lang="th-TH" b="1" dirty="0" smtClean="0"/>
               <a:t>สิ่งที่พัฒนา</a:t>
             </a:r>
-            <a:endParaRPr lang="th-TH" b="1" dirty="0" smtClean="0"/>
           </a:p>
           <a:p>
             <a:pPr lvl="1" indent="-342900">
@@ -8314,7 +9479,6 @@
               <a:rPr lang="th-TH" b="1" dirty="0" smtClean="0"/>
               <a:t>สิ่งที่พัฒนา</a:t>
             </a:r>
-            <a:endParaRPr lang="th-TH" b="1" dirty="0" smtClean="0"/>
           </a:p>
           <a:p>
             <a:pPr marL="857250" lvl="1" indent="-457200">
@@ -8460,67 +9624,96 @@
         </p:nvSpPr>
         <p:spPr/>
         <p:txBody>
+          <a:bodyPr>
+            <a:normAutofit/>
+          </a:bodyPr>
+          <a:lstStyle/>
+          <a:p>
+            <a:r>
+              <a:rPr lang="en-US" sz="4000" b="1" dirty="0" smtClean="0">
+                <a:latin typeface="TH Sarabun New" pitchFamily="34" charset="-34"/>
+                <a:cs typeface="TH Sarabun New" pitchFamily="34" charset="-34"/>
+              </a:rPr>
+              <a:t>Outline</a:t>
+            </a:r>
+            <a:endParaRPr lang="en-US" sz="4000" b="1" dirty="0">
+              <a:latin typeface="TH Sarabun New" pitchFamily="34" charset="-34"/>
+              <a:cs typeface="TH Sarabun New" pitchFamily="34" charset="-34"/>
+            </a:endParaRPr>
+          </a:p>
+        </p:txBody>
+      </p:sp>
+      <p:sp>
+        <p:nvSpPr>
+          <p:cNvPr id="3" name="Content Placeholder 2"/>
+          <p:cNvSpPr>
+            <a:spLocks noGrp="1"/>
+          </p:cNvSpPr>
+          <p:nvPr>
+            <p:ph idx="1"/>
+          </p:nvPr>
+        </p:nvSpPr>
+        <p:spPr/>
+        <p:txBody>
           <a:bodyPr/>
           <a:lstStyle/>
           <a:p>
             <a:r>
-              <a:rPr lang="en-US" dirty="0" smtClean="0"/>
-              <a:t>Outline</a:t>
-            </a:r>
-            <a:endParaRPr lang="en-US" dirty="0"/>
-          </a:p>
-        </p:txBody>
-      </p:sp>
-      <p:sp>
-        <p:nvSpPr>
-          <p:cNvPr id="3" name="Content Placeholder 2"/>
-          <p:cNvSpPr>
-            <a:spLocks noGrp="1"/>
-          </p:cNvSpPr>
-          <p:nvPr>
-            <p:ph idx="1"/>
-          </p:nvPr>
-        </p:nvSpPr>
-        <p:spPr/>
-        <p:txBody>
-          <a:bodyPr/>
-          <a:lstStyle/>
-          <a:p>
-            <a:r>
-              <a:rPr lang="th-TH" dirty="0" smtClean="0"/>
+              <a:rPr lang="th-TH" dirty="0" smtClean="0">
+                <a:latin typeface="TH Sarabun New" pitchFamily="34" charset="-34"/>
+                <a:cs typeface="TH Sarabun New" pitchFamily="34" charset="-34"/>
+              </a:rPr>
               <a:t>ที่มาและปัญหาของระบบ</a:t>
             </a:r>
           </a:p>
           <a:p>
             <a:r>
-              <a:rPr lang="th-TH" dirty="0" smtClean="0"/>
+              <a:rPr lang="th-TH" dirty="0" smtClean="0">
+                <a:latin typeface="TH Sarabun New" pitchFamily="34" charset="-34"/>
+                <a:cs typeface="TH Sarabun New" pitchFamily="34" charset="-34"/>
+              </a:rPr>
               <a:t>ภาพรวมระบบใหม่</a:t>
             </a:r>
           </a:p>
           <a:p>
             <a:r>
-              <a:rPr lang="th-TH" dirty="0" smtClean="0"/>
+              <a:rPr lang="th-TH" dirty="0" smtClean="0">
+                <a:latin typeface="TH Sarabun New" pitchFamily="34" charset="-34"/>
+                <a:cs typeface="TH Sarabun New" pitchFamily="34" charset="-34"/>
+              </a:rPr>
               <a:t>วิธีการพัฒนา</a:t>
             </a:r>
           </a:p>
           <a:p>
             <a:r>
-              <a:rPr lang="th-TH" dirty="0" smtClean="0"/>
+              <a:rPr lang="th-TH" dirty="0" smtClean="0">
+                <a:latin typeface="TH Sarabun New" pitchFamily="34" charset="-34"/>
+                <a:cs typeface="TH Sarabun New" pitchFamily="34" charset="-34"/>
+              </a:rPr>
               <a:t>แนวทางในการพัฒนาระบบใหม่</a:t>
             </a:r>
           </a:p>
           <a:p>
             <a:r>
-              <a:rPr lang="th-TH" dirty="0" smtClean="0"/>
+              <a:rPr lang="th-TH" dirty="0" smtClean="0">
+                <a:latin typeface="TH Sarabun New" pitchFamily="34" charset="-34"/>
+                <a:cs typeface="TH Sarabun New" pitchFamily="34" charset="-34"/>
+              </a:rPr>
               <a:t>ผลการศึกษาความเป็นไปได้และความเสี่ยง</a:t>
             </a:r>
           </a:p>
           <a:p>
             <a:r>
-              <a:rPr lang="th-TH" dirty="0" smtClean="0"/>
+              <a:rPr lang="th-TH" dirty="0" smtClean="0">
+                <a:latin typeface="TH Sarabun New" pitchFamily="34" charset="-34"/>
+                <a:cs typeface="TH Sarabun New" pitchFamily="34" charset="-34"/>
+              </a:rPr>
               <a:t>แผนการพัฒนาระบบใหม่</a:t>
             </a:r>
-            <a:endParaRPr lang="en-US" dirty="0"/>
+            <a:endParaRPr lang="en-US" dirty="0">
+              <a:latin typeface="TH Sarabun New" pitchFamily="34" charset="-34"/>
+              <a:cs typeface="TH Sarabun New" pitchFamily="34" charset="-34"/>
+            </a:endParaRPr>
           </a:p>
         </p:txBody>
       </p:sp>
@@ -8620,7 +9813,6 @@
               <a:rPr lang="th-TH" b="1" dirty="0" smtClean="0"/>
               <a:t>สิ่งที่พัฒนา</a:t>
             </a:r>
-            <a:endParaRPr lang="th-TH" b="1" dirty="0" smtClean="0"/>
           </a:p>
           <a:p>
             <a:pPr lvl="1" indent="-342900">
@@ -10206,6 +11398,48 @@
           <a:chExt cx="0" cy="0"/>
         </a:xfrm>
       </p:grpSpPr>
+      <p:pic>
+        <p:nvPicPr>
+          <p:cNvPr id="1026" name="Picture 2" descr="http://www.westernseminary.edu/transformedblog/wp-content/uploads/2011/11/repairmen.jpg"/>
+          <p:cNvPicPr>
+            <a:picLocks noChangeAspect="1" noChangeArrowheads="1"/>
+          </p:cNvPicPr>
+          <p:nvPr/>
+        </p:nvPicPr>
+        <p:blipFill>
+          <a:blip r:embed="rId2">
+            <a:lum bright="70000" contrast="-70000"/>
+            <a:extLst>
+              <a:ext uri="{28A0092B-C50C-407E-A947-70E740481C1C}">
+                <a14:useLocalDpi xmlns:a14="http://schemas.microsoft.com/office/drawing/2010/main" val="0"/>
+              </a:ext>
+            </a:extLst>
+          </a:blip>
+          <a:srcRect/>
+          <a:stretch>
+            <a:fillRect/>
+          </a:stretch>
+        </p:blipFill>
+        <p:spPr bwMode="auto">
+          <a:xfrm>
+            <a:off x="4291960" y="1885950"/>
+            <a:ext cx="4202753" cy="2914650"/>
+          </a:xfrm>
+          <a:prstGeom prst="rect">
+            <a:avLst/>
+          </a:prstGeom>
+          <a:noFill/>
+          <a:extLst>
+            <a:ext uri="{909E8E84-426E-40DD-AFC4-6F175D3DCCD1}">
+              <a14:hiddenFill xmlns:a14="http://schemas.microsoft.com/office/drawing/2010/main">
+                <a:solidFill>
+                  <a:srgbClr val="FFFFFF"/>
+                </a:solidFill>
+              </a14:hiddenFill>
+            </a:ext>
+          </a:extLst>
+        </p:spPr>
+      </p:pic>
       <p:sp>
         <p:nvSpPr>
           <p:cNvPr id="2" name="ชื่อเรื่อง 1"/>
@@ -10218,49 +11452,37 @@
         </p:nvSpPr>
         <p:spPr>
           <a:xfrm>
-            <a:off x="2787161" y="4406900"/>
-            <a:ext cx="5707551" cy="1362075"/>
-          </a:xfrm>
-        </p:spPr>
-        <p:txBody>
-          <a:bodyPr/>
+            <a:off x="722313" y="4511676"/>
+            <a:ext cx="7772400" cy="1362075"/>
+          </a:xfrm>
+        </p:spPr>
+        <p:txBody>
+          <a:bodyPr>
+            <a:normAutofit/>
+          </a:bodyPr>
           <a:lstStyle/>
           <a:p>
-            <a:r>
-              <a:rPr lang="th-TH" dirty="0" smtClean="0">
+            <a:pPr algn="r"/>
+            <a:r>
+              <a:rPr lang="th-TH" sz="4400" dirty="0" smtClean="0">
                 <a:solidFill>
                   <a:srgbClr val="C00000"/>
                 </a:solidFill>
+                <a:latin typeface="TH Sarabun New" pitchFamily="34" charset="-34"/>
+                <a:cs typeface="TH Sarabun New" pitchFamily="34" charset="-34"/>
               </a:rPr>
               <a:t>ที่มา</a:t>
             </a:r>
             <a:r>
-              <a:rPr lang="th-TH" dirty="0">
+              <a:rPr lang="th-TH" sz="4400" dirty="0">
                 <a:solidFill>
                   <a:srgbClr val="C00000"/>
                 </a:solidFill>
+                <a:latin typeface="TH Sarabun New" pitchFamily="34" charset="-34"/>
+                <a:cs typeface="TH Sarabun New" pitchFamily="34" charset="-34"/>
               </a:rPr>
               <a:t>และปัญหาของระบบปัจจุบัน</a:t>
             </a:r>
-          </a:p>
-        </p:txBody>
-      </p:sp>
-      <p:sp>
-        <p:nvSpPr>
-          <p:cNvPr id="3" name="ตัวแทนข้อความ 2"/>
-          <p:cNvSpPr>
-            <a:spLocks noGrp="1"/>
-          </p:cNvSpPr>
-          <p:nvPr>
-            <p:ph type="body" idx="1"/>
-          </p:nvPr>
-        </p:nvSpPr>
-        <p:spPr/>
-        <p:txBody>
-          <a:bodyPr/>
-          <a:lstStyle/>
-          <a:p>
-            <a:endParaRPr lang="th-TH"/>
           </a:p>
         </p:txBody>
       </p:sp>
@@ -10274,6 +11496,13 @@
   <p:clrMapOvr>
     <a:masterClrMapping/>
   </p:clrMapOvr>
+  <p:timing>
+    <p:tnLst>
+      <p:par>
+        <p:cTn id="1" dur="indefinite" restart="never" nodeType="tmRoot"/>
+      </p:par>
+    </p:tnLst>
+  </p:timing>
 </p:sld>
 </file>
 
@@ -10294,6 +11523,96 @@
           <a:chExt cx="0" cy="0"/>
         </a:xfrm>
       </p:grpSpPr>
+      <p:pic>
+        <p:nvPicPr>
+          <p:cNvPr id="5" name="Picture 4"/>
+          <p:cNvPicPr>
+            <a:picLocks noChangeAspect="1"/>
+          </p:cNvPicPr>
+          <p:nvPr/>
+        </p:nvPicPr>
+        <p:blipFill>
+          <a:blip r:embed="rId2">
+            <a:extLst>
+              <a:ext uri="{BEBA8EAE-BF5A-486C-A8C5-ECC9F3942E4B}">
+                <a14:imgProps xmlns:a14="http://schemas.microsoft.com/office/drawing/2010/main">
+                  <a14:imgLayer r:embed="rId3">
+                    <a14:imgEffect>
+                      <a14:saturation sat="66000"/>
+                    </a14:imgEffect>
+                    <a14:imgEffect>
+                      <a14:brightnessContrast bright="20000"/>
+                    </a14:imgEffect>
+                  </a14:imgLayer>
+                </a14:imgProps>
+              </a:ext>
+              <a:ext uri="{28A0092B-C50C-407E-A947-70E740481C1C}">
+                <a14:useLocalDpi xmlns:a14="http://schemas.microsoft.com/office/drawing/2010/main" val="0"/>
+              </a:ext>
+            </a:extLst>
+          </a:blip>
+          <a:stretch>
+            <a:fillRect/>
+          </a:stretch>
+        </p:blipFill>
+        <p:spPr>
+          <a:xfrm>
+            <a:off x="4744526" y="1619930"/>
+            <a:ext cx="3654200" cy="2436133"/>
+          </a:xfrm>
+          <a:prstGeom prst="rect">
+            <a:avLst/>
+          </a:prstGeom>
+          <a:effectLst>
+            <a:reflection blurRad="6350" stA="52000" endA="300" endPos="35000" dir="5400000" sy="-100000" algn="bl" rotWithShape="0"/>
+          </a:effectLst>
+        </p:spPr>
+      </p:pic>
+      <p:pic>
+        <p:nvPicPr>
+          <p:cNvPr id="4" name="Picture 3"/>
+          <p:cNvPicPr>
+            <a:picLocks noChangeAspect="1"/>
+          </p:cNvPicPr>
+          <p:nvPr/>
+        </p:nvPicPr>
+        <p:blipFill>
+          <a:blip r:embed="rId4">
+            <a:extLst>
+              <a:ext uri="{BEBA8EAE-BF5A-486C-A8C5-ECC9F3942E4B}">
+                <a14:imgProps xmlns:a14="http://schemas.microsoft.com/office/drawing/2010/main">
+                  <a14:imgLayer r:embed="rId5">
+                    <a14:imgEffect>
+                      <a14:saturation sat="66000"/>
+                    </a14:imgEffect>
+                    <a14:imgEffect>
+                      <a14:brightnessContrast bright="40000" contrast="-20000"/>
+                    </a14:imgEffect>
+                  </a14:imgLayer>
+                </a14:imgProps>
+              </a:ext>
+              <a:ext uri="{28A0092B-C50C-407E-A947-70E740481C1C}">
+                <a14:useLocalDpi xmlns:a14="http://schemas.microsoft.com/office/drawing/2010/main" val="0"/>
+              </a:ext>
+            </a:extLst>
+          </a:blip>
+          <a:stretch>
+            <a:fillRect/>
+          </a:stretch>
+        </p:blipFill>
+        <p:spPr>
+          <a:xfrm>
+            <a:off x="457200" y="1601788"/>
+            <a:ext cx="4287326" cy="2447925"/>
+          </a:xfrm>
+          <a:prstGeom prst="rect">
+            <a:avLst/>
+          </a:prstGeom>
+          <a:effectLst>
+            <a:reflection blurRad="6350" stA="52000" endA="300" endPos="35000" dir="5400000" sy="-100000" algn="bl" rotWithShape="0"/>
+          </a:effectLst>
+        </p:spPr>
+      </p:pic>
       <p:sp>
         <p:nvSpPr>
           <p:cNvPr id="2" name="ชื่อเรื่อง 1"/>
@@ -10306,14 +11625,22 @@
         </p:nvSpPr>
         <p:spPr/>
         <p:txBody>
-          <a:bodyPr/>
+          <a:bodyPr>
+            <a:normAutofit/>
+          </a:bodyPr>
           <a:lstStyle/>
           <a:p>
             <a:r>
-              <a:rPr lang="en-US" dirty="0" smtClean="0"/>
+              <a:rPr lang="en-US" sz="4000" b="1" dirty="0" smtClean="0">
+                <a:latin typeface="TH Sarabun New" pitchFamily="34" charset="-34"/>
+                <a:cs typeface="TH Sarabun New" pitchFamily="34" charset="-34"/>
+              </a:rPr>
               <a:t>Triple B Fitness Center</a:t>
             </a:r>
-            <a:endParaRPr lang="th-TH" dirty="0"/>
+            <a:endParaRPr lang="th-TH" sz="4000" b="1" dirty="0">
+              <a:latin typeface="TH Sarabun New" pitchFamily="34" charset="-34"/>
+              <a:cs typeface="TH Sarabun New" pitchFamily="34" charset="-34"/>
+            </a:endParaRPr>
           </a:p>
         </p:txBody>
       </p:sp>
@@ -10327,12 +11654,172 @@
             <p:ph idx="1"/>
           </p:nvPr>
         </p:nvSpPr>
-        <p:spPr/>
-        <p:txBody>
-          <a:bodyPr/>
+        <p:spPr>
+          <a:xfrm>
+            <a:off x="381001" y="4057650"/>
+            <a:ext cx="8096250" cy="2152650"/>
+          </a:xfrm>
+        </p:spPr>
+        <p:txBody>
+          <a:bodyPr>
+            <a:normAutofit fontScale="92500" lnSpcReduction="10000"/>
+          </a:bodyPr>
           <a:lstStyle/>
           <a:p>
-            <a:endParaRPr lang="th-TH" dirty="0"/>
+            <a:pPr marL="0" indent="0" algn="thaiDist">
+              <a:buNone/>
+            </a:pPr>
+            <a:r>
+              <a:rPr lang="th-TH" dirty="0" smtClean="0">
+                <a:latin typeface="TH Sarabun New" pitchFamily="34" charset="-34"/>
+                <a:cs typeface="TH Sarabun New" pitchFamily="34" charset="-34"/>
+              </a:rPr>
+              <a:t>	</a:t>
+            </a:r>
+            <a:r>
+              <a:rPr lang="th-TH" b="1" dirty="0" err="1">
+                <a:latin typeface="TH Sarabun New" pitchFamily="34" charset="-34"/>
+                <a:cs typeface="TH Sarabun New" pitchFamily="34" charset="-34"/>
+              </a:rPr>
+              <a:t>ทริปเปิล</a:t>
+            </a:r>
+            <a:r>
+              <a:rPr lang="th-TH" b="1" dirty="0">
+                <a:latin typeface="TH Sarabun New" pitchFamily="34" charset="-34"/>
+                <a:cs typeface="TH Sarabun New" pitchFamily="34" charset="-34"/>
+              </a:rPr>
+              <a:t>บี ฟิต</a:t>
+            </a:r>
+            <a:r>
+              <a:rPr lang="th-TH" b="1" dirty="0" err="1">
+                <a:latin typeface="TH Sarabun New" pitchFamily="34" charset="-34"/>
+                <a:cs typeface="TH Sarabun New" pitchFamily="34" charset="-34"/>
+              </a:rPr>
+              <a:t>เนสเซ็นเตอร์</a:t>
+            </a:r>
+            <a:r>
+              <a:rPr lang="th-TH" b="1" dirty="0">
+                <a:latin typeface="TH Sarabun New" pitchFamily="34" charset="-34"/>
+                <a:cs typeface="TH Sarabun New" pitchFamily="34" charset="-34"/>
+              </a:rPr>
+              <a:t> </a:t>
+            </a:r>
+            <a:r>
+              <a:rPr lang="th-TH" dirty="0">
+                <a:latin typeface="TH Sarabun New" pitchFamily="34" charset="-34"/>
+                <a:cs typeface="TH Sarabun New" pitchFamily="34" charset="-34"/>
+              </a:rPr>
+              <a:t>ศูนย์บริการออกกำลังกายขนาดกลาง ตั้งอยู่ ณ ศูนย์การค้าเกต</a:t>
+            </a:r>
+            <a:r>
+              <a:rPr lang="th-TH" dirty="0" err="1">
+                <a:latin typeface="TH Sarabun New" pitchFamily="34" charset="-34"/>
+                <a:cs typeface="TH Sarabun New" pitchFamily="34" charset="-34"/>
+              </a:rPr>
+              <a:t>เวย์</a:t>
+            </a:r>
+            <a:r>
+              <a:rPr lang="th-TH" dirty="0">
+                <a:latin typeface="TH Sarabun New" pitchFamily="34" charset="-34"/>
+                <a:cs typeface="TH Sarabun New" pitchFamily="34" charset="-34"/>
+              </a:rPr>
+              <a:t> เอกมัย เปิดให้บริการเพียงสาขา</a:t>
+            </a:r>
+            <a:r>
+              <a:rPr lang="th-TH" dirty="0" smtClean="0">
+                <a:latin typeface="TH Sarabun New" pitchFamily="34" charset="-34"/>
+                <a:cs typeface="TH Sarabun New" pitchFamily="34" charset="-34"/>
+              </a:rPr>
+              <a:t>เดียว </a:t>
+            </a:r>
+            <a:r>
+              <a:rPr lang="th-TH" dirty="0">
+                <a:latin typeface="TH Sarabun New" pitchFamily="34" charset="-34"/>
+                <a:cs typeface="TH Sarabun New" pitchFamily="34" charset="-34"/>
+              </a:rPr>
+              <a:t>ให้บริการสำหรับการออกกำลังกายประเภทต่างๆ ได้แก่ พื้นที่สำหรับ</a:t>
+            </a:r>
+            <a:r>
+              <a:rPr lang="th-TH" dirty="0" err="1">
+                <a:latin typeface="TH Sarabun New" pitchFamily="34" charset="-34"/>
+                <a:cs typeface="TH Sarabun New" pitchFamily="34" charset="-34"/>
+              </a:rPr>
+              <a:t>คาร์ดิ</a:t>
+            </a:r>
+            <a:r>
+              <a:rPr lang="th-TH" dirty="0">
+                <a:latin typeface="TH Sarabun New" pitchFamily="34" charset="-34"/>
+                <a:cs typeface="TH Sarabun New" pitchFamily="34" charset="-34"/>
+              </a:rPr>
+              <a:t>โอ </a:t>
+            </a:r>
+            <a:r>
+              <a:rPr lang="en-US" dirty="0">
+                <a:latin typeface="TH Sarabun New" pitchFamily="34" charset="-34"/>
+                <a:cs typeface="TH Sarabun New" pitchFamily="34" charset="-34"/>
+              </a:rPr>
+              <a:t>(Cardio) </a:t>
+            </a:r>
+            <a:r>
+              <a:rPr lang="th-TH" dirty="0">
+                <a:latin typeface="TH Sarabun New" pitchFamily="34" charset="-34"/>
+                <a:cs typeface="TH Sarabun New" pitchFamily="34" charset="-34"/>
+              </a:rPr>
+              <a:t>พื้นที่สำหรับเพาะกาย (</a:t>
+            </a:r>
+            <a:r>
+              <a:rPr lang="en-US" dirty="0">
+                <a:latin typeface="TH Sarabun New" pitchFamily="34" charset="-34"/>
+                <a:cs typeface="TH Sarabun New" pitchFamily="34" charset="-34"/>
+              </a:rPr>
+              <a:t>Weight training) </a:t>
+            </a:r>
+            <a:r>
+              <a:rPr lang="th-TH" dirty="0">
+                <a:latin typeface="TH Sarabun New" pitchFamily="34" charset="-34"/>
+                <a:cs typeface="TH Sarabun New" pitchFamily="34" charset="-34"/>
+              </a:rPr>
+              <a:t>ห้องสำหรับปั่นจักรยานในร่ม (</a:t>
+            </a:r>
+            <a:r>
+              <a:rPr lang="en-US" dirty="0">
+                <a:latin typeface="TH Sarabun New" pitchFamily="34" charset="-34"/>
+                <a:cs typeface="TH Sarabun New" pitchFamily="34" charset="-34"/>
+              </a:rPr>
+              <a:t>Cycling)  </a:t>
+            </a:r>
+            <a:r>
+              <a:rPr lang="th-TH" dirty="0">
+                <a:latin typeface="TH Sarabun New" pitchFamily="34" charset="-34"/>
+                <a:cs typeface="TH Sarabun New" pitchFamily="34" charset="-34"/>
+              </a:rPr>
+              <a:t>และห้องสำหรับกิจกรรมแอโร</a:t>
+            </a:r>
+            <a:r>
+              <a:rPr lang="th-TH" dirty="0" err="1">
+                <a:latin typeface="TH Sarabun New" pitchFamily="34" charset="-34"/>
+                <a:cs typeface="TH Sarabun New" pitchFamily="34" charset="-34"/>
+              </a:rPr>
+              <a:t>บิค</a:t>
+            </a:r>
+            <a:r>
+              <a:rPr lang="th-TH" dirty="0">
+                <a:latin typeface="TH Sarabun New" pitchFamily="34" charset="-34"/>
+                <a:cs typeface="TH Sarabun New" pitchFamily="34" charset="-34"/>
+              </a:rPr>
+              <a:t> </a:t>
+            </a:r>
+            <a:r>
+              <a:rPr lang="en-US" dirty="0">
+                <a:latin typeface="TH Sarabun New" pitchFamily="34" charset="-34"/>
+                <a:cs typeface="TH Sarabun New" pitchFamily="34" charset="-34"/>
+              </a:rPr>
+              <a:t>(Aerobic)</a:t>
+            </a:r>
+            <a:endParaRPr lang="th-TH" dirty="0">
+              <a:latin typeface="TH Sarabun New" pitchFamily="34" charset="-34"/>
+              <a:cs typeface="TH Sarabun New" pitchFamily="34" charset="-34"/>
+            </a:endParaRPr>
           </a:p>
         </p:txBody>
       </p:sp>
@@ -10346,6 +11833,13 @@
   <p:clrMapOvr>
     <a:masterClrMapping/>
   </p:clrMapOvr>
+  <p:timing>
+    <p:tnLst>
+      <p:par>
+        <p:cTn id="1" dur="indefinite" restart="never" nodeType="tmRoot"/>
+      </p:par>
+    </p:tnLst>
+  </p:timing>
 </p:sld>
 </file>
 
@@ -10376,92 +11870,451 @@
             <p:ph type="title"/>
           </p:nvPr>
         </p:nvSpPr>
+        <p:spPr/>
+        <p:txBody>
+          <a:bodyPr>
+            <a:normAutofit/>
+          </a:bodyPr>
+          <a:lstStyle/>
+          <a:p>
+            <a:pPr algn="l"/>
+            <a:r>
+              <a:rPr lang="th-TH" sz="4000" b="1" dirty="0" smtClean="0">
+                <a:latin typeface="TH Sarabun New" pitchFamily="34" charset="-34"/>
+                <a:cs typeface="TH Sarabun New" pitchFamily="34" charset="-34"/>
+              </a:rPr>
+              <a:t>โครงสร้างองค์กรปัจจุบัน</a:t>
+            </a:r>
+            <a:endParaRPr lang="th-TH" sz="4000" b="1" dirty="0">
+              <a:latin typeface="TH Sarabun New" pitchFamily="34" charset="-34"/>
+              <a:cs typeface="TH Sarabun New" pitchFamily="34" charset="-34"/>
+            </a:endParaRPr>
+          </a:p>
+        </p:txBody>
+      </p:sp>
+      <p:sp>
+        <p:nvSpPr>
+          <p:cNvPr id="11" name="Content Placeholder 10"/>
+          <p:cNvSpPr>
+            <a:spLocks noGrp="1"/>
+          </p:cNvSpPr>
+          <p:nvPr>
+            <p:ph idx="1"/>
+          </p:nvPr>
+        </p:nvSpPr>
+        <p:spPr/>
+        <p:txBody>
+          <a:bodyPr/>
+          <a:lstStyle/>
+          <a:p>
+            <a:pPr marL="0" indent="0">
+              <a:buNone/>
+            </a:pPr>
+            <a:endParaRPr lang="th-TH" dirty="0"/>
+          </a:p>
+        </p:txBody>
+      </p:sp>
+      <p:sp>
+        <p:nvSpPr>
+          <p:cNvPr id="5" name="TextBox 4"/>
+          <p:cNvSpPr txBox="1"/>
+          <p:nvPr/>
+        </p:nvSpPr>
         <p:spPr>
           <a:xfrm>
-            <a:off x="323528" y="0"/>
-            <a:ext cx="8229600" cy="1600200"/>
-          </a:xfrm>
-        </p:spPr>
-        <p:txBody>
-          <a:bodyPr/>
+            <a:off x="3500115" y="2743200"/>
+            <a:ext cx="2205360" cy="1947565"/>
+          </a:xfrm>
+          <a:prstGeom prst="flowChartConnector">
+            <a:avLst/>
+          </a:prstGeom>
+        </p:spPr>
+        <p:style>
+          <a:lnRef idx="3">
+            <a:schemeClr val="lt1"/>
+          </a:lnRef>
+          <a:fillRef idx="1">
+            <a:schemeClr val="accent1"/>
+          </a:fillRef>
+          <a:effectRef idx="1">
+            <a:schemeClr val="accent1"/>
+          </a:effectRef>
+          <a:fontRef idx="minor">
+            <a:schemeClr val="lt1"/>
+          </a:fontRef>
+        </p:style>
+        <p:txBody>
+          <a:bodyPr wrap="square" rtlCol="0">
+            <a:spAutoFit/>
+          </a:bodyPr>
           <a:lstStyle/>
           <a:p>
-            <a:pPr algn="l"/>
-            <a:r>
-              <a:rPr lang="th-TH" dirty="0" smtClean="0"/>
-              <a:t>โครงสร้างองค์กรปัจจุบัน</a:t>
-            </a:r>
-            <a:endParaRPr lang="th-TH" dirty="0"/>
+            <a:pPr algn="ctr"/>
+            <a:r>
+              <a:rPr lang="en-US" sz="2800" b="1" dirty="0" smtClean="0"/>
+              <a:t>Triple B Fitness Center</a:t>
+            </a:r>
+            <a:endParaRPr lang="th-TH" sz="2800" b="1" dirty="0"/>
           </a:p>
         </p:txBody>
       </p:sp>
       <p:pic>
         <p:nvPicPr>
-          <p:cNvPr id="4" name="Content Placeholder 3"/>
+          <p:cNvPr id="2052" name="Picture 4" descr="C:\Users\parichat_k\Pictures\administrative-assistant-clip-art-74422.jpg"/>
           <p:cNvPicPr>
-            <a:picLocks noGrp="1"/>
+            <a:picLocks noChangeAspect="1" noChangeArrowheads="1"/>
           </p:cNvPicPr>
-          <p:nvPr>
-            <p:ph idx="1"/>
-          </p:nvPr>
+          <p:nvPr/>
         </p:nvPicPr>
         <p:blipFill>
-          <a:blip r:embed="rId2" cstate="print">
+          <a:blip r:embed="rId2">
             <a:extLst>
               <a:ext uri="{28A0092B-C50C-407E-A947-70E740481C1C}">
                 <a14:useLocalDpi xmlns:a14="http://schemas.microsoft.com/office/drawing/2010/main" val="0"/>
               </a:ext>
             </a:extLst>
           </a:blip>
+          <a:srcRect/>
           <a:stretch>
             <a:fillRect/>
           </a:stretch>
         </p:blipFill>
-        <p:spPr>
+        <p:spPr bwMode="auto">
           <a:xfrm>
-            <a:off x="2771453" y="2047597"/>
-            <a:ext cx="5781675" cy="3495675"/>
-          </a:xfrm>
-          <a:prstGeom prst="rect">
-            <a:avLst/>
-          </a:prstGeom>
-          <a:ln>
-            <a:solidFill>
-              <a:schemeClr val="bg1"/>
-            </a:solidFill>
-          </a:ln>
-        </p:spPr>
-      </p:pic>
-      <p:sp>
-        <p:nvSpPr>
-          <p:cNvPr id="3" name="TextBox 2"/>
-          <p:cNvSpPr txBox="1"/>
-          <p:nvPr/>
-        </p:nvSpPr>
-        <p:spPr>
-          <a:xfrm>
-            <a:off x="4099091" y="5767807"/>
-            <a:ext cx="2786340" cy="523220"/>
+            <a:off x="6473059" y="1726346"/>
+            <a:ext cx="2213741" cy="1373080"/>
           </a:xfrm>
           <a:prstGeom prst="rect">
             <a:avLst/>
           </a:prstGeom>
           <a:noFill/>
-        </p:spPr>
-        <p:txBody>
-          <a:bodyPr wrap="none" rtlCol="0">
-            <a:spAutoFit/>
-          </a:bodyPr>
+          <a:extLst>
+            <a:ext uri="{909E8E84-426E-40DD-AFC4-6F175D3DCCD1}">
+              <a14:hiddenFill xmlns:a14="http://schemas.microsoft.com/office/drawing/2010/main">
+                <a:solidFill>
+                  <a:srgbClr val="FFFFFF"/>
+                </a:solidFill>
+              </a14:hiddenFill>
+            </a:ext>
+          </a:extLst>
+        </p:spPr>
+      </p:pic>
+      <p:pic>
+        <p:nvPicPr>
+          <p:cNvPr id="2051" name="Picture 3" descr="C:\Users\parichat_k\Pictures\battering-clipart-dollar.jpg"/>
+          <p:cNvPicPr>
+            <a:picLocks noChangeAspect="1" noChangeArrowheads="1"/>
+          </p:cNvPicPr>
+          <p:nvPr/>
+        </p:nvPicPr>
+        <p:blipFill>
+          <a:blip r:embed="rId3">
+            <a:extLst>
+              <a:ext uri="{28A0092B-C50C-407E-A947-70E740481C1C}">
+                <a14:useLocalDpi xmlns:a14="http://schemas.microsoft.com/office/drawing/2010/main" val="0"/>
+              </a:ext>
+            </a:extLst>
+          </a:blip>
+          <a:srcRect/>
+          <a:stretch>
+            <a:fillRect/>
+          </a:stretch>
+        </p:blipFill>
+        <p:spPr bwMode="auto">
+          <a:xfrm>
+            <a:off x="7472018" y="1726346"/>
+            <a:ext cx="215822" cy="303312"/>
+          </a:xfrm>
+          <a:prstGeom prst="rect">
+            <a:avLst/>
+          </a:prstGeom>
+          <a:noFill/>
+          <a:extLst>
+            <a:ext uri="{909E8E84-426E-40DD-AFC4-6F175D3DCCD1}">
+              <a14:hiddenFill xmlns:a14="http://schemas.microsoft.com/office/drawing/2010/main">
+                <a:solidFill>
+                  <a:srgbClr val="FFFFFF"/>
+                </a:solidFill>
+              </a14:hiddenFill>
+            </a:ext>
+          </a:extLst>
+        </p:spPr>
+      </p:pic>
+      <p:sp>
+        <p:nvSpPr>
+          <p:cNvPr id="6" name="Down Arrow 5"/>
+          <p:cNvSpPr/>
+          <p:nvPr/>
+        </p:nvSpPr>
+        <p:spPr>
+          <a:xfrm rot="3543424">
+            <a:off x="5897460" y="2350067"/>
+            <a:ext cx="542925" cy="1085850"/>
+          </a:xfrm>
+          <a:prstGeom prst="downArrow">
+            <a:avLst/>
+          </a:prstGeom>
+        </p:spPr>
+        <p:style>
+          <a:lnRef idx="1">
+            <a:schemeClr val="accent1"/>
+          </a:lnRef>
+          <a:fillRef idx="3">
+            <a:schemeClr val="accent1"/>
+          </a:fillRef>
+          <a:effectRef idx="2">
+            <a:schemeClr val="accent1"/>
+          </a:effectRef>
+          <a:fontRef idx="minor">
+            <a:schemeClr val="lt1"/>
+          </a:fontRef>
+        </p:style>
+        <p:txBody>
+          <a:bodyPr rtlCol="0" anchor="ctr"/>
           <a:lstStyle/>
           <a:p>
-            <a:r>
-              <a:rPr lang="th-TH" sz="2800" b="1" dirty="0" smtClean="0"/>
-              <a:t>โครงสร้างองค์กรปัจจุบัน</a:t>
-            </a:r>
-            <a:endParaRPr lang="th-TH" sz="2800" b="1" dirty="0"/>
-          </a:p>
-        </p:txBody>
-      </p:sp>
+            <a:pPr algn="ctr"/>
+            <a:endParaRPr lang="th-TH"/>
+          </a:p>
+        </p:txBody>
+      </p:sp>
+      <p:pic>
+        <p:nvPicPr>
+          <p:cNvPr id="2053" name="Picture 5" descr="C:\Users\parichat_k\Pictures\personal-trainer-clip-art-103857.gif"/>
+          <p:cNvPicPr>
+            <a:picLocks noChangeAspect="1" noChangeArrowheads="1"/>
+          </p:cNvPicPr>
+          <p:nvPr/>
+        </p:nvPicPr>
+        <p:blipFill>
+          <a:blip r:embed="rId4">
+            <a:extLst>
+              <a:ext uri="{28A0092B-C50C-407E-A947-70E740481C1C}">
+                <a14:useLocalDpi xmlns:a14="http://schemas.microsoft.com/office/drawing/2010/main" val="0"/>
+              </a:ext>
+            </a:extLst>
+          </a:blip>
+          <a:srcRect/>
+          <a:stretch>
+            <a:fillRect/>
+          </a:stretch>
+        </p:blipFill>
+        <p:spPr bwMode="auto">
+          <a:xfrm>
+            <a:off x="1120569" y="4215745"/>
+            <a:ext cx="1518925" cy="1729714"/>
+          </a:xfrm>
+          <a:prstGeom prst="rect">
+            <a:avLst/>
+          </a:prstGeom>
+          <a:noFill/>
+          <a:extLst>
+            <a:ext uri="{909E8E84-426E-40DD-AFC4-6F175D3DCCD1}">
+              <a14:hiddenFill xmlns:a14="http://schemas.microsoft.com/office/drawing/2010/main">
+                <a:solidFill>
+                  <a:srgbClr val="FFFFFF"/>
+                </a:solidFill>
+              </a14:hiddenFill>
+            </a:ext>
+          </a:extLst>
+        </p:spPr>
+      </p:pic>
+      <p:sp>
+        <p:nvSpPr>
+          <p:cNvPr id="9" name="Down Arrow 8"/>
+          <p:cNvSpPr/>
+          <p:nvPr/>
+        </p:nvSpPr>
+        <p:spPr>
+          <a:xfrm rot="13550258">
+            <a:off x="2799281" y="4240810"/>
+            <a:ext cx="542925" cy="1085850"/>
+          </a:xfrm>
+          <a:prstGeom prst="downArrow">
+            <a:avLst/>
+          </a:prstGeom>
+        </p:spPr>
+        <p:style>
+          <a:lnRef idx="1">
+            <a:schemeClr val="accent1"/>
+          </a:lnRef>
+          <a:fillRef idx="3">
+            <a:schemeClr val="accent1"/>
+          </a:fillRef>
+          <a:effectRef idx="2">
+            <a:schemeClr val="accent1"/>
+          </a:effectRef>
+          <a:fontRef idx="minor">
+            <a:schemeClr val="lt1"/>
+          </a:fontRef>
+        </p:style>
+        <p:txBody>
+          <a:bodyPr rtlCol="0" anchor="ctr"/>
+          <a:lstStyle/>
+          <a:p>
+            <a:pPr algn="ctr"/>
+            <a:endParaRPr lang="th-TH"/>
+          </a:p>
+        </p:txBody>
+      </p:sp>
+      <p:pic>
+        <p:nvPicPr>
+          <p:cNvPr id="2054" name="Picture 6" descr="C:\Users\parichat_k\Pictures\Customer-Service-clip-art.jpg"/>
+          <p:cNvPicPr>
+            <a:picLocks noChangeAspect="1" noChangeArrowheads="1"/>
+          </p:cNvPicPr>
+          <p:nvPr/>
+        </p:nvPicPr>
+        <p:blipFill>
+          <a:blip r:embed="rId5">
+            <a:extLst>
+              <a:ext uri="{28A0092B-C50C-407E-A947-70E740481C1C}">
+                <a14:useLocalDpi xmlns:a14="http://schemas.microsoft.com/office/drawing/2010/main" val="0"/>
+              </a:ext>
+            </a:extLst>
+          </a:blip>
+          <a:srcRect/>
+          <a:stretch>
+            <a:fillRect/>
+          </a:stretch>
+        </p:blipFill>
+        <p:spPr bwMode="auto">
+          <a:xfrm>
+            <a:off x="6628383" y="4365274"/>
+            <a:ext cx="2118913" cy="1610374"/>
+          </a:xfrm>
+          <a:prstGeom prst="rect">
+            <a:avLst/>
+          </a:prstGeom>
+          <a:noFill/>
+          <a:extLst>
+            <a:ext uri="{909E8E84-426E-40DD-AFC4-6F175D3DCCD1}">
+              <a14:hiddenFill xmlns:a14="http://schemas.microsoft.com/office/drawing/2010/main">
+                <a:solidFill>
+                  <a:srgbClr val="FFFFFF"/>
+                </a:solidFill>
+              </a14:hiddenFill>
+            </a:ext>
+          </a:extLst>
+        </p:spPr>
+      </p:pic>
+      <p:sp>
+        <p:nvSpPr>
+          <p:cNvPr id="7" name="Down Arrow 6"/>
+          <p:cNvSpPr/>
+          <p:nvPr/>
+        </p:nvSpPr>
+        <p:spPr>
+          <a:xfrm rot="7981815">
+            <a:off x="5874339" y="4222155"/>
+            <a:ext cx="542925" cy="1085850"/>
+          </a:xfrm>
+          <a:prstGeom prst="downArrow">
+            <a:avLst/>
+          </a:prstGeom>
+        </p:spPr>
+        <p:style>
+          <a:lnRef idx="1">
+            <a:schemeClr val="accent1"/>
+          </a:lnRef>
+          <a:fillRef idx="3">
+            <a:schemeClr val="accent1"/>
+          </a:fillRef>
+          <a:effectRef idx="2">
+            <a:schemeClr val="accent1"/>
+          </a:effectRef>
+          <a:fontRef idx="minor">
+            <a:schemeClr val="lt1"/>
+          </a:fontRef>
+        </p:style>
+        <p:txBody>
+          <a:bodyPr rtlCol="0" anchor="ctr"/>
+          <a:lstStyle/>
+          <a:p>
+            <a:pPr algn="ctr"/>
+            <a:endParaRPr lang="th-TH"/>
+          </a:p>
+        </p:txBody>
+      </p:sp>
+      <p:sp>
+        <p:nvSpPr>
+          <p:cNvPr id="8" name="Down Arrow 7"/>
+          <p:cNvSpPr/>
+          <p:nvPr/>
+        </p:nvSpPr>
+        <p:spPr>
+          <a:xfrm rot="17663430">
+            <a:off x="2657760" y="2309513"/>
+            <a:ext cx="542925" cy="1085850"/>
+          </a:xfrm>
+          <a:prstGeom prst="downArrow">
+            <a:avLst/>
+          </a:prstGeom>
+        </p:spPr>
+        <p:style>
+          <a:lnRef idx="1">
+            <a:schemeClr val="accent1"/>
+          </a:lnRef>
+          <a:fillRef idx="3">
+            <a:schemeClr val="accent1"/>
+          </a:fillRef>
+          <a:effectRef idx="2">
+            <a:schemeClr val="accent1"/>
+          </a:effectRef>
+          <a:fontRef idx="minor">
+            <a:schemeClr val="lt1"/>
+          </a:fontRef>
+        </p:style>
+        <p:txBody>
+          <a:bodyPr rtlCol="0" anchor="ctr"/>
+          <a:lstStyle/>
+          <a:p>
+            <a:pPr algn="ctr"/>
+            <a:endParaRPr lang="th-TH"/>
+          </a:p>
+        </p:txBody>
+      </p:sp>
+      <p:pic>
+        <p:nvPicPr>
+          <p:cNvPr id="2050" name="Picture 2" descr="C:\Users\parichat_k\Pictures\teachers-desk-clip-art-545884.png"/>
+          <p:cNvPicPr>
+            <a:picLocks noChangeAspect="1" noChangeArrowheads="1"/>
+          </p:cNvPicPr>
+          <p:nvPr/>
+        </p:nvPicPr>
+        <p:blipFill>
+          <a:blip r:embed="rId6">
+            <a:extLst>
+              <a:ext uri="{28A0092B-C50C-407E-A947-70E740481C1C}">
+                <a14:useLocalDpi xmlns:a14="http://schemas.microsoft.com/office/drawing/2010/main" val="0"/>
+              </a:ext>
+            </a:extLst>
+          </a:blip>
+          <a:srcRect/>
+          <a:stretch>
+            <a:fillRect/>
+          </a:stretch>
+        </p:blipFill>
+        <p:spPr bwMode="auto">
+          <a:xfrm>
+            <a:off x="856008" y="1392124"/>
+            <a:ext cx="1783486" cy="1599064"/>
+          </a:xfrm>
+          <a:prstGeom prst="rect">
+            <a:avLst/>
+          </a:prstGeom>
+          <a:noFill/>
+          <a:extLst>
+            <a:ext uri="{909E8E84-426E-40DD-AFC4-6F175D3DCCD1}">
+              <a14:hiddenFill xmlns:a14="http://schemas.microsoft.com/office/drawing/2010/main">
+                <a:solidFill>
+                  <a:srgbClr val="FFFFFF"/>
+                </a:solidFill>
+              </a14:hiddenFill>
+            </a:ext>
+          </a:extLst>
+        </p:spPr>
+      </p:pic>
     </p:spTree>
     <p:extLst>
       <p:ext uri="{BB962C8B-B14F-4D97-AF65-F5344CB8AC3E}">
@@ -10472,6 +12325,18 @@
   <p:clrMapOvr>
     <a:masterClrMapping/>
   </p:clrMapOvr>
+  <mc:AlternateContent xmlns:mc="http://schemas.openxmlformats.org/markup-compatibility/2006">
+    <mc:Choice xmlns:p14="http://schemas.microsoft.com/office/powerpoint/2010/main" Requires="p14">
+      <p:transition spd="slow" p14:dur="1500">
+        <p:split orient="vert"/>
+      </p:transition>
+    </mc:Choice>
+    <mc:Fallback>
+      <p:transition spd="slow">
+        <p:split orient="vert"/>
+      </p:transition>
+    </mc:Fallback>
+  </mc:AlternateContent>
   <p:timing>
     <p:tnLst>
       <p:par>
@@ -10511,14 +12376,22 @@
         </p:nvSpPr>
         <p:spPr/>
         <p:txBody>
-          <a:bodyPr/>
+          <a:bodyPr>
+            <a:normAutofit/>
+          </a:bodyPr>
           <a:lstStyle/>
           <a:p>
             <a:r>
-              <a:rPr lang="th-TH" dirty="0" smtClean="0"/>
+              <a:rPr lang="th-TH" sz="4000" b="1" dirty="0" smtClean="0">
+                <a:latin typeface="TH Sarabun New" pitchFamily="34" charset="-34"/>
+                <a:cs typeface="TH Sarabun New" pitchFamily="34" charset="-34"/>
+              </a:rPr>
               <a:t>ปัญหาของระบบปัจจุบัน</a:t>
             </a:r>
-            <a:endParaRPr lang="th-TH" dirty="0"/>
+            <a:endParaRPr lang="th-TH" sz="4000" b="1" dirty="0">
+              <a:latin typeface="TH Sarabun New" pitchFamily="34" charset="-34"/>
+              <a:cs typeface="TH Sarabun New" pitchFamily="34" charset="-34"/>
+            </a:endParaRPr>
           </a:p>
         </p:txBody>
       </p:sp>
@@ -10532,37 +12405,80 @@
             <p:ph idx="1"/>
           </p:nvPr>
         </p:nvSpPr>
-        <p:spPr/>
-        <p:txBody>
-          <a:bodyPr/>
+        <p:spPr>
+          <a:xfrm>
+            <a:off x="457200" y="1568303"/>
+            <a:ext cx="8229600" cy="2642191"/>
+          </a:xfrm>
+        </p:spPr>
+        <p:txBody>
+          <a:bodyPr>
+            <a:normAutofit/>
+          </a:bodyPr>
           <a:lstStyle/>
           <a:p>
             <a:r>
-              <a:rPr lang="th-TH" dirty="0" smtClean="0"/>
-              <a:t>การจัดเก็บข้อมูลของสมาชิก</a:t>
-            </a:r>
-          </a:p>
-          <a:p>
-            <a:r>
-              <a:rPr lang="th-TH" dirty="0" smtClean="0"/>
+              <a:rPr lang="th-TH" sz="3600" dirty="0" smtClean="0">
+                <a:latin typeface="TH Sarabun New" pitchFamily="34" charset="-34"/>
+                <a:cs typeface="TH Sarabun New" pitchFamily="34" charset="-34"/>
+              </a:rPr>
+              <a:t>การจัดเก็บข้อมูลของ</a:t>
+            </a:r>
+            <a:r>
+              <a:rPr lang="th-TH" sz="3600" dirty="0" smtClean="0">
+                <a:latin typeface="TH Sarabun New" pitchFamily="34" charset="-34"/>
+                <a:cs typeface="TH Sarabun New" pitchFamily="34" charset="-34"/>
+              </a:rPr>
+              <a:t>สมาชิก </a:t>
+            </a:r>
+            <a:r>
+              <a:rPr lang="en-US" sz="3600" dirty="0" smtClean="0">
+                <a:latin typeface="TH Sarabun New" pitchFamily="34" charset="-34"/>
+                <a:cs typeface="TH Sarabun New" pitchFamily="34" charset="-34"/>
+              </a:rPr>
+              <a:t>(Member)</a:t>
+            </a:r>
+            <a:endParaRPr lang="th-TH" sz="3600" dirty="0" smtClean="0">
+              <a:latin typeface="TH Sarabun New" pitchFamily="34" charset="-34"/>
+              <a:cs typeface="TH Sarabun New" pitchFamily="34" charset="-34"/>
+            </a:endParaRPr>
+          </a:p>
+          <a:p>
+            <a:r>
+              <a:rPr lang="th-TH" sz="3600" dirty="0" smtClean="0">
+                <a:latin typeface="TH Sarabun New" pitchFamily="34" charset="-34"/>
+                <a:cs typeface="TH Sarabun New" pitchFamily="34" charset="-34"/>
+              </a:rPr>
               <a:t>การจัดเก็บข้อมูลบัญชีรายรับ</a:t>
             </a:r>
           </a:p>
           <a:p>
             <a:r>
-              <a:rPr lang="th-TH" dirty="0" smtClean="0"/>
+              <a:rPr lang="th-TH" sz="3600" dirty="0" smtClean="0">
+                <a:latin typeface="TH Sarabun New" pitchFamily="34" charset="-34"/>
+                <a:cs typeface="TH Sarabun New" pitchFamily="34" charset="-34"/>
+              </a:rPr>
               <a:t>การประเมินความสามารถและค่าตอบแทนพนักงาน</a:t>
             </a:r>
-            <a:endParaRPr lang="th-TH" dirty="0"/>
-          </a:p>
-          <a:p>
-            <a:r>
-              <a:rPr lang="th-TH" dirty="0"/>
+            <a:endParaRPr lang="th-TH" sz="3600" dirty="0">
+              <a:latin typeface="TH Sarabun New" pitchFamily="34" charset="-34"/>
+              <a:cs typeface="TH Sarabun New" pitchFamily="34" charset="-34"/>
+            </a:endParaRPr>
+          </a:p>
+          <a:p>
+            <a:r>
+              <a:rPr lang="th-TH" sz="3600" dirty="0">
+                <a:latin typeface="TH Sarabun New" pitchFamily="34" charset="-34"/>
+                <a:cs typeface="TH Sarabun New" pitchFamily="34" charset="-34"/>
+              </a:rPr>
               <a:t>การจัดเก็บข้อมูลสินค้าในคลังสินค้า </a:t>
             </a:r>
           </a:p>
           <a:p>
-            <a:endParaRPr lang="th-TH" dirty="0"/>
+            <a:endParaRPr lang="th-TH" sz="3600" dirty="0">
+              <a:latin typeface="TH Sarabun New" pitchFamily="34" charset="-34"/>
+              <a:cs typeface="TH Sarabun New" pitchFamily="34" charset="-34"/>
+            </a:endParaRPr>
           </a:p>
         </p:txBody>
       </p:sp>
@@ -10576,6 +12492,13 @@
   <p:clrMapOvr>
     <a:masterClrMapping/>
   </p:clrMapOvr>
+  <p:timing>
+    <p:tnLst>
+      <p:par>
+        <p:cTn id="1" dur="indefinite" restart="never" nodeType="tmRoot"/>
+      </p:par>
+    </p:tnLst>
+  </p:timing>
 </p:sld>
 </file>
 
@@ -10598,6 +12521,48 @@
       </p:grpSpPr>
       <p:sp>
         <p:nvSpPr>
+          <p:cNvPr id="3" name="Rectangle 2"/>
+          <p:cNvSpPr/>
+          <p:nvPr/>
+        </p:nvSpPr>
+        <p:spPr>
+          <a:xfrm>
+            <a:off x="2413591" y="1520456"/>
+            <a:ext cx="6411432" cy="4476307"/>
+          </a:xfrm>
+          <a:prstGeom prst="rect">
+            <a:avLst/>
+          </a:prstGeom>
+          <a:noFill/>
+          <a:ln>
+            <a:noFill/>
+          </a:ln>
+        </p:spPr>
+        <p:style>
+          <a:lnRef idx="1">
+            <a:schemeClr val="accent3"/>
+          </a:lnRef>
+          <a:fillRef idx="2">
+            <a:schemeClr val="accent3"/>
+          </a:fillRef>
+          <a:effectRef idx="1">
+            <a:schemeClr val="accent3"/>
+          </a:effectRef>
+          <a:fontRef idx="minor">
+            <a:schemeClr val="dk1"/>
+          </a:fontRef>
+        </p:style>
+        <p:txBody>
+          <a:bodyPr rtlCol="0" anchor="ctr"/>
+          <a:lstStyle/>
+          <a:p>
+            <a:pPr algn="ctr"/>
+            <a:endParaRPr lang="th-TH"/>
+          </a:p>
+        </p:txBody>
+      </p:sp>
+      <p:sp>
+        <p:nvSpPr>
           <p:cNvPr id="2" name="ชื่อเรื่อง 1"/>
           <p:cNvSpPr>
             <a:spLocks noGrp="1"/>
@@ -10608,14 +12573,22 @@
         </p:nvSpPr>
         <p:spPr/>
         <p:txBody>
-          <a:bodyPr/>
+          <a:bodyPr>
+            <a:normAutofit/>
+          </a:bodyPr>
           <a:lstStyle/>
           <a:p>
             <a:r>
-              <a:rPr lang="th-TH" dirty="0" smtClean="0"/>
+              <a:rPr lang="th-TH" sz="4000" b="1" dirty="0" smtClean="0">
+                <a:latin typeface="TH Sarabun New" pitchFamily="34" charset="-34"/>
+                <a:cs typeface="TH Sarabun New" pitchFamily="34" charset="-34"/>
+              </a:rPr>
               <a:t>การจัดเก็บข้อมูลของสมาชิก</a:t>
             </a:r>
-            <a:endParaRPr lang="th-TH" dirty="0"/>
+            <a:endParaRPr lang="th-TH" sz="4000" b="1" dirty="0">
+              <a:latin typeface="TH Sarabun New" pitchFamily="34" charset="-34"/>
+              <a:cs typeface="TH Sarabun New" pitchFamily="34" charset="-34"/>
+            </a:endParaRPr>
           </a:p>
         </p:txBody>
       </p:sp>
@@ -10629,7 +12602,7 @@
             <p:ph idx="1"/>
           </p:nvPr>
         </p:nvPicPr>
-        <p:blipFill>
+        <p:blipFill rotWithShape="1">
           <a:blip r:embed="rId2">
             <a:extLst>
               <a:ext uri="{28A0092B-C50C-407E-A947-70E740481C1C}">
@@ -10637,15 +12610,27 @@
               </a:ext>
             </a:extLst>
           </a:blip>
-          <a:stretch>
-            <a:fillRect/>
-          </a:stretch>
+          <a:srcRect l="2648" t="1696" r="6022" b="7754"/>
+          <a:stretch/>
         </p:blipFill>
         <p:spPr>
           <a:xfrm>
-            <a:off x="2992438" y="1727796"/>
-            <a:ext cx="5694362" cy="4270771"/>
-          </a:xfrm>
+            <a:off x="3143250" y="1800225"/>
+            <a:ext cx="5200650" cy="3867150"/>
+          </a:xfrm>
+          <a:prstGeom prst="rect">
+            <a:avLst/>
+          </a:prstGeom>
+          <a:ln>
+            <a:noFill/>
+          </a:ln>
+          <a:effectLst>
+            <a:outerShdw blurRad="190500" algn="tl" rotWithShape="0">
+              <a:srgbClr val="000000">
+                <a:alpha val="70000"/>
+              </a:srgbClr>
+            </a:outerShdw>
+          </a:effectLst>
         </p:spPr>
       </p:pic>
     </p:spTree>
@@ -10658,6 +12643,13 @@
   <p:clrMapOvr>
     <a:masterClrMapping/>
   </p:clrMapOvr>
+  <p:timing>
+    <p:tnLst>
+      <p:par>
+        <p:cTn id="1" dur="indefinite" restart="never" nodeType="tmRoot"/>
+      </p:par>
+    </p:tnLst>
+  </p:timing>
 </p:sld>
 </file>
 
@@ -10688,26 +12680,31 @@
             <p:ph type="title"/>
           </p:nvPr>
         </p:nvSpPr>
-        <p:spPr>
-          <a:xfrm>
-            <a:off x="323528" y="23056"/>
-            <a:ext cx="8229600" cy="1600200"/>
-          </a:xfrm>
-        </p:spPr>
-        <p:txBody>
-          <a:bodyPr/>
+        <p:spPr/>
+        <p:txBody>
+          <a:bodyPr>
+            <a:normAutofit/>
+          </a:bodyPr>
           <a:lstStyle/>
           <a:p>
-            <a:pPr algn="l"/>
-            <a:r>
-              <a:rPr lang="th-TH" dirty="0" smtClean="0"/>
-              <a:t>	</a:t>
-            </a:r>
-            <a:r>
-              <a:rPr lang="th-TH" dirty="0" smtClean="0"/>
-              <a:t>การจัดเก็บข้อมูลบัญชีรายรับ</a:t>
-            </a:r>
-            <a:endParaRPr lang="th-TH" dirty="0"/>
+            <a:r>
+              <a:rPr lang="th-TH" sz="4000" b="1" dirty="0" smtClean="0">
+                <a:latin typeface="TH Sarabun New" pitchFamily="34" charset="-34"/>
+                <a:cs typeface="TH Sarabun New" pitchFamily="34" charset="-34"/>
+              </a:rPr>
+              <a:t>การ</a:t>
+            </a:r>
+            <a:r>
+              <a:rPr lang="th-TH" sz="4000" b="1" dirty="0" smtClean="0">
+                <a:latin typeface="TH Sarabun New" pitchFamily="34" charset="-34"/>
+                <a:cs typeface="TH Sarabun New" pitchFamily="34" charset="-34"/>
+              </a:rPr>
+              <a:t>จัดเก็บข้อมูลบัญชีรายรับ</a:t>
+            </a:r>
+            <a:endParaRPr lang="th-TH" sz="4000" b="1" dirty="0">
+              <a:latin typeface="TH Sarabun New" pitchFamily="34" charset="-34"/>
+              <a:cs typeface="TH Sarabun New" pitchFamily="34" charset="-34"/>
+            </a:endParaRPr>
           </a:p>
         </p:txBody>
       </p:sp>
@@ -10743,7 +12740,9 @@
           </a:prstGeom>
           <a:noFill/>
           <a:ln w="6350">
-            <a:noFill/>
+            <a:solidFill>
+              <a:schemeClr val="accent1"/>
+            </a:solidFill>
           </a:ln>
         </p:spPr>
       </p:pic>

--- a/Proposal/Final/Presentation R1.pptx
+++ b/Proposal/Final/Presentation R1.pptx
@@ -1,6 +1,6 @@
 
 <file path=ppt/presentation.xml><?xml version="1.0" encoding="utf-8"?>
-<p:presentation xmlns:a="http://schemas.openxmlformats.org/drawingml/2006/main" xmlns:r="http://schemas.openxmlformats.org/officeDocument/2006/relationships" xmlns:p="http://schemas.openxmlformats.org/presentationml/2006/main" saveSubsetFonts="1" autoCompressPictures="0">
+<p:presentation xmlns:a="http://schemas.openxmlformats.org/drawingml/2006/main" xmlns:r="http://schemas.openxmlformats.org/officeDocument/2006/relationships" xmlns:p="http://schemas.openxmlformats.org/presentationml/2006/main" showSpecialPlsOnTitleSld="0" saveSubsetFonts="1" autoCompressPictures="0">
   <p:sldMasterIdLst>
     <p:sldMasterId id="2147483648" r:id="rId1"/>
   </p:sldMasterIdLst>
@@ -28,23 +28,23 @@
     <p:sldId id="269" r:id="rId19"/>
     <p:sldId id="270" r:id="rId20"/>
     <p:sldId id="300" r:id="rId21"/>
-    <p:sldId id="273" r:id="rId22"/>
-    <p:sldId id="274" r:id="rId23"/>
-    <p:sldId id="302" r:id="rId24"/>
-    <p:sldId id="301" r:id="rId25"/>
-    <p:sldId id="291" r:id="rId26"/>
-    <p:sldId id="278" r:id="rId27"/>
-    <p:sldId id="279" r:id="rId28"/>
-    <p:sldId id="280" r:id="rId29"/>
-    <p:sldId id="281" r:id="rId30"/>
-    <p:sldId id="282" r:id="rId31"/>
-    <p:sldId id="283" r:id="rId32"/>
-    <p:sldId id="277" r:id="rId33"/>
-    <p:sldId id="284" r:id="rId34"/>
-    <p:sldId id="292" r:id="rId35"/>
-    <p:sldId id="287" r:id="rId36"/>
-    <p:sldId id="288" r:id="rId37"/>
-    <p:sldId id="289" r:id="rId38"/>
+    <p:sldId id="301" r:id="rId22"/>
+    <p:sldId id="302" r:id="rId23"/>
+    <p:sldId id="303" r:id="rId24"/>
+    <p:sldId id="304" r:id="rId25"/>
+    <p:sldId id="305" r:id="rId26"/>
+    <p:sldId id="306" r:id="rId27"/>
+    <p:sldId id="307" r:id="rId28"/>
+    <p:sldId id="308" r:id="rId29"/>
+    <p:sldId id="309" r:id="rId30"/>
+    <p:sldId id="310" r:id="rId31"/>
+    <p:sldId id="311" r:id="rId32"/>
+    <p:sldId id="312" r:id="rId33"/>
+    <p:sldId id="313" r:id="rId34"/>
+    <p:sldId id="314" r:id="rId35"/>
+    <p:sldId id="315" r:id="rId36"/>
+    <p:sldId id="316" r:id="rId37"/>
+    <p:sldId id="317" r:id="rId38"/>
   </p:sldIdLst>
   <p:sldSz cx="9144000" cy="6858000" type="screen4x3"/>
   <p:notesSz cx="6858000" cy="9144000"/>
@@ -168,23 +168,23 @@
             <p14:sldId id="269"/>
             <p14:sldId id="270"/>
             <p14:sldId id="300"/>
-            <p14:sldId id="273"/>
-            <p14:sldId id="274"/>
+            <p14:sldId id="301"/>
             <p14:sldId id="302"/>
-            <p14:sldId id="301"/>
-            <p14:sldId id="291"/>
-            <p14:sldId id="278"/>
-            <p14:sldId id="279"/>
-            <p14:sldId id="280"/>
-            <p14:sldId id="281"/>
-            <p14:sldId id="282"/>
-            <p14:sldId id="283"/>
-            <p14:sldId id="277"/>
-            <p14:sldId id="284"/>
-            <p14:sldId id="292"/>
-            <p14:sldId id="287"/>
-            <p14:sldId id="288"/>
-            <p14:sldId id="289"/>
+            <p14:sldId id="303"/>
+            <p14:sldId id="304"/>
+            <p14:sldId id="305"/>
+            <p14:sldId id="306"/>
+            <p14:sldId id="307"/>
+            <p14:sldId id="308"/>
+            <p14:sldId id="309"/>
+            <p14:sldId id="310"/>
+            <p14:sldId id="311"/>
+            <p14:sldId id="312"/>
+            <p14:sldId id="313"/>
+            <p14:sldId id="314"/>
+            <p14:sldId id="315"/>
+            <p14:sldId id="316"/>
+            <p14:sldId id="317"/>
           </p14:sldIdLst>
         </p14:section>
       </p14:sectionLst>
@@ -816,11 +816,10 @@
           <a:bodyPr/>
           <a:lstStyle/>
           <a:p>
-            <a:fld id="{6B962E55-36F4-9C47-AE7F-0F680BB24EE2}" type="datetimeFigureOut">
+            <a:r>
               <a:rPr lang="en-US" smtClean="0"/>
-              <a:pPr/>
-              <a:t>9/25/2015</a:t>
-            </a:fld>
+              <a:t>26 September 2015</a:t>
+            </a:r>
             <a:endParaRPr lang="en-US" dirty="0"/>
           </a:p>
         </p:txBody>
@@ -887,6 +886,10 @@
             </a:lvl1pPr>
           </a:lstStyle>
           <a:p>
+            <a:r>
+              <a:rPr lang="th-TH" smtClean="0"/>
+              <a:t>ระบบบริหารจัดการศูนย์ออกกำลังกาย</a:t>
+            </a:r>
             <a:endParaRPr lang="en-US" dirty="0"/>
           </a:p>
         </p:txBody>
@@ -1283,11 +1286,10 @@
           <a:bodyPr/>
           <a:lstStyle/>
           <a:p>
-            <a:fld id="{6B962E55-36F4-9C47-AE7F-0F680BB24EE2}" type="datetimeFigureOut">
+            <a:r>
               <a:rPr lang="en-US" smtClean="0"/>
-              <a:pPr/>
-              <a:t>9/25/2015</a:t>
-            </a:fld>
+              <a:t>26 September 2015</a:t>
+            </a:r>
             <a:endParaRPr lang="en-US"/>
           </a:p>
         </p:txBody>
@@ -1307,6 +1309,10 @@
           <a:bodyPr/>
           <a:lstStyle/>
           <a:p>
+            <a:r>
+              <a:rPr lang="th-TH" smtClean="0"/>
+              <a:t>ระบบบริหารจัดการศูนย์ออกกำลังกาย</a:t>
+            </a:r>
             <a:endParaRPr lang="en-US"/>
           </a:p>
         </p:txBody>
@@ -1538,11 +1544,10 @@
           <a:bodyPr/>
           <a:lstStyle/>
           <a:p>
-            <a:fld id="{6B962E55-36F4-9C47-AE7F-0F680BB24EE2}" type="datetimeFigureOut">
+            <a:r>
               <a:rPr lang="en-US" smtClean="0"/>
-              <a:pPr/>
-              <a:t>9/25/2015</a:t>
-            </a:fld>
+              <a:t>26 September 2015</a:t>
+            </a:r>
             <a:endParaRPr lang="en-US"/>
           </a:p>
         </p:txBody>
@@ -1562,6 +1567,10 @@
           <a:bodyPr/>
           <a:lstStyle/>
           <a:p>
+            <a:r>
+              <a:rPr lang="th-TH" smtClean="0"/>
+              <a:t>ระบบบริหารจัดการศูนย์ออกกำลังกาย</a:t>
+            </a:r>
             <a:endParaRPr lang="en-US"/>
           </a:p>
         </p:txBody>
@@ -1710,11 +1719,10 @@
           <a:bodyPr/>
           <a:lstStyle/>
           <a:p>
-            <a:fld id="{6B962E55-36F4-9C47-AE7F-0F680BB24EE2}" type="datetimeFigureOut">
+            <a:r>
               <a:rPr lang="en-US" smtClean="0"/>
-              <a:pPr/>
-              <a:t>9/25/2015</a:t>
-            </a:fld>
+              <a:t>26 September 2015</a:t>
+            </a:r>
             <a:endParaRPr lang="en-US"/>
           </a:p>
         </p:txBody>
@@ -1734,6 +1742,10 @@
           <a:bodyPr/>
           <a:lstStyle/>
           <a:p>
+            <a:r>
+              <a:rPr lang="th-TH" smtClean="0"/>
+              <a:t>ระบบบริหารจัดการศูนย์ออกกำลังกาย</a:t>
+            </a:r>
             <a:endParaRPr lang="en-US"/>
           </a:p>
         </p:txBody>
@@ -1936,11 +1948,10 @@
           <a:bodyPr/>
           <a:lstStyle/>
           <a:p>
-            <a:fld id="{6B962E55-36F4-9C47-AE7F-0F680BB24EE2}" type="datetimeFigureOut">
+            <a:r>
               <a:rPr lang="en-US" smtClean="0"/>
-              <a:pPr/>
-              <a:t>9/25/2015</a:t>
-            </a:fld>
+              <a:t>26 September 2015</a:t>
+            </a:r>
             <a:endParaRPr lang="en-US"/>
           </a:p>
         </p:txBody>
@@ -2007,6 +2018,10 @@
             </a:lvl1pPr>
           </a:lstStyle>
           <a:p>
+            <a:r>
+              <a:rPr lang="th-TH" smtClean="0"/>
+              <a:t>ระบบบริหารจัดการศูนย์ออกกำลังกาย</a:t>
+            </a:r>
             <a:endParaRPr lang="en-US" dirty="0"/>
           </a:p>
         </p:txBody>
@@ -2197,11 +2212,10 @@
           <a:bodyPr/>
           <a:lstStyle/>
           <a:p>
-            <a:fld id="{6B962E55-36F4-9C47-AE7F-0F680BB24EE2}" type="datetimeFigureOut">
+            <a:r>
               <a:rPr lang="en-US" smtClean="0"/>
-              <a:pPr/>
-              <a:t>9/25/2015</a:t>
-            </a:fld>
+              <a:t>26 September 2015</a:t>
+            </a:r>
             <a:endParaRPr lang="en-US"/>
           </a:p>
         </p:txBody>
@@ -2268,6 +2282,10 @@
             </a:lvl1pPr>
           </a:lstStyle>
           <a:p>
+            <a:r>
+              <a:rPr lang="th-TH" smtClean="0"/>
+              <a:t>ระบบบริหารจัดการศูนย์ออกกำลังกาย</a:t>
+            </a:r>
             <a:endParaRPr lang="en-US" dirty="0"/>
           </a:p>
         </p:txBody>
@@ -2459,11 +2477,10 @@
           <a:bodyPr/>
           <a:lstStyle/>
           <a:p>
-            <a:fld id="{6B962E55-36F4-9C47-AE7F-0F680BB24EE2}" type="datetimeFigureOut">
+            <a:r>
               <a:rPr lang="en-US" smtClean="0"/>
-              <a:pPr/>
-              <a:t>9/25/2015</a:t>
-            </a:fld>
+              <a:t>26 September 2015</a:t>
+            </a:r>
             <a:endParaRPr lang="en-US"/>
           </a:p>
         </p:txBody>
@@ -2530,6 +2547,10 @@
             </a:lvl1pPr>
           </a:lstStyle>
           <a:p>
+            <a:r>
+              <a:rPr lang="th-TH" smtClean="0"/>
+              <a:t>ระบบบริหารจัดการศูนย์ออกกำลังกาย</a:t>
+            </a:r>
             <a:endParaRPr lang="en-US" dirty="0"/>
           </a:p>
         </p:txBody>
@@ -2737,11 +2758,10 @@
           <a:bodyPr/>
           <a:lstStyle/>
           <a:p>
-            <a:fld id="{6B962E55-36F4-9C47-AE7F-0F680BB24EE2}" type="datetimeFigureOut">
+            <a:r>
               <a:rPr lang="en-US" smtClean="0"/>
-              <a:pPr/>
-              <a:t>9/25/2015</a:t>
-            </a:fld>
+              <a:t>26 September 2015</a:t>
+            </a:r>
             <a:endParaRPr lang="en-US"/>
           </a:p>
         </p:txBody>
@@ -2761,6 +2781,10 @@
           <a:bodyPr/>
           <a:lstStyle/>
           <a:p>
+            <a:r>
+              <a:rPr lang="th-TH" smtClean="0"/>
+              <a:t>ระบบบริหารจัดการศูนย์ออกกำลังกาย</a:t>
+            </a:r>
             <a:endParaRPr lang="en-US"/>
           </a:p>
         </p:txBody>
@@ -3027,11 +3051,10 @@
           <a:bodyPr/>
           <a:lstStyle/>
           <a:p>
-            <a:fld id="{6B962E55-36F4-9C47-AE7F-0F680BB24EE2}" type="datetimeFigureOut">
+            <a:r>
               <a:rPr lang="en-US" smtClean="0"/>
-              <a:pPr/>
-              <a:t>9/25/2015</a:t>
-            </a:fld>
+              <a:t>26 September 2015</a:t>
+            </a:r>
             <a:endParaRPr lang="en-US"/>
           </a:p>
         </p:txBody>
@@ -3051,6 +3074,10 @@
           <a:bodyPr/>
           <a:lstStyle/>
           <a:p>
+            <a:r>
+              <a:rPr lang="th-TH" smtClean="0"/>
+              <a:t>ระบบบริหารจัดการศูนย์ออกกำลังกาย</a:t>
+            </a:r>
             <a:endParaRPr lang="en-US"/>
           </a:p>
         </p:txBody>
@@ -3451,11 +3478,10 @@
           <a:bodyPr/>
           <a:lstStyle/>
           <a:p>
-            <a:fld id="{6B962E55-36F4-9C47-AE7F-0F680BB24EE2}" type="datetimeFigureOut">
+            <a:r>
               <a:rPr lang="en-US" smtClean="0"/>
-              <a:pPr/>
-              <a:t>9/25/2015</a:t>
-            </a:fld>
+              <a:t>26 September 2015</a:t>
+            </a:r>
             <a:endParaRPr lang="en-US"/>
           </a:p>
         </p:txBody>
@@ -3475,6 +3501,10 @@
           <a:bodyPr/>
           <a:lstStyle/>
           <a:p>
+            <a:r>
+              <a:rPr lang="th-TH" smtClean="0"/>
+              <a:t>ระบบบริหารจัดการศูนย์ออกกำลังกาย</a:t>
+            </a:r>
             <a:endParaRPr lang="en-US"/>
           </a:p>
         </p:txBody>
@@ -3571,11 +3601,10 @@
           <a:bodyPr/>
           <a:lstStyle/>
           <a:p>
-            <a:fld id="{6B962E55-36F4-9C47-AE7F-0F680BB24EE2}" type="datetimeFigureOut">
+            <a:r>
               <a:rPr lang="en-US" smtClean="0"/>
-              <a:pPr/>
-              <a:t>9/25/2015</a:t>
-            </a:fld>
+              <a:t>26 September 2015</a:t>
+            </a:r>
             <a:endParaRPr lang="en-US"/>
           </a:p>
         </p:txBody>
@@ -3595,6 +3624,10 @@
           <a:bodyPr/>
           <a:lstStyle/>
           <a:p>
+            <a:r>
+              <a:rPr lang="th-TH" smtClean="0"/>
+              <a:t>ระบบบริหารจัดการศูนย์ออกกำลังกาย</a:t>
+            </a:r>
             <a:endParaRPr lang="en-US"/>
           </a:p>
         </p:txBody>
@@ -3668,11 +3701,10 @@
           <a:bodyPr/>
           <a:lstStyle/>
           <a:p>
-            <a:fld id="{6B962E55-36F4-9C47-AE7F-0F680BB24EE2}" type="datetimeFigureOut">
+            <a:r>
               <a:rPr lang="en-US" smtClean="0"/>
-              <a:pPr/>
-              <a:t>9/25/2015</a:t>
-            </a:fld>
+              <a:t>26 September 2015</a:t>
+            </a:r>
             <a:endParaRPr lang="en-US"/>
           </a:p>
         </p:txBody>
@@ -3692,6 +3724,10 @@
           <a:bodyPr/>
           <a:lstStyle/>
           <a:p>
+            <a:r>
+              <a:rPr lang="th-TH" smtClean="0"/>
+              <a:t>ระบบบริหารจัดการศูนย์ออกกำลังกาย</a:t>
+            </a:r>
             <a:endParaRPr lang="en-US"/>
           </a:p>
         </p:txBody>
@@ -4092,11 +4128,10 @@
             </a:lvl1pPr>
           </a:lstStyle>
           <a:p>
-            <a:fld id="{6B962E55-36F4-9C47-AE7F-0F680BB24EE2}" type="datetimeFigureOut">
+            <a:r>
               <a:rPr lang="en-US" smtClean="0"/>
-              <a:pPr/>
-              <a:t>9/25/2015</a:t>
-            </a:fld>
+              <a:t>26 September 2015</a:t>
+            </a:r>
             <a:endParaRPr lang="en-US"/>
           </a:p>
         </p:txBody>
@@ -4134,6 +4169,10 @@
             </a:lvl1pPr>
           </a:lstStyle>
           <a:p>
+            <a:r>
+              <a:rPr lang="th-TH" smtClean="0"/>
+              <a:t>ระบบบริหารจัดการศูนย์ออกกำลังกาย</a:t>
+            </a:r>
             <a:endParaRPr lang="en-US" dirty="0"/>
           </a:p>
         </p:txBody>
@@ -4232,6 +4271,7 @@
     <p:sldLayoutId id="2147483657" r:id="rId11"/>
     <p:sldLayoutId id="2147483658" r:id="rId12"/>
   </p:sldLayoutIdLst>
+  <p:hf hdr="0"/>
   <p:txStyles>
     <p:titleStyle>
       <a:lvl1pPr algn="ctr" defTabSz="457200" rtl="0" eaLnBrk="1" latinLnBrk="0" hangingPunct="1">
@@ -4670,6 +4710,76 @@
           </a:ln>
         </p:spPr>
       </p:pic>
+      <p:sp>
+        <p:nvSpPr>
+          <p:cNvPr id="3" name="Date Placeholder 2"/>
+          <p:cNvSpPr>
+            <a:spLocks noGrp="1"/>
+          </p:cNvSpPr>
+          <p:nvPr>
+            <p:ph type="dt" sz="half" idx="10"/>
+          </p:nvPr>
+        </p:nvSpPr>
+        <p:spPr/>
+        <p:txBody>
+          <a:bodyPr/>
+          <a:lstStyle/>
+          <a:p>
+            <a:r>
+              <a:rPr lang="en-US" smtClean="0"/>
+              <a:t>26 September 2015</a:t>
+            </a:r>
+            <a:endParaRPr lang="en-US"/>
+          </a:p>
+        </p:txBody>
+      </p:sp>
+      <p:sp>
+        <p:nvSpPr>
+          <p:cNvPr id="5" name="Footer Placeholder 4"/>
+          <p:cNvSpPr>
+            <a:spLocks noGrp="1"/>
+          </p:cNvSpPr>
+          <p:nvPr>
+            <p:ph type="ftr" sz="quarter" idx="3"/>
+          </p:nvPr>
+        </p:nvSpPr>
+        <p:spPr/>
+        <p:txBody>
+          <a:bodyPr/>
+          <a:lstStyle/>
+          <a:p>
+            <a:r>
+              <a:rPr lang="th-TH" smtClean="0"/>
+              <a:t>ระบบบริหารจัดการศูนย์ออกกำลังกาย</a:t>
+            </a:r>
+            <a:endParaRPr lang="en-US" dirty="0"/>
+          </a:p>
+        </p:txBody>
+      </p:sp>
+      <p:sp>
+        <p:nvSpPr>
+          <p:cNvPr id="6" name="Slide Number Placeholder 5"/>
+          <p:cNvSpPr>
+            <a:spLocks noGrp="1"/>
+          </p:cNvSpPr>
+          <p:nvPr>
+            <p:ph type="sldNum" sz="quarter" idx="12"/>
+          </p:nvPr>
+        </p:nvSpPr>
+        <p:spPr/>
+        <p:txBody>
+          <a:bodyPr/>
+          <a:lstStyle/>
+          <a:p>
+            <a:fld id="{C200352D-4569-3E41-9599-1BD1EAE34D42}" type="slidenum">
+              <a:rPr lang="en-US" smtClean="0"/>
+              <a:pPr/>
+              <a:t>10</a:t>
+            </a:fld>
+            <a:endParaRPr lang="en-US"/>
+          </a:p>
+        </p:txBody>
+      </p:sp>
     </p:spTree>
     <p:extLst>
       <p:ext uri="{BB962C8B-B14F-4D97-AF65-F5344CB8AC3E}">
@@ -4833,6 +4943,76 @@
           </a:p>
         </p:txBody>
       </p:sp>
+      <p:sp>
+        <p:nvSpPr>
+          <p:cNvPr id="4" name="Date Placeholder 3"/>
+          <p:cNvSpPr>
+            <a:spLocks noGrp="1"/>
+          </p:cNvSpPr>
+          <p:nvPr>
+            <p:ph type="dt" sz="half" idx="10"/>
+          </p:nvPr>
+        </p:nvSpPr>
+        <p:spPr/>
+        <p:txBody>
+          <a:bodyPr/>
+          <a:lstStyle/>
+          <a:p>
+            <a:r>
+              <a:rPr lang="en-US" smtClean="0"/>
+              <a:t>26 September 2015</a:t>
+            </a:r>
+            <a:endParaRPr lang="en-US"/>
+          </a:p>
+        </p:txBody>
+      </p:sp>
+      <p:sp>
+        <p:nvSpPr>
+          <p:cNvPr id="5" name="Footer Placeholder 4"/>
+          <p:cNvSpPr>
+            <a:spLocks noGrp="1"/>
+          </p:cNvSpPr>
+          <p:nvPr>
+            <p:ph type="ftr" sz="quarter" idx="3"/>
+          </p:nvPr>
+        </p:nvSpPr>
+        <p:spPr/>
+        <p:txBody>
+          <a:bodyPr/>
+          <a:lstStyle/>
+          <a:p>
+            <a:r>
+              <a:rPr lang="th-TH" smtClean="0"/>
+              <a:t>ระบบบริหารจัดการศูนย์ออกกำลังกาย</a:t>
+            </a:r>
+            <a:endParaRPr lang="en-US" dirty="0"/>
+          </a:p>
+        </p:txBody>
+      </p:sp>
+      <p:sp>
+        <p:nvSpPr>
+          <p:cNvPr id="6" name="Slide Number Placeholder 5"/>
+          <p:cNvSpPr>
+            <a:spLocks noGrp="1"/>
+          </p:cNvSpPr>
+          <p:nvPr>
+            <p:ph type="sldNum" sz="quarter" idx="12"/>
+          </p:nvPr>
+        </p:nvSpPr>
+        <p:spPr/>
+        <p:txBody>
+          <a:bodyPr/>
+          <a:lstStyle/>
+          <a:p>
+            <a:fld id="{C200352D-4569-3E41-9599-1BD1EAE34D42}" type="slidenum">
+              <a:rPr lang="en-US" smtClean="0"/>
+              <a:pPr/>
+              <a:t>11</a:t>
+            </a:fld>
+            <a:endParaRPr lang="en-US"/>
+          </a:p>
+        </p:txBody>
+      </p:sp>
     </p:spTree>
     <p:extLst>
       <p:ext uri="{BB962C8B-B14F-4D97-AF65-F5344CB8AC3E}">
@@ -4932,6 +5112,76 @@
           </a:p>
         </p:txBody>
       </p:sp>
+      <p:sp>
+        <p:nvSpPr>
+          <p:cNvPr id="2" name="Date Placeholder 1"/>
+          <p:cNvSpPr>
+            <a:spLocks noGrp="1"/>
+          </p:cNvSpPr>
+          <p:nvPr>
+            <p:ph type="dt" sz="half" idx="10"/>
+          </p:nvPr>
+        </p:nvSpPr>
+        <p:spPr/>
+        <p:txBody>
+          <a:bodyPr/>
+          <a:lstStyle/>
+          <a:p>
+            <a:r>
+              <a:rPr lang="en-US" smtClean="0"/>
+              <a:t>26 September 2015</a:t>
+            </a:r>
+            <a:endParaRPr lang="en-US"/>
+          </a:p>
+        </p:txBody>
+      </p:sp>
+      <p:sp>
+        <p:nvSpPr>
+          <p:cNvPr id="3" name="Footer Placeholder 2"/>
+          <p:cNvSpPr>
+            <a:spLocks noGrp="1"/>
+          </p:cNvSpPr>
+          <p:nvPr>
+            <p:ph type="ftr" sz="quarter" idx="11"/>
+          </p:nvPr>
+        </p:nvSpPr>
+        <p:spPr/>
+        <p:txBody>
+          <a:bodyPr/>
+          <a:lstStyle/>
+          <a:p>
+            <a:r>
+              <a:rPr lang="th-TH" smtClean="0"/>
+              <a:t>ระบบบริหารจัดการศูนย์ออกกำลังกาย</a:t>
+            </a:r>
+            <a:endParaRPr lang="en-US"/>
+          </a:p>
+        </p:txBody>
+      </p:sp>
+      <p:sp>
+        <p:nvSpPr>
+          <p:cNvPr id="4" name="Slide Number Placeholder 3"/>
+          <p:cNvSpPr>
+            <a:spLocks noGrp="1"/>
+          </p:cNvSpPr>
+          <p:nvPr>
+            <p:ph type="sldNum" sz="quarter" idx="12"/>
+          </p:nvPr>
+        </p:nvSpPr>
+        <p:spPr/>
+        <p:txBody>
+          <a:bodyPr/>
+          <a:lstStyle/>
+          <a:p>
+            <a:fld id="{C200352D-4569-3E41-9599-1BD1EAE34D42}" type="slidenum">
+              <a:rPr lang="en-US" smtClean="0"/>
+              <a:pPr/>
+              <a:t>12</a:t>
+            </a:fld>
+            <a:endParaRPr lang="en-US"/>
+          </a:p>
+        </p:txBody>
+      </p:sp>
     </p:spTree>
     <p:extLst>
       <p:ext uri="{BB962C8B-B14F-4D97-AF65-F5344CB8AC3E}">
@@ -5036,6 +5286,76 @@
           </a:ln>
         </p:spPr>
       </p:pic>
+      <p:sp>
+        <p:nvSpPr>
+          <p:cNvPr id="3" name="Date Placeholder 2"/>
+          <p:cNvSpPr>
+            <a:spLocks noGrp="1"/>
+          </p:cNvSpPr>
+          <p:nvPr>
+            <p:ph type="dt" sz="half" idx="10"/>
+          </p:nvPr>
+        </p:nvSpPr>
+        <p:spPr/>
+        <p:txBody>
+          <a:bodyPr/>
+          <a:lstStyle/>
+          <a:p>
+            <a:r>
+              <a:rPr lang="en-US" smtClean="0"/>
+              <a:t>26 September 2015</a:t>
+            </a:r>
+            <a:endParaRPr lang="en-US"/>
+          </a:p>
+        </p:txBody>
+      </p:sp>
+      <p:sp>
+        <p:nvSpPr>
+          <p:cNvPr id="5" name="Footer Placeholder 4"/>
+          <p:cNvSpPr>
+            <a:spLocks noGrp="1"/>
+          </p:cNvSpPr>
+          <p:nvPr>
+            <p:ph type="ftr" sz="quarter" idx="3"/>
+          </p:nvPr>
+        </p:nvSpPr>
+        <p:spPr/>
+        <p:txBody>
+          <a:bodyPr/>
+          <a:lstStyle/>
+          <a:p>
+            <a:r>
+              <a:rPr lang="th-TH" smtClean="0"/>
+              <a:t>ระบบบริหารจัดการศูนย์ออกกำลังกาย</a:t>
+            </a:r>
+            <a:endParaRPr lang="en-US" dirty="0"/>
+          </a:p>
+        </p:txBody>
+      </p:sp>
+      <p:sp>
+        <p:nvSpPr>
+          <p:cNvPr id="6" name="Slide Number Placeholder 5"/>
+          <p:cNvSpPr>
+            <a:spLocks noGrp="1"/>
+          </p:cNvSpPr>
+          <p:nvPr>
+            <p:ph type="sldNum" sz="quarter" idx="12"/>
+          </p:nvPr>
+        </p:nvSpPr>
+        <p:spPr/>
+        <p:txBody>
+          <a:bodyPr/>
+          <a:lstStyle/>
+          <a:p>
+            <a:fld id="{C200352D-4569-3E41-9599-1BD1EAE34D42}" type="slidenum">
+              <a:rPr lang="en-US" smtClean="0"/>
+              <a:pPr/>
+              <a:t>13</a:t>
+            </a:fld>
+            <a:endParaRPr lang="en-US"/>
+          </a:p>
+        </p:txBody>
+      </p:sp>
     </p:spTree>
     <p:extLst>
       <p:ext uri="{BB962C8B-B14F-4D97-AF65-F5344CB8AC3E}">
@@ -5768,11 +6088,7 @@
           <a:p>
             <a:r>
               <a:rPr lang="th-TH" dirty="0"/>
-              <a:t>ผู้ช่วย</a:t>
-            </a:r>
-            <a:r>
-              <a:rPr lang="th-TH" dirty="0"/>
-              <a:t>ฝึกส่วนบุคคล</a:t>
+              <a:t>ผู้ช่วยฝึกส่วนบุคคล</a:t>
             </a:r>
           </a:p>
           <a:p>
@@ -5812,6 +6128,76 @@
           </a:p>
           <a:p>
             <a:endParaRPr lang="th-TH" dirty="0"/>
+          </a:p>
+        </p:txBody>
+      </p:sp>
+      <p:sp>
+        <p:nvSpPr>
+          <p:cNvPr id="4" name="Date Placeholder 3"/>
+          <p:cNvSpPr>
+            <a:spLocks noGrp="1"/>
+          </p:cNvSpPr>
+          <p:nvPr>
+            <p:ph type="dt" sz="half" idx="10"/>
+          </p:nvPr>
+        </p:nvSpPr>
+        <p:spPr/>
+        <p:txBody>
+          <a:bodyPr/>
+          <a:lstStyle/>
+          <a:p>
+            <a:r>
+              <a:rPr lang="en-US" smtClean="0"/>
+              <a:t>26 September 2015</a:t>
+            </a:r>
+            <a:endParaRPr lang="en-US"/>
+          </a:p>
+        </p:txBody>
+      </p:sp>
+      <p:sp>
+        <p:nvSpPr>
+          <p:cNvPr id="7" name="Footer Placeholder 6"/>
+          <p:cNvSpPr>
+            <a:spLocks noGrp="1"/>
+          </p:cNvSpPr>
+          <p:nvPr>
+            <p:ph type="ftr" sz="quarter" idx="3"/>
+          </p:nvPr>
+        </p:nvSpPr>
+        <p:spPr/>
+        <p:txBody>
+          <a:bodyPr/>
+          <a:lstStyle/>
+          <a:p>
+            <a:r>
+              <a:rPr lang="th-TH" smtClean="0"/>
+              <a:t>ระบบบริหารจัดการศูนย์ออกกำลังกาย</a:t>
+            </a:r>
+            <a:endParaRPr lang="en-US" dirty="0"/>
+          </a:p>
+        </p:txBody>
+      </p:sp>
+      <p:sp>
+        <p:nvSpPr>
+          <p:cNvPr id="9" name="Slide Number Placeholder 8"/>
+          <p:cNvSpPr>
+            <a:spLocks noGrp="1"/>
+          </p:cNvSpPr>
+          <p:nvPr>
+            <p:ph type="sldNum" sz="quarter" idx="12"/>
+          </p:nvPr>
+        </p:nvSpPr>
+        <p:spPr/>
+        <p:txBody>
+          <a:bodyPr/>
+          <a:lstStyle/>
+          <a:p>
+            <a:fld id="{C200352D-4569-3E41-9599-1BD1EAE34D42}" type="slidenum">
+              <a:rPr lang="en-US" smtClean="0"/>
+              <a:pPr/>
+              <a:t>14</a:t>
+            </a:fld>
+            <a:endParaRPr lang="en-US"/>
           </a:p>
         </p:txBody>
       </p:sp>
@@ -6007,6 +6393,76 @@
           </a:p>
         </p:txBody>
       </p:sp>
+      <p:sp>
+        <p:nvSpPr>
+          <p:cNvPr id="4" name="Date Placeholder 3"/>
+          <p:cNvSpPr>
+            <a:spLocks noGrp="1"/>
+          </p:cNvSpPr>
+          <p:nvPr>
+            <p:ph type="dt" sz="half" idx="10"/>
+          </p:nvPr>
+        </p:nvSpPr>
+        <p:spPr/>
+        <p:txBody>
+          <a:bodyPr/>
+          <a:lstStyle/>
+          <a:p>
+            <a:r>
+              <a:rPr lang="en-US" smtClean="0"/>
+              <a:t>26 September 2015</a:t>
+            </a:r>
+            <a:endParaRPr lang="en-US"/>
+          </a:p>
+        </p:txBody>
+      </p:sp>
+      <p:sp>
+        <p:nvSpPr>
+          <p:cNvPr id="5" name="Footer Placeholder 4"/>
+          <p:cNvSpPr>
+            <a:spLocks noGrp="1"/>
+          </p:cNvSpPr>
+          <p:nvPr>
+            <p:ph type="ftr" sz="quarter" idx="3"/>
+          </p:nvPr>
+        </p:nvSpPr>
+        <p:spPr/>
+        <p:txBody>
+          <a:bodyPr/>
+          <a:lstStyle/>
+          <a:p>
+            <a:r>
+              <a:rPr lang="th-TH" smtClean="0"/>
+              <a:t>ระบบบริหารจัดการศูนย์ออกกำลังกาย</a:t>
+            </a:r>
+            <a:endParaRPr lang="en-US" dirty="0"/>
+          </a:p>
+        </p:txBody>
+      </p:sp>
+      <p:sp>
+        <p:nvSpPr>
+          <p:cNvPr id="6" name="Slide Number Placeholder 5"/>
+          <p:cNvSpPr>
+            <a:spLocks noGrp="1"/>
+          </p:cNvSpPr>
+          <p:nvPr>
+            <p:ph type="sldNum" sz="quarter" idx="12"/>
+          </p:nvPr>
+        </p:nvSpPr>
+        <p:spPr/>
+        <p:txBody>
+          <a:bodyPr/>
+          <a:lstStyle/>
+          <a:p>
+            <a:fld id="{C200352D-4569-3E41-9599-1BD1EAE34D42}" type="slidenum">
+              <a:rPr lang="en-US" smtClean="0"/>
+              <a:pPr/>
+              <a:t>15</a:t>
+            </a:fld>
+            <a:endParaRPr lang="en-US"/>
+          </a:p>
+        </p:txBody>
+      </p:sp>
     </p:spTree>
     <p:extLst>
       <p:ext uri="{BB962C8B-B14F-4D97-AF65-F5344CB8AC3E}">
@@ -6286,6 +6742,76 @@
           </a:p>
         </p:txBody>
       </p:sp>
+      <p:sp>
+        <p:nvSpPr>
+          <p:cNvPr id="3" name="Date Placeholder 2"/>
+          <p:cNvSpPr>
+            <a:spLocks noGrp="1"/>
+          </p:cNvSpPr>
+          <p:nvPr>
+            <p:ph type="dt" sz="half" idx="10"/>
+          </p:nvPr>
+        </p:nvSpPr>
+        <p:spPr/>
+        <p:txBody>
+          <a:bodyPr/>
+          <a:lstStyle/>
+          <a:p>
+            <a:r>
+              <a:rPr lang="en-US" smtClean="0"/>
+              <a:t>26 September 2015</a:t>
+            </a:r>
+            <a:endParaRPr lang="en-US"/>
+          </a:p>
+        </p:txBody>
+      </p:sp>
+      <p:sp>
+        <p:nvSpPr>
+          <p:cNvPr id="4" name="Footer Placeholder 3"/>
+          <p:cNvSpPr>
+            <a:spLocks noGrp="1"/>
+          </p:cNvSpPr>
+          <p:nvPr>
+            <p:ph type="ftr" sz="quarter" idx="3"/>
+          </p:nvPr>
+        </p:nvSpPr>
+        <p:spPr/>
+        <p:txBody>
+          <a:bodyPr/>
+          <a:lstStyle/>
+          <a:p>
+            <a:r>
+              <a:rPr lang="th-TH" smtClean="0"/>
+              <a:t>ระบบบริหารจัดการศูนย์ออกกำลังกาย</a:t>
+            </a:r>
+            <a:endParaRPr lang="en-US" dirty="0"/>
+          </a:p>
+        </p:txBody>
+      </p:sp>
+      <p:sp>
+        <p:nvSpPr>
+          <p:cNvPr id="6" name="Slide Number Placeholder 5"/>
+          <p:cNvSpPr>
+            <a:spLocks noGrp="1"/>
+          </p:cNvSpPr>
+          <p:nvPr>
+            <p:ph type="sldNum" sz="quarter" idx="12"/>
+          </p:nvPr>
+        </p:nvSpPr>
+        <p:spPr/>
+        <p:txBody>
+          <a:bodyPr/>
+          <a:lstStyle/>
+          <a:p>
+            <a:fld id="{C200352D-4569-3E41-9599-1BD1EAE34D42}" type="slidenum">
+              <a:rPr lang="en-US" smtClean="0"/>
+              <a:pPr/>
+              <a:t>16</a:t>
+            </a:fld>
+            <a:endParaRPr lang="en-US"/>
+          </a:p>
+        </p:txBody>
+      </p:sp>
     </p:spTree>
     <p:extLst>
       <p:ext uri="{BB962C8B-B14F-4D97-AF65-F5344CB8AC3E}">
@@ -6513,6 +7039,76 @@
               <a:latin typeface="TH Sarabun New" pitchFamily="34" charset="-34"/>
               <a:cs typeface="TH Sarabun New" pitchFamily="34" charset="-34"/>
             </a:endParaRPr>
+          </a:p>
+        </p:txBody>
+      </p:sp>
+      <p:sp>
+        <p:nvSpPr>
+          <p:cNvPr id="4" name="Date Placeholder 3"/>
+          <p:cNvSpPr>
+            <a:spLocks noGrp="1"/>
+          </p:cNvSpPr>
+          <p:nvPr>
+            <p:ph type="dt" sz="half" idx="10"/>
+          </p:nvPr>
+        </p:nvSpPr>
+        <p:spPr/>
+        <p:txBody>
+          <a:bodyPr/>
+          <a:lstStyle/>
+          <a:p>
+            <a:r>
+              <a:rPr lang="en-US" smtClean="0"/>
+              <a:t>26 September 2015</a:t>
+            </a:r>
+            <a:endParaRPr lang="en-US"/>
+          </a:p>
+        </p:txBody>
+      </p:sp>
+      <p:sp>
+        <p:nvSpPr>
+          <p:cNvPr id="5" name="Footer Placeholder 4"/>
+          <p:cNvSpPr>
+            <a:spLocks noGrp="1"/>
+          </p:cNvSpPr>
+          <p:nvPr>
+            <p:ph type="ftr" sz="quarter" idx="3"/>
+          </p:nvPr>
+        </p:nvSpPr>
+        <p:spPr/>
+        <p:txBody>
+          <a:bodyPr/>
+          <a:lstStyle/>
+          <a:p>
+            <a:r>
+              <a:rPr lang="th-TH" smtClean="0"/>
+              <a:t>ระบบบริหารจัดการศูนย์ออกกำลังกาย</a:t>
+            </a:r>
+            <a:endParaRPr lang="en-US" dirty="0"/>
+          </a:p>
+        </p:txBody>
+      </p:sp>
+      <p:sp>
+        <p:nvSpPr>
+          <p:cNvPr id="6" name="Slide Number Placeholder 5"/>
+          <p:cNvSpPr>
+            <a:spLocks noGrp="1"/>
+          </p:cNvSpPr>
+          <p:nvPr>
+            <p:ph type="sldNum" sz="quarter" idx="12"/>
+          </p:nvPr>
+        </p:nvSpPr>
+        <p:spPr/>
+        <p:txBody>
+          <a:bodyPr/>
+          <a:lstStyle/>
+          <a:p>
+            <a:fld id="{C200352D-4569-3E41-9599-1BD1EAE34D42}" type="slidenum">
+              <a:rPr lang="en-US" smtClean="0"/>
+              <a:pPr/>
+              <a:t>17</a:t>
+            </a:fld>
+            <a:endParaRPr lang="en-US"/>
           </a:p>
         </p:txBody>
       </p:sp>
@@ -6951,6 +7547,76 @@
               <a:latin typeface="TH Sarabun New" pitchFamily="34" charset="-34"/>
               <a:cs typeface="TH Sarabun New" pitchFamily="34" charset="-34"/>
             </a:endParaRPr>
+          </a:p>
+        </p:txBody>
+      </p:sp>
+      <p:sp>
+        <p:nvSpPr>
+          <p:cNvPr id="5" name="Date Placeholder 4"/>
+          <p:cNvSpPr>
+            <a:spLocks noGrp="1"/>
+          </p:cNvSpPr>
+          <p:nvPr>
+            <p:ph type="dt" sz="half" idx="10"/>
+          </p:nvPr>
+        </p:nvSpPr>
+        <p:spPr/>
+        <p:txBody>
+          <a:bodyPr/>
+          <a:lstStyle/>
+          <a:p>
+            <a:r>
+              <a:rPr lang="en-US" smtClean="0"/>
+              <a:t>26 September 2015</a:t>
+            </a:r>
+            <a:endParaRPr lang="en-US"/>
+          </a:p>
+        </p:txBody>
+      </p:sp>
+      <p:sp>
+        <p:nvSpPr>
+          <p:cNvPr id="6" name="Footer Placeholder 5"/>
+          <p:cNvSpPr>
+            <a:spLocks noGrp="1"/>
+          </p:cNvSpPr>
+          <p:nvPr>
+            <p:ph type="ftr" sz="quarter" idx="3"/>
+          </p:nvPr>
+        </p:nvSpPr>
+        <p:spPr/>
+        <p:txBody>
+          <a:bodyPr/>
+          <a:lstStyle/>
+          <a:p>
+            <a:r>
+              <a:rPr lang="th-TH" smtClean="0"/>
+              <a:t>ระบบบริหารจัดการศูนย์ออกกำลังกาย</a:t>
+            </a:r>
+            <a:endParaRPr lang="en-US" dirty="0"/>
+          </a:p>
+        </p:txBody>
+      </p:sp>
+      <p:sp>
+        <p:nvSpPr>
+          <p:cNvPr id="7" name="Slide Number Placeholder 6"/>
+          <p:cNvSpPr>
+            <a:spLocks noGrp="1"/>
+          </p:cNvSpPr>
+          <p:nvPr>
+            <p:ph type="sldNum" sz="quarter" idx="12"/>
+          </p:nvPr>
+        </p:nvSpPr>
+        <p:spPr/>
+        <p:txBody>
+          <a:bodyPr/>
+          <a:lstStyle/>
+          <a:p>
+            <a:fld id="{C200352D-4569-3E41-9599-1BD1EAE34D42}" type="slidenum">
+              <a:rPr lang="en-US" smtClean="0"/>
+              <a:pPr/>
+              <a:t>18</a:t>
+            </a:fld>
+            <a:endParaRPr lang="en-US"/>
           </a:p>
         </p:txBody>
       </p:sp>
@@ -7488,6 +8154,76 @@
           </a:p>
         </p:txBody>
       </p:sp>
+      <p:sp>
+        <p:nvSpPr>
+          <p:cNvPr id="4" name="Date Placeholder 3"/>
+          <p:cNvSpPr>
+            <a:spLocks noGrp="1"/>
+          </p:cNvSpPr>
+          <p:nvPr>
+            <p:ph type="dt" sz="half" idx="10"/>
+          </p:nvPr>
+        </p:nvSpPr>
+        <p:spPr/>
+        <p:txBody>
+          <a:bodyPr/>
+          <a:lstStyle/>
+          <a:p>
+            <a:r>
+              <a:rPr lang="en-US" smtClean="0"/>
+              <a:t>26 September 2015</a:t>
+            </a:r>
+            <a:endParaRPr lang="en-US"/>
+          </a:p>
+        </p:txBody>
+      </p:sp>
+      <p:sp>
+        <p:nvSpPr>
+          <p:cNvPr id="5" name="Footer Placeholder 4"/>
+          <p:cNvSpPr>
+            <a:spLocks noGrp="1"/>
+          </p:cNvSpPr>
+          <p:nvPr>
+            <p:ph type="ftr" sz="quarter" idx="3"/>
+          </p:nvPr>
+        </p:nvSpPr>
+        <p:spPr/>
+        <p:txBody>
+          <a:bodyPr/>
+          <a:lstStyle/>
+          <a:p>
+            <a:r>
+              <a:rPr lang="th-TH" smtClean="0"/>
+              <a:t>ระบบบริหารจัดการศูนย์ออกกำลังกาย</a:t>
+            </a:r>
+            <a:endParaRPr lang="en-US" dirty="0"/>
+          </a:p>
+        </p:txBody>
+      </p:sp>
+      <p:sp>
+        <p:nvSpPr>
+          <p:cNvPr id="6" name="Slide Number Placeholder 5"/>
+          <p:cNvSpPr>
+            <a:spLocks noGrp="1"/>
+          </p:cNvSpPr>
+          <p:nvPr>
+            <p:ph type="sldNum" sz="quarter" idx="12"/>
+          </p:nvPr>
+        </p:nvSpPr>
+        <p:spPr/>
+        <p:txBody>
+          <a:bodyPr/>
+          <a:lstStyle/>
+          <a:p>
+            <a:fld id="{C200352D-4569-3E41-9599-1BD1EAE34D42}" type="slidenum">
+              <a:rPr lang="en-US" smtClean="0"/>
+              <a:pPr/>
+              <a:t>19</a:t>
+            </a:fld>
+            <a:endParaRPr lang="en-US"/>
+          </a:p>
+        </p:txBody>
+      </p:sp>
     </p:spTree>
     <p:extLst>
       <p:ext uri="{BB962C8B-B14F-4D97-AF65-F5344CB8AC3E}">
@@ -7546,20 +8282,20 @@
           <a:lstStyle/>
           <a:p>
             <a:r>
-              <a:rPr lang="th-TH" b="1" dirty="0" smtClean="0">
+              <a:rPr lang="th-TH" b="1" u="sng" dirty="0" smtClean="0">
                 <a:latin typeface="TH Sarabun New" pitchFamily="34" charset="-34"/>
                 <a:cs typeface="TH Sarabun New" pitchFamily="34" charset="-34"/>
               </a:rPr>
               <a:t>สมาชิกกลุ่ม </a:t>
             </a:r>
             <a:r>
-              <a:rPr lang="en-US" b="1" dirty="0">
+              <a:rPr lang="en-US" b="1" u="sng" dirty="0">
                 <a:latin typeface="TH Sarabun New" pitchFamily="34" charset="-34"/>
                 <a:cs typeface="TH Sarabun New" pitchFamily="34" charset="-34"/>
               </a:rPr>
               <a:t>6</a:t>
             </a:r>
-            <a:endParaRPr lang="th-TH" b="1" dirty="0">
+            <a:endParaRPr lang="th-TH" b="1" u="sng" dirty="0">
               <a:latin typeface="TH Sarabun New" pitchFamily="34" charset="-34"/>
               <a:cs typeface="TH Sarabun New" pitchFamily="34" charset="-34"/>
             </a:endParaRPr>
@@ -7812,6 +8548,76 @@
               <a:latin typeface="TH Sarabun New" pitchFamily="34" charset="-34"/>
               <a:cs typeface="TH Sarabun New" pitchFamily="34" charset="-34"/>
             </a:endParaRPr>
+          </a:p>
+        </p:txBody>
+      </p:sp>
+      <p:sp>
+        <p:nvSpPr>
+          <p:cNvPr id="4" name="Date Placeholder 3"/>
+          <p:cNvSpPr>
+            <a:spLocks noGrp="1"/>
+          </p:cNvSpPr>
+          <p:nvPr>
+            <p:ph type="dt" sz="half" idx="10"/>
+          </p:nvPr>
+        </p:nvSpPr>
+        <p:spPr/>
+        <p:txBody>
+          <a:bodyPr/>
+          <a:lstStyle/>
+          <a:p>
+            <a:r>
+              <a:rPr lang="en-US" smtClean="0"/>
+              <a:t>26 September 2015</a:t>
+            </a:r>
+            <a:endParaRPr lang="en-US"/>
+          </a:p>
+        </p:txBody>
+      </p:sp>
+      <p:sp>
+        <p:nvSpPr>
+          <p:cNvPr id="5" name="Footer Placeholder 4"/>
+          <p:cNvSpPr>
+            <a:spLocks noGrp="1"/>
+          </p:cNvSpPr>
+          <p:nvPr>
+            <p:ph type="ftr" sz="quarter" idx="3"/>
+          </p:nvPr>
+        </p:nvSpPr>
+        <p:spPr/>
+        <p:txBody>
+          <a:bodyPr/>
+          <a:lstStyle/>
+          <a:p>
+            <a:r>
+              <a:rPr lang="th-TH" smtClean="0"/>
+              <a:t>ระบบบริหารจัดการศูนย์ออกกำลังกาย</a:t>
+            </a:r>
+            <a:endParaRPr lang="en-US" dirty="0"/>
+          </a:p>
+        </p:txBody>
+      </p:sp>
+      <p:sp>
+        <p:nvSpPr>
+          <p:cNvPr id="6" name="Slide Number Placeholder 5"/>
+          <p:cNvSpPr>
+            <a:spLocks noGrp="1"/>
+          </p:cNvSpPr>
+          <p:nvPr>
+            <p:ph type="sldNum" sz="quarter" idx="12"/>
+          </p:nvPr>
+        </p:nvSpPr>
+        <p:spPr/>
+        <p:txBody>
+          <a:bodyPr/>
+          <a:lstStyle/>
+          <a:p>
+            <a:fld id="{C200352D-4569-3E41-9599-1BD1EAE34D42}" type="slidenum">
+              <a:rPr lang="en-US" smtClean="0"/>
+              <a:pPr/>
+              <a:t>2</a:t>
+            </a:fld>
+            <a:endParaRPr lang="en-US"/>
           </a:p>
         </p:txBody>
       </p:sp>
@@ -7854,48 +8660,57 @@
       </p:grpSpPr>
       <p:sp>
         <p:nvSpPr>
-          <p:cNvPr id="4" name="ชื่อเรื่อง 3"/>
-          <p:cNvSpPr>
-            <a:spLocks noGrp="1"/>
-          </p:cNvSpPr>
-          <p:nvPr>
-            <p:ph type="title"/>
+          <p:cNvPr id="5" name="ตัวแทนข้อความ 4"/>
+          <p:cNvSpPr>
+            <a:spLocks noGrp="1"/>
+          </p:cNvSpPr>
+          <p:nvPr>
+            <p:ph type="body" idx="1"/>
           </p:nvPr>
         </p:nvSpPr>
         <p:spPr>
           <a:xfrm>
-            <a:off x="2774949" y="4406900"/>
-            <a:ext cx="5719763" cy="1362075"/>
+            <a:off x="991254" y="2906713"/>
+            <a:ext cx="7772400" cy="1500187"/>
           </a:xfrm>
         </p:spPr>
         <p:txBody>
-          <a:bodyPr/>
-          <a:lstStyle/>
-          <a:p>
-            <a:r>
-              <a:rPr lang="th-TH" dirty="0" smtClean="0">
+          <a:bodyPr>
+            <a:normAutofit/>
+          </a:bodyPr>
+          <a:lstStyle/>
+          <a:p>
+            <a:pPr algn="r"/>
+            <a:r>
+              <a:rPr lang="th-TH" sz="4400" b="1" cap="all" dirty="0" smtClean="0">
                 <a:solidFill>
                   <a:srgbClr val="C00000"/>
                 </a:solidFill>
+                <a:latin typeface="TH Sarabun New" pitchFamily="34" charset="-34"/>
+                <a:ea typeface="+mj-ea"/>
+                <a:cs typeface="TH Sarabun New" pitchFamily="34" charset="-34"/>
               </a:rPr>
               <a:t>แนวทางในการพัฒนาระบบใหม่</a:t>
             </a:r>
-            <a:endParaRPr lang="th-TH" dirty="0">
+            <a:endParaRPr lang="th-TH" sz="4400" b="1" cap="all" dirty="0">
               <a:solidFill>
                 <a:srgbClr val="C00000"/>
               </a:solidFill>
+              <a:latin typeface="TH Sarabun New" pitchFamily="34" charset="-34"/>
+              <a:ea typeface="+mj-ea"/>
+              <a:cs typeface="TH Sarabun New" pitchFamily="34" charset="-34"/>
             </a:endParaRPr>
           </a:p>
         </p:txBody>
       </p:sp>
       <p:sp>
         <p:nvSpPr>
-          <p:cNvPr id="5" name="ตัวแทนข้อความ 4"/>
-          <p:cNvSpPr>
-            <a:spLocks noGrp="1"/>
-          </p:cNvSpPr>
-          <p:nvPr>
-            <p:ph type="body" idx="1"/>
+          <p:cNvPr id="2" name="Date Placeholder 1"/>
+          <p:cNvSpPr>
+            <a:spLocks noGrp="1"/>
+          </p:cNvSpPr>
+          <p:nvPr>
+            <p:ph type="dt" sz="half" idx="10"/>
           </p:nvPr>
         </p:nvSpPr>
         <p:spPr/>
@@ -7903,14 +8718,65 @@
           <a:bodyPr/>
           <a:lstStyle/>
           <a:p>
-            <a:endParaRPr lang="th-TH"/>
+            <a:r>
+              <a:rPr lang="en-US" smtClean="0"/>
+              <a:t>26 September 2015</a:t>
+            </a:r>
+            <a:endParaRPr lang="en-US"/>
+          </a:p>
+        </p:txBody>
+      </p:sp>
+      <p:sp>
+        <p:nvSpPr>
+          <p:cNvPr id="3" name="Footer Placeholder 2"/>
+          <p:cNvSpPr>
+            <a:spLocks noGrp="1"/>
+          </p:cNvSpPr>
+          <p:nvPr>
+            <p:ph type="ftr" sz="quarter" idx="11"/>
+          </p:nvPr>
+        </p:nvSpPr>
+        <p:spPr/>
+        <p:txBody>
+          <a:bodyPr/>
+          <a:lstStyle/>
+          <a:p>
+            <a:r>
+              <a:rPr lang="th-TH" smtClean="0"/>
+              <a:t>ระบบบริหารจัดการศูนย์ออกกำลังกาย</a:t>
+            </a:r>
+            <a:endParaRPr lang="en-US"/>
+          </a:p>
+        </p:txBody>
+      </p:sp>
+      <p:sp>
+        <p:nvSpPr>
+          <p:cNvPr id="4" name="Slide Number Placeholder 3"/>
+          <p:cNvSpPr>
+            <a:spLocks noGrp="1"/>
+          </p:cNvSpPr>
+          <p:nvPr>
+            <p:ph type="sldNum" sz="quarter" idx="12"/>
+          </p:nvPr>
+        </p:nvSpPr>
+        <p:spPr/>
+        <p:txBody>
+          <a:bodyPr/>
+          <a:lstStyle/>
+          <a:p>
+            <a:fld id="{C200352D-4569-3E41-9599-1BD1EAE34D42}" type="slidenum">
+              <a:rPr lang="en-US" smtClean="0"/>
+              <a:pPr/>
+              <a:t>20</a:t>
+            </a:fld>
+            <a:endParaRPr lang="en-US"/>
           </a:p>
         </p:txBody>
       </p:sp>
     </p:spTree>
     <p:extLst>
       <p:ext uri="{BB962C8B-B14F-4D97-AF65-F5344CB8AC3E}">
-        <p14:creationId xmlns:p14="http://schemas.microsoft.com/office/powerpoint/2010/main" val="3782438093"/>
+        <p14:creationId xmlns:p14="http://schemas.microsoft.com/office/powerpoint/2010/main" val="1457599202"/>
       </p:ext>
     </p:extLst>
   </p:cSld>
@@ -7954,23 +8820,35 @@
             <p:ph type="title"/>
           </p:nvPr>
         </p:nvSpPr>
-        <p:spPr/>
-        <p:txBody>
-          <a:bodyPr/>
-          <a:lstStyle/>
-          <a:p>
-            <a:r>
-              <a:rPr lang="th-TH" dirty="0" smtClean="0">
+        <p:spPr>
+          <a:xfrm>
+            <a:off x="683568" y="565752"/>
+            <a:ext cx="7365076" cy="851885"/>
+          </a:xfrm>
+        </p:spPr>
+        <p:txBody>
+          <a:bodyPr>
+            <a:normAutofit/>
+          </a:bodyPr>
+          <a:lstStyle/>
+          <a:p>
+            <a:pPr algn="l"/>
+            <a:r>
+              <a:rPr lang="th-TH" sz="4000" b="1" dirty="0" smtClean="0">
                 <a:solidFill>
                   <a:srgbClr val="C00000"/>
                 </a:solidFill>
+                <a:latin typeface="TH Sarabun New" pitchFamily="34" charset="-34"/>
+                <a:cs typeface="TH Sarabun New" pitchFamily="34" charset="-34"/>
               </a:rPr>
               <a:t>เทคโนโลยีและภาษาที่ใช้ในการพัฒนา</a:t>
             </a:r>
-            <a:endParaRPr lang="th-TH" dirty="0">
+            <a:endParaRPr lang="th-TH" sz="4000" b="1" dirty="0">
               <a:solidFill>
                 <a:srgbClr val="C00000"/>
               </a:solidFill>
+              <a:latin typeface="TH Sarabun New" pitchFamily="34" charset="-34"/>
+              <a:cs typeface="TH Sarabun New" pitchFamily="34" charset="-34"/>
             </a:endParaRPr>
           </a:p>
         </p:txBody>
@@ -7985,15 +8863,32 @@
             <p:ph sz="half" idx="1"/>
           </p:nvPr>
         </p:nvSpPr>
-        <p:spPr/>
-        <p:txBody>
-          <a:bodyPr/>
-          <a:lstStyle/>
-          <a:p>
-            <a:pPr marL="0" indent="0">
+        <p:spPr>
+          <a:xfrm>
+            <a:off x="609600" y="4843131"/>
+            <a:ext cx="4038600" cy="520995"/>
+          </a:xfrm>
+        </p:spPr>
+        <p:txBody>
+          <a:bodyPr>
+            <a:normAutofit fontScale="92500" lnSpcReduction="10000"/>
+          </a:bodyPr>
+          <a:lstStyle/>
+          <a:p>
+            <a:pPr algn="ctr">
               <a:buNone/>
             </a:pPr>
-            <a:endParaRPr lang="th-TH" b="1" dirty="0"/>
+            <a:r>
+              <a:rPr lang="en-US" sz="3200" b="1" dirty="0" smtClean="0">
+                <a:latin typeface="TH Sarabun New" pitchFamily="34" charset="-34"/>
+                <a:cs typeface="TH Sarabun New" pitchFamily="34" charset="-34"/>
+              </a:rPr>
+              <a:t>MVC Framework</a:t>
+            </a:r>
+            <a:endParaRPr lang="th-TH" sz="3200" b="1" dirty="0" smtClean="0">
+              <a:latin typeface="TH Sarabun New" pitchFamily="34" charset="-34"/>
+              <a:cs typeface="TH Sarabun New" pitchFamily="34" charset="-34"/>
+            </a:endParaRPr>
           </a:p>
         </p:txBody>
       </p:sp>
@@ -8007,10 +8902,29 @@
             <p:ph sz="half" idx="2"/>
           </p:nvPr>
         </p:nvSpPr>
-        <p:spPr/>
-        <p:txBody>
-          <a:bodyPr/>
-          <a:lstStyle/>
+        <p:spPr>
+          <a:xfrm>
+            <a:off x="4648200" y="4864397"/>
+            <a:ext cx="4038600" cy="574158"/>
+          </a:xfrm>
+        </p:spPr>
+        <p:txBody>
+          <a:bodyPr>
+            <a:normAutofit fontScale="92500" lnSpcReduction="10000"/>
+          </a:bodyPr>
+          <a:lstStyle/>
+          <a:p>
+            <a:pPr marL="0" indent="0" algn="ctr">
+              <a:buNone/>
+            </a:pPr>
+            <a:r>
+              <a:rPr lang="en-US" sz="3200" b="1" dirty="0" smtClean="0">
+                <a:latin typeface="TH Sarabun New" pitchFamily="34" charset="-34"/>
+                <a:cs typeface="TH Sarabun New" pitchFamily="34" charset="-34"/>
+              </a:rPr>
+              <a:t>Microsoft Visual C# .NET</a:t>
+            </a:r>
+          </a:p>
           <a:p>
             <a:pPr marL="0" indent="0">
               <a:buNone/>
@@ -8042,7 +8956,7 @@
         </p:blipFill>
         <p:spPr bwMode="auto">
           <a:xfrm>
-            <a:off x="683568" y="2559149"/>
+            <a:off x="683568" y="2108753"/>
             <a:ext cx="3862586" cy="2598043"/>
           </a:xfrm>
           <a:prstGeom prst="rect">
@@ -8080,13 +8994,25 @@
         </p:blipFill>
         <p:spPr bwMode="auto">
           <a:xfrm>
-            <a:off x="4716016" y="3259782"/>
+            <a:off x="4648200" y="3012376"/>
             <a:ext cx="3905250" cy="1171575"/>
           </a:xfrm>
-          <a:prstGeom prst="rect">
-            <a:avLst/>
+          <a:prstGeom prst="roundRect">
+            <a:avLst>
+              <a:gd name="adj" fmla="val 8594"/>
+            </a:avLst>
           </a:prstGeom>
-          <a:noFill/>
+          <a:solidFill>
+            <a:srgbClr val="FFFFFF">
+              <a:shade val="85000"/>
+            </a:srgbClr>
+          </a:solidFill>
+          <a:ln>
+            <a:noFill/>
+          </a:ln>
+          <a:effectLst>
+            <a:reflection blurRad="12700" stA="38000" endPos="28000" dist="5000" dir="5400000" sy="-100000" algn="bl" rotWithShape="0"/>
+          </a:effectLst>
           <a:extLst>
             <a:ext uri="{909E8E84-426E-40DD-AFC4-6F175D3DCCD1}">
               <a14:hiddenFill xmlns:a14="http://schemas.microsoft.com/office/drawing/2010/main">
@@ -8098,10 +9024,80 @@
           </a:extLst>
         </p:spPr>
       </p:pic>
+      <p:sp>
+        <p:nvSpPr>
+          <p:cNvPr id="5" name="Date Placeholder 4"/>
+          <p:cNvSpPr>
+            <a:spLocks noGrp="1"/>
+          </p:cNvSpPr>
+          <p:nvPr>
+            <p:ph type="dt" sz="half" idx="10"/>
+          </p:nvPr>
+        </p:nvSpPr>
+        <p:spPr/>
+        <p:txBody>
+          <a:bodyPr/>
+          <a:lstStyle/>
+          <a:p>
+            <a:r>
+              <a:rPr lang="en-US" smtClean="0"/>
+              <a:t>26 September 2015</a:t>
+            </a:r>
+            <a:endParaRPr lang="en-US"/>
+          </a:p>
+        </p:txBody>
+      </p:sp>
+      <p:sp>
+        <p:nvSpPr>
+          <p:cNvPr id="8" name="Footer Placeholder 7"/>
+          <p:cNvSpPr>
+            <a:spLocks noGrp="1"/>
+          </p:cNvSpPr>
+          <p:nvPr>
+            <p:ph type="ftr" sz="quarter" idx="11"/>
+          </p:nvPr>
+        </p:nvSpPr>
+        <p:spPr/>
+        <p:txBody>
+          <a:bodyPr/>
+          <a:lstStyle/>
+          <a:p>
+            <a:r>
+              <a:rPr lang="th-TH" smtClean="0"/>
+              <a:t>ระบบบริหารจัดการศูนย์ออกกำลังกาย</a:t>
+            </a:r>
+            <a:endParaRPr lang="en-US"/>
+          </a:p>
+        </p:txBody>
+      </p:sp>
+      <p:sp>
+        <p:nvSpPr>
+          <p:cNvPr id="9" name="Slide Number Placeholder 8"/>
+          <p:cNvSpPr>
+            <a:spLocks noGrp="1"/>
+          </p:cNvSpPr>
+          <p:nvPr>
+            <p:ph type="sldNum" sz="quarter" idx="12"/>
+          </p:nvPr>
+        </p:nvSpPr>
+        <p:spPr/>
+        <p:txBody>
+          <a:bodyPr/>
+          <a:lstStyle/>
+          <a:p>
+            <a:fld id="{C200352D-4569-3E41-9599-1BD1EAE34D42}" type="slidenum">
+              <a:rPr lang="en-US" smtClean="0"/>
+              <a:pPr/>
+              <a:t>21</a:t>
+            </a:fld>
+            <a:endParaRPr lang="en-US"/>
+          </a:p>
+        </p:txBody>
+      </p:sp>
     </p:spTree>
     <p:extLst>
       <p:ext uri="{BB962C8B-B14F-4D97-AF65-F5344CB8AC3E}">
-        <p14:creationId xmlns:p14="http://schemas.microsoft.com/office/powerpoint/2010/main" val="2912421889"/>
+        <p14:creationId xmlns:p14="http://schemas.microsoft.com/office/powerpoint/2010/main" val="3283035814"/>
       </p:ext>
     </p:extLst>
   </p:cSld>
@@ -8137,7 +9133,7 @@
       </p:grpSpPr>
       <p:sp>
         <p:nvSpPr>
-          <p:cNvPr id="2" name="ชื่อเรื่อง 1"/>
+          <p:cNvPr id="2" name="Title 1"/>
           <p:cNvSpPr>
             <a:spLocks noGrp="1"/>
           </p:cNvSpPr>
@@ -8147,87 +9143,257 @@
         </p:nvSpPr>
         <p:spPr/>
         <p:txBody>
+          <a:bodyPr>
+            <a:normAutofit/>
+          </a:bodyPr>
+          <a:lstStyle/>
+          <a:p>
+            <a:r>
+              <a:rPr lang="th-TH" sz="4000" b="1" dirty="0" smtClean="0">
+                <a:latin typeface="TH Sarabun New" pitchFamily="34" charset="-34"/>
+                <a:cs typeface="TH Sarabun New" pitchFamily="34" charset="-34"/>
+              </a:rPr>
+              <a:t>มาตรฐานที่เกี่ยวข้อง</a:t>
+            </a:r>
+            <a:endParaRPr lang="th-TH" sz="4000" b="1" dirty="0">
+              <a:latin typeface="TH Sarabun New" pitchFamily="34" charset="-34"/>
+              <a:cs typeface="TH Sarabun New" pitchFamily="34" charset="-34"/>
+            </a:endParaRPr>
+          </a:p>
+        </p:txBody>
+      </p:sp>
+      <p:sp>
+        <p:nvSpPr>
+          <p:cNvPr id="3" name="Content Placeholder 2"/>
+          <p:cNvSpPr>
+            <a:spLocks noGrp="1"/>
+          </p:cNvSpPr>
+          <p:nvPr>
+            <p:ph idx="1"/>
+          </p:nvPr>
+        </p:nvSpPr>
+        <p:spPr/>
+        <p:txBody>
+          <a:bodyPr>
+            <a:normAutofit fontScale="25000" lnSpcReduction="20000"/>
+          </a:bodyPr>
+          <a:lstStyle/>
+          <a:p>
+            <a:pPr>
+              <a:buNone/>
+            </a:pPr>
+            <a:r>
+              <a:rPr lang="th-TH" sz="9800" b="1" dirty="0" smtClean="0">
+                <a:latin typeface="TH Sarabun New" pitchFamily="34" charset="-34"/>
+                <a:cs typeface="TH Sarabun New" pitchFamily="34" charset="-34"/>
+              </a:rPr>
+              <a:t>1. การสร้างเอกสารข้อกำหนดความต้องการของระบบ</a:t>
+            </a:r>
+            <a:r>
+              <a:rPr lang="en-US" sz="9800" b="1" dirty="0" smtClean="0">
+                <a:latin typeface="TH Sarabun New" pitchFamily="34" charset="-34"/>
+                <a:cs typeface="TH Sarabun New" pitchFamily="34" charset="-34"/>
+              </a:rPr>
+              <a:t> </a:t>
+            </a:r>
+          </a:p>
+          <a:p>
+            <a:pPr marL="533400" indent="-355600">
+              <a:buFont typeface="Wingdings" pitchFamily="2" charset="2"/>
+              <a:buChar char="q"/>
+            </a:pPr>
+            <a:r>
+              <a:rPr lang="en-US" sz="9800" dirty="0" smtClean="0">
+                <a:latin typeface="TH Sarabun New" pitchFamily="34" charset="-34"/>
+                <a:cs typeface="TH Sarabun New" pitchFamily="34" charset="-34"/>
+              </a:rPr>
+              <a:t>IEEE Std 830-1998, IEEE Recommended Practice for Software Requirements Specifications</a:t>
+            </a:r>
+          </a:p>
+          <a:p>
+            <a:pPr marL="533400" indent="-355600">
+              <a:buNone/>
+            </a:pPr>
+            <a:endParaRPr lang="en-US" sz="9800" dirty="0" smtClean="0">
+              <a:latin typeface="TH Sarabun New" pitchFamily="34" charset="-34"/>
+              <a:cs typeface="TH Sarabun New" pitchFamily="34" charset="-34"/>
+            </a:endParaRPr>
+          </a:p>
+          <a:p>
+            <a:pPr>
+              <a:buNone/>
+            </a:pPr>
+            <a:r>
+              <a:rPr lang="en-US" sz="9800" b="1" dirty="0" smtClean="0">
+                <a:latin typeface="TH Sarabun New" pitchFamily="34" charset="-34"/>
+                <a:cs typeface="TH Sarabun New" pitchFamily="34" charset="-34"/>
+              </a:rPr>
+              <a:t>2. </a:t>
+            </a:r>
+            <a:r>
+              <a:rPr lang="th-TH" sz="9800" b="1" dirty="0" smtClean="0">
+                <a:latin typeface="TH Sarabun New" pitchFamily="34" charset="-34"/>
+                <a:cs typeface="TH Sarabun New" pitchFamily="34" charset="-34"/>
+              </a:rPr>
+              <a:t>การออกแบบแนวทางการพัฒนาระบบใหม่</a:t>
+            </a:r>
+            <a:endParaRPr lang="en-US" sz="9800" b="1" dirty="0" smtClean="0">
+              <a:latin typeface="TH Sarabun New" pitchFamily="34" charset="-34"/>
+              <a:cs typeface="TH Sarabun New" pitchFamily="34" charset="-34"/>
+            </a:endParaRPr>
+          </a:p>
+          <a:p>
+            <a:pPr marL="533400">
+              <a:buFont typeface="Wingdings" pitchFamily="2" charset="2"/>
+              <a:buChar char="q"/>
+            </a:pPr>
+            <a:r>
+              <a:rPr lang="en-US" sz="9800" dirty="0" smtClean="0">
+                <a:latin typeface="TH Sarabun New" pitchFamily="34" charset="-34"/>
+                <a:cs typeface="TH Sarabun New" pitchFamily="34" charset="-34"/>
+              </a:rPr>
+              <a:t>IEEE Std 1074-1997, IEEE Standard for Developing Software Life Cycle Processes</a:t>
+            </a:r>
+          </a:p>
+          <a:p>
+            <a:pPr>
+              <a:buNone/>
+            </a:pPr>
+            <a:endParaRPr lang="th-TH" sz="9800" dirty="0" smtClean="0">
+              <a:latin typeface="TH Sarabun New" pitchFamily="34" charset="-34"/>
+              <a:cs typeface="TH Sarabun New" pitchFamily="34" charset="-34"/>
+            </a:endParaRPr>
+          </a:p>
+          <a:p>
+            <a:pPr>
+              <a:buNone/>
+            </a:pPr>
+            <a:r>
+              <a:rPr lang="th-TH" sz="9800" b="1" dirty="0" smtClean="0">
+                <a:latin typeface="TH Sarabun New" pitchFamily="34" charset="-34"/>
+                <a:cs typeface="TH Sarabun New" pitchFamily="34" charset="-34"/>
+              </a:rPr>
+              <a:t>3. การทดสอบระบบงานใหม่</a:t>
+            </a:r>
+            <a:endParaRPr lang="en-US" sz="9800" b="1" dirty="0" smtClean="0">
+              <a:latin typeface="TH Sarabun New" pitchFamily="34" charset="-34"/>
+              <a:cs typeface="TH Sarabun New" pitchFamily="34" charset="-34"/>
+            </a:endParaRPr>
+          </a:p>
+          <a:p>
+            <a:pPr marL="533400">
+              <a:buFont typeface="Wingdings" pitchFamily="2" charset="2"/>
+              <a:buChar char="q"/>
+            </a:pPr>
+            <a:r>
+              <a:rPr lang="en-US" sz="9800" dirty="0" smtClean="0">
+                <a:latin typeface="TH Sarabun New" pitchFamily="34" charset="-34"/>
+                <a:cs typeface="TH Sarabun New" pitchFamily="34" charset="-34"/>
+              </a:rPr>
+              <a:t>ANSI/IEEE Std 1009-1987, IEEE Standard for Unit Testing </a:t>
+            </a:r>
+          </a:p>
+          <a:p>
+            <a:pPr marL="533400">
+              <a:buFont typeface="Wingdings" pitchFamily="2" charset="2"/>
+              <a:buChar char="q"/>
+            </a:pPr>
+            <a:r>
+              <a:rPr lang="en-US" sz="9800" dirty="0" smtClean="0">
+                <a:latin typeface="TH Sarabun New" pitchFamily="34" charset="-34"/>
+                <a:cs typeface="TH Sarabun New" pitchFamily="34" charset="-34"/>
+              </a:rPr>
+              <a:t>ANSI/IEEE Std 829-1983, IEEE Standard for Software Test Documentation</a:t>
+            </a:r>
+            <a:endParaRPr lang="th-TH" sz="9800" dirty="0" smtClean="0">
+              <a:latin typeface="TH Sarabun New" pitchFamily="34" charset="-34"/>
+              <a:cs typeface="TH Sarabun New" pitchFamily="34" charset="-34"/>
+            </a:endParaRPr>
+          </a:p>
+          <a:p>
+            <a:pPr>
+              <a:buNone/>
+            </a:pPr>
+            <a:endParaRPr lang="th-TH" dirty="0">
+              <a:latin typeface="Cordia New (Body)"/>
+            </a:endParaRPr>
+          </a:p>
+        </p:txBody>
+      </p:sp>
+      <p:sp>
+        <p:nvSpPr>
+          <p:cNvPr id="4" name="Date Placeholder 3"/>
+          <p:cNvSpPr>
+            <a:spLocks noGrp="1"/>
+          </p:cNvSpPr>
+          <p:nvPr>
+            <p:ph type="dt" sz="half" idx="10"/>
+          </p:nvPr>
+        </p:nvSpPr>
+        <p:spPr/>
+        <p:txBody>
           <a:bodyPr/>
           <a:lstStyle/>
           <a:p>
             <a:r>
-              <a:rPr lang="th-TH" dirty="0" smtClean="0"/>
-              <a:t>ระเบียบวิธีการพัฒนาระบบ</a:t>
-            </a:r>
-            <a:endParaRPr lang="th-TH" dirty="0"/>
-          </a:p>
-        </p:txBody>
-      </p:sp>
-      <p:pic>
-        <p:nvPicPr>
-          <p:cNvPr id="6" name="Picture 5" descr="Macintosh HD:Users:ctadeesom:Documents:Class:SW REQ:Project:66.jpg"/>
-          <p:cNvPicPr/>
-          <p:nvPr/>
-        </p:nvPicPr>
-        <p:blipFill>
-          <a:blip r:embed="rId2" cstate="print">
-            <a:extLst>
-              <a:ext uri="{28A0092B-C50C-407E-A947-70E740481C1C}">
-                <a14:useLocalDpi xmlns:a14="http://schemas.microsoft.com/office/drawing/2010/main" val="0"/>
-              </a:ext>
-            </a:extLst>
-          </a:blip>
-          <a:srcRect/>
-          <a:stretch>
-            <a:fillRect/>
-          </a:stretch>
-        </p:blipFill>
-        <p:spPr bwMode="auto">
-          <a:xfrm>
-            <a:off x="1554386" y="1751980"/>
-            <a:ext cx="5767164" cy="3632820"/>
-          </a:xfrm>
-          <a:prstGeom prst="rect">
-            <a:avLst/>
-          </a:prstGeom>
-          <a:ln>
-            <a:solidFill>
-              <a:schemeClr val="bg1">
-                <a:lumMod val="75000"/>
-              </a:schemeClr>
-            </a:solidFill>
-          </a:ln>
-        </p:spPr>
-      </p:pic>
-      <p:sp>
-        <p:nvSpPr>
-          <p:cNvPr id="4" name="TextBox 3"/>
-          <p:cNvSpPr txBox="1"/>
-          <p:nvPr/>
-        </p:nvSpPr>
-        <p:spPr>
-          <a:xfrm>
-            <a:off x="2965257" y="5645150"/>
-            <a:ext cx="2945422" cy="369332"/>
-          </a:xfrm>
-          <a:prstGeom prst="rect">
-            <a:avLst/>
-          </a:prstGeom>
-          <a:noFill/>
-        </p:spPr>
-        <p:txBody>
-          <a:bodyPr wrap="none" rtlCol="0">
-            <a:spAutoFit/>
-          </a:bodyPr>
-          <a:lstStyle/>
-          <a:p>
-            <a:r>
-              <a:rPr lang="en-US" dirty="0" smtClean="0"/>
-              <a:t>Phased Development Process</a:t>
-            </a:r>
-            <a:endParaRPr lang="th-TH" dirty="0"/>
+              <a:rPr lang="en-US" smtClean="0"/>
+              <a:t>26 September 2015</a:t>
+            </a:r>
+            <a:endParaRPr lang="en-US"/>
+          </a:p>
+        </p:txBody>
+      </p:sp>
+      <p:sp>
+        <p:nvSpPr>
+          <p:cNvPr id="5" name="Footer Placeholder 4"/>
+          <p:cNvSpPr>
+            <a:spLocks noGrp="1"/>
+          </p:cNvSpPr>
+          <p:nvPr>
+            <p:ph type="ftr" sz="quarter" idx="3"/>
+          </p:nvPr>
+        </p:nvSpPr>
+        <p:spPr/>
+        <p:txBody>
+          <a:bodyPr/>
+          <a:lstStyle/>
+          <a:p>
+            <a:r>
+              <a:rPr lang="th-TH" smtClean="0"/>
+              <a:t>ระบบบริหารจัดการศูนย์ออกกำลังกาย</a:t>
+            </a:r>
+            <a:endParaRPr lang="en-US" dirty="0"/>
+          </a:p>
+        </p:txBody>
+      </p:sp>
+      <p:sp>
+        <p:nvSpPr>
+          <p:cNvPr id="7" name="Slide Number Placeholder 6"/>
+          <p:cNvSpPr>
+            <a:spLocks noGrp="1"/>
+          </p:cNvSpPr>
+          <p:nvPr>
+            <p:ph type="sldNum" sz="quarter" idx="12"/>
+          </p:nvPr>
+        </p:nvSpPr>
+        <p:spPr/>
+        <p:txBody>
+          <a:bodyPr/>
+          <a:lstStyle/>
+          <a:p>
+            <a:fld id="{C200352D-4569-3E41-9599-1BD1EAE34D42}" type="slidenum">
+              <a:rPr lang="en-US" smtClean="0"/>
+              <a:pPr/>
+              <a:t>22</a:t>
+            </a:fld>
+            <a:endParaRPr lang="en-US"/>
           </a:p>
         </p:txBody>
       </p:sp>
     </p:spTree>
     <p:extLst>
       <p:ext uri="{BB962C8B-B14F-4D97-AF65-F5344CB8AC3E}">
-        <p14:creationId xmlns:p14="http://schemas.microsoft.com/office/powerpoint/2010/main" val="2381209728"/>
+        <p14:creationId xmlns:p14="http://schemas.microsoft.com/office/powerpoint/2010/main" val="2393959554"/>
       </p:ext>
     </p:extLst>
   </p:cSld>
@@ -8263,48 +9429,138 @@
       </p:grpSpPr>
       <p:sp>
         <p:nvSpPr>
-          <p:cNvPr id="4" name="ชื่อเรื่อง 3"/>
+          <p:cNvPr id="2" name="ชื่อเรื่อง 1"/>
           <p:cNvSpPr>
             <a:spLocks noGrp="1"/>
           </p:cNvSpPr>
           <p:nvPr>
             <p:ph type="title"/>
           </p:nvPr>
+        </p:nvSpPr>
+        <p:spPr/>
+        <p:txBody>
+          <a:bodyPr>
+            <a:normAutofit/>
+          </a:bodyPr>
+          <a:lstStyle/>
+          <a:p>
+            <a:r>
+              <a:rPr lang="th-TH" sz="4000" b="1" dirty="0" smtClean="0">
+                <a:latin typeface="TH Sarabun New" pitchFamily="34" charset="-34"/>
+                <a:cs typeface="TH Sarabun New" pitchFamily="34" charset="-34"/>
+              </a:rPr>
+              <a:t>ระเบียบวิธีการพัฒนาระบบ</a:t>
+            </a:r>
+            <a:endParaRPr lang="th-TH" sz="4000" b="1" dirty="0">
+              <a:latin typeface="TH Sarabun New" pitchFamily="34" charset="-34"/>
+              <a:cs typeface="TH Sarabun New" pitchFamily="34" charset="-34"/>
+            </a:endParaRPr>
+          </a:p>
+        </p:txBody>
+      </p:sp>
+      <p:pic>
+        <p:nvPicPr>
+          <p:cNvPr id="6" name="Picture 5" descr="Macintosh HD:Users:ctadeesom:Documents:Class:SW REQ:Project:66.jpg"/>
+          <p:cNvPicPr/>
+          <p:nvPr/>
+        </p:nvPicPr>
+        <p:blipFill>
+          <a:blip r:embed="rId2" cstate="print">
+            <a:extLst>
+              <a:ext uri="{28A0092B-C50C-407E-A947-70E740481C1C}">
+                <a14:useLocalDpi xmlns:a14="http://schemas.microsoft.com/office/drawing/2010/main" val="0"/>
+              </a:ext>
+            </a:extLst>
+          </a:blip>
+          <a:srcRect/>
+          <a:stretch>
+            <a:fillRect/>
+          </a:stretch>
+        </p:blipFill>
+        <p:spPr bwMode="auto">
+          <a:xfrm>
+            <a:off x="1703242" y="1837040"/>
+            <a:ext cx="5767164" cy="3632820"/>
+          </a:xfrm>
+          <a:prstGeom prst="rect">
+            <a:avLst/>
+          </a:prstGeom>
+          <a:ln>
+            <a:solidFill>
+              <a:schemeClr val="bg1">
+                <a:lumMod val="75000"/>
+              </a:schemeClr>
+            </a:solidFill>
+          </a:ln>
+        </p:spPr>
+      </p:pic>
+      <p:sp>
+        <p:nvSpPr>
+          <p:cNvPr id="4" name="TextBox 3"/>
+          <p:cNvSpPr txBox="1"/>
+          <p:nvPr/>
         </p:nvSpPr>
         <p:spPr>
           <a:xfrm>
-            <a:off x="2825749" y="4406900"/>
-            <a:ext cx="5668963" cy="1362075"/>
+            <a:off x="2965257" y="5645150"/>
+            <a:ext cx="3595856" cy="523220"/>
           </a:xfrm>
+          <a:prstGeom prst="rect">
+            <a:avLst/>
+          </a:prstGeom>
+          <a:noFill/>
         </p:spPr>
         <p:txBody>
+          <a:bodyPr wrap="none" rtlCol="0">
+            <a:spAutoFit/>
+          </a:bodyPr>
+          <a:lstStyle/>
+          <a:p>
+            <a:r>
+              <a:rPr lang="en-US" sz="2800" b="1" dirty="0" smtClean="0">
+                <a:latin typeface="TH Sarabun New" pitchFamily="34" charset="-34"/>
+                <a:cs typeface="TH Sarabun New" pitchFamily="34" charset="-34"/>
+              </a:rPr>
+              <a:t>Phased Development Process</a:t>
+            </a:r>
+            <a:endParaRPr lang="th-TH" sz="2800" b="1" dirty="0">
+              <a:latin typeface="TH Sarabun New" pitchFamily="34" charset="-34"/>
+              <a:cs typeface="TH Sarabun New" pitchFamily="34" charset="-34"/>
+            </a:endParaRPr>
+          </a:p>
+        </p:txBody>
+      </p:sp>
+      <p:sp>
+        <p:nvSpPr>
+          <p:cNvPr id="3" name="Date Placeholder 2"/>
+          <p:cNvSpPr>
+            <a:spLocks noGrp="1"/>
+          </p:cNvSpPr>
+          <p:nvPr>
+            <p:ph type="dt" sz="half" idx="10"/>
+          </p:nvPr>
+        </p:nvSpPr>
+        <p:spPr/>
+        <p:txBody>
           <a:bodyPr/>
           <a:lstStyle/>
           <a:p>
             <a:r>
-              <a:rPr lang="th-TH" dirty="0" smtClean="0">
-                <a:solidFill>
-                  <a:srgbClr val="C00000"/>
-                </a:solidFill>
-              </a:rPr>
-              <a:t>แผนงานการพัฒนาระบบใหม่</a:t>
-            </a:r>
-            <a:endParaRPr lang="th-TH" dirty="0">
-              <a:solidFill>
-                <a:srgbClr val="C00000"/>
-              </a:solidFill>
-            </a:endParaRPr>
-          </a:p>
-        </p:txBody>
-      </p:sp>
-      <p:sp>
-        <p:nvSpPr>
-          <p:cNvPr id="5" name="ตัวแทนข้อความ 4"/>
-          <p:cNvSpPr>
-            <a:spLocks noGrp="1"/>
-          </p:cNvSpPr>
-          <p:nvPr>
-            <p:ph type="body" idx="1"/>
+              <a:rPr lang="en-US" smtClean="0"/>
+              <a:t>26 September 2015</a:t>
+            </a:r>
+            <a:endParaRPr lang="en-US"/>
+          </a:p>
+        </p:txBody>
+      </p:sp>
+      <p:sp>
+        <p:nvSpPr>
+          <p:cNvPr id="5" name="Footer Placeholder 4"/>
+          <p:cNvSpPr>
+            <a:spLocks noGrp="1"/>
+          </p:cNvSpPr>
+          <p:nvPr>
+            <p:ph type="ftr" sz="quarter" idx="3"/>
           </p:nvPr>
         </p:nvSpPr>
         <p:spPr/>
@@ -8312,20 +9568,55 @@
           <a:bodyPr/>
           <a:lstStyle/>
           <a:p>
-            <a:endParaRPr lang="th-TH"/>
+            <a:r>
+              <a:rPr lang="th-TH" smtClean="0"/>
+              <a:t>ระบบบริหารจัดการศูนย์ออกกำลังกาย</a:t>
+            </a:r>
+            <a:endParaRPr lang="en-US" dirty="0"/>
+          </a:p>
+        </p:txBody>
+      </p:sp>
+      <p:sp>
+        <p:nvSpPr>
+          <p:cNvPr id="7" name="Slide Number Placeholder 6"/>
+          <p:cNvSpPr>
+            <a:spLocks noGrp="1"/>
+          </p:cNvSpPr>
+          <p:nvPr>
+            <p:ph type="sldNum" sz="quarter" idx="12"/>
+          </p:nvPr>
+        </p:nvSpPr>
+        <p:spPr/>
+        <p:txBody>
+          <a:bodyPr/>
+          <a:lstStyle/>
+          <a:p>
+            <a:fld id="{C200352D-4569-3E41-9599-1BD1EAE34D42}" type="slidenum">
+              <a:rPr lang="en-US" smtClean="0"/>
+              <a:pPr/>
+              <a:t>23</a:t>
+            </a:fld>
+            <a:endParaRPr lang="en-US"/>
           </a:p>
         </p:txBody>
       </p:sp>
     </p:spTree>
     <p:extLst>
       <p:ext uri="{BB962C8B-B14F-4D97-AF65-F5344CB8AC3E}">
-        <p14:creationId xmlns:p14="http://schemas.microsoft.com/office/powerpoint/2010/main" val="1710194018"/>
+        <p14:creationId xmlns:p14="http://schemas.microsoft.com/office/powerpoint/2010/main" val="2801088946"/>
       </p:ext>
     </p:extLst>
   </p:cSld>
   <p:clrMapOvr>
     <a:masterClrMapping/>
   </p:clrMapOvr>
+  <p:timing>
+    <p:tnLst>
+      <p:par>
+        <p:cTn id="1" dur="indefinite" restart="never" nodeType="tmRoot"/>
+      </p:par>
+    </p:tnLst>
+  </p:timing>
 </p:sld>
 </file>
 
@@ -8356,37 +9647,44 @@
             <p:ph type="title"/>
           </p:nvPr>
         </p:nvSpPr>
-        <p:spPr/>
+        <p:spPr>
+          <a:xfrm>
+            <a:off x="3094404" y="3753752"/>
+            <a:ext cx="6392496" cy="784078"/>
+          </a:xfrm>
+        </p:spPr>
         <p:txBody>
           <a:bodyPr>
-            <a:normAutofit fontScale="90000"/>
+            <a:normAutofit/>
           </a:bodyPr>
           <a:lstStyle/>
           <a:p>
-            <a:r>
-              <a:rPr lang="th-TH" dirty="0" smtClean="0">
+            <a:pPr>
+              <a:spcBef>
+                <a:spcPct val="20000"/>
+              </a:spcBef>
+            </a:pPr>
+            <a:r>
+              <a:rPr lang="th-TH" sz="4400" dirty="0" smtClean="0">
                 <a:solidFill>
                   <a:srgbClr val="C00000"/>
                 </a:solidFill>
-              </a:rPr>
-              <a:t>การศึกษาความเป็นไปได้และความเสี่ยงที่จะเกิดขึ้น</a:t>
-            </a:r>
-            <a:endParaRPr lang="th-TH" dirty="0">
-              <a:solidFill>
-                <a:srgbClr val="C00000"/>
-              </a:solidFill>
-            </a:endParaRPr>
-          </a:p>
-        </p:txBody>
-      </p:sp>
-      <p:sp>
-        <p:nvSpPr>
-          <p:cNvPr id="6" name="ตัวแทนเนื้อหา 5"/>
-          <p:cNvSpPr>
-            <a:spLocks noGrp="1"/>
-          </p:cNvSpPr>
-          <p:nvPr>
-            <p:ph sz="half" idx="1"/>
+                <a:latin typeface="TH Sarabun New" pitchFamily="34" charset="-34"/>
+                <a:cs typeface="TH Sarabun New" pitchFamily="34" charset="-34"/>
+              </a:rPr>
+              <a:t>แผนงานการพัฒนาระบบใหม่</a:t>
+            </a:r>
+          </a:p>
+        </p:txBody>
+      </p:sp>
+      <p:sp>
+        <p:nvSpPr>
+          <p:cNvPr id="2" name="Date Placeholder 1"/>
+          <p:cNvSpPr>
+            <a:spLocks noGrp="1"/>
+          </p:cNvSpPr>
+          <p:nvPr>
+            <p:ph type="dt" sz="half" idx="10"/>
           </p:nvPr>
         </p:nvSpPr>
         <p:spPr/>
@@ -8394,43 +9692,22 @@
           <a:bodyPr/>
           <a:lstStyle/>
           <a:p>
-            <a:pPr marL="0" indent="0">
-              <a:buNone/>
-            </a:pPr>
-            <a:r>
-              <a:rPr lang="th-TH" dirty="0" smtClean="0"/>
-              <a:t>ผลการศึกษาความเป็นไปได้</a:t>
-            </a:r>
-          </a:p>
-          <a:p>
-            <a:r>
-              <a:rPr lang="th-TH" dirty="0" smtClean="0"/>
-              <a:t>ด้าน</a:t>
-            </a:r>
-          </a:p>
-          <a:p>
-            <a:r>
-              <a:rPr lang="th-TH" dirty="0" smtClean="0"/>
-              <a:t>ด้าน</a:t>
-            </a:r>
-          </a:p>
-          <a:p>
-            <a:r>
-              <a:rPr lang="th-TH" dirty="0" smtClean="0"/>
-              <a:t>ด้าน</a:t>
-            </a:r>
-            <a:endParaRPr lang="th-TH" dirty="0"/>
-          </a:p>
-        </p:txBody>
-      </p:sp>
-      <p:sp>
-        <p:nvSpPr>
-          <p:cNvPr id="7" name="ตัวแทนเนื้อหา 6"/>
-          <p:cNvSpPr>
-            <a:spLocks noGrp="1"/>
-          </p:cNvSpPr>
-          <p:nvPr>
-            <p:ph sz="half" idx="2"/>
+            <a:r>
+              <a:rPr lang="en-US" smtClean="0"/>
+              <a:t>26 September 2015</a:t>
+            </a:r>
+            <a:endParaRPr lang="en-US"/>
+          </a:p>
+        </p:txBody>
+      </p:sp>
+      <p:sp>
+        <p:nvSpPr>
+          <p:cNvPr id="3" name="Footer Placeholder 2"/>
+          <p:cNvSpPr>
+            <a:spLocks noGrp="1"/>
+          </p:cNvSpPr>
+          <p:nvPr>
+            <p:ph type="ftr" sz="quarter" idx="11"/>
           </p:nvPr>
         </p:nvSpPr>
         <p:spPr/>
@@ -8438,75 +9715,364 @@
           <a:bodyPr/>
           <a:lstStyle/>
           <a:p>
-            <a:pPr marL="400050" lvl="1" indent="0">
-              <a:buNone/>
-            </a:pPr>
-            <a:r>
-              <a:rPr lang="th-TH" b="1" dirty="0" smtClean="0"/>
-              <a:t>ความ</a:t>
-            </a:r>
-            <a:r>
-              <a:rPr lang="th-TH" b="1" dirty="0"/>
-              <a:t>เสี่ยงและแนวทางในการจัดการความเสี่ยงของโครงการ</a:t>
-            </a:r>
-            <a:endParaRPr lang="th-TH" dirty="0" smtClean="0"/>
-          </a:p>
-          <a:p>
-            <a:pPr marL="857250" lvl="1" indent="-457200">
-              <a:buFont typeface="+mj-lt"/>
-              <a:buAutoNum type="arabicPeriod"/>
-            </a:pPr>
-            <a:r>
-              <a:rPr lang="th-TH" dirty="0" smtClean="0"/>
-              <a:t>ความ</a:t>
-            </a:r>
-            <a:r>
-              <a:rPr lang="th-TH" dirty="0"/>
-              <a:t>เสี่ยงในการเก็บความต้องการฟังก์ชันการทำงานที่ไม่จำเป็นต่อระบบ</a:t>
-            </a:r>
-            <a:endParaRPr lang="en-US" dirty="0"/>
-          </a:p>
-          <a:p>
-            <a:pPr marL="857250" lvl="1" indent="-457200">
-              <a:buFont typeface="+mj-lt"/>
-              <a:buAutoNum type="arabicPeriod"/>
-            </a:pPr>
-            <a:r>
-              <a:rPr lang="th-TH" dirty="0"/>
-              <a:t>ความเสี่ยงในการพัฒนาฟังก์ชันที่ไม่ตรงต่อความต้องการของผู้ใช้ระบบ</a:t>
-            </a:r>
-            <a:endParaRPr lang="en-US" dirty="0"/>
-          </a:p>
-          <a:p>
-            <a:pPr marL="857250" lvl="1" indent="-457200">
-              <a:buFont typeface="+mj-lt"/>
-              <a:buAutoNum type="arabicPeriod"/>
-            </a:pPr>
-            <a:r>
-              <a:rPr lang="th-TH" dirty="0"/>
-              <a:t>ความเสี่ยงในความคุ้นเคยของระบบ</a:t>
-            </a:r>
-            <a:endParaRPr lang="en-US" dirty="0"/>
-          </a:p>
-          <a:p>
-            <a:endParaRPr lang="th-TH" dirty="0"/>
+            <a:r>
+              <a:rPr lang="th-TH" smtClean="0"/>
+              <a:t>ระบบบริหารจัดการศูนย์ออกกำลังกาย</a:t>
+            </a:r>
+            <a:endParaRPr lang="en-US"/>
+          </a:p>
+        </p:txBody>
+      </p:sp>
+      <p:sp>
+        <p:nvSpPr>
+          <p:cNvPr id="5" name="Slide Number Placeholder 4"/>
+          <p:cNvSpPr>
+            <a:spLocks noGrp="1"/>
+          </p:cNvSpPr>
+          <p:nvPr>
+            <p:ph type="sldNum" sz="quarter" idx="12"/>
+          </p:nvPr>
+        </p:nvSpPr>
+        <p:spPr/>
+        <p:txBody>
+          <a:bodyPr/>
+          <a:lstStyle/>
+          <a:p>
+            <a:fld id="{C200352D-4569-3E41-9599-1BD1EAE34D42}" type="slidenum">
+              <a:rPr lang="en-US" smtClean="0"/>
+              <a:pPr/>
+              <a:t>24</a:t>
+            </a:fld>
+            <a:endParaRPr lang="en-US"/>
           </a:p>
         </p:txBody>
       </p:sp>
     </p:spTree>
     <p:extLst>
       <p:ext uri="{BB962C8B-B14F-4D97-AF65-F5344CB8AC3E}">
-        <p14:creationId xmlns:p14="http://schemas.microsoft.com/office/powerpoint/2010/main" val="478800114"/>
+        <p14:creationId xmlns:p14="http://schemas.microsoft.com/office/powerpoint/2010/main" val="827873140"/>
       </p:ext>
     </p:extLst>
   </p:cSld>
   <p:clrMapOvr>
     <a:masterClrMapping/>
   </p:clrMapOvr>
+  <p:timing>
+    <p:tnLst>
+      <p:par>
+        <p:cTn id="1" dur="indefinite" restart="never" nodeType="tmRoot"/>
+      </p:par>
+    </p:tnLst>
+  </p:timing>
 </p:sld>
 </file>
 
 <file path=ppt/slides/slide25.xml><?xml version="1.0" encoding="utf-8"?>
+<p:sld xmlns:a="http://schemas.openxmlformats.org/drawingml/2006/main" xmlns:r="http://schemas.openxmlformats.org/officeDocument/2006/relationships" xmlns:p="http://schemas.openxmlformats.org/presentationml/2006/main">
+  <p:cSld>
+    <p:spTree>
+      <p:nvGrpSpPr>
+        <p:cNvPr id="1" name=""/>
+        <p:cNvGrpSpPr/>
+        <p:nvPr/>
+      </p:nvGrpSpPr>
+      <p:grpSpPr>
+        <a:xfrm>
+          <a:off x="0" y="0"/>
+          <a:ext cx="0" cy="0"/>
+          <a:chOff x="0" y="0"/>
+          <a:chExt cx="0" cy="0"/>
+        </a:xfrm>
+      </p:grpSpPr>
+      <p:sp>
+        <p:nvSpPr>
+          <p:cNvPr id="4" name="ชื่อเรื่อง 3"/>
+          <p:cNvSpPr>
+            <a:spLocks noGrp="1"/>
+          </p:cNvSpPr>
+          <p:nvPr>
+            <p:ph type="title"/>
+          </p:nvPr>
+        </p:nvSpPr>
+        <p:spPr>
+          <a:xfrm>
+            <a:off x="133636" y="622024"/>
+            <a:ext cx="7969348" cy="851885"/>
+          </a:xfrm>
+        </p:spPr>
+        <p:txBody>
+          <a:bodyPr>
+            <a:noAutofit/>
+          </a:bodyPr>
+          <a:lstStyle/>
+          <a:p>
+            <a:r>
+              <a:rPr lang="th-TH" sz="4000" b="1" dirty="0" smtClean="0">
+                <a:solidFill>
+                  <a:srgbClr val="C00000"/>
+                </a:solidFill>
+                <a:latin typeface="TH Sarabun New" pitchFamily="34" charset="-34"/>
+                <a:cs typeface="TH Sarabun New" pitchFamily="34" charset="-34"/>
+              </a:rPr>
+              <a:t>การศึกษาความเป็นไปได้และความเสี่ยงที่จะเกิดขึ้น</a:t>
+            </a:r>
+            <a:endParaRPr lang="th-TH" sz="4000" b="1" dirty="0">
+              <a:solidFill>
+                <a:srgbClr val="C00000"/>
+              </a:solidFill>
+              <a:latin typeface="TH Sarabun New" pitchFamily="34" charset="-34"/>
+              <a:cs typeface="TH Sarabun New" pitchFamily="34" charset="-34"/>
+            </a:endParaRPr>
+          </a:p>
+        </p:txBody>
+      </p:sp>
+      <p:sp>
+        <p:nvSpPr>
+          <p:cNvPr id="6" name="ตัวแทนเนื้อหา 5"/>
+          <p:cNvSpPr>
+            <a:spLocks noGrp="1"/>
+          </p:cNvSpPr>
+          <p:nvPr>
+            <p:ph sz="half" idx="1"/>
+          </p:nvPr>
+        </p:nvSpPr>
+        <p:spPr>
+          <a:xfrm>
+            <a:off x="965584" y="1701800"/>
+            <a:ext cx="7467600" cy="4525963"/>
+          </a:xfrm>
+        </p:spPr>
+        <p:txBody>
+          <a:bodyPr>
+            <a:normAutofit fontScale="85000" lnSpcReduction="10000"/>
+          </a:bodyPr>
+          <a:lstStyle/>
+          <a:p>
+            <a:pPr marL="0" indent="0">
+              <a:buNone/>
+            </a:pPr>
+            <a:r>
+              <a:rPr lang="th-TH" sz="3200" b="1" dirty="0" smtClean="0">
+                <a:latin typeface="TH Sarabun New" pitchFamily="34" charset="-34"/>
+                <a:cs typeface="TH Sarabun New" pitchFamily="34" charset="-34"/>
+              </a:rPr>
+              <a:t>ผลการศึกษาความเป็นไปได้</a:t>
+            </a:r>
+          </a:p>
+          <a:p>
+            <a:pPr marL="990600" indent="-457200">
+              <a:buFont typeface="Wingdings" pitchFamily="2" charset="2"/>
+              <a:buChar char="v"/>
+            </a:pPr>
+            <a:r>
+              <a:rPr lang="th-TH" sz="3000" dirty="0" smtClean="0">
+                <a:latin typeface="TH Sarabun New" pitchFamily="34" charset="-34"/>
+                <a:cs typeface="TH Sarabun New" pitchFamily="34" charset="-34"/>
+              </a:rPr>
+              <a:t> ด้านเทคนิค มีความเสี่ยงระดับสูง</a:t>
+            </a:r>
+          </a:p>
+          <a:p>
+            <a:pPr marL="990600" indent="-457200">
+              <a:buFont typeface="Wingdings" pitchFamily="2" charset="2"/>
+              <a:buChar char="v"/>
+            </a:pPr>
+            <a:r>
+              <a:rPr lang="th-TH" sz="3000" dirty="0" smtClean="0">
+                <a:latin typeface="TH Sarabun New" pitchFamily="34" charset="-34"/>
+                <a:cs typeface="TH Sarabun New" pitchFamily="34" charset="-34"/>
+              </a:rPr>
+              <a:t> ด้านเศรษฐกิจ มีความเสี่ยงระดับต่ำ</a:t>
+            </a:r>
+          </a:p>
+          <a:p>
+            <a:pPr marL="990600" indent="-457200">
+              <a:buFont typeface="Wingdings" pitchFamily="2" charset="2"/>
+              <a:buChar char="v"/>
+            </a:pPr>
+            <a:r>
+              <a:rPr lang="th-TH" sz="3000" dirty="0" smtClean="0">
+                <a:latin typeface="TH Sarabun New" pitchFamily="34" charset="-34"/>
+                <a:cs typeface="TH Sarabun New" pitchFamily="34" charset="-34"/>
+              </a:rPr>
+              <a:t> ด้านองค์กร มีความเสี่ยงระดับต่ำ</a:t>
+            </a:r>
+          </a:p>
+          <a:p>
+            <a:pPr>
+              <a:buFont typeface="Wingdings" pitchFamily="2" charset="2"/>
+              <a:buChar char="q"/>
+            </a:pPr>
+            <a:endParaRPr lang="th-TH" sz="3000" dirty="0" smtClean="0">
+              <a:latin typeface="TH Sarabun New" pitchFamily="34" charset="-34"/>
+              <a:cs typeface="TH Sarabun New" pitchFamily="34" charset="-34"/>
+            </a:endParaRPr>
+          </a:p>
+          <a:p>
+            <a:pPr>
+              <a:buNone/>
+            </a:pPr>
+            <a:r>
+              <a:rPr lang="th-TH" sz="3200" b="1" dirty="0" smtClean="0">
+                <a:latin typeface="TH Sarabun New" pitchFamily="34" charset="-34"/>
+                <a:cs typeface="TH Sarabun New" pitchFamily="34" charset="-34"/>
+              </a:rPr>
+              <a:t>ความเสี่ยงและแนวทางในการจัดการความเสี่ยงของโครงการ</a:t>
+            </a:r>
+          </a:p>
+          <a:p>
+            <a:pPr marL="990600" lvl="1" indent="-457200">
+              <a:buFont typeface="Wingdings" pitchFamily="2" charset="2"/>
+              <a:buChar char="v"/>
+            </a:pPr>
+            <a:r>
+              <a:rPr lang="th-TH" sz="3000" dirty="0" smtClean="0">
+                <a:latin typeface="TH Sarabun New" pitchFamily="34" charset="-34"/>
+                <a:cs typeface="TH Sarabun New" pitchFamily="34" charset="-34"/>
+              </a:rPr>
+              <a:t>ความเสี่ยงในการเก็บความต้องการฟังก์ชันการทำงานที่ไม่จำเป็นต่อระบบ</a:t>
+            </a:r>
+            <a:endParaRPr lang="en-US" sz="3000" dirty="0" smtClean="0">
+              <a:latin typeface="TH Sarabun New" pitchFamily="34" charset="-34"/>
+              <a:cs typeface="TH Sarabun New" pitchFamily="34" charset="-34"/>
+            </a:endParaRPr>
+          </a:p>
+          <a:p>
+            <a:pPr marL="990600" lvl="1" indent="-457200">
+              <a:buFont typeface="Wingdings" pitchFamily="2" charset="2"/>
+              <a:buChar char="v"/>
+            </a:pPr>
+            <a:r>
+              <a:rPr lang="th-TH" sz="3000" dirty="0" smtClean="0">
+                <a:latin typeface="TH Sarabun New" pitchFamily="34" charset="-34"/>
+                <a:cs typeface="TH Sarabun New" pitchFamily="34" charset="-34"/>
+              </a:rPr>
+              <a:t>ความเสี่ยงในการพัฒนาฟังก์ชันที่ไม่ตรงต่อความต้องการของผู้ใช้ระบบ</a:t>
+            </a:r>
+            <a:endParaRPr lang="en-US" sz="3000" dirty="0" smtClean="0">
+              <a:latin typeface="TH Sarabun New" pitchFamily="34" charset="-34"/>
+              <a:cs typeface="TH Sarabun New" pitchFamily="34" charset="-34"/>
+            </a:endParaRPr>
+          </a:p>
+          <a:p>
+            <a:pPr marL="990600" lvl="1" indent="-457200">
+              <a:buFont typeface="Wingdings" pitchFamily="2" charset="2"/>
+              <a:buChar char="v"/>
+            </a:pPr>
+            <a:r>
+              <a:rPr lang="th-TH" sz="3000" dirty="0" smtClean="0">
+                <a:latin typeface="TH Sarabun New" pitchFamily="34" charset="-34"/>
+                <a:cs typeface="TH Sarabun New" pitchFamily="34" charset="-34"/>
+              </a:rPr>
+              <a:t>ความเสี่ยงในความคุ้นเคยของระบบ</a:t>
+            </a:r>
+            <a:endParaRPr lang="en-US" sz="3000" dirty="0" smtClean="0">
+              <a:latin typeface="TH Sarabun New" pitchFamily="34" charset="-34"/>
+              <a:cs typeface="TH Sarabun New" pitchFamily="34" charset="-34"/>
+            </a:endParaRPr>
+          </a:p>
+          <a:p>
+            <a:pPr>
+              <a:buNone/>
+            </a:pPr>
+            <a:endParaRPr lang="th-TH" sz="3200" dirty="0" smtClean="0">
+              <a:latin typeface="TH Sarabun New" pitchFamily="34" charset="-34"/>
+              <a:cs typeface="TH Sarabun New" pitchFamily="34" charset="-34"/>
+            </a:endParaRPr>
+          </a:p>
+        </p:txBody>
+      </p:sp>
+      <p:sp>
+        <p:nvSpPr>
+          <p:cNvPr id="2" name="Date Placeholder 1"/>
+          <p:cNvSpPr>
+            <a:spLocks noGrp="1"/>
+          </p:cNvSpPr>
+          <p:nvPr>
+            <p:ph type="dt" sz="half" idx="10"/>
+          </p:nvPr>
+        </p:nvSpPr>
+        <p:spPr/>
+        <p:txBody>
+          <a:bodyPr/>
+          <a:lstStyle/>
+          <a:p>
+            <a:r>
+              <a:rPr lang="en-US" smtClean="0"/>
+              <a:t>26 September 2015</a:t>
+            </a:r>
+            <a:endParaRPr lang="en-US"/>
+          </a:p>
+        </p:txBody>
+      </p:sp>
+      <p:sp>
+        <p:nvSpPr>
+          <p:cNvPr id="3" name="Footer Placeholder 2"/>
+          <p:cNvSpPr>
+            <a:spLocks noGrp="1"/>
+          </p:cNvSpPr>
+          <p:nvPr>
+            <p:ph type="ftr" sz="quarter" idx="11"/>
+          </p:nvPr>
+        </p:nvSpPr>
+        <p:spPr/>
+        <p:txBody>
+          <a:bodyPr/>
+          <a:lstStyle/>
+          <a:p>
+            <a:r>
+              <a:rPr lang="th-TH" smtClean="0"/>
+              <a:t>ระบบบริหารจัดการศูนย์ออกกำลังกาย</a:t>
+            </a:r>
+            <a:endParaRPr lang="en-US"/>
+          </a:p>
+        </p:txBody>
+      </p:sp>
+      <p:sp>
+        <p:nvSpPr>
+          <p:cNvPr id="5" name="Slide Number Placeholder 4"/>
+          <p:cNvSpPr>
+            <a:spLocks noGrp="1"/>
+          </p:cNvSpPr>
+          <p:nvPr>
+            <p:ph type="sldNum" sz="quarter" idx="12"/>
+          </p:nvPr>
+        </p:nvSpPr>
+        <p:spPr/>
+        <p:txBody>
+          <a:bodyPr/>
+          <a:lstStyle/>
+          <a:p>
+            <a:fld id="{C200352D-4569-3E41-9599-1BD1EAE34D42}" type="slidenum">
+              <a:rPr lang="en-US" smtClean="0"/>
+              <a:pPr/>
+              <a:t>25</a:t>
+            </a:fld>
+            <a:endParaRPr lang="en-US"/>
+          </a:p>
+        </p:txBody>
+      </p:sp>
+    </p:spTree>
+    <p:extLst>
+      <p:ext uri="{BB962C8B-B14F-4D97-AF65-F5344CB8AC3E}">
+        <p14:creationId xmlns:p14="http://schemas.microsoft.com/office/powerpoint/2010/main" val="1924526975"/>
+      </p:ext>
+    </p:extLst>
+  </p:cSld>
+  <p:clrMapOvr>
+    <a:masterClrMapping/>
+  </p:clrMapOvr>
+  <p:timing>
+    <p:tnLst>
+      <p:par>
+        <p:cTn id="1" dur="indefinite" restart="never" nodeType="tmRoot"/>
+      </p:par>
+    </p:tnLst>
+  </p:timing>
+</p:sld>
+</file>
+
+<file path=ppt/slides/slide26.xml><?xml version="1.0" encoding="utf-8"?>
 <p:sld xmlns:a="http://schemas.openxmlformats.org/drawingml/2006/main" xmlns:r="http://schemas.openxmlformats.org/officeDocument/2006/relationships" xmlns:p="http://schemas.openxmlformats.org/presentationml/2006/main">
   <p:cSld>
     <p:spTree>
@@ -8560,22 +10126,34 @@
           <a:p>
             <a:pPr algn="ctr"/>
             <a:r>
-              <a:rPr lang="th-TH" sz="2000" dirty="0"/>
+              <a:rPr lang="th-TH" sz="2000" dirty="0">
+                <a:latin typeface="TH Sarabun New" pitchFamily="34" charset="-34"/>
+                <a:cs typeface="TH Sarabun New" pitchFamily="34" charset="-34"/>
+              </a:rPr>
               <a:t>ช่วงพัฒนาที่ </a:t>
             </a:r>
             <a:r>
-              <a:rPr lang="th-TH" sz="2000" dirty="0" smtClean="0"/>
+              <a:rPr lang="th-TH" sz="2000" dirty="0" smtClean="0">
+                <a:latin typeface="TH Sarabun New" pitchFamily="34" charset="-34"/>
+                <a:cs typeface="TH Sarabun New" pitchFamily="34" charset="-34"/>
+              </a:rPr>
               <a:t>1</a:t>
             </a:r>
           </a:p>
           <a:p>
             <a:pPr algn="ctr"/>
             <a:r>
-              <a:rPr lang="th-TH" sz="2000" dirty="0" smtClean="0"/>
+              <a:rPr lang="th-TH" sz="2000" dirty="0" smtClean="0">
+                <a:latin typeface="TH Sarabun New" pitchFamily="34" charset="-34"/>
+                <a:cs typeface="TH Sarabun New" pitchFamily="34" charset="-34"/>
+              </a:rPr>
               <a:t>พัฒนา</a:t>
             </a:r>
             <a:r>
-              <a:rPr lang="th-TH" sz="2000" dirty="0"/>
+              <a:rPr lang="th-TH" sz="2000" dirty="0">
+                <a:latin typeface="TH Sarabun New" pitchFamily="34" charset="-34"/>
+                <a:cs typeface="TH Sarabun New" pitchFamily="34" charset="-34"/>
+              </a:rPr>
               <a:t>ฐานข้อมูลและระบบตรวจสอบสิทธิ์ผู้ใช้</a:t>
             </a:r>
           </a:p>
@@ -8618,29 +10196,47 @@
           <a:p>
             <a:pPr algn="ctr"/>
             <a:r>
-              <a:rPr lang="th-TH" sz="2000" dirty="0"/>
+              <a:rPr lang="th-TH" sz="2000" dirty="0">
+                <a:latin typeface="TH Sarabun New" pitchFamily="34" charset="-34"/>
+                <a:cs typeface="TH Sarabun New" pitchFamily="34" charset="-34"/>
+              </a:rPr>
               <a:t>ช่วงพัฒนาที่ </a:t>
             </a:r>
             <a:r>
-              <a:rPr lang="th-TH" sz="2000" dirty="0" smtClean="0"/>
+              <a:rPr lang="th-TH" sz="2000" dirty="0" smtClean="0">
+                <a:latin typeface="TH Sarabun New" pitchFamily="34" charset="-34"/>
+                <a:cs typeface="TH Sarabun New" pitchFamily="34" charset="-34"/>
+              </a:rPr>
               <a:t>3</a:t>
             </a:r>
           </a:p>
           <a:p>
             <a:pPr algn="ctr"/>
             <a:r>
-              <a:rPr lang="th-TH" sz="2000" dirty="0" smtClean="0"/>
+              <a:rPr lang="th-TH" sz="2000" dirty="0" smtClean="0">
+                <a:latin typeface="TH Sarabun New" pitchFamily="34" charset="-34"/>
+                <a:cs typeface="TH Sarabun New" pitchFamily="34" charset="-34"/>
+              </a:rPr>
               <a:t>ระบบ</a:t>
             </a:r>
             <a:r>
-              <a:rPr lang="th-TH" sz="2000" dirty="0"/>
+              <a:rPr lang="th-TH" sz="2000" dirty="0">
+                <a:latin typeface="TH Sarabun New" pitchFamily="34" charset="-34"/>
+                <a:cs typeface="TH Sarabun New" pitchFamily="34" charset="-34"/>
+              </a:rPr>
               <a:t>จัดการชั้นเรียนและระบบประเมินเป้าหมาย</a:t>
             </a:r>
             <a:r>
-              <a:rPr lang="th-TH" sz="2000" dirty="0" smtClean="0"/>
+              <a:rPr lang="th-TH" sz="2000" dirty="0" smtClean="0">
+                <a:latin typeface="TH Sarabun New" pitchFamily="34" charset="-34"/>
+                <a:cs typeface="TH Sarabun New" pitchFamily="34" charset="-34"/>
+              </a:rPr>
               <a:t>ยอดขาย</a:t>
             </a:r>
-            <a:endParaRPr lang="th-TH" sz="2000" dirty="0"/>
+            <a:endParaRPr lang="th-TH" sz="2000" dirty="0">
+              <a:latin typeface="TH Sarabun New" pitchFamily="34" charset="-34"/>
+              <a:cs typeface="TH Sarabun New" pitchFamily="34" charset="-34"/>
+            </a:endParaRPr>
           </a:p>
         </p:txBody>
       </p:sp>
@@ -8681,22 +10277,34 @@
           <a:p>
             <a:pPr algn="ctr"/>
             <a:r>
-              <a:rPr lang="th-TH" sz="2000" dirty="0"/>
+              <a:rPr lang="th-TH" sz="2000" dirty="0">
+                <a:latin typeface="TH Sarabun New" pitchFamily="34" charset="-34"/>
+                <a:cs typeface="TH Sarabun New" pitchFamily="34" charset="-34"/>
+              </a:rPr>
               <a:t>ช่วงพัฒนาที่ </a:t>
             </a:r>
             <a:r>
-              <a:rPr lang="th-TH" sz="2000" dirty="0" smtClean="0"/>
+              <a:rPr lang="th-TH" sz="2000" dirty="0" smtClean="0">
+                <a:latin typeface="TH Sarabun New" pitchFamily="34" charset="-34"/>
+                <a:cs typeface="TH Sarabun New" pitchFamily="34" charset="-34"/>
+              </a:rPr>
               <a:t>2</a:t>
             </a:r>
           </a:p>
           <a:p>
             <a:pPr algn="ctr"/>
             <a:r>
-              <a:rPr lang="th-TH" sz="2000" dirty="0" smtClean="0"/>
+              <a:rPr lang="th-TH" sz="2000" dirty="0" smtClean="0">
+                <a:latin typeface="TH Sarabun New" pitchFamily="34" charset="-34"/>
+                <a:cs typeface="TH Sarabun New" pitchFamily="34" charset="-34"/>
+              </a:rPr>
               <a:t>พัฒนา</a:t>
             </a:r>
             <a:r>
-              <a:rPr lang="th-TH" sz="2000" dirty="0"/>
+              <a:rPr lang="th-TH" sz="2000" dirty="0">
+                <a:latin typeface="TH Sarabun New" pitchFamily="34" charset="-34"/>
+                <a:cs typeface="TH Sarabun New" pitchFamily="34" charset="-34"/>
+              </a:rPr>
               <a:t>ระบบจัดการสมาชิกและระบบคงคลังสินค้า </a:t>
             </a:r>
           </a:p>
@@ -8739,18 +10347,27 @@
           <a:p>
             <a:pPr algn="ctr"/>
             <a:r>
-              <a:rPr lang="th-TH" sz="2000" dirty="0"/>
+              <a:rPr lang="th-TH" sz="2000" dirty="0">
+                <a:latin typeface="TH Sarabun New" pitchFamily="34" charset="-34"/>
+                <a:cs typeface="TH Sarabun New" pitchFamily="34" charset="-34"/>
+              </a:rPr>
               <a:t>ช่วงพัฒนาที่ </a:t>
             </a:r>
             <a:r>
-              <a:rPr lang="th-TH" sz="2000" dirty="0" smtClean="0"/>
+              <a:rPr lang="th-TH" sz="2000" dirty="0" smtClean="0">
+                <a:latin typeface="TH Sarabun New" pitchFamily="34" charset="-34"/>
+                <a:cs typeface="TH Sarabun New" pitchFamily="34" charset="-34"/>
+              </a:rPr>
               <a:t>4</a:t>
             </a:r>
           </a:p>
           <a:p>
             <a:pPr algn="ctr"/>
             <a:r>
-              <a:rPr lang="th-TH" sz="2000" dirty="0" smtClean="0"/>
+              <a:rPr lang="th-TH" sz="2000" dirty="0" smtClean="0">
+                <a:latin typeface="TH Sarabun New" pitchFamily="34" charset="-34"/>
+                <a:cs typeface="TH Sarabun New" pitchFamily="34" charset="-34"/>
+              </a:rPr>
               <a:t>ระบบออกรายงาน</a:t>
             </a:r>
           </a:p>
@@ -8768,21 +10385,28 @@
         </p:nvSpPr>
         <p:spPr/>
         <p:txBody>
-          <a:bodyPr/>
-          <a:lstStyle/>
-          <a:p>
-            <a:r>
-              <a:rPr lang="th-TH" dirty="0" smtClean="0">
+          <a:bodyPr>
+            <a:normAutofit/>
+          </a:bodyPr>
+          <a:lstStyle/>
+          <a:p>
+            <a:pPr algn="l"/>
+            <a:r>
+              <a:rPr lang="th-TH" sz="4000" b="1" dirty="0" smtClean="0">
                 <a:solidFill>
                   <a:srgbClr val="C00000"/>
                 </a:solidFill>
+                <a:latin typeface="TH Sarabun New" pitchFamily="34" charset="-34"/>
+                <a:cs typeface="TH Sarabun New" pitchFamily="34" charset="-34"/>
               </a:rPr>
               <a:t>แผนงานการพัฒนาระบบ</a:t>
             </a:r>
-            <a:endParaRPr lang="th-TH" dirty="0">
+            <a:endParaRPr lang="th-TH" sz="4000" b="1" dirty="0">
               <a:solidFill>
                 <a:srgbClr val="C00000"/>
               </a:solidFill>
+              <a:latin typeface="TH Sarabun New" pitchFamily="34" charset="-34"/>
+              <a:cs typeface="TH Sarabun New" pitchFamily="34" charset="-34"/>
             </a:endParaRPr>
           </a:p>
         </p:txBody>
@@ -8824,7 +10448,10 @@
           <a:p>
             <a:pPr algn="ctr"/>
             <a:r>
-              <a:rPr lang="th-TH" sz="2000" dirty="0" smtClean="0"/>
+              <a:rPr lang="th-TH" sz="2000" dirty="0" smtClean="0">
+                <a:latin typeface="TH Sarabun New" pitchFamily="34" charset="-34"/>
+                <a:cs typeface="TH Sarabun New" pitchFamily="34" charset="-34"/>
+              </a:rPr>
               <a:t>ช่วงเริ่มต้นการพัฒนาระบบ</a:t>
             </a:r>
           </a:p>
@@ -8866,201 +10493,416 @@
           </a:fontRef>
         </p:style>
       </p:cxnSp>
+      <p:sp>
+        <p:nvSpPr>
+          <p:cNvPr id="2" name="Date Placeholder 1"/>
+          <p:cNvSpPr>
+            <a:spLocks noGrp="1"/>
+          </p:cNvSpPr>
+          <p:nvPr>
+            <p:ph type="dt" sz="half" idx="10"/>
+          </p:nvPr>
+        </p:nvSpPr>
+        <p:spPr/>
+        <p:txBody>
+          <a:bodyPr/>
+          <a:lstStyle/>
+          <a:p>
+            <a:r>
+              <a:rPr lang="en-US" smtClean="0"/>
+              <a:t>26 September 2015</a:t>
+            </a:r>
+            <a:endParaRPr lang="en-US"/>
+          </a:p>
+        </p:txBody>
+      </p:sp>
+      <p:sp>
+        <p:nvSpPr>
+          <p:cNvPr id="3" name="Footer Placeholder 2"/>
+          <p:cNvSpPr>
+            <a:spLocks noGrp="1"/>
+          </p:cNvSpPr>
+          <p:nvPr>
+            <p:ph type="ftr" sz="quarter" idx="11"/>
+          </p:nvPr>
+        </p:nvSpPr>
+        <p:spPr/>
+        <p:txBody>
+          <a:bodyPr/>
+          <a:lstStyle/>
+          <a:p>
+            <a:r>
+              <a:rPr lang="th-TH" smtClean="0"/>
+              <a:t>ระบบบริหารจัดการศูนย์ออกกำลังกาย</a:t>
+            </a:r>
+            <a:endParaRPr lang="en-US"/>
+          </a:p>
+        </p:txBody>
+      </p:sp>
+      <p:sp>
+        <p:nvSpPr>
+          <p:cNvPr id="4" name="Slide Number Placeholder 3"/>
+          <p:cNvSpPr>
+            <a:spLocks noGrp="1"/>
+          </p:cNvSpPr>
+          <p:nvPr>
+            <p:ph type="sldNum" sz="quarter" idx="12"/>
+          </p:nvPr>
+        </p:nvSpPr>
+        <p:spPr/>
+        <p:txBody>
+          <a:bodyPr/>
+          <a:lstStyle/>
+          <a:p>
+            <a:fld id="{C200352D-4569-3E41-9599-1BD1EAE34D42}" type="slidenum">
+              <a:rPr lang="en-US" smtClean="0"/>
+              <a:pPr/>
+              <a:t>26</a:t>
+            </a:fld>
+            <a:endParaRPr lang="en-US"/>
+          </a:p>
+        </p:txBody>
+      </p:sp>
     </p:spTree>
     <p:extLst>
       <p:ext uri="{BB962C8B-B14F-4D97-AF65-F5344CB8AC3E}">
-        <p14:creationId xmlns:p14="http://schemas.microsoft.com/office/powerpoint/2010/main" val="4122143569"/>
+        <p14:creationId xmlns:p14="http://schemas.microsoft.com/office/powerpoint/2010/main" val="3590873766"/>
       </p:ext>
     </p:extLst>
   </p:cSld>
   <p:clrMapOvr>
     <a:masterClrMapping/>
   </p:clrMapOvr>
+  <mc:AlternateContent xmlns:mc="http://schemas.openxmlformats.org/markup-compatibility/2006">
+    <mc:Choice xmlns:p14="http://schemas.microsoft.com/office/powerpoint/2010/main" Requires="p14">
+      <p:transition spd="slow" p14:dur="800">
+        <p:circle/>
+      </p:transition>
+    </mc:Choice>
+    <mc:Fallback>
+      <p:transition spd="slow">
+        <p:circle/>
+      </p:transition>
+    </mc:Fallback>
+  </mc:AlternateContent>
   <p:timing>
     <p:tnLst>
       <p:par>
-        <p:cTn id="1" dur="indefinite" restart="never" nodeType="tmRoot"/>
+        <p:cTn id="1" dur="indefinite" restart="never" nodeType="tmRoot">
+          <p:childTnLst>
+            <p:seq concurrent="1" nextAc="seek">
+              <p:cTn id="2" dur="indefinite" nodeType="mainSeq">
+                <p:childTnLst>
+                  <p:par>
+                    <p:cTn id="3" fill="hold">
+                      <p:stCondLst>
+                        <p:cond delay="indefinite"/>
+                      </p:stCondLst>
+                      <p:childTnLst>
+                        <p:par>
+                          <p:cTn id="4" fill="hold">
+                            <p:stCondLst>
+                              <p:cond delay="0"/>
+                            </p:stCondLst>
+                            <p:childTnLst>
+                              <p:par>
+                                <p:cTn id="5" presetID="22" presetClass="entr" presetSubtype="4" fill="hold" grpId="0" nodeType="clickEffect">
+                                  <p:stCondLst>
+                                    <p:cond delay="0"/>
+                                  </p:stCondLst>
+                                  <p:childTnLst>
+                                    <p:set>
+                                      <p:cBhvr>
+                                        <p:cTn id="6" dur="1" fill="hold">
+                                          <p:stCondLst>
+                                            <p:cond delay="0"/>
+                                          </p:stCondLst>
+                                        </p:cTn>
+                                        <p:tgtEl>
+                                          <p:spTgt spid="5"/>
+                                        </p:tgtEl>
+                                        <p:attrNameLst>
+                                          <p:attrName>style.visibility</p:attrName>
+                                        </p:attrNameLst>
+                                      </p:cBhvr>
+                                      <p:to>
+                                        <p:strVal val="visible"/>
+                                      </p:to>
+                                    </p:set>
+                                    <p:animEffect transition="in" filter="wipe(down)">
+                                      <p:cBhvr>
+                                        <p:cTn id="7" dur="500"/>
+                                        <p:tgtEl>
+                                          <p:spTgt spid="5"/>
+                                        </p:tgtEl>
+                                      </p:cBhvr>
+                                    </p:animEffect>
+                                  </p:childTnLst>
+                                </p:cTn>
+                              </p:par>
+                              <p:par>
+                                <p:cTn id="8" presetID="22" presetClass="entr" presetSubtype="4" fill="hold" nodeType="withEffect">
+                                  <p:stCondLst>
+                                    <p:cond delay="0"/>
+                                  </p:stCondLst>
+                                  <p:childTnLst>
+                                    <p:set>
+                                      <p:cBhvr>
+                                        <p:cTn id="9" dur="1" fill="hold">
+                                          <p:stCondLst>
+                                            <p:cond delay="0"/>
+                                          </p:stCondLst>
+                                        </p:cTn>
+                                        <p:tgtEl>
+                                          <p:spTgt spid="12"/>
+                                        </p:tgtEl>
+                                        <p:attrNameLst>
+                                          <p:attrName>style.visibility</p:attrName>
+                                        </p:attrNameLst>
+                                      </p:cBhvr>
+                                      <p:to>
+                                        <p:strVal val="visible"/>
+                                      </p:to>
+                                    </p:set>
+                                    <p:animEffect transition="in" filter="wipe(down)">
+                                      <p:cBhvr>
+                                        <p:cTn id="10" dur="500"/>
+                                        <p:tgtEl>
+                                          <p:spTgt spid="12"/>
+                                        </p:tgtEl>
+                                      </p:cBhvr>
+                                    </p:animEffect>
+                                  </p:childTnLst>
+                                </p:cTn>
+                              </p:par>
+                              <p:par>
+                                <p:cTn id="11" presetID="22" presetClass="entr" presetSubtype="4" fill="hold" grpId="0" nodeType="withEffect">
+                                  <p:stCondLst>
+                                    <p:cond delay="0"/>
+                                  </p:stCondLst>
+                                  <p:childTnLst>
+                                    <p:set>
+                                      <p:cBhvr>
+                                        <p:cTn id="12" dur="1" fill="hold">
+                                          <p:stCondLst>
+                                            <p:cond delay="0"/>
+                                          </p:stCondLst>
+                                        </p:cTn>
+                                        <p:tgtEl>
+                                          <p:spTgt spid="10"/>
+                                        </p:tgtEl>
+                                        <p:attrNameLst>
+                                          <p:attrName>style.visibility</p:attrName>
+                                        </p:attrNameLst>
+                                      </p:cBhvr>
+                                      <p:to>
+                                        <p:strVal val="visible"/>
+                                      </p:to>
+                                    </p:set>
+                                    <p:animEffect transition="in" filter="wipe(down)">
+                                      <p:cBhvr>
+                                        <p:cTn id="13" dur="500"/>
+                                        <p:tgtEl>
+                                          <p:spTgt spid="10"/>
+                                        </p:tgtEl>
+                                      </p:cBhvr>
+                                    </p:animEffect>
+                                  </p:childTnLst>
+                                </p:cTn>
+                              </p:par>
+                            </p:childTnLst>
+                          </p:cTn>
+                        </p:par>
+                      </p:childTnLst>
+                    </p:cTn>
+                  </p:par>
+                  <p:par>
+                    <p:cTn id="14" fill="hold">
+                      <p:stCondLst>
+                        <p:cond delay="indefinite"/>
+                      </p:stCondLst>
+                      <p:childTnLst>
+                        <p:par>
+                          <p:cTn id="15" fill="hold">
+                            <p:stCondLst>
+                              <p:cond delay="0"/>
+                            </p:stCondLst>
+                            <p:childTnLst>
+                              <p:par>
+                                <p:cTn id="16" presetID="22" presetClass="entr" presetSubtype="4" fill="hold" grpId="0" nodeType="clickEffect">
+                                  <p:stCondLst>
+                                    <p:cond delay="0"/>
+                                  </p:stCondLst>
+                                  <p:childTnLst>
+                                    <p:set>
+                                      <p:cBhvr>
+                                        <p:cTn id="17" dur="1" fill="hold">
+                                          <p:stCondLst>
+                                            <p:cond delay="0"/>
+                                          </p:stCondLst>
+                                        </p:cTn>
+                                        <p:tgtEl>
+                                          <p:spTgt spid="6"/>
+                                        </p:tgtEl>
+                                        <p:attrNameLst>
+                                          <p:attrName>style.visibility</p:attrName>
+                                        </p:attrNameLst>
+                                      </p:cBhvr>
+                                      <p:to>
+                                        <p:strVal val="visible"/>
+                                      </p:to>
+                                    </p:set>
+                                    <p:animEffect transition="in" filter="wipe(down)">
+                                      <p:cBhvr>
+                                        <p:cTn id="18" dur="500"/>
+                                        <p:tgtEl>
+                                          <p:spTgt spid="6"/>
+                                        </p:tgtEl>
+                                      </p:cBhvr>
+                                    </p:animEffect>
+                                  </p:childTnLst>
+                                </p:cTn>
+                              </p:par>
+                            </p:childTnLst>
+                          </p:cTn>
+                        </p:par>
+                      </p:childTnLst>
+                    </p:cTn>
+                  </p:par>
+                  <p:par>
+                    <p:cTn id="19" fill="hold">
+                      <p:stCondLst>
+                        <p:cond delay="indefinite"/>
+                      </p:stCondLst>
+                      <p:childTnLst>
+                        <p:par>
+                          <p:cTn id="20" fill="hold">
+                            <p:stCondLst>
+                              <p:cond delay="0"/>
+                            </p:stCondLst>
+                            <p:childTnLst>
+                              <p:par>
+                                <p:cTn id="21" presetID="22" presetClass="entr" presetSubtype="4" fill="hold" grpId="0" nodeType="clickEffect">
+                                  <p:stCondLst>
+                                    <p:cond delay="0"/>
+                                  </p:stCondLst>
+                                  <p:childTnLst>
+                                    <p:set>
+                                      <p:cBhvr>
+                                        <p:cTn id="22" dur="1" fill="hold">
+                                          <p:stCondLst>
+                                            <p:cond delay="0"/>
+                                          </p:stCondLst>
+                                        </p:cTn>
+                                        <p:tgtEl>
+                                          <p:spTgt spid="7"/>
+                                        </p:tgtEl>
+                                        <p:attrNameLst>
+                                          <p:attrName>style.visibility</p:attrName>
+                                        </p:attrNameLst>
+                                      </p:cBhvr>
+                                      <p:to>
+                                        <p:strVal val="visible"/>
+                                      </p:to>
+                                    </p:set>
+                                    <p:animEffect transition="in" filter="wipe(down)">
+                                      <p:cBhvr>
+                                        <p:cTn id="23" dur="500"/>
+                                        <p:tgtEl>
+                                          <p:spTgt spid="7"/>
+                                        </p:tgtEl>
+                                      </p:cBhvr>
+                                    </p:animEffect>
+                                  </p:childTnLst>
+                                </p:cTn>
+                              </p:par>
+                            </p:childTnLst>
+                          </p:cTn>
+                        </p:par>
+                      </p:childTnLst>
+                    </p:cTn>
+                  </p:par>
+                  <p:par>
+                    <p:cTn id="24" fill="hold">
+                      <p:stCondLst>
+                        <p:cond delay="indefinite"/>
+                      </p:stCondLst>
+                      <p:childTnLst>
+                        <p:par>
+                          <p:cTn id="25" fill="hold">
+                            <p:stCondLst>
+                              <p:cond delay="0"/>
+                            </p:stCondLst>
+                            <p:childTnLst>
+                              <p:par>
+                                <p:cTn id="26" presetID="22" presetClass="entr" presetSubtype="4" fill="hold" grpId="0" nodeType="clickEffect">
+                                  <p:stCondLst>
+                                    <p:cond delay="0"/>
+                                  </p:stCondLst>
+                                  <p:childTnLst>
+                                    <p:set>
+                                      <p:cBhvr>
+                                        <p:cTn id="27" dur="1" fill="hold">
+                                          <p:stCondLst>
+                                            <p:cond delay="0"/>
+                                          </p:stCondLst>
+                                        </p:cTn>
+                                        <p:tgtEl>
+                                          <p:spTgt spid="8"/>
+                                        </p:tgtEl>
+                                        <p:attrNameLst>
+                                          <p:attrName>style.visibility</p:attrName>
+                                        </p:attrNameLst>
+                                      </p:cBhvr>
+                                      <p:to>
+                                        <p:strVal val="visible"/>
+                                      </p:to>
+                                    </p:set>
+                                    <p:animEffect transition="in" filter="wipe(down)">
+                                      <p:cBhvr>
+                                        <p:cTn id="28" dur="500"/>
+                                        <p:tgtEl>
+                                          <p:spTgt spid="8"/>
+                                        </p:tgtEl>
+                                      </p:cBhvr>
+                                    </p:animEffect>
+                                  </p:childTnLst>
+                                </p:cTn>
+                              </p:par>
+                            </p:childTnLst>
+                          </p:cTn>
+                        </p:par>
+                      </p:childTnLst>
+                    </p:cTn>
+                  </p:par>
+                </p:childTnLst>
+              </p:cTn>
+              <p:prevCondLst>
+                <p:cond evt="onPrev" delay="0">
+                  <p:tgtEl>
+                    <p:sldTgt/>
+                  </p:tgtEl>
+                </p:cond>
+              </p:prevCondLst>
+              <p:nextCondLst>
+                <p:cond evt="onNext" delay="0">
+                  <p:tgtEl>
+                    <p:sldTgt/>
+                  </p:tgtEl>
+                </p:cond>
+              </p:nextCondLst>
+            </p:seq>
+          </p:childTnLst>
+        </p:cTn>
       </p:par>
     </p:tnLst>
-  </p:timing>
-</p:sld>
-</file>
-
-<file path=ppt/slides/slide26.xml><?xml version="1.0" encoding="utf-8"?>
-<p:sld xmlns:a="http://schemas.openxmlformats.org/drawingml/2006/main" xmlns:r="http://schemas.openxmlformats.org/officeDocument/2006/relationships" xmlns:p="http://schemas.openxmlformats.org/presentationml/2006/main">
-  <p:cSld>
-    <p:spTree>
-      <p:nvGrpSpPr>
-        <p:cNvPr id="1" name=""/>
-        <p:cNvGrpSpPr/>
-        <p:nvPr/>
-      </p:nvGrpSpPr>
-      <p:grpSpPr>
-        <a:xfrm>
-          <a:off x="0" y="0"/>
-          <a:ext cx="0" cy="0"/>
-          <a:chOff x="0" y="0"/>
-          <a:chExt cx="0" cy="0"/>
-        </a:xfrm>
-      </p:grpSpPr>
-      <p:sp>
-        <p:nvSpPr>
-          <p:cNvPr id="2" name="ชื่อเรื่อง 1"/>
-          <p:cNvSpPr>
-            <a:spLocks noGrp="1"/>
-          </p:cNvSpPr>
-          <p:nvPr>
-            <p:ph type="title"/>
-          </p:nvPr>
-        </p:nvSpPr>
-        <p:spPr>
-          <a:xfrm>
-            <a:off x="539750" y="1022733"/>
-            <a:ext cx="7135402" cy="862834"/>
-          </a:xfrm>
-        </p:spPr>
-        <p:txBody>
-          <a:bodyPr>
-            <a:normAutofit fontScale="90000"/>
-          </a:bodyPr>
-          <a:lstStyle/>
-          <a:p>
-            <a:r>
-              <a:rPr lang="th-TH" b="1" dirty="0"/>
-              <a:t>ช่วงเริ่มต้นการพัฒนา</a:t>
-            </a:r>
-            <a:r>
-              <a:rPr lang="th-TH" b="1" dirty="0" smtClean="0"/>
-              <a:t>ระบบ</a:t>
-            </a:r>
-            <a:br>
-              <a:rPr lang="th-TH" b="1" dirty="0" smtClean="0"/>
-            </a:br>
-            <a:r>
-              <a:rPr lang="th-TH" b="1" dirty="0" smtClean="0"/>
-              <a:t> </a:t>
-            </a:r>
-            <a:r>
-              <a:rPr lang="en-US" b="1" dirty="0"/>
-              <a:t>(Initiation Phase)</a:t>
-            </a:r>
-            <a:br>
-              <a:rPr lang="en-US" b="1" dirty="0"/>
-            </a:br>
-            <a:endParaRPr lang="th-TH" dirty="0"/>
-          </a:p>
-        </p:txBody>
-      </p:sp>
-      <p:sp>
-        <p:nvSpPr>
-          <p:cNvPr id="3" name="Content Placeholder 2"/>
-          <p:cNvSpPr>
-            <a:spLocks noGrp="1"/>
-          </p:cNvSpPr>
-          <p:nvPr>
-            <p:ph idx="1"/>
-          </p:nvPr>
-        </p:nvSpPr>
-        <p:spPr>
-          <a:xfrm>
-            <a:off x="457200" y="1885567"/>
-            <a:ext cx="8229600" cy="3226183"/>
-          </a:xfrm>
-        </p:spPr>
-        <p:txBody>
-          <a:bodyPr/>
-          <a:lstStyle/>
-          <a:p>
-            <a:pPr marL="0" indent="0">
-              <a:buNone/>
-            </a:pPr>
-            <a:endParaRPr lang="en-US" b="1" dirty="0" smtClean="0"/>
-          </a:p>
-          <a:p>
-            <a:pPr marL="857250" lvl="1" indent="-457200">
-              <a:buFont typeface="+mj-lt"/>
-              <a:buAutoNum type="arabicPeriod"/>
-            </a:pPr>
-            <a:r>
-              <a:rPr lang="th-TH" sz="2400" dirty="0"/>
-              <a:t>เก็บรวบรวมรายละเอียดความต้องการ </a:t>
-            </a:r>
-            <a:r>
-              <a:rPr lang="en-US" sz="2400" dirty="0"/>
-              <a:t>(Software Elicitation)</a:t>
-            </a:r>
-          </a:p>
-          <a:p>
-            <a:pPr marL="857250" lvl="1" indent="-457200">
-              <a:buFont typeface="+mj-lt"/>
-              <a:buAutoNum type="arabicPeriod"/>
-            </a:pPr>
-            <a:r>
-              <a:rPr lang="th-TH" sz="2400" dirty="0"/>
-              <a:t>วิเคราะห์ปัญหาและความต้องการของระบบ</a:t>
-            </a:r>
-            <a:endParaRPr lang="en-US" sz="2400" dirty="0"/>
-          </a:p>
-          <a:p>
-            <a:pPr marL="857250" lvl="1" indent="-457200">
-              <a:buFont typeface="+mj-lt"/>
-              <a:buAutoNum type="arabicPeriod"/>
-            </a:pPr>
-            <a:r>
-              <a:rPr lang="th-TH" sz="2400" dirty="0"/>
-              <a:t>ศึกษาความเป็นไปได้ </a:t>
-            </a:r>
-            <a:r>
-              <a:rPr lang="en-US" sz="2400" dirty="0"/>
-              <a:t>(Feasibility Study)</a:t>
-            </a:r>
-          </a:p>
-          <a:p>
-            <a:pPr marL="857250" lvl="1" indent="-457200">
-              <a:buFont typeface="+mj-lt"/>
-              <a:buAutoNum type="arabicPeriod"/>
-            </a:pPr>
-            <a:r>
-              <a:rPr lang="th-TH" sz="2400" dirty="0"/>
-              <a:t>วางแผนงาน</a:t>
-            </a:r>
-            <a:endParaRPr lang="en-US" sz="2400" dirty="0"/>
-          </a:p>
-          <a:p>
-            <a:pPr marL="857250" lvl="1" indent="-457200">
-              <a:buFont typeface="+mj-lt"/>
-              <a:buAutoNum type="arabicPeriod"/>
-            </a:pPr>
-            <a:r>
-              <a:rPr lang="th-TH" sz="2400" dirty="0"/>
-              <a:t>จัดทำเอกสารข้อเสนอโครงการ</a:t>
-            </a:r>
-            <a:endParaRPr lang="en-US" sz="2400" dirty="0"/>
-          </a:p>
-          <a:p>
-            <a:pPr marL="0" indent="0">
-              <a:buNone/>
-            </a:pPr>
-            <a:endParaRPr lang="th-TH" b="1" dirty="0"/>
-          </a:p>
-        </p:txBody>
-      </p:sp>
-    </p:spTree>
-    <p:extLst>
-      <p:ext uri="{BB962C8B-B14F-4D97-AF65-F5344CB8AC3E}">
-        <p14:creationId xmlns:p14="http://schemas.microsoft.com/office/powerpoint/2010/main" val="2518931915"/>
-      </p:ext>
-    </p:extLst>
-  </p:cSld>
-  <p:clrMapOvr>
-    <a:masterClrMapping/>
-  </p:clrMapOvr>
-  <p:timing>
-    <p:tnLst>
-      <p:par>
-        <p:cTn id="1" dur="indefinite" restart="never" nodeType="tmRoot"/>
-      </p:par>
-    </p:tnLst>
+    <p:bldLst>
+      <p:bldP spid="5" grpId="0" animBg="1"/>
+      <p:bldP spid="7" grpId="0" animBg="1"/>
+      <p:bldP spid="6" grpId="0" animBg="1"/>
+      <p:bldP spid="8" grpId="0" animBg="1"/>
+      <p:bldP spid="10" grpId="0" animBg="1"/>
+    </p:bldLst>
   </p:timing>
 </p:sld>
 </file>
@@ -9092,150 +10934,330 @@
             <p:ph type="title"/>
           </p:nvPr>
         </p:nvSpPr>
-        <p:spPr/>
-        <p:txBody>
-          <a:bodyPr/>
-          <a:lstStyle/>
-          <a:p>
-            <a:r>
-              <a:rPr lang="th-TH" b="1" dirty="0"/>
-              <a:t> ช่วงพัฒนาที่ 1</a:t>
-            </a:r>
-            <a:endParaRPr lang="th-TH" dirty="0"/>
-          </a:p>
-        </p:txBody>
-      </p:sp>
-      <p:sp>
-        <p:nvSpPr>
-          <p:cNvPr id="3" name="Content Placeholder 2"/>
-          <p:cNvSpPr>
-            <a:spLocks noGrp="1"/>
-          </p:cNvSpPr>
-          <p:nvPr>
-            <p:ph idx="1"/>
-          </p:nvPr>
-        </p:nvSpPr>
         <p:spPr>
           <a:xfrm>
-            <a:off x="457200" y="1797051"/>
-            <a:ext cx="8229600" cy="3067050"/>
+            <a:off x="539750" y="1022733"/>
+            <a:ext cx="7135402" cy="862834"/>
           </a:xfrm>
         </p:spPr>
         <p:txBody>
-          <a:bodyPr/>
-          <a:lstStyle/>
+          <a:bodyPr>
+            <a:normAutofit fontScale="90000"/>
+          </a:bodyPr>
+          <a:lstStyle/>
+          <a:p>
+            <a:r>
+              <a:rPr lang="th-TH" b="1" dirty="0">
+                <a:latin typeface="TH Sarabun New" pitchFamily="34" charset="-34"/>
+                <a:cs typeface="TH Sarabun New" pitchFamily="34" charset="-34"/>
+              </a:rPr>
+              <a:t>ช่วงเริ่มต้นการพัฒนา</a:t>
+            </a:r>
+            <a:r>
+              <a:rPr lang="th-TH" b="1" dirty="0" smtClean="0">
+                <a:latin typeface="TH Sarabun New" pitchFamily="34" charset="-34"/>
+                <a:cs typeface="TH Sarabun New" pitchFamily="34" charset="-34"/>
+              </a:rPr>
+              <a:t>ระบบ </a:t>
+            </a:r>
+            <a:r>
+              <a:rPr lang="en-US" b="1" dirty="0" smtClean="0">
+                <a:latin typeface="TH Sarabun New" pitchFamily="34" charset="-34"/>
+                <a:cs typeface="TH Sarabun New" pitchFamily="34" charset="-34"/>
+              </a:rPr>
+              <a:t/>
+            </a:r>
+            <a:br>
+              <a:rPr lang="en-US" b="1" dirty="0" smtClean="0">
+                <a:latin typeface="TH Sarabun New" pitchFamily="34" charset="-34"/>
+                <a:cs typeface="TH Sarabun New" pitchFamily="34" charset="-34"/>
+              </a:rPr>
+            </a:br>
+            <a:r>
+              <a:rPr lang="en-US" b="1" dirty="0" smtClean="0">
+                <a:latin typeface="TH Sarabun New" pitchFamily="34" charset="-34"/>
+                <a:cs typeface="TH Sarabun New" pitchFamily="34" charset="-34"/>
+              </a:rPr>
+              <a:t>(</a:t>
+            </a:r>
+            <a:r>
+              <a:rPr lang="en-US" b="1" dirty="0">
+                <a:latin typeface="TH Sarabun New" pitchFamily="34" charset="-34"/>
+                <a:cs typeface="TH Sarabun New" pitchFamily="34" charset="-34"/>
+              </a:rPr>
+              <a:t>Initiation Phase)</a:t>
+            </a:r>
+            <a:r>
+              <a:rPr lang="en-US" b="1" dirty="0">
+                <a:latin typeface="Cordia New (Body)"/>
+              </a:rPr>
+              <a:t/>
+            </a:r>
+            <a:br>
+              <a:rPr lang="en-US" b="1" dirty="0">
+                <a:latin typeface="Cordia New (Body)"/>
+              </a:rPr>
+            </a:br>
+            <a:endParaRPr lang="th-TH" b="1" dirty="0">
+              <a:latin typeface="Cordia New (Body)"/>
+            </a:endParaRPr>
+          </a:p>
+        </p:txBody>
+      </p:sp>
+      <p:sp>
+        <p:nvSpPr>
+          <p:cNvPr id="3" name="Content Placeholder 2"/>
+          <p:cNvSpPr>
+            <a:spLocks noGrp="1"/>
+          </p:cNvSpPr>
+          <p:nvPr>
+            <p:ph idx="1"/>
+          </p:nvPr>
+        </p:nvSpPr>
+        <p:spPr>
+          <a:xfrm>
+            <a:off x="616689" y="2445487"/>
+            <a:ext cx="8102008" cy="3009015"/>
+          </a:xfrm>
+        </p:spPr>
+        <p:txBody>
+          <a:bodyPr>
+            <a:noAutofit/>
+          </a:bodyPr>
+          <a:lstStyle/>
+          <a:p>
+            <a:pPr marL="914400" lvl="1" indent="-514350">
+              <a:buAutoNum type="arabicPeriod"/>
+            </a:pPr>
+            <a:r>
+              <a:rPr lang="th-TH" sz="3200" b="1" dirty="0" smtClean="0">
+                <a:solidFill>
+                  <a:schemeClr val="tx1"/>
+                </a:solidFill>
+                <a:latin typeface="TH Sarabun New" pitchFamily="34" charset="-34"/>
+                <a:cs typeface="TH Sarabun New" pitchFamily="34" charset="-34"/>
+              </a:rPr>
+              <a:t>เก็บ</a:t>
+            </a:r>
+            <a:r>
+              <a:rPr lang="th-TH" sz="3200" b="1" dirty="0">
+                <a:solidFill>
+                  <a:schemeClr val="tx1"/>
+                </a:solidFill>
+                <a:latin typeface="TH Sarabun New" pitchFamily="34" charset="-34"/>
+                <a:cs typeface="TH Sarabun New" pitchFamily="34" charset="-34"/>
+              </a:rPr>
+              <a:t>รวบรวมรายละเอียดความต้องการ </a:t>
+            </a:r>
+            <a:r>
+              <a:rPr lang="en-US" sz="3200" b="1" dirty="0">
+                <a:solidFill>
+                  <a:schemeClr val="tx1"/>
+                </a:solidFill>
+                <a:latin typeface="TH Sarabun New" pitchFamily="34" charset="-34"/>
+                <a:cs typeface="TH Sarabun New" pitchFamily="34" charset="-34"/>
+              </a:rPr>
+              <a:t>(Software </a:t>
+            </a:r>
+            <a:r>
+              <a:rPr lang="en-US" sz="3200" b="1" dirty="0" smtClean="0">
+                <a:solidFill>
+                  <a:schemeClr val="tx1"/>
+                </a:solidFill>
+                <a:latin typeface="TH Sarabun New" pitchFamily="34" charset="-34"/>
+                <a:cs typeface="TH Sarabun New" pitchFamily="34" charset="-34"/>
+              </a:rPr>
+              <a:t>Elicitation)</a:t>
+            </a:r>
+          </a:p>
+          <a:p>
+            <a:pPr marL="914400" lvl="1" indent="-514350">
+              <a:buAutoNum type="arabicPeriod"/>
+            </a:pPr>
+            <a:r>
+              <a:rPr lang="th-TH" sz="3200" b="1" dirty="0" smtClean="0">
+                <a:solidFill>
+                  <a:schemeClr val="tx1"/>
+                </a:solidFill>
+                <a:latin typeface="TH Sarabun New" pitchFamily="34" charset="-34"/>
+                <a:cs typeface="TH Sarabun New" pitchFamily="34" charset="-34"/>
+              </a:rPr>
+              <a:t>วิเคราะห์</a:t>
+            </a:r>
+            <a:r>
+              <a:rPr lang="th-TH" sz="3200" b="1" dirty="0">
+                <a:solidFill>
+                  <a:schemeClr val="tx1"/>
+                </a:solidFill>
+                <a:latin typeface="TH Sarabun New" pitchFamily="34" charset="-34"/>
+                <a:cs typeface="TH Sarabun New" pitchFamily="34" charset="-34"/>
+              </a:rPr>
+              <a:t>ปัญหาและความต้องการของระบบ</a:t>
+            </a:r>
+            <a:endParaRPr lang="en-US" sz="3200" b="1" dirty="0">
+              <a:solidFill>
+                <a:schemeClr val="tx1"/>
+              </a:solidFill>
+              <a:latin typeface="TH Sarabun New" pitchFamily="34" charset="-34"/>
+              <a:cs typeface="TH Sarabun New" pitchFamily="34" charset="-34"/>
+            </a:endParaRPr>
+          </a:p>
+          <a:p>
+            <a:pPr marL="857250" lvl="1" indent="-457200">
+              <a:buFont typeface="+mj-lt"/>
+              <a:buAutoNum type="arabicPeriod"/>
+            </a:pPr>
+            <a:r>
+              <a:rPr lang="th-TH" sz="3200" b="1" dirty="0">
+                <a:solidFill>
+                  <a:schemeClr val="tx1"/>
+                </a:solidFill>
+                <a:latin typeface="TH Sarabun New" pitchFamily="34" charset="-34"/>
+                <a:cs typeface="TH Sarabun New" pitchFamily="34" charset="-34"/>
+              </a:rPr>
+              <a:t>ศึกษาความเป็นไปได้ </a:t>
+            </a:r>
+            <a:r>
+              <a:rPr lang="en-US" sz="3200" b="1" dirty="0">
+                <a:solidFill>
+                  <a:schemeClr val="tx1"/>
+                </a:solidFill>
+                <a:latin typeface="TH Sarabun New" pitchFamily="34" charset="-34"/>
+                <a:cs typeface="TH Sarabun New" pitchFamily="34" charset="-34"/>
+              </a:rPr>
+              <a:t>(Feasibility Study)</a:t>
+            </a:r>
+          </a:p>
+          <a:p>
+            <a:pPr marL="857250" lvl="1" indent="-457200">
+              <a:buFont typeface="+mj-lt"/>
+              <a:buAutoNum type="arabicPeriod"/>
+            </a:pPr>
+            <a:r>
+              <a:rPr lang="th-TH" sz="3200" b="1" dirty="0">
+                <a:solidFill>
+                  <a:schemeClr val="tx1"/>
+                </a:solidFill>
+                <a:latin typeface="TH Sarabun New" pitchFamily="34" charset="-34"/>
+                <a:cs typeface="TH Sarabun New" pitchFamily="34" charset="-34"/>
+              </a:rPr>
+              <a:t>วางแผนงาน</a:t>
+            </a:r>
+            <a:endParaRPr lang="en-US" sz="3200" b="1" dirty="0">
+              <a:solidFill>
+                <a:schemeClr val="tx1"/>
+              </a:solidFill>
+              <a:latin typeface="TH Sarabun New" pitchFamily="34" charset="-34"/>
+              <a:cs typeface="TH Sarabun New" pitchFamily="34" charset="-34"/>
+            </a:endParaRPr>
+          </a:p>
+          <a:p>
+            <a:pPr marL="857250" lvl="1" indent="-457200">
+              <a:buFont typeface="+mj-lt"/>
+              <a:buAutoNum type="arabicPeriod"/>
+            </a:pPr>
+            <a:r>
+              <a:rPr lang="th-TH" sz="3200" b="1" dirty="0">
+                <a:solidFill>
+                  <a:schemeClr val="tx1"/>
+                </a:solidFill>
+                <a:latin typeface="TH Sarabun New" pitchFamily="34" charset="-34"/>
+                <a:cs typeface="TH Sarabun New" pitchFamily="34" charset="-34"/>
+              </a:rPr>
+              <a:t>จัดทำเอกสารข้อเสนอโครงการ</a:t>
+            </a:r>
+            <a:endParaRPr lang="en-US" sz="3200" b="1" dirty="0">
+              <a:solidFill>
+                <a:schemeClr val="tx1"/>
+              </a:solidFill>
+              <a:latin typeface="TH Sarabun New" pitchFamily="34" charset="-34"/>
+              <a:cs typeface="TH Sarabun New" pitchFamily="34" charset="-34"/>
+            </a:endParaRPr>
+          </a:p>
           <a:p>
             <a:pPr marL="0" indent="0">
               <a:buNone/>
             </a:pPr>
-            <a:r>
-              <a:rPr lang="th-TH" b="1" dirty="0" smtClean="0"/>
-              <a:t>สิ่งที่พัฒนา</a:t>
-            </a:r>
-          </a:p>
-          <a:p>
-            <a:pPr lvl="1" indent="-342900">
-              <a:buFont typeface="Arial" panose="020B0604020202020204" pitchFamily="34" charset="0"/>
-              <a:buChar char="•"/>
-            </a:pPr>
-            <a:r>
-              <a:rPr lang="th-TH" sz="2400" dirty="0" smtClean="0"/>
-              <a:t>พัฒนาระบบฐานข้อมูล</a:t>
-            </a:r>
-          </a:p>
-          <a:p>
-            <a:pPr lvl="1" indent="-342900">
-              <a:buFont typeface="Arial" panose="020B0604020202020204" pitchFamily="34" charset="0"/>
-              <a:buChar char="•"/>
-            </a:pPr>
-            <a:r>
-              <a:rPr lang="th-TH" sz="2400" dirty="0" smtClean="0"/>
-              <a:t>ระบบ</a:t>
-            </a:r>
-            <a:r>
-              <a:rPr lang="th-TH" sz="2400" dirty="0"/>
-              <a:t>ตรวจสอบสิทธิ์ผู้เข้าใช้</a:t>
-            </a:r>
-            <a:r>
-              <a:rPr lang="en-US" sz="2400" dirty="0"/>
-              <a:t> (User Authentication) </a:t>
-            </a:r>
-          </a:p>
-          <a:p>
-            <a:pPr marL="0" indent="0">
-              <a:buNone/>
-            </a:pPr>
-            <a:r>
-              <a:rPr lang="th-TH" b="1" dirty="0" smtClean="0"/>
-              <a:t>วิธีการเก็บ</a:t>
-            </a:r>
-            <a:r>
-              <a:rPr lang="th-TH" b="1" dirty="0"/>
-              <a:t>รายละเอียด</a:t>
-            </a:r>
-            <a:r>
-              <a:rPr lang="th-TH" b="1" dirty="0" smtClean="0"/>
-              <a:t>ความต้องการ</a:t>
-            </a:r>
-            <a:endParaRPr lang="en-US" b="1" dirty="0" smtClean="0"/>
-          </a:p>
-          <a:p>
-            <a:pPr lvl="1" indent="-342900">
-              <a:buFont typeface="Arial" panose="020B0604020202020204" pitchFamily="34" charset="0"/>
-              <a:buChar char="•"/>
-            </a:pPr>
-            <a:r>
-              <a:rPr lang="th-TH" sz="2400" dirty="0" smtClean="0"/>
-              <a:t>การ</a:t>
-            </a:r>
-            <a:r>
-              <a:rPr lang="th-TH" sz="2400" dirty="0"/>
-              <a:t>วิเคราะห์เอกสาร </a:t>
-            </a:r>
-            <a:r>
-              <a:rPr lang="en-US" sz="2400" dirty="0" smtClean="0"/>
-              <a:t>(Document </a:t>
-            </a:r>
-            <a:r>
-              <a:rPr lang="en-US" sz="2400" dirty="0"/>
-              <a:t>Analysis) </a:t>
-            </a:r>
-            <a:endParaRPr lang="th-TH" sz="2400" dirty="0"/>
-          </a:p>
-          <a:p>
-            <a:pPr lvl="1" indent="-342900">
-              <a:buFont typeface="Arial" panose="020B0604020202020204" pitchFamily="34" charset="0"/>
-              <a:buChar char="•"/>
-            </a:pPr>
-            <a:r>
-              <a:rPr lang="th-TH" sz="2400" dirty="0" smtClean="0"/>
-              <a:t>การ</a:t>
-            </a:r>
-            <a:r>
-              <a:rPr lang="th-TH" sz="2400" dirty="0"/>
-              <a:t>สัมภาษณ์ </a:t>
-            </a:r>
-            <a:r>
-              <a:rPr lang="en-US" sz="2400" dirty="0" smtClean="0"/>
-              <a:t>(Interview</a:t>
-            </a:r>
-            <a:r>
-              <a:rPr lang="en-US" sz="2400" dirty="0"/>
-              <a:t>) </a:t>
-            </a:r>
-          </a:p>
-          <a:p>
-            <a:pPr marL="0" indent="0">
-              <a:buNone/>
-            </a:pPr>
-            <a:endParaRPr lang="th-TH" b="1" dirty="0"/>
+            <a:endParaRPr lang="th-TH" sz="3600" b="1" dirty="0">
+              <a:latin typeface="Cordia New (Body)"/>
+            </a:endParaRPr>
+          </a:p>
+        </p:txBody>
+      </p:sp>
+      <p:sp>
+        <p:nvSpPr>
+          <p:cNvPr id="4" name="Date Placeholder 3"/>
+          <p:cNvSpPr>
+            <a:spLocks noGrp="1"/>
+          </p:cNvSpPr>
+          <p:nvPr>
+            <p:ph type="dt" sz="half" idx="10"/>
+          </p:nvPr>
+        </p:nvSpPr>
+        <p:spPr/>
+        <p:txBody>
+          <a:bodyPr/>
+          <a:lstStyle/>
+          <a:p>
+            <a:r>
+              <a:rPr lang="en-US" smtClean="0"/>
+              <a:t>26 September 2015</a:t>
+            </a:r>
+            <a:endParaRPr lang="en-US"/>
+          </a:p>
+        </p:txBody>
+      </p:sp>
+      <p:sp>
+        <p:nvSpPr>
+          <p:cNvPr id="5" name="Footer Placeholder 4"/>
+          <p:cNvSpPr>
+            <a:spLocks noGrp="1"/>
+          </p:cNvSpPr>
+          <p:nvPr>
+            <p:ph type="ftr" sz="quarter" idx="3"/>
+          </p:nvPr>
+        </p:nvSpPr>
+        <p:spPr/>
+        <p:txBody>
+          <a:bodyPr/>
+          <a:lstStyle/>
+          <a:p>
+            <a:r>
+              <a:rPr lang="th-TH" smtClean="0"/>
+              <a:t>ระบบบริหารจัดการศูนย์ออกกำลังกาย</a:t>
+            </a:r>
+            <a:endParaRPr lang="en-US" dirty="0"/>
+          </a:p>
+        </p:txBody>
+      </p:sp>
+      <p:sp>
+        <p:nvSpPr>
+          <p:cNvPr id="6" name="Slide Number Placeholder 5"/>
+          <p:cNvSpPr>
+            <a:spLocks noGrp="1"/>
+          </p:cNvSpPr>
+          <p:nvPr>
+            <p:ph type="sldNum" sz="quarter" idx="12"/>
+          </p:nvPr>
+        </p:nvSpPr>
+        <p:spPr/>
+        <p:txBody>
+          <a:bodyPr/>
+          <a:lstStyle/>
+          <a:p>
+            <a:fld id="{C200352D-4569-3E41-9599-1BD1EAE34D42}" type="slidenum">
+              <a:rPr lang="en-US" smtClean="0"/>
+              <a:pPr/>
+              <a:t>27</a:t>
+            </a:fld>
+            <a:endParaRPr lang="en-US"/>
           </a:p>
         </p:txBody>
       </p:sp>
     </p:spTree>
     <p:extLst>
       <p:ext uri="{BB962C8B-B14F-4D97-AF65-F5344CB8AC3E}">
-        <p14:creationId xmlns:p14="http://schemas.microsoft.com/office/powerpoint/2010/main" val="4051301583"/>
+        <p14:creationId xmlns:p14="http://schemas.microsoft.com/office/powerpoint/2010/main" val="1563906302"/>
       </p:ext>
     </p:extLst>
   </p:cSld>
@@ -9281,20 +11303,28 @@
         </p:nvSpPr>
         <p:spPr/>
         <p:txBody>
-          <a:bodyPr/>
-          <a:lstStyle/>
-          <a:p>
-            <a:r>
-              <a:rPr lang="th-TH" b="1" dirty="0"/>
-              <a:t> ช่วงพัฒนาที่ 2</a:t>
-            </a:r>
-            <a:endParaRPr lang="th-TH" dirty="0"/>
-          </a:p>
-        </p:txBody>
-      </p:sp>
-      <p:sp>
-        <p:nvSpPr>
-          <p:cNvPr id="3" name="Content Placeholder 2"/>
+          <a:bodyPr>
+            <a:normAutofit/>
+          </a:bodyPr>
+          <a:lstStyle/>
+          <a:p>
+            <a:r>
+              <a:rPr lang="th-TH" sz="4000" b="1" dirty="0">
+                <a:latin typeface="TH Sarabun New" pitchFamily="34" charset="-34"/>
+                <a:cs typeface="TH Sarabun New" pitchFamily="34" charset="-34"/>
+              </a:rPr>
+              <a:t> ช่วงพัฒนาที่ 1</a:t>
+            </a:r>
+            <a:endParaRPr lang="th-TH" sz="4000" dirty="0">
+              <a:latin typeface="TH Sarabun New" pitchFamily="34" charset="-34"/>
+              <a:cs typeface="TH Sarabun New" pitchFamily="34" charset="-34"/>
+            </a:endParaRPr>
+          </a:p>
+        </p:txBody>
+      </p:sp>
+      <p:sp>
+        <p:nvSpPr>
+          <p:cNvPr id="8" name="Content Placeholder 2"/>
           <p:cNvSpPr>
             <a:spLocks noGrp="1"/>
           </p:cNvSpPr>
@@ -9302,99 +11332,235 @@
             <p:ph idx="1"/>
           </p:nvPr>
         </p:nvSpPr>
-        <p:spPr/>
-        <p:txBody>
-          <a:bodyPr/>
-          <a:lstStyle/>
-          <a:p>
-            <a:pPr marL="0" indent="0">
+        <p:spPr>
+          <a:xfrm>
+            <a:off x="2785730" y="1919190"/>
+            <a:ext cx="5901070" cy="3896833"/>
+          </a:xfrm>
+        </p:spPr>
+        <p:txBody>
+          <a:bodyPr>
+            <a:noAutofit/>
+          </a:bodyPr>
+          <a:lstStyle/>
+          <a:p>
+            <a:pPr>
               <a:buNone/>
             </a:pPr>
             <a:r>
-              <a:rPr lang="th-TH" b="1" dirty="0" smtClean="0"/>
+              <a:rPr lang="th-TH" sz="2800" b="1" dirty="0" smtClean="0">
+                <a:latin typeface="TH Sarabun New" pitchFamily="34" charset="-34"/>
+                <a:cs typeface="TH Sarabun New" pitchFamily="34" charset="-34"/>
+              </a:rPr>
               <a:t>สิ่งที่พัฒนา</a:t>
             </a:r>
           </a:p>
           <a:p>
-            <a:pPr lvl="1" indent="-342900">
-              <a:buFont typeface="Arial" panose="020B0604020202020204" pitchFamily="34" charset="0"/>
-              <a:buChar char="•"/>
+            <a:pPr marL="622300" lvl="1" indent="-444500">
+              <a:buFont typeface="Wingdings" pitchFamily="2" charset="2"/>
+              <a:buChar char="v"/>
+              <a:tabLst>
+                <a:tab pos="622300" algn="l"/>
+              </a:tabLst>
             </a:pPr>
             <a:r>
-              <a:rPr lang="th-TH" sz="2400" dirty="0"/>
-              <a:t>พัฒนา</a:t>
-            </a:r>
-            <a:r>
-              <a:rPr lang="th-TH" sz="2400" dirty="0" smtClean="0"/>
-              <a:t>ระบบ</a:t>
-            </a:r>
-            <a:r>
-              <a:rPr lang="th-TH" sz="2400" dirty="0"/>
-              <a:t>ระบบจัดการ</a:t>
-            </a:r>
-            <a:r>
-              <a:rPr lang="th-TH" sz="2400" dirty="0" smtClean="0"/>
-              <a:t>สมาชิก</a:t>
-            </a:r>
-          </a:p>
-          <a:p>
-            <a:pPr lvl="1" indent="-342900">
-              <a:buFont typeface="Arial" panose="020B0604020202020204" pitchFamily="34" charset="0"/>
-              <a:buChar char="•"/>
+              <a:rPr lang="th-TH" dirty="0" smtClean="0">
+                <a:latin typeface="TH Sarabun New" pitchFamily="34" charset="-34"/>
+                <a:cs typeface="TH Sarabun New" pitchFamily="34" charset="-34"/>
+              </a:rPr>
+              <a:t>พัฒนาระบบฐานข้อมูล</a:t>
+            </a:r>
+          </a:p>
+          <a:p>
+            <a:pPr marL="622300" lvl="1" indent="-444500">
+              <a:buFont typeface="Wingdings" pitchFamily="2" charset="2"/>
+              <a:buChar char="v"/>
+              <a:tabLst>
+                <a:tab pos="622300" algn="l"/>
+              </a:tabLst>
             </a:pPr>
             <a:r>
-              <a:rPr lang="th-TH" sz="2400" dirty="0" smtClean="0"/>
-              <a:t>ระบบ</a:t>
-            </a:r>
-            <a:r>
-              <a:rPr lang="th-TH" sz="2400" dirty="0"/>
-              <a:t>จัดการคลังสินค้า </a:t>
-            </a:r>
-            <a:endParaRPr lang="th-TH" sz="2400" dirty="0" smtClean="0"/>
-          </a:p>
-          <a:p>
-            <a:pPr marL="0" indent="0">
+              <a:rPr lang="th-TH" dirty="0" smtClean="0">
+                <a:latin typeface="TH Sarabun New" pitchFamily="34" charset="-34"/>
+                <a:cs typeface="TH Sarabun New" pitchFamily="34" charset="-34"/>
+              </a:rPr>
+              <a:t>ระบบตรวจสอบสิทธิ์ผู้เข้าใช้</a:t>
+            </a:r>
+            <a:r>
+              <a:rPr lang="en-US" dirty="0" smtClean="0">
+                <a:latin typeface="TH Sarabun New" pitchFamily="34" charset="-34"/>
+                <a:cs typeface="TH Sarabun New" pitchFamily="34" charset="-34"/>
+              </a:rPr>
+              <a:t> (User Authentication)</a:t>
+            </a:r>
+          </a:p>
+          <a:p>
+            <a:pPr marL="622300" lvl="1" indent="-444500">
+              <a:buNone/>
+              <a:tabLst>
+                <a:tab pos="622300" algn="l"/>
+              </a:tabLst>
+            </a:pPr>
+            <a:endParaRPr lang="en-US" dirty="0" smtClean="0">
+              <a:latin typeface="TH Sarabun New" pitchFamily="34" charset="-34"/>
+              <a:cs typeface="TH Sarabun New" pitchFamily="34" charset="-34"/>
+            </a:endParaRPr>
+          </a:p>
+          <a:p>
+            <a:pPr>
               <a:buNone/>
             </a:pPr>
             <a:r>
-              <a:rPr lang="th-TH" b="1" dirty="0" smtClean="0"/>
-              <a:t>วิธีการ</a:t>
-            </a:r>
-            <a:r>
-              <a:rPr lang="th-TH" b="1" dirty="0"/>
-              <a:t>เก็บรายละเอียดความต้องการ</a:t>
-            </a:r>
-          </a:p>
-          <a:p>
-            <a:pPr lvl="1" indent="-342900">
-              <a:buFont typeface="Arial" panose="020B0604020202020204" pitchFamily="34" charset="0"/>
-              <a:buChar char="•"/>
+              <a:rPr lang="th-TH" sz="2800" b="1" dirty="0" smtClean="0">
+                <a:latin typeface="TH Sarabun New" pitchFamily="34" charset="-34"/>
+                <a:cs typeface="TH Sarabun New" pitchFamily="34" charset="-34"/>
+              </a:rPr>
+              <a:t>วิธีการเก็บรายละเอียดความต้องการ</a:t>
+            </a:r>
+            <a:endParaRPr lang="en-US" sz="2800" b="1" dirty="0" smtClean="0">
+              <a:latin typeface="TH Sarabun New" pitchFamily="34" charset="-34"/>
+              <a:cs typeface="TH Sarabun New" pitchFamily="34" charset="-34"/>
+            </a:endParaRPr>
+          </a:p>
+          <a:p>
+            <a:pPr marL="622300" lvl="1" indent="-444500">
+              <a:buFont typeface="Wingdings" pitchFamily="2" charset="2"/>
+              <a:buChar char="v"/>
             </a:pPr>
             <a:r>
-              <a:rPr lang="th-TH" sz="2400" dirty="0" smtClean="0"/>
-              <a:t>การ</a:t>
-            </a:r>
-            <a:r>
-              <a:rPr lang="th-TH" sz="2400" dirty="0"/>
-              <a:t>สัมภาษณ์ (</a:t>
-            </a:r>
-            <a:r>
-              <a:rPr lang="en-US" sz="2400" dirty="0"/>
-              <a:t>Interview) </a:t>
-            </a:r>
-          </a:p>
-          <a:p>
-            <a:pPr marL="0" indent="0">
-              <a:buNone/>
+              <a:rPr lang="th-TH" dirty="0" smtClean="0">
+                <a:latin typeface="TH Sarabun New" pitchFamily="34" charset="-34"/>
+                <a:cs typeface="TH Sarabun New" pitchFamily="34" charset="-34"/>
+              </a:rPr>
+              <a:t>การวิเคราะห์เอกสาร </a:t>
+            </a:r>
+            <a:r>
+              <a:rPr lang="en-US" dirty="0" smtClean="0">
+                <a:latin typeface="TH Sarabun New" pitchFamily="34" charset="-34"/>
+                <a:cs typeface="TH Sarabun New" pitchFamily="34" charset="-34"/>
+              </a:rPr>
+              <a:t>(Document Analysis) </a:t>
+            </a:r>
+            <a:endParaRPr lang="th-TH" dirty="0" smtClean="0">
+              <a:latin typeface="TH Sarabun New" pitchFamily="34" charset="-34"/>
+              <a:cs typeface="TH Sarabun New" pitchFamily="34" charset="-34"/>
+            </a:endParaRPr>
+          </a:p>
+          <a:p>
+            <a:pPr marL="622300" lvl="1" indent="-444500">
+              <a:buFont typeface="Wingdings" pitchFamily="2" charset="2"/>
+              <a:buChar char="v"/>
             </a:pPr>
-            <a:endParaRPr lang="th-TH" b="1" dirty="0"/>
+            <a:r>
+              <a:rPr lang="th-TH" dirty="0" smtClean="0">
+                <a:latin typeface="TH Sarabun New" pitchFamily="34" charset="-34"/>
+                <a:cs typeface="TH Sarabun New" pitchFamily="34" charset="-34"/>
+              </a:rPr>
+              <a:t>การสัมภาษณ์ </a:t>
+            </a:r>
+            <a:r>
+              <a:rPr lang="en-US" dirty="0" smtClean="0">
+                <a:latin typeface="TH Sarabun New" pitchFamily="34" charset="-34"/>
+                <a:cs typeface="TH Sarabun New" pitchFamily="34" charset="-34"/>
+              </a:rPr>
+              <a:t>(Interview) </a:t>
+            </a:r>
+          </a:p>
+          <a:p>
+            <a:pPr marL="723900" lvl="1" indent="-546100">
+              <a:buFont typeface="Wingdings" pitchFamily="2" charset="2"/>
+              <a:buChar char="v"/>
+            </a:pPr>
+            <a:endParaRPr lang="en-US" dirty="0" smtClean="0">
+              <a:latin typeface="TH Sarabun New" pitchFamily="34" charset="-34"/>
+              <a:cs typeface="TH Sarabun New" pitchFamily="34" charset="-34"/>
+            </a:endParaRPr>
+          </a:p>
+          <a:p>
+            <a:pPr marL="457200" indent="-457200">
+              <a:buAutoNum type="arabicPeriod" startAt="5"/>
+            </a:pPr>
+            <a:endParaRPr lang="th-TH" sz="2800" b="1" dirty="0">
+              <a:latin typeface="TH Sarabun New" pitchFamily="34" charset="-34"/>
+              <a:cs typeface="TH Sarabun New" pitchFamily="34" charset="-34"/>
+            </a:endParaRPr>
+          </a:p>
+        </p:txBody>
+      </p:sp>
+      <p:sp>
+        <p:nvSpPr>
+          <p:cNvPr id="3" name="Date Placeholder 2"/>
+          <p:cNvSpPr>
+            <a:spLocks noGrp="1"/>
+          </p:cNvSpPr>
+          <p:nvPr>
+            <p:ph type="dt" sz="half" idx="10"/>
+          </p:nvPr>
+        </p:nvSpPr>
+        <p:spPr/>
+        <p:txBody>
+          <a:bodyPr/>
+          <a:lstStyle/>
+          <a:p>
+            <a:r>
+              <a:rPr lang="en-US" smtClean="0"/>
+              <a:t>26 September 2015</a:t>
+            </a:r>
+            <a:endParaRPr lang="en-US"/>
+          </a:p>
+        </p:txBody>
+      </p:sp>
+      <p:sp>
+        <p:nvSpPr>
+          <p:cNvPr id="4" name="Footer Placeholder 3"/>
+          <p:cNvSpPr>
+            <a:spLocks noGrp="1"/>
+          </p:cNvSpPr>
+          <p:nvPr>
+            <p:ph type="ftr" sz="quarter" idx="3"/>
+          </p:nvPr>
+        </p:nvSpPr>
+        <p:spPr/>
+        <p:txBody>
+          <a:bodyPr/>
+          <a:lstStyle/>
+          <a:p>
+            <a:r>
+              <a:rPr lang="th-TH" smtClean="0"/>
+              <a:t>ระบบบริหารจัดการศูนย์ออกกำลังกาย</a:t>
+            </a:r>
+            <a:endParaRPr lang="en-US" dirty="0"/>
+          </a:p>
+        </p:txBody>
+      </p:sp>
+      <p:sp>
+        <p:nvSpPr>
+          <p:cNvPr id="5" name="Slide Number Placeholder 4"/>
+          <p:cNvSpPr>
+            <a:spLocks noGrp="1"/>
+          </p:cNvSpPr>
+          <p:nvPr>
+            <p:ph type="sldNum" sz="quarter" idx="12"/>
+          </p:nvPr>
+        </p:nvSpPr>
+        <p:spPr/>
+        <p:txBody>
+          <a:bodyPr/>
+          <a:lstStyle/>
+          <a:p>
+            <a:fld id="{C200352D-4569-3E41-9599-1BD1EAE34D42}" type="slidenum">
+              <a:rPr lang="en-US" smtClean="0"/>
+              <a:pPr/>
+              <a:t>28</a:t>
+            </a:fld>
+            <a:endParaRPr lang="en-US"/>
           </a:p>
         </p:txBody>
       </p:sp>
     </p:spTree>
     <p:extLst>
       <p:ext uri="{BB962C8B-B14F-4D97-AF65-F5344CB8AC3E}">
-        <p14:creationId xmlns:p14="http://schemas.microsoft.com/office/powerpoint/2010/main" val="395310540"/>
+        <p14:creationId xmlns:p14="http://schemas.microsoft.com/office/powerpoint/2010/main" val="4011250145"/>
       </p:ext>
     </p:extLst>
   </p:cSld>
@@ -9446,20 +11612,29 @@
           <a:lstStyle/>
           <a:p>
             <a:r>
-              <a:rPr lang="th-TH" b="1" dirty="0"/>
-              <a:t>ช่วงพัฒนาที่ </a:t>
-            </a:r>
-            <a:r>
-              <a:rPr lang="th-TH" b="1" dirty="0" smtClean="0"/>
-              <a:t>3</a:t>
-            </a:r>
-            <a:endParaRPr lang="th-TH" dirty="0"/>
-          </a:p>
-        </p:txBody>
-      </p:sp>
-      <p:sp>
-        <p:nvSpPr>
-          <p:cNvPr id="3" name="Content Placeholder 2"/>
+              <a:rPr lang="th-TH" sz="4000" b="1" dirty="0">
+                <a:latin typeface="TH Sarabun New" pitchFamily="34" charset="-34"/>
+                <a:cs typeface="TH Sarabun New" pitchFamily="34" charset="-34"/>
+              </a:rPr>
+              <a:t> ช่วงพัฒนาที่ </a:t>
+            </a:r>
+            <a:r>
+              <a:rPr lang="th-TH" sz="4000" b="1" dirty="0" smtClean="0">
+                <a:latin typeface="TH Sarabun New" pitchFamily="34" charset="-34"/>
+                <a:cs typeface="TH Sarabun New" pitchFamily="34" charset="-34"/>
+              </a:rPr>
+              <a:t>2</a:t>
+            </a:r>
+            <a:endParaRPr lang="th-TH" sz="4000" dirty="0">
+              <a:latin typeface="TH Sarabun New" pitchFamily="34" charset="-34"/>
+              <a:cs typeface="TH Sarabun New" pitchFamily="34" charset="-34"/>
+            </a:endParaRPr>
+          </a:p>
+        </p:txBody>
+      </p:sp>
+      <p:sp>
+        <p:nvSpPr>
+          <p:cNvPr id="5" name="Content Placeholder 2"/>
           <p:cNvSpPr>
             <a:spLocks noGrp="1"/>
           </p:cNvSpPr>
@@ -9467,118 +11642,188 @@
             <p:ph idx="1"/>
           </p:nvPr>
         </p:nvSpPr>
-        <p:spPr/>
-        <p:txBody>
-          <a:bodyPr/>
-          <a:lstStyle/>
-          <a:p>
-            <a:pPr marL="0" indent="0">
+        <p:spPr>
+          <a:xfrm>
+            <a:off x="3012558" y="1972340"/>
+            <a:ext cx="5486400" cy="4525963"/>
+          </a:xfrm>
+        </p:spPr>
+        <p:txBody>
+          <a:bodyPr>
+            <a:noAutofit/>
+          </a:bodyPr>
+          <a:lstStyle/>
+          <a:p>
+            <a:pPr>
               <a:buNone/>
             </a:pPr>
             <a:r>
-              <a:rPr lang="th-TH" b="1" dirty="0" smtClean="0"/>
+              <a:rPr lang="th-TH" sz="2800" b="1" dirty="0" smtClean="0">
+                <a:latin typeface="TH Sarabun New" pitchFamily="34" charset="-34"/>
+                <a:cs typeface="TH Sarabun New" pitchFamily="34" charset="-34"/>
+              </a:rPr>
               <a:t>สิ่งที่พัฒนา</a:t>
             </a:r>
           </a:p>
           <a:p>
-            <a:pPr marL="857250" lvl="1" indent="-457200">
-              <a:buFont typeface="Arial" panose="020B0604020202020204" pitchFamily="34" charset="0"/>
-              <a:buChar char="•"/>
+            <a:pPr marL="622300" lvl="1" indent="-444500">
+              <a:buFont typeface="Wingdings" pitchFamily="2" charset="2"/>
+              <a:buChar char="v"/>
             </a:pPr>
             <a:r>
-              <a:rPr lang="th-TH" sz="2400" dirty="0"/>
-              <a:t>พัฒนาระบบจัดการชั้นเรียนและระบบประเมินเป้าหมาย</a:t>
-            </a:r>
-            <a:r>
-              <a:rPr lang="th-TH" sz="2400" dirty="0" smtClean="0"/>
-              <a:t>ยอดขาย</a:t>
-            </a:r>
-          </a:p>
-          <a:p>
-            <a:pPr marL="857250" lvl="1" indent="-457200">
-              <a:buFont typeface="Arial" panose="020B0604020202020204" pitchFamily="34" charset="0"/>
-              <a:buChar char="•"/>
+              <a:rPr lang="th-TH" dirty="0" smtClean="0">
+                <a:latin typeface="TH Sarabun New" pitchFamily="34" charset="-34"/>
+                <a:cs typeface="TH Sarabun New" pitchFamily="34" charset="-34"/>
+              </a:rPr>
+              <a:t>พัฒนาระบบระบบจัดการสมาชิก</a:t>
+            </a:r>
+          </a:p>
+          <a:p>
+            <a:pPr marL="622300" lvl="1" indent="-444500">
+              <a:buFont typeface="Wingdings" pitchFamily="2" charset="2"/>
+              <a:buChar char="v"/>
             </a:pPr>
             <a:r>
-              <a:rPr lang="th-TH" sz="2400" dirty="0" smtClean="0"/>
-              <a:t>วิธีการ</a:t>
-            </a:r>
-            <a:r>
-              <a:rPr lang="th-TH" sz="2400" dirty="0"/>
-              <a:t>เก็บรายละเอียดความ</a:t>
-            </a:r>
-            <a:r>
-              <a:rPr lang="th-TH" sz="2400" dirty="0" smtClean="0"/>
-              <a:t>ต้องการ</a:t>
-            </a:r>
-          </a:p>
-          <a:p>
-            <a:pPr marL="0" indent="0">
+              <a:rPr lang="th-TH" dirty="0" smtClean="0">
+                <a:latin typeface="TH Sarabun New" pitchFamily="34" charset="-34"/>
+                <a:cs typeface="TH Sarabun New" pitchFamily="34" charset="-34"/>
+              </a:rPr>
+              <a:t>ระบบจัดการคลังสินค้า </a:t>
+            </a:r>
+          </a:p>
+          <a:p>
+            <a:pPr lvl="1" indent="-342900">
               <a:buNone/>
             </a:pPr>
             <a:r>
-              <a:rPr lang="th-TH" b="1" dirty="0" smtClean="0"/>
-              <a:t>วิธีการเก็บรายละเอียดความต้องการ</a:t>
-            </a:r>
-            <a:endParaRPr lang="th-TH" b="1" dirty="0"/>
-          </a:p>
-          <a:p>
-            <a:pPr lvl="1" indent="-342900">
-              <a:buFont typeface="Arial" panose="020B0604020202020204" pitchFamily="34" charset="0"/>
-              <a:buChar char="•"/>
-            </a:pPr>
-            <a:r>
-              <a:rPr lang="th-TH" sz="2400" dirty="0" smtClean="0"/>
-              <a:t>การ</a:t>
-            </a:r>
-            <a:r>
-              <a:rPr lang="th-TH" sz="2400" dirty="0"/>
-              <a:t>สัมภาษณ์ </a:t>
-            </a:r>
-            <a:r>
-              <a:rPr lang="en-US" sz="2400" dirty="0" smtClean="0"/>
-              <a:t>(Interview</a:t>
-            </a:r>
-            <a:r>
-              <a:rPr lang="en-US" sz="2400" dirty="0"/>
-              <a:t>) </a:t>
-            </a:r>
-            <a:endParaRPr lang="th-TH" sz="2400" dirty="0"/>
-          </a:p>
-          <a:p>
-            <a:pPr lvl="1" indent="-342900">
-              <a:buFont typeface="Arial" panose="020B0604020202020204" pitchFamily="34" charset="0"/>
-              <a:buChar char="•"/>
-            </a:pPr>
-            <a:r>
-              <a:rPr lang="th-TH" sz="2400" dirty="0" smtClean="0"/>
-              <a:t>การ</a:t>
-            </a:r>
-            <a:r>
-              <a:rPr lang="th-TH" sz="2400" dirty="0"/>
-              <a:t>สังเกตการณ์ </a:t>
-            </a:r>
-            <a:r>
-              <a:rPr lang="en-US" sz="2400" dirty="0" smtClean="0"/>
-              <a:t>(Observation</a:t>
-            </a:r>
-            <a:r>
-              <a:rPr lang="en-US" sz="2400" dirty="0"/>
-              <a:t>) </a:t>
-            </a:r>
-          </a:p>
-          <a:p>
-            <a:pPr marL="0" indent="0">
+              <a:rPr lang="en-US" dirty="0" smtClean="0">
+                <a:latin typeface="TH Sarabun New" pitchFamily="34" charset="-34"/>
+                <a:cs typeface="TH Sarabun New" pitchFamily="34" charset="-34"/>
+              </a:rPr>
+              <a:t> </a:t>
+            </a:r>
+          </a:p>
+          <a:p>
+            <a:pPr>
               <a:buNone/>
             </a:pPr>
-            <a:endParaRPr lang="th-TH" b="1" dirty="0"/>
+            <a:r>
+              <a:rPr lang="th-TH" sz="2800" b="1" dirty="0" smtClean="0">
+                <a:latin typeface="TH Sarabun New" pitchFamily="34" charset="-34"/>
+                <a:cs typeface="TH Sarabun New" pitchFamily="34" charset="-34"/>
+              </a:rPr>
+              <a:t>วิธีการเก็บรายละเอียดความต้องการ</a:t>
+            </a:r>
+            <a:endParaRPr lang="en-US" sz="2800" b="1" dirty="0" smtClean="0">
+              <a:latin typeface="TH Sarabun New" pitchFamily="34" charset="-34"/>
+              <a:cs typeface="TH Sarabun New" pitchFamily="34" charset="-34"/>
+            </a:endParaRPr>
+          </a:p>
+          <a:p>
+            <a:pPr marL="622300" lvl="1" indent="-444500">
+              <a:buFont typeface="Wingdings" pitchFamily="2" charset="2"/>
+              <a:buChar char="v"/>
+            </a:pPr>
+            <a:r>
+              <a:rPr lang="th-TH" dirty="0" smtClean="0">
+                <a:latin typeface="TH Sarabun New" pitchFamily="34" charset="-34"/>
+                <a:cs typeface="TH Sarabun New" pitchFamily="34" charset="-34"/>
+              </a:rPr>
+              <a:t>การสัมภาษณ์ (</a:t>
+            </a:r>
+            <a:r>
+              <a:rPr lang="en-US" dirty="0" smtClean="0">
+                <a:latin typeface="TH Sarabun New" pitchFamily="34" charset="-34"/>
+                <a:cs typeface="TH Sarabun New" pitchFamily="34" charset="-34"/>
+              </a:rPr>
+              <a:t>Interview) </a:t>
+            </a:r>
+          </a:p>
+          <a:p>
+            <a:pPr marL="457200" indent="-457200">
+              <a:buAutoNum type="arabicPeriod" startAt="5"/>
+            </a:pPr>
+            <a:endParaRPr lang="th-TH" sz="2800" b="1" dirty="0">
+              <a:latin typeface="TH Sarabun New" pitchFamily="34" charset="-34"/>
+              <a:cs typeface="TH Sarabun New" pitchFamily="34" charset="-34"/>
+            </a:endParaRPr>
+          </a:p>
+        </p:txBody>
+      </p:sp>
+      <p:sp>
+        <p:nvSpPr>
+          <p:cNvPr id="3" name="Date Placeholder 2"/>
+          <p:cNvSpPr>
+            <a:spLocks noGrp="1"/>
+          </p:cNvSpPr>
+          <p:nvPr>
+            <p:ph type="dt" sz="half" idx="10"/>
+          </p:nvPr>
+        </p:nvSpPr>
+        <p:spPr/>
+        <p:txBody>
+          <a:bodyPr/>
+          <a:lstStyle/>
+          <a:p>
+            <a:r>
+              <a:rPr lang="en-US" smtClean="0"/>
+              <a:t>26 September 2015</a:t>
+            </a:r>
+            <a:endParaRPr lang="en-US"/>
+          </a:p>
+        </p:txBody>
+      </p:sp>
+      <p:sp>
+        <p:nvSpPr>
+          <p:cNvPr id="4" name="Footer Placeholder 3"/>
+          <p:cNvSpPr>
+            <a:spLocks noGrp="1"/>
+          </p:cNvSpPr>
+          <p:nvPr>
+            <p:ph type="ftr" sz="quarter" idx="3"/>
+          </p:nvPr>
+        </p:nvSpPr>
+        <p:spPr/>
+        <p:txBody>
+          <a:bodyPr/>
+          <a:lstStyle/>
+          <a:p>
+            <a:r>
+              <a:rPr lang="th-TH" smtClean="0"/>
+              <a:t>ระบบบริหารจัดการศูนย์ออกกำลังกาย</a:t>
+            </a:r>
+            <a:endParaRPr lang="en-US" dirty="0"/>
+          </a:p>
+        </p:txBody>
+      </p:sp>
+      <p:sp>
+        <p:nvSpPr>
+          <p:cNvPr id="6" name="Slide Number Placeholder 5"/>
+          <p:cNvSpPr>
+            <a:spLocks noGrp="1"/>
+          </p:cNvSpPr>
+          <p:nvPr>
+            <p:ph type="sldNum" sz="quarter" idx="12"/>
+          </p:nvPr>
+        </p:nvSpPr>
+        <p:spPr/>
+        <p:txBody>
+          <a:bodyPr/>
+          <a:lstStyle/>
+          <a:p>
+            <a:fld id="{C200352D-4569-3E41-9599-1BD1EAE34D42}" type="slidenum">
+              <a:rPr lang="en-US" smtClean="0"/>
+              <a:pPr/>
+              <a:t>29</a:t>
+            </a:fld>
+            <a:endParaRPr lang="en-US"/>
           </a:p>
         </p:txBody>
       </p:sp>
     </p:spTree>
     <p:extLst>
       <p:ext uri="{BB962C8B-B14F-4D97-AF65-F5344CB8AC3E}">
-        <p14:creationId xmlns:p14="http://schemas.microsoft.com/office/powerpoint/2010/main" val="596100055"/>
+        <p14:creationId xmlns:p14="http://schemas.microsoft.com/office/powerpoint/2010/main" val="3245392236"/>
       </p:ext>
     </p:extLst>
   </p:cSld>
@@ -9653,13 +11898,18 @@
             <p:ph idx="1"/>
           </p:nvPr>
         </p:nvSpPr>
-        <p:spPr/>
+        <p:spPr>
+          <a:xfrm>
+            <a:off x="457200" y="1600200"/>
+            <a:ext cx="8229600" cy="3631019"/>
+          </a:xfrm>
+        </p:spPr>
         <p:txBody>
           <a:bodyPr/>
           <a:lstStyle/>
           <a:p>
             <a:r>
-              <a:rPr lang="th-TH" dirty="0" smtClean="0">
+              <a:rPr lang="th-TH" b="1" dirty="0" smtClean="0">
                 <a:latin typeface="TH Sarabun New" pitchFamily="34" charset="-34"/>
                 <a:cs typeface="TH Sarabun New" pitchFamily="34" charset="-34"/>
               </a:rPr>
@@ -9668,7 +11918,7 @@
           </a:p>
           <a:p>
             <a:r>
-              <a:rPr lang="th-TH" dirty="0" smtClean="0">
+              <a:rPr lang="th-TH" b="1" dirty="0" smtClean="0">
                 <a:latin typeface="TH Sarabun New" pitchFamily="34" charset="-34"/>
                 <a:cs typeface="TH Sarabun New" pitchFamily="34" charset="-34"/>
               </a:rPr>
@@ -9677,7 +11927,7 @@
           </a:p>
           <a:p>
             <a:r>
-              <a:rPr lang="th-TH" dirty="0" smtClean="0">
+              <a:rPr lang="th-TH" b="1" dirty="0" smtClean="0">
                 <a:latin typeface="TH Sarabun New" pitchFamily="34" charset="-34"/>
                 <a:cs typeface="TH Sarabun New" pitchFamily="34" charset="-34"/>
               </a:rPr>
@@ -9686,7 +11936,7 @@
           </a:p>
           <a:p>
             <a:r>
-              <a:rPr lang="th-TH" dirty="0" smtClean="0">
+              <a:rPr lang="th-TH" b="1" dirty="0" smtClean="0">
                 <a:latin typeface="TH Sarabun New" pitchFamily="34" charset="-34"/>
                 <a:cs typeface="TH Sarabun New" pitchFamily="34" charset="-34"/>
               </a:rPr>
@@ -9695,7 +11945,7 @@
           </a:p>
           <a:p>
             <a:r>
-              <a:rPr lang="th-TH" dirty="0" smtClean="0">
+              <a:rPr lang="th-TH" b="1" dirty="0" smtClean="0">
                 <a:latin typeface="TH Sarabun New" pitchFamily="34" charset="-34"/>
                 <a:cs typeface="TH Sarabun New" pitchFamily="34" charset="-34"/>
               </a:rPr>
@@ -9704,16 +11954,86 @@
           </a:p>
           <a:p>
             <a:r>
-              <a:rPr lang="th-TH" dirty="0" smtClean="0">
+              <a:rPr lang="th-TH" b="1" dirty="0" smtClean="0">
                 <a:latin typeface="TH Sarabun New" pitchFamily="34" charset="-34"/>
                 <a:cs typeface="TH Sarabun New" pitchFamily="34" charset="-34"/>
               </a:rPr>
               <a:t>แผนการพัฒนาระบบใหม่</a:t>
             </a:r>
-            <a:endParaRPr lang="en-US" dirty="0">
+            <a:endParaRPr lang="en-US" b="1" dirty="0">
               <a:latin typeface="TH Sarabun New" pitchFamily="34" charset="-34"/>
               <a:cs typeface="TH Sarabun New" pitchFamily="34" charset="-34"/>
             </a:endParaRPr>
+          </a:p>
+        </p:txBody>
+      </p:sp>
+      <p:sp>
+        <p:nvSpPr>
+          <p:cNvPr id="4" name="Date Placeholder 3"/>
+          <p:cNvSpPr>
+            <a:spLocks noGrp="1"/>
+          </p:cNvSpPr>
+          <p:nvPr>
+            <p:ph type="dt" sz="half" idx="10"/>
+          </p:nvPr>
+        </p:nvSpPr>
+        <p:spPr/>
+        <p:txBody>
+          <a:bodyPr/>
+          <a:lstStyle/>
+          <a:p>
+            <a:r>
+              <a:rPr lang="en-US" smtClean="0"/>
+              <a:t>26 September 2015</a:t>
+            </a:r>
+            <a:endParaRPr lang="en-US"/>
+          </a:p>
+        </p:txBody>
+      </p:sp>
+      <p:sp>
+        <p:nvSpPr>
+          <p:cNvPr id="5" name="Footer Placeholder 4"/>
+          <p:cNvSpPr>
+            <a:spLocks noGrp="1"/>
+          </p:cNvSpPr>
+          <p:nvPr>
+            <p:ph type="ftr" sz="quarter" idx="3"/>
+          </p:nvPr>
+        </p:nvSpPr>
+        <p:spPr/>
+        <p:txBody>
+          <a:bodyPr/>
+          <a:lstStyle/>
+          <a:p>
+            <a:r>
+              <a:rPr lang="th-TH" smtClean="0"/>
+              <a:t>ระบบบริหารจัดการศูนย์ออกกำลังกาย</a:t>
+            </a:r>
+            <a:endParaRPr lang="en-US" dirty="0"/>
+          </a:p>
+        </p:txBody>
+      </p:sp>
+      <p:sp>
+        <p:nvSpPr>
+          <p:cNvPr id="6" name="Slide Number Placeholder 5"/>
+          <p:cNvSpPr>
+            <a:spLocks noGrp="1"/>
+          </p:cNvSpPr>
+          <p:nvPr>
+            <p:ph type="sldNum" sz="quarter" idx="12"/>
+          </p:nvPr>
+        </p:nvSpPr>
+        <p:spPr/>
+        <p:txBody>
+          <a:bodyPr/>
+          <a:lstStyle/>
+          <a:p>
+            <a:fld id="{C200352D-4569-3E41-9599-1BD1EAE34D42}" type="slidenum">
+              <a:rPr lang="en-US" smtClean="0"/>
+              <a:pPr/>
+              <a:t>3</a:t>
+            </a:fld>
+            <a:endParaRPr lang="en-US"/>
           </a:p>
         </p:txBody>
       </p:sp>
@@ -9780,20 +12100,29 @@
           <a:lstStyle/>
           <a:p>
             <a:r>
-              <a:rPr lang="th-TH" b="1" dirty="0"/>
-              <a:t>ช่วงพัฒนาที่ </a:t>
-            </a:r>
-            <a:r>
-              <a:rPr lang="th-TH" b="1" dirty="0" smtClean="0"/>
-              <a:t>4</a:t>
-            </a:r>
-            <a:endParaRPr lang="th-TH" dirty="0"/>
-          </a:p>
-        </p:txBody>
-      </p:sp>
-      <p:sp>
-        <p:nvSpPr>
-          <p:cNvPr id="3" name="Content Placeholder 2"/>
+              <a:rPr lang="th-TH" sz="4000" b="1" dirty="0">
+                <a:latin typeface="TH Sarabun New" pitchFamily="34" charset="-34"/>
+                <a:cs typeface="TH Sarabun New" pitchFamily="34" charset="-34"/>
+              </a:rPr>
+              <a:t> ช่วงพัฒนาที่ </a:t>
+            </a:r>
+            <a:r>
+              <a:rPr lang="th-TH" sz="4000" b="1" dirty="0" smtClean="0">
+                <a:latin typeface="TH Sarabun New" pitchFamily="34" charset="-34"/>
+                <a:cs typeface="TH Sarabun New" pitchFamily="34" charset="-34"/>
+              </a:rPr>
+              <a:t>3</a:t>
+            </a:r>
+            <a:endParaRPr lang="th-TH" sz="4000" dirty="0">
+              <a:latin typeface="TH Sarabun New" pitchFamily="34" charset="-34"/>
+              <a:cs typeface="TH Sarabun New" pitchFamily="34" charset="-34"/>
+            </a:endParaRPr>
+          </a:p>
+        </p:txBody>
+      </p:sp>
+      <p:sp>
+        <p:nvSpPr>
+          <p:cNvPr id="5" name="Content Placeholder 2"/>
           <p:cNvSpPr>
             <a:spLocks noGrp="1"/>
           </p:cNvSpPr>
@@ -9801,120 +12130,205 @@
             <p:ph idx="1"/>
           </p:nvPr>
         </p:nvSpPr>
-        <p:spPr/>
-        <p:txBody>
-          <a:bodyPr/>
-          <a:lstStyle/>
-          <a:p>
-            <a:pPr marL="0" indent="0">
+        <p:spPr>
+          <a:xfrm>
+            <a:off x="2895600" y="1600200"/>
+            <a:ext cx="5486400" cy="4525963"/>
+          </a:xfrm>
+        </p:spPr>
+        <p:txBody>
+          <a:bodyPr>
+            <a:noAutofit/>
+          </a:bodyPr>
+          <a:lstStyle/>
+          <a:p>
+            <a:pPr>
               <a:buNone/>
             </a:pPr>
             <a:r>
-              <a:rPr lang="th-TH" b="1" dirty="0" smtClean="0"/>
+              <a:rPr lang="th-TH" sz="2800" b="1" dirty="0" smtClean="0">
+                <a:latin typeface="TH Sarabun New" pitchFamily="34" charset="-34"/>
+                <a:cs typeface="TH Sarabun New" pitchFamily="34" charset="-34"/>
+              </a:rPr>
               <a:t>สิ่งที่พัฒนา</a:t>
             </a:r>
           </a:p>
           <a:p>
-            <a:pPr lvl="1" indent="-342900">
-              <a:buFont typeface="Arial" panose="020B0604020202020204" pitchFamily="34" charset="0"/>
-              <a:buChar char="•"/>
+            <a:pPr marL="615950" lvl="1" indent="-457200">
+              <a:buFont typeface="Wingdings" pitchFamily="2" charset="2"/>
+              <a:buChar char="v"/>
             </a:pPr>
             <a:r>
-              <a:rPr lang="th-TH" sz="2400" dirty="0"/>
-              <a:t>พัฒนาระบบออก</a:t>
-            </a:r>
-            <a:r>
-              <a:rPr lang="th-TH" sz="2400" dirty="0" smtClean="0"/>
-              <a:t>รายงาน</a:t>
-            </a:r>
-          </a:p>
-          <a:p>
-            <a:pPr lvl="1" indent="-342900">
-              <a:buFont typeface="Arial" panose="020B0604020202020204" pitchFamily="34" charset="0"/>
-              <a:buChar char="•"/>
+              <a:rPr lang="th-TH" dirty="0" smtClean="0">
+                <a:latin typeface="TH Sarabun New" pitchFamily="34" charset="-34"/>
+                <a:cs typeface="TH Sarabun New" pitchFamily="34" charset="-34"/>
+              </a:rPr>
+              <a:t>พัฒนาระบบจัดการชั้นเรียนและระบบประเมินเป้าหมายยอดขาย</a:t>
+            </a:r>
+          </a:p>
+          <a:p>
+            <a:pPr marL="615950" lvl="1" indent="-457200">
+              <a:buFont typeface="Wingdings" pitchFamily="2" charset="2"/>
+              <a:buChar char="v"/>
             </a:pPr>
             <a:r>
-              <a:rPr lang="th-TH" sz="2400" dirty="0" smtClean="0"/>
-              <a:t>วิธีการ</a:t>
-            </a:r>
-            <a:r>
-              <a:rPr lang="th-TH" sz="2400" dirty="0"/>
-              <a:t>เก็บรายละเอียดความ</a:t>
-            </a:r>
-            <a:r>
-              <a:rPr lang="th-TH" sz="2400" dirty="0" smtClean="0"/>
-              <a:t>ต้องการ</a:t>
-            </a:r>
-          </a:p>
-          <a:p>
-            <a:pPr marL="0" indent="0">
+              <a:rPr lang="th-TH" dirty="0" smtClean="0">
+                <a:latin typeface="TH Sarabun New" pitchFamily="34" charset="-34"/>
+                <a:cs typeface="TH Sarabun New" pitchFamily="34" charset="-34"/>
+              </a:rPr>
+              <a:t>วิธีการเก็บรายละเอียดความต้องการ</a:t>
+            </a:r>
+          </a:p>
+          <a:p>
+            <a:pPr marL="857250" lvl="1" indent="-457200">
               <a:buNone/>
             </a:pPr>
-            <a:r>
-              <a:rPr lang="th-TH" b="1" dirty="0" smtClean="0"/>
-              <a:t>วิธีการเก็บรายละเอียดความต้องการ</a:t>
-            </a:r>
-            <a:endParaRPr lang="th-TH" b="1" dirty="0"/>
-          </a:p>
-          <a:p>
-            <a:pPr lvl="1" indent="-342900">
-              <a:buFont typeface="Arial" panose="020B0604020202020204" pitchFamily="34" charset="0"/>
-              <a:buChar char="•"/>
-            </a:pPr>
-            <a:r>
-              <a:rPr lang="th-TH" sz="2400" dirty="0" smtClean="0"/>
-              <a:t>การ</a:t>
-            </a:r>
-            <a:r>
-              <a:rPr lang="th-TH" sz="2400" dirty="0"/>
-              <a:t>สัมภาษณ์ </a:t>
-            </a:r>
-            <a:r>
-              <a:rPr lang="en-US" sz="2400" dirty="0" smtClean="0"/>
-              <a:t>(Interview</a:t>
-            </a:r>
-            <a:r>
-              <a:rPr lang="en-US" sz="2400" dirty="0"/>
-              <a:t>) </a:t>
-            </a:r>
-            <a:endParaRPr lang="th-TH" sz="2400" dirty="0"/>
-          </a:p>
-          <a:p>
-            <a:pPr lvl="1" indent="-342900">
-              <a:buFont typeface="Arial" panose="020B0604020202020204" pitchFamily="34" charset="0"/>
-              <a:buChar char="•"/>
-            </a:pPr>
-            <a:r>
-              <a:rPr lang="th-TH" sz="2400" dirty="0" smtClean="0"/>
-              <a:t>การ</a:t>
-            </a:r>
-            <a:r>
-              <a:rPr lang="th-TH" sz="2400" dirty="0"/>
-              <a:t>วิเคราะห์เอกสาร </a:t>
-            </a:r>
-            <a:r>
-              <a:rPr lang="en-US" sz="2400" dirty="0"/>
-              <a:t>(Document Analysis) </a:t>
-            </a:r>
-          </a:p>
-          <a:p>
-            <a:pPr marL="400050" lvl="1" indent="0">
+            <a:endParaRPr lang="th-TH" dirty="0" smtClean="0">
+              <a:latin typeface="TH Sarabun New" pitchFamily="34" charset="-34"/>
+              <a:cs typeface="TH Sarabun New" pitchFamily="34" charset="-34"/>
+            </a:endParaRPr>
+          </a:p>
+          <a:p>
+            <a:pPr>
               <a:buNone/>
             </a:pPr>
-            <a:endParaRPr lang="en-US" sz="2400" dirty="0"/>
-          </a:p>
-          <a:p>
-            <a:pPr marL="0" indent="0">
-              <a:buNone/>
+            <a:r>
+              <a:rPr lang="th-TH" sz="2800" b="1" dirty="0" smtClean="0">
+                <a:latin typeface="TH Sarabun New" pitchFamily="34" charset="-34"/>
+                <a:cs typeface="TH Sarabun New" pitchFamily="34" charset="-34"/>
+              </a:rPr>
+              <a:t>วิธีการเก็บรายละเอียดความต้องการ</a:t>
+            </a:r>
+          </a:p>
+          <a:p>
+            <a:pPr marL="622300" lvl="1" indent="-457200">
+              <a:buFont typeface="Wingdings" pitchFamily="2" charset="2"/>
+              <a:buChar char="v"/>
             </a:pPr>
-            <a:endParaRPr lang="th-TH" b="1" dirty="0"/>
+            <a:r>
+              <a:rPr lang="th-TH" dirty="0" smtClean="0">
+                <a:latin typeface="TH Sarabun New" pitchFamily="34" charset="-34"/>
+                <a:cs typeface="TH Sarabun New" pitchFamily="34" charset="-34"/>
+              </a:rPr>
+              <a:t>การสัมภาษณ์ </a:t>
+            </a:r>
+            <a:r>
+              <a:rPr lang="en-US" dirty="0" smtClean="0">
+                <a:latin typeface="TH Sarabun New" pitchFamily="34" charset="-34"/>
+                <a:cs typeface="TH Sarabun New" pitchFamily="34" charset="-34"/>
+              </a:rPr>
+              <a:t>(Interview) </a:t>
+            </a:r>
+            <a:endParaRPr lang="th-TH" dirty="0" smtClean="0">
+              <a:latin typeface="TH Sarabun New" pitchFamily="34" charset="-34"/>
+              <a:cs typeface="TH Sarabun New" pitchFamily="34" charset="-34"/>
+            </a:endParaRPr>
+          </a:p>
+          <a:p>
+            <a:pPr marL="622300" lvl="1" indent="-457200">
+              <a:buFont typeface="Wingdings" pitchFamily="2" charset="2"/>
+              <a:buChar char="v"/>
+            </a:pPr>
+            <a:r>
+              <a:rPr lang="th-TH" dirty="0" smtClean="0">
+                <a:latin typeface="TH Sarabun New" pitchFamily="34" charset="-34"/>
+                <a:cs typeface="TH Sarabun New" pitchFamily="34" charset="-34"/>
+              </a:rPr>
+              <a:t>การสังเกตการณ์ </a:t>
+            </a:r>
+            <a:r>
+              <a:rPr lang="en-US" dirty="0" smtClean="0">
+                <a:latin typeface="TH Sarabun New" pitchFamily="34" charset="-34"/>
+                <a:cs typeface="TH Sarabun New" pitchFamily="34" charset="-34"/>
+              </a:rPr>
+              <a:t>(Observation)</a:t>
+            </a:r>
+          </a:p>
+          <a:p>
+            <a:pPr marL="457200" indent="-457200">
+              <a:buAutoNum type="arabicPeriod" startAt="5"/>
+            </a:pPr>
+            <a:endParaRPr lang="th-TH" sz="2800" b="1" dirty="0">
+              <a:latin typeface="TH Sarabun New" pitchFamily="34" charset="-34"/>
+              <a:cs typeface="TH Sarabun New" pitchFamily="34" charset="-34"/>
+            </a:endParaRPr>
+          </a:p>
+        </p:txBody>
+      </p:sp>
+      <p:sp>
+        <p:nvSpPr>
+          <p:cNvPr id="3" name="Date Placeholder 2"/>
+          <p:cNvSpPr>
+            <a:spLocks noGrp="1"/>
+          </p:cNvSpPr>
+          <p:nvPr>
+            <p:ph type="dt" sz="half" idx="10"/>
+          </p:nvPr>
+        </p:nvSpPr>
+        <p:spPr/>
+        <p:txBody>
+          <a:bodyPr/>
+          <a:lstStyle/>
+          <a:p>
+            <a:r>
+              <a:rPr lang="en-US" smtClean="0"/>
+              <a:t>26 September 2015</a:t>
+            </a:r>
+            <a:endParaRPr lang="en-US"/>
+          </a:p>
+        </p:txBody>
+      </p:sp>
+      <p:sp>
+        <p:nvSpPr>
+          <p:cNvPr id="4" name="Footer Placeholder 3"/>
+          <p:cNvSpPr>
+            <a:spLocks noGrp="1"/>
+          </p:cNvSpPr>
+          <p:nvPr>
+            <p:ph type="ftr" sz="quarter" idx="3"/>
+          </p:nvPr>
+        </p:nvSpPr>
+        <p:spPr/>
+        <p:txBody>
+          <a:bodyPr/>
+          <a:lstStyle/>
+          <a:p>
+            <a:r>
+              <a:rPr lang="th-TH" smtClean="0"/>
+              <a:t>ระบบบริหารจัดการศูนย์ออกกำลังกาย</a:t>
+            </a:r>
+            <a:endParaRPr lang="en-US" dirty="0"/>
+          </a:p>
+        </p:txBody>
+      </p:sp>
+      <p:sp>
+        <p:nvSpPr>
+          <p:cNvPr id="6" name="Slide Number Placeholder 5"/>
+          <p:cNvSpPr>
+            <a:spLocks noGrp="1"/>
+          </p:cNvSpPr>
+          <p:nvPr>
+            <p:ph type="sldNum" sz="quarter" idx="12"/>
+          </p:nvPr>
+        </p:nvSpPr>
+        <p:spPr/>
+        <p:txBody>
+          <a:bodyPr/>
+          <a:lstStyle/>
+          <a:p>
+            <a:fld id="{C200352D-4569-3E41-9599-1BD1EAE34D42}" type="slidenum">
+              <a:rPr lang="en-US" smtClean="0"/>
+              <a:pPr/>
+              <a:t>30</a:t>
+            </a:fld>
+            <a:endParaRPr lang="en-US"/>
           </a:p>
         </p:txBody>
       </p:sp>
     </p:spTree>
     <p:extLst>
       <p:ext uri="{BB962C8B-B14F-4D97-AF65-F5344CB8AC3E}">
-        <p14:creationId xmlns:p14="http://schemas.microsoft.com/office/powerpoint/2010/main" val="2775501535"/>
+        <p14:creationId xmlns:p14="http://schemas.microsoft.com/office/powerpoint/2010/main" val="2803192104"/>
       </p:ext>
     </p:extLst>
   </p:cSld>
@@ -9932,6 +12346,286 @@
 </file>
 
 <file path=ppt/slides/slide31.xml><?xml version="1.0" encoding="utf-8"?>
+<p:sld xmlns:a="http://schemas.openxmlformats.org/drawingml/2006/main" xmlns:r="http://schemas.openxmlformats.org/officeDocument/2006/relationships" xmlns:p="http://schemas.openxmlformats.org/presentationml/2006/main">
+  <p:cSld>
+    <p:spTree>
+      <p:nvGrpSpPr>
+        <p:cNvPr id="1" name=""/>
+        <p:cNvGrpSpPr/>
+        <p:nvPr/>
+      </p:nvGrpSpPr>
+      <p:grpSpPr>
+        <a:xfrm>
+          <a:off x="0" y="0"/>
+          <a:ext cx="0" cy="0"/>
+          <a:chOff x="0" y="0"/>
+          <a:chExt cx="0" cy="0"/>
+        </a:xfrm>
+      </p:grpSpPr>
+      <p:sp>
+        <p:nvSpPr>
+          <p:cNvPr id="2" name="ชื่อเรื่อง 1"/>
+          <p:cNvSpPr>
+            <a:spLocks noGrp="1"/>
+          </p:cNvSpPr>
+          <p:nvPr>
+            <p:ph type="title"/>
+          </p:nvPr>
+        </p:nvSpPr>
+        <p:spPr/>
+        <p:txBody>
+          <a:bodyPr>
+            <a:normAutofit/>
+          </a:bodyPr>
+          <a:lstStyle/>
+          <a:p>
+            <a:r>
+              <a:rPr lang="th-TH" sz="4000" b="1" dirty="0">
+                <a:latin typeface="TH Sarabun New" pitchFamily="34" charset="-34"/>
+                <a:cs typeface="TH Sarabun New" pitchFamily="34" charset="-34"/>
+              </a:rPr>
+              <a:t> ช่วงพัฒนาที่ </a:t>
+            </a:r>
+            <a:r>
+              <a:rPr lang="th-TH" sz="4000" b="1" dirty="0" smtClean="0">
+                <a:latin typeface="TH Sarabun New" pitchFamily="34" charset="-34"/>
+                <a:cs typeface="TH Sarabun New" pitchFamily="34" charset="-34"/>
+              </a:rPr>
+              <a:t>4</a:t>
+            </a:r>
+            <a:endParaRPr lang="th-TH" sz="4000" dirty="0">
+              <a:latin typeface="TH Sarabun New" pitchFamily="34" charset="-34"/>
+              <a:cs typeface="TH Sarabun New" pitchFamily="34" charset="-34"/>
+            </a:endParaRPr>
+          </a:p>
+        </p:txBody>
+      </p:sp>
+      <p:sp>
+        <p:nvSpPr>
+          <p:cNvPr id="6" name="Content Placeholder 2"/>
+          <p:cNvSpPr>
+            <a:spLocks noGrp="1"/>
+          </p:cNvSpPr>
+          <p:nvPr>
+            <p:ph idx="1"/>
+          </p:nvPr>
+        </p:nvSpPr>
+        <p:spPr>
+          <a:xfrm>
+            <a:off x="2895600" y="1600200"/>
+            <a:ext cx="5486400" cy="4525963"/>
+          </a:xfrm>
+        </p:spPr>
+        <p:txBody>
+          <a:bodyPr>
+            <a:noAutofit/>
+          </a:bodyPr>
+          <a:lstStyle/>
+          <a:p>
+            <a:pPr>
+              <a:buNone/>
+            </a:pPr>
+            <a:r>
+              <a:rPr lang="th-TH" sz="2800" b="1" dirty="0" smtClean="0">
+                <a:latin typeface="TH Sarabun New" pitchFamily="34" charset="-34"/>
+                <a:cs typeface="TH Sarabun New" pitchFamily="34" charset="-34"/>
+              </a:rPr>
+              <a:t>สิ่งที่พัฒนา</a:t>
+            </a:r>
+          </a:p>
+          <a:p>
+            <a:pPr marL="622300" lvl="1" indent="-444500">
+              <a:buFont typeface="Wingdings" pitchFamily="2" charset="2"/>
+              <a:buChar char="v"/>
+            </a:pPr>
+            <a:r>
+              <a:rPr lang="th-TH" dirty="0" smtClean="0">
+                <a:latin typeface="TH Sarabun New" pitchFamily="34" charset="-34"/>
+                <a:cs typeface="TH Sarabun New" pitchFamily="34" charset="-34"/>
+              </a:rPr>
+              <a:t>พัฒนาระบบออกรายงาน</a:t>
+            </a:r>
+          </a:p>
+          <a:p>
+            <a:pPr marL="622300" lvl="1" indent="-444500">
+              <a:buFont typeface="Wingdings" pitchFamily="2" charset="2"/>
+              <a:buChar char="v"/>
+            </a:pPr>
+            <a:r>
+              <a:rPr lang="th-TH" dirty="0" smtClean="0">
+                <a:latin typeface="TH Sarabun New" pitchFamily="34" charset="-34"/>
+                <a:cs typeface="TH Sarabun New" pitchFamily="34" charset="-34"/>
+              </a:rPr>
+              <a:t>วิธีการเก็บรายละเอียดความต้องการ</a:t>
+            </a:r>
+          </a:p>
+          <a:p>
+            <a:pPr lvl="1" indent="-342900">
+              <a:buNone/>
+            </a:pPr>
+            <a:endParaRPr lang="th-TH" dirty="0" smtClean="0">
+              <a:latin typeface="TH Sarabun New" pitchFamily="34" charset="-34"/>
+              <a:cs typeface="TH Sarabun New" pitchFamily="34" charset="-34"/>
+            </a:endParaRPr>
+          </a:p>
+          <a:p>
+            <a:pPr>
+              <a:buNone/>
+            </a:pPr>
+            <a:r>
+              <a:rPr lang="th-TH" sz="2800" b="1" dirty="0" smtClean="0">
+                <a:latin typeface="TH Sarabun New" pitchFamily="34" charset="-34"/>
+                <a:cs typeface="TH Sarabun New" pitchFamily="34" charset="-34"/>
+              </a:rPr>
+              <a:t>วิธีการเก็บรายละเอียดความต้องการ</a:t>
+            </a:r>
+          </a:p>
+          <a:p>
+            <a:pPr marL="723900" lvl="1" indent="-546100">
+              <a:buFont typeface="Wingdings" pitchFamily="2" charset="2"/>
+              <a:buChar char="v"/>
+            </a:pPr>
+            <a:r>
+              <a:rPr lang="th-TH" dirty="0" smtClean="0">
+                <a:latin typeface="TH Sarabun New" pitchFamily="34" charset="-34"/>
+                <a:cs typeface="TH Sarabun New" pitchFamily="34" charset="-34"/>
+              </a:rPr>
+              <a:t>การสัมภาษณ์ </a:t>
+            </a:r>
+            <a:r>
+              <a:rPr lang="en-US" dirty="0" smtClean="0">
+                <a:latin typeface="TH Sarabun New" pitchFamily="34" charset="-34"/>
+                <a:cs typeface="TH Sarabun New" pitchFamily="34" charset="-34"/>
+              </a:rPr>
+              <a:t>(Interview) </a:t>
+            </a:r>
+            <a:endParaRPr lang="th-TH" dirty="0" smtClean="0">
+              <a:latin typeface="TH Sarabun New" pitchFamily="34" charset="-34"/>
+              <a:cs typeface="TH Sarabun New" pitchFamily="34" charset="-34"/>
+            </a:endParaRPr>
+          </a:p>
+          <a:p>
+            <a:pPr marL="723900" lvl="1" indent="-546100">
+              <a:buFont typeface="Wingdings" pitchFamily="2" charset="2"/>
+              <a:buChar char="v"/>
+            </a:pPr>
+            <a:r>
+              <a:rPr lang="th-TH" dirty="0" smtClean="0">
+                <a:latin typeface="TH Sarabun New" pitchFamily="34" charset="-34"/>
+                <a:cs typeface="TH Sarabun New" pitchFamily="34" charset="-34"/>
+              </a:rPr>
+              <a:t>การวิเคราะห์เอกสาร </a:t>
+            </a:r>
+            <a:r>
+              <a:rPr lang="en-US" dirty="0" smtClean="0">
+                <a:latin typeface="TH Sarabun New" pitchFamily="34" charset="-34"/>
+                <a:cs typeface="TH Sarabun New" pitchFamily="34" charset="-34"/>
+              </a:rPr>
+              <a:t>(Document Analysis) </a:t>
+            </a:r>
+          </a:p>
+          <a:p>
+            <a:pPr marL="457200" indent="-457200">
+              <a:buAutoNum type="arabicPeriod" startAt="5"/>
+            </a:pPr>
+            <a:endParaRPr lang="th-TH" sz="2800" b="1" dirty="0">
+              <a:latin typeface="TH Sarabun New" pitchFamily="34" charset="-34"/>
+              <a:cs typeface="TH Sarabun New" pitchFamily="34" charset="-34"/>
+            </a:endParaRPr>
+          </a:p>
+        </p:txBody>
+      </p:sp>
+      <p:sp>
+        <p:nvSpPr>
+          <p:cNvPr id="3" name="Date Placeholder 2"/>
+          <p:cNvSpPr>
+            <a:spLocks noGrp="1"/>
+          </p:cNvSpPr>
+          <p:nvPr>
+            <p:ph type="dt" sz="half" idx="10"/>
+          </p:nvPr>
+        </p:nvSpPr>
+        <p:spPr/>
+        <p:txBody>
+          <a:bodyPr/>
+          <a:lstStyle/>
+          <a:p>
+            <a:r>
+              <a:rPr lang="en-US" smtClean="0"/>
+              <a:t>26 September 2015</a:t>
+            </a:r>
+            <a:endParaRPr lang="en-US"/>
+          </a:p>
+        </p:txBody>
+      </p:sp>
+      <p:sp>
+        <p:nvSpPr>
+          <p:cNvPr id="4" name="Footer Placeholder 3"/>
+          <p:cNvSpPr>
+            <a:spLocks noGrp="1"/>
+          </p:cNvSpPr>
+          <p:nvPr>
+            <p:ph type="ftr" sz="quarter" idx="3"/>
+          </p:nvPr>
+        </p:nvSpPr>
+        <p:spPr/>
+        <p:txBody>
+          <a:bodyPr/>
+          <a:lstStyle/>
+          <a:p>
+            <a:r>
+              <a:rPr lang="th-TH" smtClean="0"/>
+              <a:t>ระบบบริหารจัดการศูนย์ออกกำลังกาย</a:t>
+            </a:r>
+            <a:endParaRPr lang="en-US" dirty="0"/>
+          </a:p>
+        </p:txBody>
+      </p:sp>
+      <p:sp>
+        <p:nvSpPr>
+          <p:cNvPr id="5" name="Slide Number Placeholder 4"/>
+          <p:cNvSpPr>
+            <a:spLocks noGrp="1"/>
+          </p:cNvSpPr>
+          <p:nvPr>
+            <p:ph type="sldNum" sz="quarter" idx="12"/>
+          </p:nvPr>
+        </p:nvSpPr>
+        <p:spPr/>
+        <p:txBody>
+          <a:bodyPr/>
+          <a:lstStyle/>
+          <a:p>
+            <a:fld id="{C200352D-4569-3E41-9599-1BD1EAE34D42}" type="slidenum">
+              <a:rPr lang="en-US" smtClean="0"/>
+              <a:pPr/>
+              <a:t>31</a:t>
+            </a:fld>
+            <a:endParaRPr lang="en-US"/>
+          </a:p>
+        </p:txBody>
+      </p:sp>
+    </p:spTree>
+    <p:extLst>
+      <p:ext uri="{BB962C8B-B14F-4D97-AF65-F5344CB8AC3E}">
+        <p14:creationId xmlns:p14="http://schemas.microsoft.com/office/powerpoint/2010/main" val="3938794379"/>
+      </p:ext>
+    </p:extLst>
+  </p:cSld>
+  <p:clrMapOvr>
+    <a:masterClrMapping/>
+  </p:clrMapOvr>
+  <p:timing>
+    <p:tnLst>
+      <p:par>
+        <p:cTn id="1" dur="indefinite" restart="never" nodeType="tmRoot"/>
+      </p:par>
+    </p:tnLst>
+  </p:timing>
+</p:sld>
+</file>
+
+<file path=ppt/slides/slide32.xml><?xml version="1.0" encoding="utf-8"?>
 <p:sld xmlns:a="http://schemas.openxmlformats.org/drawingml/2006/main" xmlns:r="http://schemas.openxmlformats.org/officeDocument/2006/relationships" xmlns:p="http://schemas.openxmlformats.org/presentationml/2006/main">
   <p:cSld>
     <p:spTree>
@@ -9967,7 +12661,7 @@
         </p:blipFill>
         <p:spPr bwMode="auto">
           <a:xfrm>
-            <a:off x="755576" y="2016522"/>
+            <a:off x="755576" y="1711722"/>
             <a:ext cx="7565740" cy="3456384"/>
           </a:xfrm>
           <a:prstGeom prst="rect">
@@ -9975,7 +12669,9 @@
           </a:prstGeom>
           <a:noFill/>
           <a:ln>
-            <a:noFill/>
+            <a:solidFill>
+              <a:schemeClr val="accent1"/>
+            </a:solidFill>
           </a:ln>
           <a:extLst>
             <a:ext uri="{53640926-AAD7-44D8-BBD7-CCE9431645EC}">
@@ -9996,213 +12692,155 @@
         </p:nvSpPr>
         <p:spPr/>
         <p:txBody>
+          <a:bodyPr>
+            <a:normAutofit/>
+          </a:bodyPr>
+          <a:lstStyle/>
+          <a:p>
+            <a:r>
+              <a:rPr lang="th-TH" sz="4000" b="1" dirty="0" smtClean="0">
+                <a:latin typeface="TH Sarabun New" pitchFamily="34" charset="-34"/>
+                <a:cs typeface="TH Sarabun New" pitchFamily="34" charset="-34"/>
+              </a:rPr>
+              <a:t>แผนภาพการพัฒนา</a:t>
+            </a:r>
+            <a:endParaRPr lang="th-TH" sz="4000" b="1" dirty="0">
+              <a:latin typeface="TH Sarabun New" pitchFamily="34" charset="-34"/>
+              <a:cs typeface="TH Sarabun New" pitchFamily="34" charset="-34"/>
+            </a:endParaRPr>
+          </a:p>
+        </p:txBody>
+      </p:sp>
+      <p:sp>
+        <p:nvSpPr>
+          <p:cNvPr id="4" name="Rectangle 3"/>
+          <p:cNvSpPr/>
+          <p:nvPr/>
+        </p:nvSpPr>
+        <p:spPr>
+          <a:xfrm>
+            <a:off x="2809352" y="5259901"/>
+            <a:ext cx="3667992" cy="461665"/>
+          </a:xfrm>
+          <a:prstGeom prst="rect">
+            <a:avLst/>
+          </a:prstGeom>
+        </p:spPr>
+        <p:txBody>
+          <a:bodyPr wrap="none">
+            <a:spAutoFit/>
+          </a:bodyPr>
+          <a:lstStyle/>
+          <a:p>
+            <a:r>
+              <a:rPr lang="th-TH" sz="2400" b="1" dirty="0" smtClean="0">
+                <a:latin typeface="TH Sarabun New" pitchFamily="34" charset="-34"/>
+                <a:cs typeface="TH Sarabun New" pitchFamily="34" charset="-34"/>
+              </a:rPr>
+              <a:t>ระยะดำเนินการพัฒนาช่วงที่ </a:t>
+            </a:r>
+            <a:r>
+              <a:rPr lang="en-US" sz="2400" b="1" dirty="0" smtClean="0">
+                <a:latin typeface="TH Sarabun New" pitchFamily="34" charset="-34"/>
+                <a:cs typeface="TH Sarabun New" pitchFamily="34" charset="-34"/>
+              </a:rPr>
+              <a:t>1 </a:t>
+            </a:r>
+            <a:r>
+              <a:rPr lang="th-TH" sz="2400" b="1" dirty="0" smtClean="0">
+                <a:latin typeface="TH Sarabun New" pitchFamily="34" charset="-34"/>
+                <a:cs typeface="TH Sarabun New" pitchFamily="34" charset="-34"/>
+              </a:rPr>
+              <a:t>ถึงช่วงที่ </a:t>
+            </a:r>
+            <a:r>
+              <a:rPr lang="en-US" sz="2400" b="1" dirty="0" smtClean="0">
+                <a:latin typeface="TH Sarabun New" pitchFamily="34" charset="-34"/>
+                <a:cs typeface="TH Sarabun New" pitchFamily="34" charset="-34"/>
+              </a:rPr>
+              <a:t>4</a:t>
+            </a:r>
+            <a:endParaRPr lang="th-TH" sz="2400" b="1" dirty="0">
+              <a:latin typeface="TH Sarabun New" pitchFamily="34" charset="-34"/>
+              <a:cs typeface="TH Sarabun New" pitchFamily="34" charset="-34"/>
+            </a:endParaRPr>
+          </a:p>
+        </p:txBody>
+      </p:sp>
+      <p:sp>
+        <p:nvSpPr>
+          <p:cNvPr id="2" name="Date Placeholder 1"/>
+          <p:cNvSpPr>
+            <a:spLocks noGrp="1"/>
+          </p:cNvSpPr>
+          <p:nvPr>
+            <p:ph type="dt" sz="half" idx="10"/>
+          </p:nvPr>
+        </p:nvSpPr>
+        <p:spPr/>
+        <p:txBody>
           <a:bodyPr/>
           <a:lstStyle/>
           <a:p>
             <a:r>
-              <a:rPr lang="th-TH" dirty="0" smtClean="0"/>
-              <a:t>แผนภาพการพัฒนา</a:t>
-            </a:r>
-            <a:endParaRPr lang="th-TH" dirty="0"/>
+              <a:rPr lang="en-US" smtClean="0"/>
+              <a:t>26 September 2015</a:t>
+            </a:r>
+            <a:endParaRPr lang="en-US"/>
+          </a:p>
+        </p:txBody>
+      </p:sp>
+      <p:sp>
+        <p:nvSpPr>
+          <p:cNvPr id="3" name="Footer Placeholder 2"/>
+          <p:cNvSpPr>
+            <a:spLocks noGrp="1"/>
+          </p:cNvSpPr>
+          <p:nvPr>
+            <p:ph type="ftr" sz="quarter" idx="3"/>
+          </p:nvPr>
+        </p:nvSpPr>
+        <p:spPr/>
+        <p:txBody>
+          <a:bodyPr/>
+          <a:lstStyle/>
+          <a:p>
+            <a:r>
+              <a:rPr lang="th-TH" smtClean="0"/>
+              <a:t>ระบบบริหารจัดการศูนย์ออกกำลังกาย</a:t>
+            </a:r>
+            <a:endParaRPr lang="en-US" dirty="0"/>
+          </a:p>
+        </p:txBody>
+      </p:sp>
+      <p:sp>
+        <p:nvSpPr>
+          <p:cNvPr id="7" name="Slide Number Placeholder 6"/>
+          <p:cNvSpPr>
+            <a:spLocks noGrp="1"/>
+          </p:cNvSpPr>
+          <p:nvPr>
+            <p:ph type="sldNum" sz="quarter" idx="12"/>
+          </p:nvPr>
+        </p:nvSpPr>
+        <p:spPr/>
+        <p:txBody>
+          <a:bodyPr/>
+          <a:lstStyle/>
+          <a:p>
+            <a:fld id="{C200352D-4569-3E41-9599-1BD1EAE34D42}" type="slidenum">
+              <a:rPr lang="en-US" smtClean="0"/>
+              <a:pPr/>
+              <a:t>32</a:t>
+            </a:fld>
+            <a:endParaRPr lang="en-US"/>
           </a:p>
         </p:txBody>
       </p:sp>
     </p:spTree>
     <p:extLst>
       <p:ext uri="{BB962C8B-B14F-4D97-AF65-F5344CB8AC3E}">
-        <p14:creationId xmlns:p14="http://schemas.microsoft.com/office/powerpoint/2010/main" val="2101360576"/>
-      </p:ext>
-    </p:extLst>
-  </p:cSld>
-  <p:clrMapOvr>
-    <a:masterClrMapping/>
-  </p:clrMapOvr>
-  <p:timing>
-    <p:tnLst>
-      <p:par>
-        <p:cTn id="1" dur="indefinite" restart="never" nodeType="tmRoot"/>
-      </p:par>
-    </p:tnLst>
-  </p:timing>
-</p:sld>
-</file>
-
-<file path=ppt/slides/slide32.xml><?xml version="1.0" encoding="utf-8"?>
-<p:sld xmlns:a="http://schemas.openxmlformats.org/drawingml/2006/main" xmlns:r="http://schemas.openxmlformats.org/officeDocument/2006/relationships" xmlns:p="http://schemas.openxmlformats.org/presentationml/2006/main">
-  <p:cSld>
-    <p:spTree>
-      <p:nvGrpSpPr>
-        <p:cNvPr id="1" name=""/>
-        <p:cNvGrpSpPr/>
-        <p:nvPr/>
-      </p:nvGrpSpPr>
-      <p:grpSpPr>
-        <a:xfrm>
-          <a:off x="0" y="0"/>
-          <a:ext cx="0" cy="0"/>
-          <a:chOff x="0" y="0"/>
-          <a:chExt cx="0" cy="0"/>
-        </a:xfrm>
-      </p:grpSpPr>
-      <p:sp>
-        <p:nvSpPr>
-          <p:cNvPr id="2" name="ชื่อเรื่อง 1"/>
-          <p:cNvSpPr>
-            <a:spLocks noGrp="1"/>
-          </p:cNvSpPr>
-          <p:nvPr>
-            <p:ph type="title"/>
-          </p:nvPr>
-        </p:nvSpPr>
-        <p:spPr/>
-        <p:txBody>
-          <a:bodyPr/>
-          <a:lstStyle/>
-          <a:p>
-            <a:r>
-              <a:rPr lang="th-TH" dirty="0" smtClean="0"/>
-              <a:t>ข้อจำกัดของระบบใหม่</a:t>
-            </a:r>
-            <a:endParaRPr lang="th-TH" dirty="0"/>
-          </a:p>
-        </p:txBody>
-      </p:sp>
-      <p:sp>
-        <p:nvSpPr>
-          <p:cNvPr id="3" name="Content Placeholder 2"/>
-          <p:cNvSpPr>
-            <a:spLocks noGrp="1"/>
-          </p:cNvSpPr>
-          <p:nvPr>
-            <p:ph idx="1"/>
-          </p:nvPr>
-        </p:nvSpPr>
-        <p:spPr/>
-        <p:txBody>
-          <a:bodyPr>
-            <a:noAutofit/>
-          </a:bodyPr>
-          <a:lstStyle/>
-          <a:p>
-            <a:pPr marL="0" indent="0">
-              <a:buNone/>
-            </a:pPr>
-            <a:endParaRPr lang="th-TH" sz="2500" b="1" dirty="0" smtClean="0"/>
-          </a:p>
-          <a:p>
-            <a:r>
-              <a:rPr lang="th-TH" sz="2500" dirty="0" smtClean="0"/>
-              <a:t>ระบบ</a:t>
-            </a:r>
-            <a:r>
-              <a:rPr lang="th-TH" sz="2500" dirty="0"/>
-              <a:t>บริหารจัดการศูนย์ออกกำลังกายจะพัฒนาเพื่อตอบสนอง</a:t>
-            </a:r>
-            <a:r>
-              <a:rPr lang="th-TH" sz="2500" dirty="0" smtClean="0"/>
-              <a:t>ความต้องการ</a:t>
-            </a:r>
-            <a:r>
-              <a:rPr lang="th-TH" sz="2500" dirty="0"/>
-              <a:t>ของ ทริปเปิลบี ฟิตเน</a:t>
-            </a:r>
-            <a:r>
-              <a:rPr lang="th-TH" sz="2500" dirty="0" err="1"/>
-              <a:t>สเซ็นเตอร์</a:t>
-            </a:r>
-            <a:r>
-              <a:rPr lang="th-TH" sz="2500" dirty="0"/>
-              <a:t> </a:t>
-            </a:r>
-            <a:r>
-              <a:rPr lang="th-TH" sz="2500" dirty="0" smtClean="0"/>
-              <a:t>เท่านั้น</a:t>
-            </a:r>
-          </a:p>
-          <a:p>
-            <a:r>
-              <a:rPr lang="th-TH" sz="2500" dirty="0" smtClean="0"/>
-              <a:t>ระบบ</a:t>
-            </a:r>
-            <a:r>
-              <a:rPr lang="th-TH" sz="2500" dirty="0"/>
-              <a:t>บริหารจัดการศูนย์ออกกำลังกายจะถูกออกแบบการเชื่อมต่อ</a:t>
-            </a:r>
-            <a:r>
-              <a:rPr lang="th-TH" sz="2500" dirty="0" smtClean="0"/>
-              <a:t>ข้อมูลด้วย</a:t>
-            </a:r>
-            <a:r>
-              <a:rPr lang="th-TH" sz="2500" dirty="0"/>
-              <a:t>ระบบอินทราเน็ต เพื่อใช้งานภายในองค์กร</a:t>
-            </a:r>
-            <a:r>
-              <a:rPr lang="th-TH" sz="2500" dirty="0" smtClean="0"/>
-              <a:t>เท่านั้น</a:t>
-            </a:r>
-          </a:p>
-          <a:p>
-            <a:r>
-              <a:rPr lang="th-TH" sz="2500" dirty="0" smtClean="0"/>
-              <a:t>ระบบ</a:t>
-            </a:r>
-            <a:r>
-              <a:rPr lang="th-TH" sz="2500" dirty="0"/>
-              <a:t>จะอนุญาตให้ผู้ใช้ที่มีรหัสผ่านที่ถูกต้องใช้ระบบ</a:t>
-            </a:r>
-            <a:r>
-              <a:rPr lang="th-TH" sz="2500" dirty="0" smtClean="0"/>
-              <a:t>เท่านั้น</a:t>
-            </a:r>
-          </a:p>
-          <a:p>
-            <a:r>
-              <a:rPr lang="th-TH" sz="2500" dirty="0" smtClean="0"/>
-              <a:t>ระบบ</a:t>
-            </a:r>
-            <a:r>
-              <a:rPr lang="th-TH" sz="2500" dirty="0"/>
-              <a:t>ไม่สามารถใช้งานได้หากขาดการเชื่อมต่อกับ</a:t>
-            </a:r>
-            <a:r>
-              <a:rPr lang="th-TH" sz="2500" dirty="0" smtClean="0"/>
-              <a:t>อินเทอร์เน็ต</a:t>
-            </a:r>
-          </a:p>
-          <a:p>
-            <a:r>
-              <a:rPr lang="th-TH" sz="2500" dirty="0" smtClean="0"/>
-              <a:t>ระบบ</a:t>
-            </a:r>
-            <a:r>
-              <a:rPr lang="th-TH" sz="2500" dirty="0"/>
-              <a:t>จะทำงานบนเว็บเบราว์เซอร์ (</a:t>
-            </a:r>
-            <a:r>
-              <a:rPr lang="en-US" sz="2500" dirty="0"/>
-              <a:t>Web Browser) </a:t>
-            </a:r>
-            <a:r>
-              <a:rPr lang="th-TH" sz="2500" dirty="0" smtClean="0"/>
-              <a:t>ในคอมพิวเตอร์</a:t>
-            </a:r>
-            <a:r>
-              <a:rPr lang="th-TH" sz="2500" dirty="0"/>
-              <a:t>เท่านั้น</a:t>
-            </a:r>
-          </a:p>
-          <a:p>
-            <a:pPr marL="457200" indent="-457200">
-              <a:buAutoNum type="arabicPeriod" startAt="5"/>
-            </a:pPr>
-            <a:endParaRPr lang="th-TH" sz="2500" b="1" dirty="0"/>
-          </a:p>
-        </p:txBody>
-      </p:sp>
-    </p:spTree>
-    <p:extLst>
-      <p:ext uri="{BB962C8B-B14F-4D97-AF65-F5344CB8AC3E}">
-        <p14:creationId xmlns:p14="http://schemas.microsoft.com/office/powerpoint/2010/main" val="3221596712"/>
+        <p14:creationId xmlns:p14="http://schemas.microsoft.com/office/powerpoint/2010/main" val="2788163679"/>
       </p:ext>
     </p:extLst>
   </p:cSld>
@@ -10236,38 +12874,9 @@
           <a:chExt cx="0" cy="0"/>
         </a:xfrm>
       </p:grpSpPr>
-      <p:pic>
-        <p:nvPicPr>
-          <p:cNvPr id="5" name="Picture 4" descr="Flow_FitnessManagement_v0.5.jpg"/>
-          <p:cNvPicPr/>
-          <p:nvPr/>
-        </p:nvPicPr>
-        <p:blipFill>
-          <a:blip r:embed="rId2" cstate="print"/>
-          <a:stretch>
-            <a:fillRect/>
-          </a:stretch>
-        </p:blipFill>
-        <p:spPr>
-          <a:xfrm>
-            <a:off x="1819275" y="2132856"/>
-            <a:ext cx="5505450" cy="4152900"/>
-          </a:xfrm>
-          <a:prstGeom prst="rect">
-            <a:avLst/>
-          </a:prstGeom>
-          <a:ln>
-            <a:solidFill>
-              <a:schemeClr val="bg1">
-                <a:lumMod val="75000"/>
-              </a:schemeClr>
-            </a:solidFill>
-          </a:ln>
-        </p:spPr>
-      </p:pic>
-      <p:sp>
-        <p:nvSpPr>
-          <p:cNvPr id="6" name="ชื่อเรื่อง 5"/>
+      <p:sp>
+        <p:nvSpPr>
+          <p:cNvPr id="2" name="ชื่อเรื่อง 1"/>
           <p:cNvSpPr>
             <a:spLocks noGrp="1"/>
           </p:cNvSpPr>
@@ -10277,29 +12886,309 @@
         </p:nvSpPr>
         <p:spPr/>
         <p:txBody>
+          <a:bodyPr>
+            <a:normAutofit/>
+          </a:bodyPr>
+          <a:lstStyle/>
+          <a:p>
+            <a:r>
+              <a:rPr lang="th-TH" b="1" dirty="0" smtClean="0">
+                <a:latin typeface="TH Sarabun New" pitchFamily="34" charset="-34"/>
+                <a:cs typeface="TH Sarabun New" pitchFamily="34" charset="-34"/>
+              </a:rPr>
+              <a:t>ข้อจำกัดของระบบใหม่</a:t>
+            </a:r>
+            <a:endParaRPr lang="th-TH" b="1" dirty="0">
+              <a:latin typeface="TH Sarabun New" pitchFamily="34" charset="-34"/>
+              <a:cs typeface="TH Sarabun New" pitchFamily="34" charset="-34"/>
+            </a:endParaRPr>
+          </a:p>
+        </p:txBody>
+      </p:sp>
+      <p:sp>
+        <p:nvSpPr>
+          <p:cNvPr id="3" name="Content Placeholder 2"/>
+          <p:cNvSpPr>
+            <a:spLocks noGrp="1"/>
+          </p:cNvSpPr>
+          <p:nvPr>
+            <p:ph idx="1"/>
+          </p:nvPr>
+        </p:nvSpPr>
+        <p:spPr/>
+        <p:txBody>
+          <a:bodyPr>
+            <a:noAutofit/>
+          </a:bodyPr>
+          <a:lstStyle/>
+          <a:p>
+            <a:pPr marL="0" indent="0">
+              <a:buNone/>
+            </a:pPr>
+            <a:endParaRPr lang="th-TH" sz="2500" b="1" dirty="0" smtClean="0"/>
+          </a:p>
+          <a:p>
+            <a:pPr>
+              <a:buFont typeface="Wingdings" pitchFamily="2" charset="2"/>
+              <a:buChar char="v"/>
+            </a:pPr>
+            <a:r>
+              <a:rPr lang="th-TH" sz="2800" dirty="0" smtClean="0">
+                <a:latin typeface="TH Sarabun New" pitchFamily="34" charset="-34"/>
+                <a:cs typeface="TH Sarabun New" pitchFamily="34" charset="-34"/>
+              </a:rPr>
+              <a:t>ระบบบริหารจัดการศูนย์ออกกำลังกายจะพัฒนาเพื่อ</a:t>
+            </a:r>
+            <a:r>
+              <a:rPr lang="th-TH" sz="2800" dirty="0">
+                <a:latin typeface="TH Sarabun New" pitchFamily="34" charset="-34"/>
+                <a:cs typeface="TH Sarabun New" pitchFamily="34" charset="-34"/>
+              </a:rPr>
+              <a:t>ตอบสนอง</a:t>
+            </a:r>
+            <a:r>
+              <a:rPr lang="th-TH" sz="2800" dirty="0" smtClean="0">
+                <a:latin typeface="TH Sarabun New" pitchFamily="34" charset="-34"/>
+                <a:cs typeface="TH Sarabun New" pitchFamily="34" charset="-34"/>
+              </a:rPr>
+              <a:t>ความต้องการ</a:t>
+            </a:r>
+            <a:r>
+              <a:rPr lang="th-TH" sz="2800" dirty="0">
+                <a:latin typeface="TH Sarabun New" pitchFamily="34" charset="-34"/>
+                <a:cs typeface="TH Sarabun New" pitchFamily="34" charset="-34"/>
+              </a:rPr>
+              <a:t>ของ ทริปเปิลบี ฟิตเนสเซ็นเตอร์ </a:t>
+            </a:r>
+            <a:r>
+              <a:rPr lang="th-TH" sz="2800" dirty="0" smtClean="0">
+                <a:latin typeface="TH Sarabun New" pitchFamily="34" charset="-34"/>
+                <a:cs typeface="TH Sarabun New" pitchFamily="34" charset="-34"/>
+              </a:rPr>
+              <a:t>เท่านั้น</a:t>
+            </a:r>
+          </a:p>
+          <a:p>
+            <a:pPr>
+              <a:buFont typeface="Wingdings" pitchFamily="2" charset="2"/>
+              <a:buChar char="v"/>
+            </a:pPr>
+            <a:r>
+              <a:rPr lang="th-TH" sz="2800" dirty="0" smtClean="0">
+                <a:latin typeface="TH Sarabun New" pitchFamily="34" charset="-34"/>
+                <a:cs typeface="TH Sarabun New" pitchFamily="34" charset="-34"/>
+              </a:rPr>
+              <a:t>ระบบ</a:t>
+            </a:r>
+            <a:r>
+              <a:rPr lang="th-TH" sz="2800" dirty="0">
+                <a:latin typeface="TH Sarabun New" pitchFamily="34" charset="-34"/>
+                <a:cs typeface="TH Sarabun New" pitchFamily="34" charset="-34"/>
+              </a:rPr>
+              <a:t>บริหารจัดการศูนย์ออกกำลังกายจะถูกออกแบบการเชื่อมต่อ</a:t>
+            </a:r>
+            <a:r>
+              <a:rPr lang="th-TH" sz="2800" dirty="0" smtClean="0">
+                <a:latin typeface="TH Sarabun New" pitchFamily="34" charset="-34"/>
+                <a:cs typeface="TH Sarabun New" pitchFamily="34" charset="-34"/>
+              </a:rPr>
+              <a:t>ข้อมูลด้วย</a:t>
+            </a:r>
+            <a:r>
+              <a:rPr lang="th-TH" sz="2800" dirty="0">
+                <a:latin typeface="TH Sarabun New" pitchFamily="34" charset="-34"/>
+                <a:cs typeface="TH Sarabun New" pitchFamily="34" charset="-34"/>
+              </a:rPr>
+              <a:t>ระบบอินทราเน็ต เพื่อใช้งานภายในองค์กร</a:t>
+            </a:r>
+            <a:r>
+              <a:rPr lang="th-TH" sz="2800" dirty="0" smtClean="0">
+                <a:latin typeface="TH Sarabun New" pitchFamily="34" charset="-34"/>
+                <a:cs typeface="TH Sarabun New" pitchFamily="34" charset="-34"/>
+              </a:rPr>
+              <a:t>เท่านั้น</a:t>
+            </a:r>
+          </a:p>
+          <a:p>
+            <a:pPr>
+              <a:buFont typeface="Wingdings" pitchFamily="2" charset="2"/>
+              <a:buChar char="v"/>
+            </a:pPr>
+            <a:r>
+              <a:rPr lang="th-TH" sz="2800" dirty="0" smtClean="0">
+                <a:latin typeface="TH Sarabun New" pitchFamily="34" charset="-34"/>
+                <a:cs typeface="TH Sarabun New" pitchFamily="34" charset="-34"/>
+              </a:rPr>
+              <a:t>ระบบ</a:t>
+            </a:r>
+            <a:r>
+              <a:rPr lang="th-TH" sz="2800" dirty="0">
+                <a:latin typeface="TH Sarabun New" pitchFamily="34" charset="-34"/>
+                <a:cs typeface="TH Sarabun New" pitchFamily="34" charset="-34"/>
+              </a:rPr>
+              <a:t>จะอนุญาตให้ผู้ใช้ที่มีรหัสผ่านที่ถูกต้องใช้ระบบ</a:t>
+            </a:r>
+            <a:r>
+              <a:rPr lang="th-TH" sz="2800" dirty="0" smtClean="0">
+                <a:latin typeface="TH Sarabun New" pitchFamily="34" charset="-34"/>
+                <a:cs typeface="TH Sarabun New" pitchFamily="34" charset="-34"/>
+              </a:rPr>
+              <a:t>เท่านั้น</a:t>
+            </a:r>
+          </a:p>
+          <a:p>
+            <a:pPr>
+              <a:buFont typeface="Wingdings" pitchFamily="2" charset="2"/>
+              <a:buChar char="v"/>
+            </a:pPr>
+            <a:r>
+              <a:rPr lang="th-TH" sz="2800" dirty="0" smtClean="0">
+                <a:latin typeface="TH Sarabun New" pitchFamily="34" charset="-34"/>
+                <a:cs typeface="TH Sarabun New" pitchFamily="34" charset="-34"/>
+              </a:rPr>
+              <a:t>ระบบ</a:t>
+            </a:r>
+            <a:r>
+              <a:rPr lang="th-TH" sz="2800" dirty="0">
+                <a:latin typeface="TH Sarabun New" pitchFamily="34" charset="-34"/>
+                <a:cs typeface="TH Sarabun New" pitchFamily="34" charset="-34"/>
+              </a:rPr>
+              <a:t>ไม่สามารถใช้งานได้หากขาดการเชื่อมต่อกับ</a:t>
+            </a:r>
+            <a:r>
+              <a:rPr lang="th-TH" sz="2800" dirty="0" smtClean="0">
+                <a:latin typeface="TH Sarabun New" pitchFamily="34" charset="-34"/>
+                <a:cs typeface="TH Sarabun New" pitchFamily="34" charset="-34"/>
+              </a:rPr>
+              <a:t>อินเทอร์เน็ต</a:t>
+            </a:r>
+          </a:p>
+          <a:p>
+            <a:pPr>
+              <a:buFont typeface="Wingdings" pitchFamily="2" charset="2"/>
+              <a:buChar char="v"/>
+            </a:pPr>
+            <a:r>
+              <a:rPr lang="th-TH" sz="2800" dirty="0" smtClean="0">
+                <a:latin typeface="TH Sarabun New" pitchFamily="34" charset="-34"/>
+                <a:cs typeface="TH Sarabun New" pitchFamily="34" charset="-34"/>
+              </a:rPr>
+              <a:t>ระบบ</a:t>
+            </a:r>
+            <a:r>
+              <a:rPr lang="th-TH" sz="2800" dirty="0">
+                <a:latin typeface="TH Sarabun New" pitchFamily="34" charset="-34"/>
+                <a:cs typeface="TH Sarabun New" pitchFamily="34" charset="-34"/>
+              </a:rPr>
+              <a:t>จะทำงานบนเว็บเบราว์เซอร์ (</a:t>
+            </a:r>
+            <a:r>
+              <a:rPr lang="en-US" sz="2800" dirty="0">
+                <a:latin typeface="TH Sarabun New" pitchFamily="34" charset="-34"/>
+                <a:cs typeface="TH Sarabun New" pitchFamily="34" charset="-34"/>
+              </a:rPr>
+              <a:t>Web Browser) </a:t>
+            </a:r>
+            <a:r>
+              <a:rPr lang="th-TH" sz="2800" dirty="0" smtClean="0">
+                <a:latin typeface="TH Sarabun New" pitchFamily="34" charset="-34"/>
+                <a:cs typeface="TH Sarabun New" pitchFamily="34" charset="-34"/>
+              </a:rPr>
+              <a:t>ในคอมพิวเตอร์</a:t>
+            </a:r>
+            <a:r>
+              <a:rPr lang="th-TH" sz="2800" dirty="0">
+                <a:latin typeface="TH Sarabun New" pitchFamily="34" charset="-34"/>
+                <a:cs typeface="TH Sarabun New" pitchFamily="34" charset="-34"/>
+              </a:rPr>
+              <a:t>เท่านั้น</a:t>
+            </a:r>
+          </a:p>
+          <a:p>
+            <a:pPr marL="457200" indent="-457200">
+              <a:buAutoNum type="arabicPeriod" startAt="5"/>
+            </a:pPr>
+            <a:endParaRPr lang="th-TH" sz="2800" b="1" dirty="0">
+              <a:latin typeface="TH Sarabun New" pitchFamily="34" charset="-34"/>
+              <a:cs typeface="TH Sarabun New" pitchFamily="34" charset="-34"/>
+            </a:endParaRPr>
+          </a:p>
+        </p:txBody>
+      </p:sp>
+      <p:sp>
+        <p:nvSpPr>
+          <p:cNvPr id="4" name="Date Placeholder 3"/>
+          <p:cNvSpPr>
+            <a:spLocks noGrp="1"/>
+          </p:cNvSpPr>
+          <p:nvPr>
+            <p:ph type="dt" sz="half" idx="10"/>
+          </p:nvPr>
+        </p:nvSpPr>
+        <p:spPr/>
+        <p:txBody>
           <a:bodyPr/>
           <a:lstStyle/>
           <a:p>
             <a:r>
-              <a:rPr lang="th-TH" b="1" dirty="0">
-                <a:solidFill>
-                  <a:srgbClr val="C00000"/>
-                </a:solidFill>
-              </a:rPr>
-              <a:t>ทีมงานพัฒนาระบบ</a:t>
-            </a:r>
-            <a:endParaRPr lang="th-TH" dirty="0">
-              <a:solidFill>
-                <a:srgbClr val="C00000"/>
-              </a:solidFill>
-            </a:endParaRPr>
+              <a:rPr lang="en-US" smtClean="0"/>
+              <a:t>26 September 2015</a:t>
+            </a:r>
+            <a:endParaRPr lang="en-US"/>
+          </a:p>
+        </p:txBody>
+      </p:sp>
+      <p:sp>
+        <p:nvSpPr>
+          <p:cNvPr id="5" name="Footer Placeholder 4"/>
+          <p:cNvSpPr>
+            <a:spLocks noGrp="1"/>
+          </p:cNvSpPr>
+          <p:nvPr>
+            <p:ph type="ftr" sz="quarter" idx="3"/>
+          </p:nvPr>
+        </p:nvSpPr>
+        <p:spPr/>
+        <p:txBody>
+          <a:bodyPr/>
+          <a:lstStyle/>
+          <a:p>
+            <a:r>
+              <a:rPr lang="th-TH" smtClean="0"/>
+              <a:t>ระบบบริหารจัดการศูนย์ออกกำลังกาย</a:t>
+            </a:r>
+            <a:endParaRPr lang="en-US" dirty="0"/>
+          </a:p>
+        </p:txBody>
+      </p:sp>
+      <p:sp>
+        <p:nvSpPr>
+          <p:cNvPr id="6" name="Slide Number Placeholder 5"/>
+          <p:cNvSpPr>
+            <a:spLocks noGrp="1"/>
+          </p:cNvSpPr>
+          <p:nvPr>
+            <p:ph type="sldNum" sz="quarter" idx="12"/>
+          </p:nvPr>
+        </p:nvSpPr>
+        <p:spPr/>
+        <p:txBody>
+          <a:bodyPr/>
+          <a:lstStyle/>
+          <a:p>
+            <a:fld id="{C200352D-4569-3E41-9599-1BD1EAE34D42}" type="slidenum">
+              <a:rPr lang="en-US" smtClean="0"/>
+              <a:pPr/>
+              <a:t>33</a:t>
+            </a:fld>
+            <a:endParaRPr lang="en-US"/>
           </a:p>
         </p:txBody>
       </p:sp>
     </p:spTree>
     <p:extLst>
       <p:ext uri="{BB962C8B-B14F-4D97-AF65-F5344CB8AC3E}">
-        <p14:creationId xmlns:p14="http://schemas.microsoft.com/office/powerpoint/2010/main" val="3404809967"/>
+        <p14:creationId xmlns:p14="http://schemas.microsoft.com/office/powerpoint/2010/main" val="4050147286"/>
       </p:ext>
     </p:extLst>
   </p:cSld>
@@ -10333,450 +13222,121 @@
           <a:chExt cx="0" cy="0"/>
         </a:xfrm>
       </p:grpSpPr>
-      <p:sp>
-        <p:nvSpPr>
-          <p:cNvPr id="2" name="Oval 1"/>
+      <p:pic>
+        <p:nvPicPr>
+          <p:cNvPr id="5" name="Picture 4" descr="Flow_FitnessManagement_v0.5.jpg"/>
+          <p:cNvPicPr/>
+          <p:nvPr/>
+        </p:nvPicPr>
+        <p:blipFill>
+          <a:blip r:embed="rId2" cstate="print"/>
+          <a:stretch>
+            <a:fillRect/>
+          </a:stretch>
+        </p:blipFill>
+        <p:spPr>
+          <a:xfrm>
+            <a:off x="1488558" y="1626419"/>
+            <a:ext cx="6103089" cy="4152900"/>
+          </a:xfrm>
+          <a:prstGeom prst="rect">
+            <a:avLst/>
+          </a:prstGeom>
+          <a:ln>
+            <a:solidFill>
+              <a:schemeClr val="bg1">
+                <a:lumMod val="75000"/>
+              </a:schemeClr>
+            </a:solidFill>
+          </a:ln>
+        </p:spPr>
+      </p:pic>
+      <p:sp>
+        <p:nvSpPr>
+          <p:cNvPr id="6" name="ชื่อเรื่อง 5"/>
+          <p:cNvSpPr>
+            <a:spLocks noGrp="1"/>
+          </p:cNvSpPr>
+          <p:nvPr>
+            <p:ph type="title"/>
+          </p:nvPr>
+        </p:nvSpPr>
+        <p:spPr>
+          <a:xfrm>
+            <a:off x="851095" y="565752"/>
+            <a:ext cx="7365076" cy="851885"/>
+          </a:xfrm>
+        </p:spPr>
+        <p:txBody>
+          <a:bodyPr>
+            <a:normAutofit/>
+          </a:bodyPr>
+          <a:lstStyle/>
+          <a:p>
+            <a:pPr algn="l"/>
+            <a:r>
+              <a:rPr lang="th-TH" sz="4000" b="1" dirty="0">
+                <a:solidFill>
+                  <a:srgbClr val="C00000"/>
+                </a:solidFill>
+                <a:latin typeface="TH Sarabun New" pitchFamily="34" charset="-34"/>
+                <a:cs typeface="TH Sarabun New" pitchFamily="34" charset="-34"/>
+              </a:rPr>
+              <a:t>ทีมงานพัฒนาระบบ</a:t>
+            </a:r>
+            <a:endParaRPr lang="th-TH" sz="4000" dirty="0">
+              <a:solidFill>
+                <a:srgbClr val="C00000"/>
+              </a:solidFill>
+              <a:latin typeface="TH Sarabun New" pitchFamily="34" charset="-34"/>
+              <a:cs typeface="TH Sarabun New" pitchFamily="34" charset="-34"/>
+            </a:endParaRPr>
+          </a:p>
+        </p:txBody>
+      </p:sp>
+      <p:sp>
+        <p:nvSpPr>
+          <p:cNvPr id="4" name="Rectangle 3"/>
           <p:cNvSpPr/>
           <p:nvPr/>
         </p:nvSpPr>
         <p:spPr>
           <a:xfrm>
-            <a:off x="2535294" y="1640506"/>
-            <a:ext cx="1615615" cy="934279"/>
+            <a:off x="3203504" y="5933951"/>
+            <a:ext cx="2981907" cy="461665"/>
           </a:xfrm>
-          <a:prstGeom prst="ellipse">
+          <a:prstGeom prst="rect">
             <a:avLst/>
           </a:prstGeom>
         </p:spPr>
-        <p:style>
-          <a:lnRef idx="1">
-            <a:schemeClr val="accent4"/>
-          </a:lnRef>
-          <a:fillRef idx="3">
-            <a:schemeClr val="accent4"/>
-          </a:fillRef>
-          <a:effectRef idx="2">
-            <a:schemeClr val="accent4"/>
-          </a:effectRef>
-          <a:fontRef idx="minor">
-            <a:schemeClr val="lt1"/>
-          </a:fontRef>
-        </p:style>
-        <p:txBody>
-          <a:bodyPr rtlCol="0" anchor="ctr"/>
-          <a:lstStyle/>
-          <a:p>
-            <a:pPr algn="ctr"/>
-            <a:r>
-              <a:rPr lang="th-TH" sz="2400" dirty="0" smtClean="0"/>
-              <a:t>ผู้เกี่ยวข้อง</a:t>
-            </a:r>
-            <a:endParaRPr lang="th-TH" sz="2400" dirty="0"/>
-          </a:p>
-        </p:txBody>
-      </p:sp>
-      <p:sp>
-        <p:nvSpPr>
-          <p:cNvPr id="5" name="Rounded Rectangle 4"/>
-          <p:cNvSpPr/>
-          <p:nvPr/>
-        </p:nvSpPr>
-        <p:spPr>
-          <a:xfrm>
-            <a:off x="4038587" y="2538063"/>
-            <a:ext cx="3392557" cy="622852"/>
-          </a:xfrm>
-          <a:prstGeom prst="roundRect">
-            <a:avLst/>
-          </a:prstGeom>
-        </p:spPr>
-        <p:style>
-          <a:lnRef idx="1">
-            <a:schemeClr val="accent1"/>
-          </a:lnRef>
-          <a:fillRef idx="3">
-            <a:schemeClr val="accent1"/>
-          </a:fillRef>
-          <a:effectRef idx="2">
-            <a:schemeClr val="accent1"/>
-          </a:effectRef>
-          <a:fontRef idx="minor">
-            <a:schemeClr val="lt1"/>
-          </a:fontRef>
-        </p:style>
-        <p:txBody>
-          <a:bodyPr rtlCol="0" anchor="ctr"/>
-          <a:lstStyle/>
-          <a:p>
-            <a:pPr marL="0" lvl="2" algn="ctr"/>
-            <a:r>
-              <a:rPr lang="th-TH" sz="2400" dirty="0"/>
-              <a:t>ผู้บริหารศูนย์บริการออกกำลังกาย </a:t>
-            </a:r>
-          </a:p>
-        </p:txBody>
-      </p:sp>
-      <p:sp>
-        <p:nvSpPr>
-          <p:cNvPr id="6" name="Rounded Rectangle 5"/>
-          <p:cNvSpPr/>
-          <p:nvPr/>
-        </p:nvSpPr>
-        <p:spPr>
-          <a:xfrm>
-            <a:off x="4038587" y="3378748"/>
-            <a:ext cx="3392557" cy="596348"/>
-          </a:xfrm>
-          <a:prstGeom prst="roundRect">
-            <a:avLst/>
-          </a:prstGeom>
-        </p:spPr>
-        <p:style>
-          <a:lnRef idx="1">
-            <a:schemeClr val="accent1"/>
-          </a:lnRef>
-          <a:fillRef idx="3">
-            <a:schemeClr val="accent1"/>
-          </a:fillRef>
-          <a:effectRef idx="2">
-            <a:schemeClr val="accent1"/>
-          </a:effectRef>
-          <a:fontRef idx="minor">
-            <a:schemeClr val="lt1"/>
-          </a:fontRef>
-        </p:style>
-        <p:txBody>
-          <a:bodyPr rtlCol="0" anchor="ctr"/>
-          <a:lstStyle/>
-          <a:p>
-            <a:pPr marL="0" lvl="2" algn="ctr"/>
-            <a:r>
-              <a:rPr lang="th-TH" sz="2400" dirty="0"/>
-              <a:t>พนักงานบริการลูกค้า </a:t>
-            </a:r>
-          </a:p>
-        </p:txBody>
-      </p:sp>
-      <p:sp>
-        <p:nvSpPr>
-          <p:cNvPr id="7" name="Rounded Rectangle 6"/>
-          <p:cNvSpPr/>
-          <p:nvPr/>
-        </p:nvSpPr>
-        <p:spPr>
-          <a:xfrm>
-            <a:off x="4038585" y="4137440"/>
-            <a:ext cx="3392557" cy="569843"/>
-          </a:xfrm>
-          <a:prstGeom prst="roundRect">
-            <a:avLst/>
-          </a:prstGeom>
-        </p:spPr>
-        <p:style>
-          <a:lnRef idx="1">
-            <a:schemeClr val="accent1"/>
-          </a:lnRef>
-          <a:fillRef idx="3">
-            <a:schemeClr val="accent1"/>
-          </a:fillRef>
-          <a:effectRef idx="2">
-            <a:schemeClr val="accent1"/>
-          </a:effectRef>
-          <a:fontRef idx="minor">
-            <a:schemeClr val="lt1"/>
-          </a:fontRef>
-        </p:style>
-        <p:txBody>
-          <a:bodyPr rtlCol="0" anchor="ctr"/>
-          <a:lstStyle/>
-          <a:p>
-            <a:pPr marL="0" lvl="2" algn="ctr"/>
-            <a:r>
-              <a:rPr lang="th-TH" sz="2400" dirty="0"/>
-              <a:t>พนักงานฝ่ายบัญชี </a:t>
-            </a:r>
-          </a:p>
-        </p:txBody>
-      </p:sp>
-      <p:sp>
-        <p:nvSpPr>
-          <p:cNvPr id="8" name="Rounded Rectangle 7"/>
-          <p:cNvSpPr/>
-          <p:nvPr/>
-        </p:nvSpPr>
-        <p:spPr>
-          <a:xfrm>
-            <a:off x="4038587" y="4879562"/>
-            <a:ext cx="3392555" cy="546998"/>
-          </a:xfrm>
-          <a:prstGeom prst="roundRect">
-            <a:avLst/>
-          </a:prstGeom>
-        </p:spPr>
-        <p:style>
-          <a:lnRef idx="1">
-            <a:schemeClr val="accent1"/>
-          </a:lnRef>
-          <a:fillRef idx="3">
-            <a:schemeClr val="accent1"/>
-          </a:fillRef>
-          <a:effectRef idx="2">
-            <a:schemeClr val="accent1"/>
-          </a:effectRef>
-          <a:fontRef idx="minor">
-            <a:schemeClr val="lt1"/>
-          </a:fontRef>
-        </p:style>
-        <p:txBody>
-          <a:bodyPr rtlCol="0" anchor="ctr"/>
-          <a:lstStyle/>
-          <a:p>
-            <a:pPr marL="0" lvl="2" algn="ctr"/>
-            <a:r>
-              <a:rPr lang="th-TH" sz="2400" dirty="0"/>
-              <a:t>ผู้ช่วยฝึกส่วนบุคคล </a:t>
-            </a:r>
-          </a:p>
-        </p:txBody>
-      </p:sp>
-      <p:sp>
-        <p:nvSpPr>
-          <p:cNvPr id="9" name="Rounded Rectangle 8"/>
-          <p:cNvSpPr/>
-          <p:nvPr/>
-        </p:nvSpPr>
-        <p:spPr>
-          <a:xfrm>
-            <a:off x="4038587" y="5568675"/>
-            <a:ext cx="3392557" cy="450571"/>
-          </a:xfrm>
-          <a:prstGeom prst="roundRect">
-            <a:avLst/>
-          </a:prstGeom>
-        </p:spPr>
-        <p:style>
-          <a:lnRef idx="1">
-            <a:schemeClr val="accent1"/>
-          </a:lnRef>
-          <a:fillRef idx="3">
-            <a:schemeClr val="accent1"/>
-          </a:fillRef>
-          <a:effectRef idx="2">
-            <a:schemeClr val="accent1"/>
-          </a:effectRef>
-          <a:fontRef idx="minor">
-            <a:schemeClr val="lt1"/>
-          </a:fontRef>
-        </p:style>
-        <p:txBody>
-          <a:bodyPr rtlCol="0" anchor="ctr"/>
-          <a:lstStyle/>
-          <a:p>
-            <a:pPr algn="ctr"/>
-            <a:r>
-              <a:rPr lang="th-TH" sz="2400" dirty="0" smtClean="0"/>
-              <a:t>ลูกค้า</a:t>
-            </a:r>
-            <a:endParaRPr lang="th-TH" sz="2400" dirty="0"/>
-          </a:p>
-        </p:txBody>
-      </p:sp>
-      <p:cxnSp>
-        <p:nvCxnSpPr>
-          <p:cNvPr id="11" name="Straight Connector 10"/>
-          <p:cNvCxnSpPr>
-            <a:stCxn id="2" idx="4"/>
-          </p:cNvCxnSpPr>
-          <p:nvPr/>
-        </p:nvCxnSpPr>
-        <p:spPr>
-          <a:xfrm flipH="1">
-            <a:off x="3343101" y="2574785"/>
-            <a:ext cx="1" cy="3223593"/>
-          </a:xfrm>
-          <a:prstGeom prst="line">
-            <a:avLst/>
-          </a:prstGeom>
-        </p:spPr>
-        <p:style>
-          <a:lnRef idx="2">
-            <a:schemeClr val="accent1"/>
-          </a:lnRef>
-          <a:fillRef idx="0">
-            <a:schemeClr val="accent1"/>
-          </a:fillRef>
-          <a:effectRef idx="1">
-            <a:schemeClr val="accent1"/>
-          </a:effectRef>
-          <a:fontRef idx="minor">
-            <a:schemeClr val="tx1"/>
-          </a:fontRef>
-        </p:style>
-      </p:cxnSp>
-      <p:cxnSp>
-        <p:nvCxnSpPr>
-          <p:cNvPr id="13" name="Straight Connector 12"/>
-          <p:cNvCxnSpPr/>
-          <p:nvPr/>
-        </p:nvCxnSpPr>
-        <p:spPr>
-          <a:xfrm>
-            <a:off x="3362151" y="2948054"/>
-            <a:ext cx="676436" cy="0"/>
-          </a:xfrm>
-          <a:prstGeom prst="line">
-            <a:avLst/>
-          </a:prstGeom>
-        </p:spPr>
-        <p:style>
-          <a:lnRef idx="2">
-            <a:schemeClr val="accent1"/>
-          </a:lnRef>
-          <a:fillRef idx="0">
-            <a:schemeClr val="accent1"/>
-          </a:fillRef>
-          <a:effectRef idx="1">
-            <a:schemeClr val="accent1"/>
-          </a:effectRef>
-          <a:fontRef idx="minor">
-            <a:schemeClr val="tx1"/>
-          </a:fontRef>
-        </p:style>
-      </p:cxnSp>
-      <p:cxnSp>
-        <p:nvCxnSpPr>
-          <p:cNvPr id="15" name="Straight Connector 14"/>
-          <p:cNvCxnSpPr>
-            <a:endCxn id="6" idx="1"/>
-          </p:cNvCxnSpPr>
-          <p:nvPr/>
-        </p:nvCxnSpPr>
-        <p:spPr>
-          <a:xfrm>
-            <a:off x="3362152" y="3676922"/>
-            <a:ext cx="676435" cy="0"/>
-          </a:xfrm>
-          <a:prstGeom prst="line">
-            <a:avLst/>
-          </a:prstGeom>
-        </p:spPr>
-        <p:style>
-          <a:lnRef idx="2">
-            <a:schemeClr val="accent1"/>
-          </a:lnRef>
-          <a:fillRef idx="0">
-            <a:schemeClr val="accent1"/>
-          </a:fillRef>
-          <a:effectRef idx="1">
-            <a:schemeClr val="accent1"/>
-          </a:effectRef>
-          <a:fontRef idx="minor">
-            <a:schemeClr val="tx1"/>
-          </a:fontRef>
-        </p:style>
-      </p:cxnSp>
-      <p:cxnSp>
-        <p:nvCxnSpPr>
-          <p:cNvPr id="17" name="Straight Connector 16"/>
-          <p:cNvCxnSpPr>
-            <a:endCxn id="7" idx="1"/>
-          </p:cNvCxnSpPr>
-          <p:nvPr/>
-        </p:nvCxnSpPr>
-        <p:spPr>
-          <a:xfrm>
-            <a:off x="3362151" y="4422361"/>
-            <a:ext cx="676434" cy="1"/>
-          </a:xfrm>
-          <a:prstGeom prst="line">
-            <a:avLst/>
-          </a:prstGeom>
-        </p:spPr>
-        <p:style>
-          <a:lnRef idx="2">
-            <a:schemeClr val="accent1"/>
-          </a:lnRef>
-          <a:fillRef idx="0">
-            <a:schemeClr val="accent1"/>
-          </a:fillRef>
-          <a:effectRef idx="1">
-            <a:schemeClr val="accent1"/>
-          </a:effectRef>
-          <a:fontRef idx="minor">
-            <a:schemeClr val="tx1"/>
-          </a:fontRef>
-        </p:style>
-      </p:cxnSp>
-      <p:cxnSp>
-        <p:nvCxnSpPr>
-          <p:cNvPr id="19" name="Straight Connector 18"/>
-          <p:cNvCxnSpPr>
-            <a:endCxn id="8" idx="1"/>
-          </p:cNvCxnSpPr>
-          <p:nvPr/>
-        </p:nvCxnSpPr>
-        <p:spPr>
-          <a:xfrm>
-            <a:off x="3362152" y="5153061"/>
-            <a:ext cx="676435" cy="0"/>
-          </a:xfrm>
-          <a:prstGeom prst="line">
-            <a:avLst/>
-          </a:prstGeom>
-        </p:spPr>
-        <p:style>
-          <a:lnRef idx="2">
-            <a:schemeClr val="accent1"/>
-          </a:lnRef>
-          <a:fillRef idx="0">
-            <a:schemeClr val="accent1"/>
-          </a:fillRef>
-          <a:effectRef idx="1">
-            <a:schemeClr val="accent1"/>
-          </a:effectRef>
-          <a:fontRef idx="minor">
-            <a:schemeClr val="tx1"/>
-          </a:fontRef>
-        </p:style>
-      </p:cxnSp>
-      <p:cxnSp>
-        <p:nvCxnSpPr>
-          <p:cNvPr id="21" name="Straight Connector 20"/>
-          <p:cNvCxnSpPr/>
-          <p:nvPr/>
-        </p:nvCxnSpPr>
-        <p:spPr>
-          <a:xfrm>
-            <a:off x="3362152" y="5793961"/>
-            <a:ext cx="676435" cy="1"/>
-          </a:xfrm>
-          <a:prstGeom prst="line">
-            <a:avLst/>
-          </a:prstGeom>
-        </p:spPr>
-        <p:style>
-          <a:lnRef idx="2">
-            <a:schemeClr val="accent1"/>
-          </a:lnRef>
-          <a:fillRef idx="0">
-            <a:schemeClr val="accent1"/>
-          </a:fillRef>
-          <a:effectRef idx="1">
-            <a:schemeClr val="accent1"/>
-          </a:effectRef>
-          <a:fontRef idx="minor">
-            <a:schemeClr val="tx1"/>
-          </a:fontRef>
-        </p:style>
-      </p:cxnSp>
-      <p:sp>
-        <p:nvSpPr>
-          <p:cNvPr id="10" name="ชื่อเรื่อง 9"/>
-          <p:cNvSpPr>
-            <a:spLocks noGrp="1"/>
-          </p:cNvSpPr>
-          <p:nvPr>
-            <p:ph type="title"/>
+        <p:txBody>
+          <a:bodyPr wrap="none">
+            <a:spAutoFit/>
+          </a:bodyPr>
+          <a:lstStyle/>
+          <a:p>
+            <a:r>
+              <a:rPr lang="th-TH" sz="2400" b="1" dirty="0" smtClean="0">
+                <a:latin typeface="TH Sarabun New" pitchFamily="34" charset="-34"/>
+                <a:cs typeface="TH Sarabun New" pitchFamily="34" charset="-34"/>
+              </a:rPr>
+              <a:t>โครงสร้างของทีมงานพัฒนาระบบ</a:t>
+            </a:r>
+            <a:endParaRPr lang="th-TH" sz="2400" b="1" dirty="0">
+              <a:latin typeface="TH Sarabun New" pitchFamily="34" charset="-34"/>
+              <a:cs typeface="TH Sarabun New" pitchFamily="34" charset="-34"/>
+            </a:endParaRPr>
+          </a:p>
+        </p:txBody>
+      </p:sp>
+      <p:sp>
+        <p:nvSpPr>
+          <p:cNvPr id="2" name="Date Placeholder 1"/>
+          <p:cNvSpPr>
+            <a:spLocks noGrp="1"/>
+          </p:cNvSpPr>
+          <p:nvPr>
+            <p:ph type="dt" sz="half" idx="10"/>
           </p:nvPr>
         </p:nvSpPr>
         <p:spPr/>
@@ -10785,25 +13345,64 @@
           <a:lstStyle/>
           <a:p>
             <a:r>
-              <a:rPr lang="th-TH" b="1" dirty="0">
-                <a:solidFill>
-                  <a:srgbClr val="C00000"/>
-                </a:solidFill>
-              </a:rPr>
-              <a:t> ผู้ที่เกี่ยวข้อง</a:t>
-            </a:r>
-            <a:endParaRPr lang="th-TH" dirty="0">
-              <a:solidFill>
-                <a:srgbClr val="C00000"/>
-              </a:solidFill>
-            </a:endParaRPr>
+              <a:rPr lang="en-US" smtClean="0"/>
+              <a:t>26 September 2015</a:t>
+            </a:r>
+            <a:endParaRPr lang="en-US"/>
+          </a:p>
+        </p:txBody>
+      </p:sp>
+      <p:sp>
+        <p:nvSpPr>
+          <p:cNvPr id="3" name="Footer Placeholder 2"/>
+          <p:cNvSpPr>
+            <a:spLocks noGrp="1"/>
+          </p:cNvSpPr>
+          <p:nvPr>
+            <p:ph type="ftr" sz="quarter" idx="11"/>
+          </p:nvPr>
+        </p:nvSpPr>
+        <p:spPr/>
+        <p:txBody>
+          <a:bodyPr/>
+          <a:lstStyle/>
+          <a:p>
+            <a:r>
+              <a:rPr lang="th-TH" smtClean="0"/>
+              <a:t>ระบบบริหารจัดการศูนย์ออกกำลังกาย</a:t>
+            </a:r>
+            <a:endParaRPr lang="en-US"/>
+          </a:p>
+        </p:txBody>
+      </p:sp>
+      <p:sp>
+        <p:nvSpPr>
+          <p:cNvPr id="7" name="Slide Number Placeholder 6"/>
+          <p:cNvSpPr>
+            <a:spLocks noGrp="1"/>
+          </p:cNvSpPr>
+          <p:nvPr>
+            <p:ph type="sldNum" sz="quarter" idx="12"/>
+          </p:nvPr>
+        </p:nvSpPr>
+        <p:spPr/>
+        <p:txBody>
+          <a:bodyPr/>
+          <a:lstStyle/>
+          <a:p>
+            <a:fld id="{C200352D-4569-3E41-9599-1BD1EAE34D42}" type="slidenum">
+              <a:rPr lang="en-US" smtClean="0"/>
+              <a:pPr/>
+              <a:t>34</a:t>
+            </a:fld>
+            <a:endParaRPr lang="en-US"/>
           </a:p>
         </p:txBody>
       </p:sp>
     </p:spTree>
     <p:extLst>
       <p:ext uri="{BB962C8B-B14F-4D97-AF65-F5344CB8AC3E}">
-        <p14:creationId xmlns:p14="http://schemas.microsoft.com/office/powerpoint/2010/main" val="1963155781"/>
+        <p14:creationId xmlns:p14="http://schemas.microsoft.com/office/powerpoint/2010/main" val="1599187974"/>
       </p:ext>
     </p:extLst>
   </p:cSld>
@@ -10839,154 +13438,569 @@
       </p:grpSpPr>
       <p:sp>
         <p:nvSpPr>
-          <p:cNvPr id="3" name="Content Placeholder 2"/>
-          <p:cNvSpPr>
-            <a:spLocks noGrp="1"/>
-          </p:cNvSpPr>
-          <p:nvPr>
-            <p:ph idx="1"/>
-          </p:nvPr>
-        </p:nvSpPr>
-        <p:spPr/>
-        <p:txBody>
-          <a:bodyPr/>
-          <a:lstStyle/>
-          <a:p>
-            <a:pPr marL="0" indent="0">
-              <a:buNone/>
-            </a:pPr>
-            <a:r>
-              <a:rPr lang="th-TH" b="1" dirty="0" smtClean="0"/>
-              <a:t>   ความ</a:t>
-            </a:r>
-            <a:r>
-              <a:rPr lang="th-TH" b="1" dirty="0"/>
-              <a:t>เสี่ยงและแนวทางในการจัดการความเสี่ยงของ</a:t>
-            </a:r>
-            <a:r>
-              <a:rPr lang="th-TH" b="1" dirty="0" smtClean="0"/>
-              <a:t>โครงการ</a:t>
-            </a:r>
-          </a:p>
-          <a:p>
-            <a:pPr marL="0" indent="0">
-              <a:buNone/>
-            </a:pPr>
-            <a:endParaRPr lang="th-TH" b="1" dirty="0" smtClean="0"/>
-          </a:p>
-          <a:p>
-            <a:pPr marL="857250" lvl="1" indent="-457200">
-              <a:buFont typeface="+mj-lt"/>
-              <a:buAutoNum type="arabicPeriod"/>
-            </a:pPr>
-            <a:r>
-              <a:rPr lang="th-TH" sz="2400" dirty="0"/>
-              <a:t>ความเสี่ยงในการเก็บความต้องการฟังก์ชันการทำงานที่ไม่จำเป็นต่อระบบ</a:t>
-            </a:r>
-            <a:endParaRPr lang="en-US" sz="2400" dirty="0"/>
-          </a:p>
-          <a:p>
-            <a:pPr marL="857250" lvl="1" indent="-457200">
-              <a:buFont typeface="+mj-lt"/>
-              <a:buAutoNum type="arabicPeriod"/>
-            </a:pPr>
-            <a:r>
-              <a:rPr lang="th-TH" sz="2400" dirty="0"/>
-              <a:t>ความเสี่ยงในการพัฒนาฟังก์ชันที่ไม่ตรงต่อความต้องการของผู้ใช้ระบบ</a:t>
-            </a:r>
-            <a:endParaRPr lang="en-US" sz="2400" dirty="0"/>
-          </a:p>
-          <a:p>
-            <a:pPr marL="857250" lvl="1" indent="-457200">
-              <a:buFont typeface="+mj-lt"/>
-              <a:buAutoNum type="arabicPeriod"/>
-            </a:pPr>
-            <a:r>
-              <a:rPr lang="th-TH" sz="2400" dirty="0"/>
-              <a:t>ความเสี่ยงในความคุ้นเคยของระบบ</a:t>
-            </a:r>
-            <a:endParaRPr lang="en-US" sz="2400" dirty="0"/>
-          </a:p>
-          <a:p>
-            <a:pPr marL="0" indent="0">
-              <a:buNone/>
-            </a:pPr>
-            <a:endParaRPr lang="th-TH" b="1" dirty="0"/>
-          </a:p>
-        </p:txBody>
-      </p:sp>
-      <p:sp>
-        <p:nvSpPr>
-          <p:cNvPr id="4" name="Title 1"/>
-          <p:cNvSpPr txBox="1">
-            <a:spLocks/>
-          </p:cNvSpPr>
+          <p:cNvPr id="2" name="Oval 1"/>
+          <p:cNvSpPr/>
           <p:nvPr/>
         </p:nvSpPr>
         <p:spPr>
           <a:xfrm>
-            <a:off x="323528" y="-331440"/>
-            <a:ext cx="8229600" cy="1600200"/>
+            <a:off x="2183594" y="1640506"/>
+            <a:ext cx="1615615" cy="934279"/>
           </a:xfrm>
-          <a:prstGeom prst="rect">
+          <a:prstGeom prst="ellipse">
             <a:avLst/>
           </a:prstGeom>
         </p:spPr>
-        <p:txBody>
-          <a:bodyPr vert="horz" lIns="91440" tIns="45720" rIns="91440" bIns="45720" rtlCol="0" anchor="b">
-            <a:noAutofit/>
+        <p:style>
+          <a:lnRef idx="1">
+            <a:schemeClr val="accent2"/>
+          </a:lnRef>
+          <a:fillRef idx="2">
+            <a:schemeClr val="accent2"/>
+          </a:fillRef>
+          <a:effectRef idx="1">
+            <a:schemeClr val="accent2"/>
+          </a:effectRef>
+          <a:fontRef idx="minor">
+            <a:schemeClr val="dk1"/>
+          </a:fontRef>
+        </p:style>
+        <p:txBody>
+          <a:bodyPr rtlCol="0" anchor="ctr"/>
+          <a:lstStyle/>
+          <a:p>
+            <a:pPr algn="ctr"/>
+            <a:r>
+              <a:rPr lang="th-TH" sz="2400" b="1" dirty="0" smtClean="0">
+                <a:latin typeface="TH Sarabun New" pitchFamily="34" charset="-34"/>
+                <a:cs typeface="TH Sarabun New" pitchFamily="34" charset="-34"/>
+              </a:rPr>
+              <a:t>ผู้เกี่ยวข้อง</a:t>
+            </a:r>
+            <a:endParaRPr lang="th-TH" sz="2400" b="1" dirty="0">
+              <a:latin typeface="TH Sarabun New" pitchFamily="34" charset="-34"/>
+              <a:cs typeface="TH Sarabun New" pitchFamily="34" charset="-34"/>
+            </a:endParaRPr>
+          </a:p>
+        </p:txBody>
+      </p:sp>
+      <p:sp>
+        <p:nvSpPr>
+          <p:cNvPr id="5" name="Rounded Rectangle 4"/>
+          <p:cNvSpPr/>
+          <p:nvPr/>
+        </p:nvSpPr>
+        <p:spPr>
+          <a:xfrm>
+            <a:off x="3686887" y="2538063"/>
+            <a:ext cx="3392557" cy="622852"/>
+          </a:xfrm>
+          <a:prstGeom prst="roundRect">
+            <a:avLst/>
+          </a:prstGeom>
+        </p:spPr>
+        <p:style>
+          <a:lnRef idx="1">
+            <a:schemeClr val="accent2"/>
+          </a:lnRef>
+          <a:fillRef idx="3">
+            <a:schemeClr val="accent2"/>
+          </a:fillRef>
+          <a:effectRef idx="2">
+            <a:schemeClr val="accent2"/>
+          </a:effectRef>
+          <a:fontRef idx="minor">
+            <a:schemeClr val="lt1"/>
+          </a:fontRef>
+        </p:style>
+        <p:txBody>
+          <a:bodyPr rtlCol="0" anchor="ctr"/>
+          <a:lstStyle/>
+          <a:p>
+            <a:pPr marL="0" lvl="2" algn="ctr"/>
+            <a:r>
+              <a:rPr lang="th-TH" sz="2400" b="1" dirty="0">
+                <a:latin typeface="TH Sarabun New" pitchFamily="34" charset="-34"/>
+                <a:cs typeface="TH Sarabun New" pitchFamily="34" charset="-34"/>
+              </a:rPr>
+              <a:t>ผู้บริหารศูนย์บริการออกกำลังกาย </a:t>
+            </a:r>
+          </a:p>
+        </p:txBody>
+      </p:sp>
+      <p:sp>
+        <p:nvSpPr>
+          <p:cNvPr id="6" name="Rounded Rectangle 5"/>
+          <p:cNvSpPr/>
+          <p:nvPr/>
+        </p:nvSpPr>
+        <p:spPr>
+          <a:xfrm>
+            <a:off x="3686887" y="3378748"/>
+            <a:ext cx="3392557" cy="596348"/>
+          </a:xfrm>
+          <a:prstGeom prst="roundRect">
+            <a:avLst/>
+          </a:prstGeom>
+        </p:spPr>
+        <p:style>
+          <a:lnRef idx="1">
+            <a:schemeClr val="accent2"/>
+          </a:lnRef>
+          <a:fillRef idx="3">
+            <a:schemeClr val="accent2"/>
+          </a:fillRef>
+          <a:effectRef idx="2">
+            <a:schemeClr val="accent2"/>
+          </a:effectRef>
+          <a:fontRef idx="minor">
+            <a:schemeClr val="lt1"/>
+          </a:fontRef>
+        </p:style>
+        <p:txBody>
+          <a:bodyPr rtlCol="0" anchor="ctr"/>
+          <a:lstStyle/>
+          <a:p>
+            <a:pPr marL="0" lvl="2" algn="ctr"/>
+            <a:r>
+              <a:rPr lang="th-TH" sz="2400" b="1" dirty="0">
+                <a:latin typeface="TH Sarabun New" pitchFamily="34" charset="-34"/>
+                <a:cs typeface="TH Sarabun New" pitchFamily="34" charset="-34"/>
+              </a:rPr>
+              <a:t>พนักงานบริการลูกค้า </a:t>
+            </a:r>
+          </a:p>
+        </p:txBody>
+      </p:sp>
+      <p:sp>
+        <p:nvSpPr>
+          <p:cNvPr id="7" name="Rounded Rectangle 6"/>
+          <p:cNvSpPr/>
+          <p:nvPr/>
+        </p:nvSpPr>
+        <p:spPr>
+          <a:xfrm>
+            <a:off x="3686885" y="4137440"/>
+            <a:ext cx="3392557" cy="569843"/>
+          </a:xfrm>
+          <a:prstGeom prst="roundRect">
+            <a:avLst/>
+          </a:prstGeom>
+        </p:spPr>
+        <p:style>
+          <a:lnRef idx="1">
+            <a:schemeClr val="accent2"/>
+          </a:lnRef>
+          <a:fillRef idx="3">
+            <a:schemeClr val="accent2"/>
+          </a:fillRef>
+          <a:effectRef idx="2">
+            <a:schemeClr val="accent2"/>
+          </a:effectRef>
+          <a:fontRef idx="minor">
+            <a:schemeClr val="lt1"/>
+          </a:fontRef>
+        </p:style>
+        <p:txBody>
+          <a:bodyPr rtlCol="0" anchor="ctr"/>
+          <a:lstStyle/>
+          <a:p>
+            <a:pPr marL="0" lvl="2" algn="ctr"/>
+            <a:r>
+              <a:rPr lang="th-TH" sz="2400" b="1" dirty="0">
+                <a:latin typeface="TH Sarabun New" pitchFamily="34" charset="-34"/>
+                <a:cs typeface="TH Sarabun New" pitchFamily="34" charset="-34"/>
+              </a:rPr>
+              <a:t>พนักงานฝ่ายบัญชี </a:t>
+            </a:r>
+          </a:p>
+        </p:txBody>
+      </p:sp>
+      <p:sp>
+        <p:nvSpPr>
+          <p:cNvPr id="8" name="Rounded Rectangle 7"/>
+          <p:cNvSpPr/>
+          <p:nvPr/>
+        </p:nvSpPr>
+        <p:spPr>
+          <a:xfrm>
+            <a:off x="3686887" y="4879562"/>
+            <a:ext cx="3392555" cy="546998"/>
+          </a:xfrm>
+          <a:prstGeom prst="roundRect">
+            <a:avLst/>
+          </a:prstGeom>
+        </p:spPr>
+        <p:style>
+          <a:lnRef idx="1">
+            <a:schemeClr val="accent2"/>
+          </a:lnRef>
+          <a:fillRef idx="3">
+            <a:schemeClr val="accent2"/>
+          </a:fillRef>
+          <a:effectRef idx="2">
+            <a:schemeClr val="accent2"/>
+          </a:effectRef>
+          <a:fontRef idx="minor">
+            <a:schemeClr val="lt1"/>
+          </a:fontRef>
+        </p:style>
+        <p:txBody>
+          <a:bodyPr rtlCol="0" anchor="ctr"/>
+          <a:lstStyle/>
+          <a:p>
+            <a:pPr marL="0" lvl="2" algn="ctr"/>
+            <a:r>
+              <a:rPr lang="th-TH" sz="2400" b="1" dirty="0">
+                <a:latin typeface="TH Sarabun New" pitchFamily="34" charset="-34"/>
+                <a:cs typeface="TH Sarabun New" pitchFamily="34" charset="-34"/>
+              </a:rPr>
+              <a:t>ผู้ช่วยฝึกส่วนบุคคล </a:t>
+            </a:r>
+          </a:p>
+        </p:txBody>
+      </p:sp>
+      <p:sp>
+        <p:nvSpPr>
+          <p:cNvPr id="9" name="Rounded Rectangle 8"/>
+          <p:cNvSpPr/>
+          <p:nvPr/>
+        </p:nvSpPr>
+        <p:spPr>
+          <a:xfrm>
+            <a:off x="3686887" y="5568675"/>
+            <a:ext cx="3392557" cy="450571"/>
+          </a:xfrm>
+          <a:prstGeom prst="roundRect">
+            <a:avLst/>
+          </a:prstGeom>
+        </p:spPr>
+        <p:style>
+          <a:lnRef idx="1">
+            <a:schemeClr val="accent2"/>
+          </a:lnRef>
+          <a:fillRef idx="3">
+            <a:schemeClr val="accent2"/>
+          </a:fillRef>
+          <a:effectRef idx="2">
+            <a:schemeClr val="accent2"/>
+          </a:effectRef>
+          <a:fontRef idx="minor">
+            <a:schemeClr val="lt1"/>
+          </a:fontRef>
+        </p:style>
+        <p:txBody>
+          <a:bodyPr rtlCol="0" anchor="ctr"/>
+          <a:lstStyle/>
+          <a:p>
+            <a:pPr algn="ctr"/>
+            <a:r>
+              <a:rPr lang="th-TH" sz="2400" b="1" dirty="0" smtClean="0">
+                <a:latin typeface="TH Sarabun New" pitchFamily="34" charset="-34"/>
+                <a:cs typeface="TH Sarabun New" pitchFamily="34" charset="-34"/>
+              </a:rPr>
+              <a:t>ลูกค้า</a:t>
+            </a:r>
+            <a:endParaRPr lang="th-TH" sz="2400" b="1" dirty="0">
+              <a:latin typeface="TH Sarabun New" pitchFamily="34" charset="-34"/>
+              <a:cs typeface="TH Sarabun New" pitchFamily="34" charset="-34"/>
+            </a:endParaRPr>
+          </a:p>
+        </p:txBody>
+      </p:sp>
+      <p:cxnSp>
+        <p:nvCxnSpPr>
+          <p:cNvPr id="11" name="Straight Connector 10"/>
+          <p:cNvCxnSpPr>
+            <a:stCxn id="2" idx="4"/>
+          </p:cNvCxnSpPr>
+          <p:nvPr/>
+        </p:nvCxnSpPr>
+        <p:spPr>
+          <a:xfrm flipH="1">
+            <a:off x="2991401" y="2574785"/>
+            <a:ext cx="1" cy="3223593"/>
+          </a:xfrm>
+          <a:prstGeom prst="line">
+            <a:avLst/>
+          </a:prstGeom>
+        </p:spPr>
+        <p:style>
+          <a:lnRef idx="1">
+            <a:schemeClr val="accent2"/>
+          </a:lnRef>
+          <a:fillRef idx="3">
+            <a:schemeClr val="accent2"/>
+          </a:fillRef>
+          <a:effectRef idx="2">
+            <a:schemeClr val="accent2"/>
+          </a:effectRef>
+          <a:fontRef idx="minor">
+            <a:schemeClr val="lt1"/>
+          </a:fontRef>
+        </p:style>
+      </p:cxnSp>
+      <p:cxnSp>
+        <p:nvCxnSpPr>
+          <p:cNvPr id="13" name="Straight Connector 12"/>
+          <p:cNvCxnSpPr/>
+          <p:nvPr/>
+        </p:nvCxnSpPr>
+        <p:spPr>
+          <a:xfrm>
+            <a:off x="3010451" y="2948054"/>
+            <a:ext cx="676436" cy="0"/>
+          </a:xfrm>
+          <a:prstGeom prst="line">
+            <a:avLst/>
+          </a:prstGeom>
+        </p:spPr>
+        <p:style>
+          <a:lnRef idx="1">
+            <a:schemeClr val="accent2"/>
+          </a:lnRef>
+          <a:fillRef idx="3">
+            <a:schemeClr val="accent2"/>
+          </a:fillRef>
+          <a:effectRef idx="2">
+            <a:schemeClr val="accent2"/>
+          </a:effectRef>
+          <a:fontRef idx="minor">
+            <a:schemeClr val="lt1"/>
+          </a:fontRef>
+        </p:style>
+      </p:cxnSp>
+      <p:cxnSp>
+        <p:nvCxnSpPr>
+          <p:cNvPr id="15" name="Straight Connector 14"/>
+          <p:cNvCxnSpPr>
+            <a:endCxn id="6" idx="1"/>
+          </p:cNvCxnSpPr>
+          <p:nvPr/>
+        </p:nvCxnSpPr>
+        <p:spPr>
+          <a:xfrm>
+            <a:off x="3010452" y="3676922"/>
+            <a:ext cx="676435" cy="0"/>
+          </a:xfrm>
+          <a:prstGeom prst="line">
+            <a:avLst/>
+          </a:prstGeom>
+        </p:spPr>
+        <p:style>
+          <a:lnRef idx="1">
+            <a:schemeClr val="accent2"/>
+          </a:lnRef>
+          <a:fillRef idx="3">
+            <a:schemeClr val="accent2"/>
+          </a:fillRef>
+          <a:effectRef idx="2">
+            <a:schemeClr val="accent2"/>
+          </a:effectRef>
+          <a:fontRef idx="minor">
+            <a:schemeClr val="lt1"/>
+          </a:fontRef>
+        </p:style>
+      </p:cxnSp>
+      <p:cxnSp>
+        <p:nvCxnSpPr>
+          <p:cNvPr id="17" name="Straight Connector 16"/>
+          <p:cNvCxnSpPr>
+            <a:endCxn id="7" idx="1"/>
+          </p:cNvCxnSpPr>
+          <p:nvPr/>
+        </p:nvCxnSpPr>
+        <p:spPr>
+          <a:xfrm>
+            <a:off x="3010451" y="4422361"/>
+            <a:ext cx="676434" cy="1"/>
+          </a:xfrm>
+          <a:prstGeom prst="line">
+            <a:avLst/>
+          </a:prstGeom>
+        </p:spPr>
+        <p:style>
+          <a:lnRef idx="1">
+            <a:schemeClr val="accent2"/>
+          </a:lnRef>
+          <a:fillRef idx="3">
+            <a:schemeClr val="accent2"/>
+          </a:fillRef>
+          <a:effectRef idx="2">
+            <a:schemeClr val="accent2"/>
+          </a:effectRef>
+          <a:fontRef idx="minor">
+            <a:schemeClr val="lt1"/>
+          </a:fontRef>
+        </p:style>
+      </p:cxnSp>
+      <p:cxnSp>
+        <p:nvCxnSpPr>
+          <p:cNvPr id="19" name="Straight Connector 18"/>
+          <p:cNvCxnSpPr>
+            <a:endCxn id="8" idx="1"/>
+          </p:cNvCxnSpPr>
+          <p:nvPr/>
+        </p:nvCxnSpPr>
+        <p:spPr>
+          <a:xfrm>
+            <a:off x="3010452" y="5153061"/>
+            <a:ext cx="676435" cy="0"/>
+          </a:xfrm>
+          <a:prstGeom prst="line">
+            <a:avLst/>
+          </a:prstGeom>
+        </p:spPr>
+        <p:style>
+          <a:lnRef idx="1">
+            <a:schemeClr val="accent2"/>
+          </a:lnRef>
+          <a:fillRef idx="3">
+            <a:schemeClr val="accent2"/>
+          </a:fillRef>
+          <a:effectRef idx="2">
+            <a:schemeClr val="accent2"/>
+          </a:effectRef>
+          <a:fontRef idx="minor">
+            <a:schemeClr val="lt1"/>
+          </a:fontRef>
+        </p:style>
+      </p:cxnSp>
+      <p:cxnSp>
+        <p:nvCxnSpPr>
+          <p:cNvPr id="21" name="Straight Connector 20"/>
+          <p:cNvCxnSpPr/>
+          <p:nvPr/>
+        </p:nvCxnSpPr>
+        <p:spPr>
+          <a:xfrm>
+            <a:off x="3010452" y="5793961"/>
+            <a:ext cx="676435" cy="1"/>
+          </a:xfrm>
+          <a:prstGeom prst="line">
+            <a:avLst/>
+          </a:prstGeom>
+        </p:spPr>
+        <p:style>
+          <a:lnRef idx="1">
+            <a:schemeClr val="accent2"/>
+          </a:lnRef>
+          <a:fillRef idx="3">
+            <a:schemeClr val="accent2"/>
+          </a:fillRef>
+          <a:effectRef idx="2">
+            <a:schemeClr val="accent2"/>
+          </a:effectRef>
+          <a:fontRef idx="minor">
+            <a:schemeClr val="lt1"/>
+          </a:fontRef>
+        </p:style>
+      </p:cxnSp>
+      <p:sp>
+        <p:nvSpPr>
+          <p:cNvPr id="10" name="ชื่อเรื่อง 9"/>
+          <p:cNvSpPr>
+            <a:spLocks noGrp="1"/>
+          </p:cNvSpPr>
+          <p:nvPr>
+            <p:ph type="title"/>
+          </p:nvPr>
+        </p:nvSpPr>
+        <p:spPr/>
+        <p:txBody>
+          <a:bodyPr>
+            <a:normAutofit/>
           </a:bodyPr>
-          <a:lstStyle>
-            <a:lvl1pPr algn="ctr" defTabSz="914400" rtl="0" eaLnBrk="1" latinLnBrk="0" hangingPunct="1">
-              <a:lnSpc>
-                <a:spcPts val="5800"/>
-              </a:lnSpc>
-              <a:spcBef>
-                <a:spcPct val="0"/>
-              </a:spcBef>
-              <a:buNone/>
-              <a:defRPr sz="5400" kern="1200">
+          <a:lstStyle/>
+          <a:p>
+            <a:pPr algn="l"/>
+            <a:r>
+              <a:rPr lang="th-TH" sz="4000" b="1" dirty="0">
                 <a:solidFill>
-                  <a:schemeClr val="tx2"/>
+                  <a:srgbClr val="C00000"/>
                 </a:solidFill>
-                <a:effectLst>
-                  <a:outerShdw blurRad="63500" dist="38100" dir="5400000" algn="t" rotWithShape="0">
-                    <a:prstClr val="black">
-                      <a:alpha val="25000"/>
-                    </a:prstClr>
-                  </a:outerShdw>
-                </a:effectLst>
-                <a:latin typeface="+mn-lt"/>
-                <a:ea typeface="+mj-ea"/>
-                <a:cs typeface="+mj-cs"/>
-              </a:defRPr>
-            </a:lvl1pPr>
-          </a:lstStyle>
-          <a:p>
-            <a:pPr algn="l"/>
-            <a:r>
-              <a:rPr lang="th-TH" dirty="0" smtClean="0">
-                <a:solidFill>
-                  <a:srgbClr val="2F5897"/>
-                </a:solidFill>
-              </a:rPr>
-              <a:t>	แผนการ</a:t>
-            </a:r>
-            <a:r>
-              <a:rPr lang="th-TH" dirty="0">
-                <a:solidFill>
-                  <a:srgbClr val="2F5897"/>
-                </a:solidFill>
-              </a:rPr>
-              <a:t>พัฒนาระบบ</a:t>
-            </a:r>
+                <a:latin typeface="TH Sarabun New" pitchFamily="34" charset="-34"/>
+                <a:cs typeface="TH Sarabun New" pitchFamily="34" charset="-34"/>
+              </a:rPr>
+              <a:t> ผู้ที่เกี่ยวข้อง</a:t>
+            </a:r>
+          </a:p>
+        </p:txBody>
+      </p:sp>
+      <p:sp>
+        <p:nvSpPr>
+          <p:cNvPr id="3" name="Date Placeholder 2"/>
+          <p:cNvSpPr>
+            <a:spLocks noGrp="1"/>
+          </p:cNvSpPr>
+          <p:nvPr>
+            <p:ph type="dt" sz="half" idx="10"/>
+          </p:nvPr>
+        </p:nvSpPr>
+        <p:spPr/>
+        <p:txBody>
+          <a:bodyPr/>
+          <a:lstStyle/>
+          <a:p>
+            <a:r>
+              <a:rPr lang="en-US" smtClean="0"/>
+              <a:t>26 September 2015</a:t>
+            </a:r>
+            <a:endParaRPr lang="en-US"/>
+          </a:p>
+        </p:txBody>
+      </p:sp>
+      <p:sp>
+        <p:nvSpPr>
+          <p:cNvPr id="4" name="Footer Placeholder 3"/>
+          <p:cNvSpPr>
+            <a:spLocks noGrp="1"/>
+          </p:cNvSpPr>
+          <p:nvPr>
+            <p:ph type="ftr" sz="quarter" idx="11"/>
+          </p:nvPr>
+        </p:nvSpPr>
+        <p:spPr/>
+        <p:txBody>
+          <a:bodyPr/>
+          <a:lstStyle/>
+          <a:p>
+            <a:r>
+              <a:rPr lang="th-TH" smtClean="0"/>
+              <a:t>ระบบบริหารจัดการศูนย์ออกกำลังกาย</a:t>
+            </a:r>
+            <a:endParaRPr lang="en-US"/>
+          </a:p>
+        </p:txBody>
+      </p:sp>
+      <p:sp>
+        <p:nvSpPr>
+          <p:cNvPr id="12" name="Slide Number Placeholder 11"/>
+          <p:cNvSpPr>
+            <a:spLocks noGrp="1"/>
+          </p:cNvSpPr>
+          <p:nvPr>
+            <p:ph type="sldNum" sz="quarter" idx="12"/>
+          </p:nvPr>
+        </p:nvSpPr>
+        <p:spPr/>
+        <p:txBody>
+          <a:bodyPr/>
+          <a:lstStyle/>
+          <a:p>
+            <a:fld id="{C200352D-4569-3E41-9599-1BD1EAE34D42}" type="slidenum">
+              <a:rPr lang="en-US" smtClean="0"/>
+              <a:pPr/>
+              <a:t>35</a:t>
+            </a:fld>
+            <a:endParaRPr lang="en-US"/>
           </a:p>
         </p:txBody>
       </p:sp>
     </p:spTree>
     <p:extLst>
       <p:ext uri="{BB962C8B-B14F-4D97-AF65-F5344CB8AC3E}">
-        <p14:creationId xmlns:p14="http://schemas.microsoft.com/office/powerpoint/2010/main" val="2708428004"/>
+        <p14:creationId xmlns:p14="http://schemas.microsoft.com/office/powerpoint/2010/main" val="3835429473"/>
       </p:ext>
     </p:extLst>
   </p:cSld>
@@ -11004,6 +14018,416 @@
 </file>
 
 <file path=ppt/slides/slide36.xml><?xml version="1.0" encoding="utf-8"?>
+<p:sld xmlns:a="http://schemas.openxmlformats.org/drawingml/2006/main" xmlns:r="http://schemas.openxmlformats.org/officeDocument/2006/relationships" xmlns:p="http://schemas.openxmlformats.org/presentationml/2006/main">
+  <p:cSld>
+    <p:spTree>
+      <p:nvGrpSpPr>
+        <p:cNvPr id="1" name=""/>
+        <p:cNvGrpSpPr/>
+        <p:nvPr/>
+      </p:nvGrpSpPr>
+      <p:grpSpPr>
+        <a:xfrm>
+          <a:off x="0" y="0"/>
+          <a:ext cx="0" cy="0"/>
+          <a:chOff x="0" y="0"/>
+          <a:chExt cx="0" cy="0"/>
+        </a:xfrm>
+      </p:grpSpPr>
+      <p:sp>
+        <p:nvSpPr>
+          <p:cNvPr id="3" name="Content Placeholder 2"/>
+          <p:cNvSpPr>
+            <a:spLocks noGrp="1"/>
+          </p:cNvSpPr>
+          <p:nvPr>
+            <p:ph idx="1"/>
+          </p:nvPr>
+        </p:nvSpPr>
+        <p:spPr>
+          <a:xfrm>
+            <a:off x="851095" y="1600200"/>
+            <a:ext cx="7835705" cy="4525963"/>
+          </a:xfrm>
+        </p:spPr>
+        <p:txBody>
+          <a:bodyPr>
+            <a:noAutofit/>
+          </a:bodyPr>
+          <a:lstStyle/>
+          <a:p>
+            <a:pPr>
+              <a:buFont typeface="Wingdings" pitchFamily="2" charset="2"/>
+              <a:buChar char="v"/>
+            </a:pPr>
+            <a:r>
+              <a:rPr lang="en-US" sz="2400" dirty="0">
+                <a:solidFill>
+                  <a:schemeClr val="tx1"/>
+                </a:solidFill>
+                <a:latin typeface="TH Sarabun New" pitchFamily="34" charset="-34"/>
+                <a:cs typeface="TH Sarabun New" pitchFamily="34" charset="-34"/>
+              </a:rPr>
+              <a:t>MVC Architecture (2015) Google Chrome; https://developer.chrome.com/static/images/mvc.png (</a:t>
+            </a:r>
+            <a:r>
+              <a:rPr lang="th-TH" sz="2400" dirty="0">
+                <a:solidFill>
+                  <a:schemeClr val="tx1"/>
+                </a:solidFill>
+                <a:latin typeface="TH Sarabun New" pitchFamily="34" charset="-34"/>
+                <a:cs typeface="TH Sarabun New" pitchFamily="34" charset="-34"/>
+              </a:rPr>
+              <a:t>เข้าใช้เมื่อวันที่ </a:t>
+            </a:r>
+            <a:r>
+              <a:rPr lang="en-US" sz="2400" dirty="0">
+                <a:solidFill>
+                  <a:schemeClr val="tx1"/>
+                </a:solidFill>
+                <a:latin typeface="TH Sarabun New" pitchFamily="34" charset="-34"/>
+                <a:cs typeface="TH Sarabun New" pitchFamily="34" charset="-34"/>
+              </a:rPr>
+              <a:t>9</a:t>
+            </a:r>
+            <a:r>
+              <a:rPr lang="th-TH" sz="2400" dirty="0">
+                <a:solidFill>
+                  <a:schemeClr val="tx1"/>
+                </a:solidFill>
+                <a:latin typeface="TH Sarabun New" pitchFamily="34" charset="-34"/>
+                <a:cs typeface="TH Sarabun New" pitchFamily="34" charset="-34"/>
+              </a:rPr>
+              <a:t> กันยายน </a:t>
+            </a:r>
+            <a:r>
+              <a:rPr lang="en-US" sz="2400" dirty="0">
+                <a:solidFill>
+                  <a:schemeClr val="tx1"/>
+                </a:solidFill>
+                <a:latin typeface="TH Sarabun New" pitchFamily="34" charset="-34"/>
+                <a:cs typeface="TH Sarabun New" pitchFamily="34" charset="-34"/>
+              </a:rPr>
+              <a:t>2558) </a:t>
+            </a:r>
+          </a:p>
+          <a:p>
+            <a:pPr>
+              <a:buFont typeface="Wingdings" pitchFamily="2" charset="2"/>
+              <a:buChar char="v"/>
+            </a:pPr>
+            <a:r>
+              <a:rPr lang="th-TH" sz="2400" dirty="0">
+                <a:solidFill>
+                  <a:schemeClr val="tx1"/>
+                </a:solidFill>
+                <a:latin typeface="TH Sarabun New" pitchFamily="34" charset="-34"/>
+                <a:cs typeface="TH Sarabun New" pitchFamily="34" charset="-34"/>
+              </a:rPr>
+              <a:t>กระบวนการทำงานแบบ Phased Development-based Methodology (2553) [Blog] </a:t>
+            </a:r>
+            <a:r>
+              <a:rPr lang="th-TH" sz="2400" dirty="0" smtClean="0">
+                <a:solidFill>
+                  <a:schemeClr val="tx1"/>
+                </a:solidFill>
+                <a:latin typeface="TH Sarabun New" pitchFamily="34" charset="-34"/>
+                <a:cs typeface="TH Sarabun New" pitchFamily="34" charset="-34"/>
+              </a:rPr>
+              <a:t>At http</a:t>
+            </a:r>
+            <a:r>
+              <a:rPr lang="th-TH" sz="2400" dirty="0">
+                <a:solidFill>
+                  <a:schemeClr val="tx1"/>
+                </a:solidFill>
+                <a:latin typeface="TH Sarabun New" pitchFamily="34" charset="-34"/>
+                <a:cs typeface="TH Sarabun New" pitchFamily="34" charset="-34"/>
+              </a:rPr>
+              <a:t>://2.bp.blogspot.com/_KjviXqR9JwQ/TO8sbH2x3PI/AAAAAAAAABk/4Ff7uCNeJJo/s1600/66.jpg </a:t>
+            </a:r>
+            <a:r>
+              <a:rPr lang="th-TH" sz="2400" dirty="0" smtClean="0">
+                <a:solidFill>
+                  <a:schemeClr val="tx1"/>
+                </a:solidFill>
+                <a:latin typeface="TH Sarabun New" pitchFamily="34" charset="-34"/>
+                <a:cs typeface="TH Sarabun New" pitchFamily="34" charset="-34"/>
+              </a:rPr>
+              <a:t> (</a:t>
+            </a:r>
+            <a:r>
+              <a:rPr lang="th-TH" sz="2400" dirty="0">
+                <a:solidFill>
+                  <a:schemeClr val="tx1"/>
+                </a:solidFill>
+                <a:latin typeface="TH Sarabun New" pitchFamily="34" charset="-34"/>
+                <a:cs typeface="TH Sarabun New" pitchFamily="34" charset="-34"/>
+              </a:rPr>
+              <a:t>เข้าใช้เมื่อวันที่ </a:t>
+            </a:r>
+            <a:r>
+              <a:rPr lang="en-US" sz="2400" dirty="0">
+                <a:solidFill>
+                  <a:schemeClr val="tx1"/>
+                </a:solidFill>
+                <a:latin typeface="TH Sarabun New" pitchFamily="34" charset="-34"/>
+                <a:cs typeface="TH Sarabun New" pitchFamily="34" charset="-34"/>
+              </a:rPr>
+              <a:t>9</a:t>
+            </a:r>
+            <a:r>
+              <a:rPr lang="th-TH" sz="2400" dirty="0">
+                <a:solidFill>
+                  <a:schemeClr val="tx1"/>
+                </a:solidFill>
+                <a:latin typeface="TH Sarabun New" pitchFamily="34" charset="-34"/>
+                <a:cs typeface="TH Sarabun New" pitchFamily="34" charset="-34"/>
+              </a:rPr>
+              <a:t> กันยายน </a:t>
+            </a:r>
+            <a:r>
+              <a:rPr lang="en-US" sz="2400" dirty="0">
+                <a:solidFill>
+                  <a:schemeClr val="tx1"/>
+                </a:solidFill>
+                <a:latin typeface="TH Sarabun New" pitchFamily="34" charset="-34"/>
+                <a:cs typeface="TH Sarabun New" pitchFamily="34" charset="-34"/>
+              </a:rPr>
+              <a:t>2558) </a:t>
+            </a:r>
+            <a:endParaRPr lang="en-US" sz="2400" dirty="0" smtClean="0">
+              <a:solidFill>
+                <a:schemeClr val="tx1"/>
+              </a:solidFill>
+              <a:latin typeface="TH Sarabun New" pitchFamily="34" charset="-34"/>
+              <a:cs typeface="TH Sarabun New" pitchFamily="34" charset="-34"/>
+            </a:endParaRPr>
+          </a:p>
+          <a:p>
+            <a:pPr>
+              <a:buFont typeface="Wingdings" pitchFamily="2" charset="2"/>
+              <a:buChar char="v"/>
+            </a:pPr>
+            <a:r>
+              <a:rPr lang="en-US" sz="2400" dirty="0">
+                <a:solidFill>
+                  <a:schemeClr val="tx1"/>
+                </a:solidFill>
+                <a:latin typeface="TH Sarabun New" pitchFamily="34" charset="-34"/>
+                <a:cs typeface="TH Sarabun New" pitchFamily="34" charset="-34"/>
+              </a:rPr>
+              <a:t>https://www.linkedin.com/pulse/20140902203109-18203364-feasibility-taking-the-fear-out-of-fha-203k</a:t>
+            </a:r>
+            <a:endParaRPr lang="en-US" sz="2400" dirty="0" smtClean="0">
+              <a:solidFill>
+                <a:schemeClr val="tx1"/>
+              </a:solidFill>
+              <a:latin typeface="TH Sarabun New" pitchFamily="34" charset="-34"/>
+              <a:cs typeface="TH Sarabun New" pitchFamily="34" charset="-34"/>
+            </a:endParaRPr>
+          </a:p>
+          <a:p>
+            <a:pPr>
+              <a:buFont typeface="Wingdings" pitchFamily="2" charset="2"/>
+              <a:buChar char="v"/>
+            </a:pPr>
+            <a:r>
+              <a:rPr lang="en-US" sz="2400" dirty="0">
+                <a:solidFill>
+                  <a:schemeClr val="tx1"/>
+                </a:solidFill>
+                <a:latin typeface="TH Sarabun New" pitchFamily="34" charset="-34"/>
+                <a:cs typeface="TH Sarabun New" pitchFamily="34" charset="-34"/>
+              </a:rPr>
+              <a:t>http://</a:t>
+            </a:r>
+            <a:r>
+              <a:rPr lang="en-US" sz="2400" dirty="0" smtClean="0">
+                <a:solidFill>
+                  <a:schemeClr val="tx1"/>
+                </a:solidFill>
+                <a:latin typeface="TH Sarabun New" pitchFamily="34" charset="-34"/>
+                <a:cs typeface="TH Sarabun New" pitchFamily="34" charset="-34"/>
+              </a:rPr>
+              <a:t>www.buildtheconcepts.com/programs/C-sharp-programming</a:t>
+            </a:r>
+          </a:p>
+          <a:p>
+            <a:pPr>
+              <a:buFont typeface="Wingdings" pitchFamily="2" charset="2"/>
+              <a:buChar char="v"/>
+            </a:pPr>
+            <a:r>
+              <a:rPr lang="en-US" sz="2400" dirty="0">
+                <a:solidFill>
+                  <a:schemeClr val="tx1"/>
+                </a:solidFill>
+                <a:latin typeface="TH Sarabun New" pitchFamily="34" charset="-34"/>
+                <a:cs typeface="TH Sarabun New" pitchFamily="34" charset="-34"/>
+              </a:rPr>
+              <a:t>http://</a:t>
+            </a:r>
+            <a:r>
+              <a:rPr lang="en-US" sz="2400" dirty="0" smtClean="0">
+                <a:solidFill>
+                  <a:schemeClr val="tx1"/>
+                </a:solidFill>
+                <a:latin typeface="TH Sarabun New" pitchFamily="34" charset="-34"/>
+                <a:cs typeface="TH Sarabun New" pitchFamily="34" charset="-34"/>
+              </a:rPr>
+              <a:t>www.covermesongs.com/category/qa </a:t>
+            </a:r>
+          </a:p>
+          <a:p>
+            <a:endParaRPr lang="en-US" sz="1800" dirty="0">
+              <a:solidFill>
+                <a:schemeClr val="tx1"/>
+              </a:solidFill>
+              <a:latin typeface="Cordia New (Body)"/>
+            </a:endParaRPr>
+          </a:p>
+          <a:p>
+            <a:endParaRPr lang="th-TH" sz="1800" dirty="0">
+              <a:latin typeface="Cordia New (Body)"/>
+            </a:endParaRPr>
+          </a:p>
+        </p:txBody>
+      </p:sp>
+      <p:sp>
+        <p:nvSpPr>
+          <p:cNvPr id="6" name="ชื่อเรื่อง 5"/>
+          <p:cNvSpPr>
+            <a:spLocks noGrp="1"/>
+          </p:cNvSpPr>
+          <p:nvPr>
+            <p:ph type="title"/>
+          </p:nvPr>
+        </p:nvSpPr>
+        <p:spPr>
+          <a:xfrm>
+            <a:off x="851095" y="565752"/>
+            <a:ext cx="7365076" cy="851885"/>
+          </a:xfrm>
+        </p:spPr>
+        <p:txBody>
+          <a:bodyPr>
+            <a:normAutofit/>
+          </a:bodyPr>
+          <a:lstStyle/>
+          <a:p>
+            <a:pPr algn="l"/>
+            <a:r>
+              <a:rPr lang="th-TH" sz="4000" b="1" dirty="0" smtClean="0">
+                <a:solidFill>
+                  <a:srgbClr val="C00000"/>
+                </a:solidFill>
+                <a:latin typeface="TH Sarabun New" pitchFamily="34" charset="-34"/>
+                <a:cs typeface="TH Sarabun New" pitchFamily="34" charset="-34"/>
+              </a:rPr>
+              <a:t>เอกสารการอ้างอิง</a:t>
+            </a:r>
+            <a:endParaRPr lang="th-TH" sz="4000" dirty="0">
+              <a:solidFill>
+                <a:srgbClr val="C00000"/>
+              </a:solidFill>
+              <a:latin typeface="TH Sarabun New" pitchFamily="34" charset="-34"/>
+              <a:cs typeface="TH Sarabun New" pitchFamily="34" charset="-34"/>
+            </a:endParaRPr>
+          </a:p>
+        </p:txBody>
+      </p:sp>
+      <p:sp>
+        <p:nvSpPr>
+          <p:cNvPr id="2" name="Date Placeholder 1"/>
+          <p:cNvSpPr>
+            <a:spLocks noGrp="1"/>
+          </p:cNvSpPr>
+          <p:nvPr>
+            <p:ph type="dt" sz="half" idx="10"/>
+          </p:nvPr>
+        </p:nvSpPr>
+        <p:spPr/>
+        <p:txBody>
+          <a:bodyPr/>
+          <a:lstStyle/>
+          <a:p>
+            <a:r>
+              <a:rPr lang="en-US" smtClean="0"/>
+              <a:t>26 September 2015</a:t>
+            </a:r>
+            <a:endParaRPr lang="en-US"/>
+          </a:p>
+        </p:txBody>
+      </p:sp>
+      <p:sp>
+        <p:nvSpPr>
+          <p:cNvPr id="4" name="Footer Placeholder 3"/>
+          <p:cNvSpPr>
+            <a:spLocks noGrp="1"/>
+          </p:cNvSpPr>
+          <p:nvPr>
+            <p:ph type="ftr" sz="quarter" idx="3"/>
+          </p:nvPr>
+        </p:nvSpPr>
+        <p:spPr/>
+        <p:txBody>
+          <a:bodyPr/>
+          <a:lstStyle/>
+          <a:p>
+            <a:r>
+              <a:rPr lang="th-TH" smtClean="0"/>
+              <a:t>ระบบบริหารจัดการศูนย์ออกกำลังกาย</a:t>
+            </a:r>
+            <a:endParaRPr lang="en-US" dirty="0"/>
+          </a:p>
+        </p:txBody>
+      </p:sp>
+      <p:sp>
+        <p:nvSpPr>
+          <p:cNvPr id="5" name="Slide Number Placeholder 4"/>
+          <p:cNvSpPr>
+            <a:spLocks noGrp="1"/>
+          </p:cNvSpPr>
+          <p:nvPr>
+            <p:ph type="sldNum" sz="quarter" idx="12"/>
+          </p:nvPr>
+        </p:nvSpPr>
+        <p:spPr/>
+        <p:txBody>
+          <a:bodyPr/>
+          <a:lstStyle/>
+          <a:p>
+            <a:fld id="{C200352D-4569-3E41-9599-1BD1EAE34D42}" type="slidenum">
+              <a:rPr lang="en-US" smtClean="0"/>
+              <a:pPr/>
+              <a:t>36</a:t>
+            </a:fld>
+            <a:endParaRPr lang="en-US"/>
+          </a:p>
+        </p:txBody>
+      </p:sp>
+    </p:spTree>
+    <p:extLst>
+      <p:ext uri="{BB962C8B-B14F-4D97-AF65-F5344CB8AC3E}">
+        <p14:creationId xmlns:p14="http://schemas.microsoft.com/office/powerpoint/2010/main" val="4131863225"/>
+      </p:ext>
+    </p:extLst>
+  </p:cSld>
+  <p:clrMapOvr>
+    <a:masterClrMapping/>
+  </p:clrMapOvr>
+  <p:timing>
+    <p:tnLst>
+      <p:par>
+        <p:cTn id="1" dur="indefinite" restart="never" nodeType="tmRoot"/>
+      </p:par>
+    </p:tnLst>
+  </p:timing>
+</p:sld>
+</file>
+
+<file path=ppt/slides/slide37.xml><?xml version="1.0" encoding="utf-8"?>
 <p:sld xmlns:a="http://schemas.openxmlformats.org/drawingml/2006/main" xmlns:r="http://schemas.openxmlformats.org/officeDocument/2006/relationships" xmlns:p="http://schemas.openxmlformats.org/presentationml/2006/main">
   <p:cSld>
     <p:spTree>
@@ -11043,8 +14467,8 @@
         </p:blipFill>
         <p:spPr bwMode="auto">
           <a:xfrm>
-            <a:off x="539552" y="1628800"/>
-            <a:ext cx="8079495" cy="3390504"/>
+            <a:off x="2849525" y="2748159"/>
+            <a:ext cx="6018423" cy="2525589"/>
           </a:xfrm>
           <a:prstGeom prst="rect">
             <a:avLst/>
@@ -11066,305 +14490,80 @@
           </a:extLst>
         </p:spPr>
       </p:pic>
+      <p:sp>
+        <p:nvSpPr>
+          <p:cNvPr id="2" name="Date Placeholder 1"/>
+          <p:cNvSpPr>
+            <a:spLocks noGrp="1"/>
+          </p:cNvSpPr>
+          <p:nvPr>
+            <p:ph type="dt" sz="half" idx="10"/>
+          </p:nvPr>
+        </p:nvSpPr>
+        <p:spPr/>
+        <p:txBody>
+          <a:bodyPr/>
+          <a:lstStyle/>
+          <a:p>
+            <a:r>
+              <a:rPr lang="en-US" smtClean="0"/>
+              <a:t>26 September 2015</a:t>
+            </a:r>
+            <a:endParaRPr lang="en-US"/>
+          </a:p>
+        </p:txBody>
+      </p:sp>
+      <p:sp>
+        <p:nvSpPr>
+          <p:cNvPr id="3" name="Footer Placeholder 2"/>
+          <p:cNvSpPr>
+            <a:spLocks noGrp="1"/>
+          </p:cNvSpPr>
+          <p:nvPr>
+            <p:ph type="ftr" sz="quarter" idx="3"/>
+          </p:nvPr>
+        </p:nvSpPr>
+        <p:spPr/>
+        <p:txBody>
+          <a:bodyPr/>
+          <a:lstStyle/>
+          <a:p>
+            <a:r>
+              <a:rPr lang="th-TH" smtClean="0"/>
+              <a:t>ระบบบริหารจัดการศูนย์ออกกำลังกาย</a:t>
+            </a:r>
+            <a:endParaRPr lang="en-US" dirty="0"/>
+          </a:p>
+        </p:txBody>
+      </p:sp>
+      <p:sp>
+        <p:nvSpPr>
+          <p:cNvPr id="4" name="Slide Number Placeholder 3"/>
+          <p:cNvSpPr>
+            <a:spLocks noGrp="1"/>
+          </p:cNvSpPr>
+          <p:nvPr>
+            <p:ph type="sldNum" sz="quarter" idx="12"/>
+          </p:nvPr>
+        </p:nvSpPr>
+        <p:spPr/>
+        <p:txBody>
+          <a:bodyPr/>
+          <a:lstStyle/>
+          <a:p>
+            <a:fld id="{C200352D-4569-3E41-9599-1BD1EAE34D42}" type="slidenum">
+              <a:rPr lang="en-US" smtClean="0"/>
+              <a:pPr/>
+              <a:t>37</a:t>
+            </a:fld>
+            <a:endParaRPr lang="en-US"/>
+          </a:p>
+        </p:txBody>
+      </p:sp>
     </p:spTree>
     <p:extLst>
       <p:ext uri="{BB962C8B-B14F-4D97-AF65-F5344CB8AC3E}">
-        <p14:creationId xmlns:p14="http://schemas.microsoft.com/office/powerpoint/2010/main" val="1703096048"/>
-      </p:ext>
-    </p:extLst>
-  </p:cSld>
-  <p:clrMapOvr>
-    <a:masterClrMapping/>
-  </p:clrMapOvr>
-  <p:timing>
-    <p:tnLst>
-      <p:par>
-        <p:cTn id="1" dur="indefinite" restart="never" nodeType="tmRoot"/>
-      </p:par>
-    </p:tnLst>
-  </p:timing>
-</p:sld>
-</file>
-
-<file path=ppt/slides/slide37.xml><?xml version="1.0" encoding="utf-8"?>
-<p:sld xmlns:a="http://schemas.openxmlformats.org/drawingml/2006/main" xmlns:r="http://schemas.openxmlformats.org/officeDocument/2006/relationships" xmlns:p="http://schemas.openxmlformats.org/presentationml/2006/main">
-  <p:cSld>
-    <p:spTree>
-      <p:nvGrpSpPr>
-        <p:cNvPr id="1" name=""/>
-        <p:cNvGrpSpPr/>
-        <p:nvPr/>
-      </p:nvGrpSpPr>
-      <p:grpSpPr>
-        <a:xfrm>
-          <a:off x="0" y="0"/>
-          <a:ext cx="0" cy="0"/>
-          <a:chOff x="0" y="0"/>
-          <a:chExt cx="0" cy="0"/>
-        </a:xfrm>
-      </p:grpSpPr>
-      <p:sp>
-        <p:nvSpPr>
-          <p:cNvPr id="3" name="Content Placeholder 2"/>
-          <p:cNvSpPr>
-            <a:spLocks noGrp="1"/>
-          </p:cNvSpPr>
-          <p:nvPr>
-            <p:ph idx="1"/>
-          </p:nvPr>
-        </p:nvSpPr>
-        <p:spPr/>
-        <p:txBody>
-          <a:bodyPr>
-            <a:normAutofit fontScale="62500" lnSpcReduction="20000"/>
-          </a:bodyPr>
-          <a:lstStyle/>
-          <a:p>
-            <a:r>
-              <a:rPr lang="en-US" dirty="0">
-                <a:solidFill>
-                  <a:schemeClr val="tx1"/>
-                </a:solidFill>
-              </a:rPr>
-              <a:t>MVC Architecture (2015) Google Chrome; https://developer.chrome.com/static/images/mvc.png (</a:t>
-            </a:r>
-            <a:r>
-              <a:rPr lang="th-TH" dirty="0">
-                <a:solidFill>
-                  <a:schemeClr val="tx1"/>
-                </a:solidFill>
-              </a:rPr>
-              <a:t>เข้าใช้เมื่อวันที่ </a:t>
-            </a:r>
-            <a:r>
-              <a:rPr lang="en-US" dirty="0">
-                <a:solidFill>
-                  <a:schemeClr val="tx1"/>
-                </a:solidFill>
-              </a:rPr>
-              <a:t>9</a:t>
-            </a:r>
-            <a:r>
-              <a:rPr lang="th-TH" dirty="0">
-                <a:solidFill>
-                  <a:schemeClr val="tx1"/>
-                </a:solidFill>
-              </a:rPr>
-              <a:t> กันยายน </a:t>
-            </a:r>
-            <a:r>
-              <a:rPr lang="en-US" dirty="0">
-                <a:solidFill>
-                  <a:schemeClr val="tx1"/>
-                </a:solidFill>
-              </a:rPr>
-              <a:t>2558) </a:t>
-            </a:r>
-          </a:p>
-          <a:p>
-            <a:r>
-              <a:rPr lang="th-TH" dirty="0">
-                <a:solidFill>
-                  <a:schemeClr val="tx1"/>
-                </a:solidFill>
-              </a:rPr>
-              <a:t>กระบวนการทำงานแบบ Phased Development-based Methodology (2553) [Blog] At http://2.bp.blogspot.com/_KjviXqR9JwQ/TO8sbH2x3PI/AAAAAAAAABk/4Ff7uCNeJJo/s1600/66.jpg </a:t>
-            </a:r>
-            <a:endParaRPr lang="en-US" dirty="0">
-              <a:solidFill>
-                <a:schemeClr val="tx1"/>
-              </a:solidFill>
-            </a:endParaRPr>
-          </a:p>
-          <a:p>
-            <a:pPr marL="0" indent="0">
-              <a:buNone/>
-            </a:pPr>
-            <a:r>
-              <a:rPr lang="th-TH" dirty="0" smtClean="0">
-                <a:solidFill>
-                  <a:schemeClr val="tx1"/>
-                </a:solidFill>
-              </a:rPr>
-              <a:t>     (</a:t>
-            </a:r>
-            <a:r>
-              <a:rPr lang="th-TH" dirty="0">
-                <a:solidFill>
-                  <a:schemeClr val="tx1"/>
-                </a:solidFill>
-              </a:rPr>
-              <a:t>เข้าใช้เมื่อวันที่ </a:t>
-            </a:r>
-            <a:r>
-              <a:rPr lang="en-US" dirty="0">
-                <a:solidFill>
-                  <a:schemeClr val="tx1"/>
-                </a:solidFill>
-              </a:rPr>
-              <a:t>9</a:t>
-            </a:r>
-            <a:r>
-              <a:rPr lang="th-TH" dirty="0">
-                <a:solidFill>
-                  <a:schemeClr val="tx1"/>
-                </a:solidFill>
-              </a:rPr>
-              <a:t> กันยายน </a:t>
-            </a:r>
-            <a:r>
-              <a:rPr lang="en-US" dirty="0">
-                <a:solidFill>
-                  <a:schemeClr val="tx1"/>
-                </a:solidFill>
-              </a:rPr>
-              <a:t>2558) </a:t>
-            </a:r>
-            <a:endParaRPr lang="en-US" dirty="0" smtClean="0">
-              <a:solidFill>
-                <a:schemeClr val="tx1"/>
-              </a:solidFill>
-            </a:endParaRPr>
-          </a:p>
-          <a:p>
-            <a:r>
-              <a:rPr lang="en-US" dirty="0">
-                <a:solidFill>
-                  <a:schemeClr val="tx1"/>
-                </a:solidFill>
-              </a:rPr>
-              <a:t>https://www.linkedin.com/pulse/20140902203109-18203364-feasibility-taking-the-fear-out-of-fha-203k</a:t>
-            </a:r>
-            <a:endParaRPr lang="en-US" dirty="0" smtClean="0">
-              <a:solidFill>
-                <a:schemeClr val="tx1"/>
-              </a:solidFill>
-            </a:endParaRPr>
-          </a:p>
-          <a:p>
-            <a:r>
-              <a:rPr lang="en-US" dirty="0">
-                <a:solidFill>
-                  <a:schemeClr val="tx1"/>
-                </a:solidFill>
-              </a:rPr>
-              <a:t>http://</a:t>
-            </a:r>
-            <a:r>
-              <a:rPr lang="en-US" dirty="0" smtClean="0">
-                <a:solidFill>
-                  <a:schemeClr val="tx1"/>
-                </a:solidFill>
-              </a:rPr>
-              <a:t>www.buildtheconcepts.com/programs/C-sharp-programming</a:t>
-            </a:r>
-          </a:p>
-          <a:p>
-            <a:endParaRPr lang="en-US" dirty="0" smtClean="0">
-              <a:solidFill>
-                <a:schemeClr val="tx1"/>
-              </a:solidFill>
-            </a:endParaRPr>
-          </a:p>
-          <a:p>
-            <a:r>
-              <a:rPr lang="en-US" dirty="0">
-                <a:solidFill>
-                  <a:schemeClr val="tx1"/>
-                </a:solidFill>
-              </a:rPr>
-              <a:t>http://</a:t>
-            </a:r>
-            <a:r>
-              <a:rPr lang="en-US" dirty="0" smtClean="0">
-                <a:solidFill>
-                  <a:schemeClr val="tx1"/>
-                </a:solidFill>
-              </a:rPr>
-              <a:t>www.covermesongs.com/category/qa </a:t>
-            </a:r>
-          </a:p>
-          <a:p>
-            <a:endParaRPr lang="en-US" dirty="0">
-              <a:solidFill>
-                <a:schemeClr val="tx1"/>
-              </a:solidFill>
-            </a:endParaRPr>
-          </a:p>
-          <a:p>
-            <a:endParaRPr lang="th-TH" dirty="0"/>
-          </a:p>
-        </p:txBody>
-      </p:sp>
-      <p:sp>
-        <p:nvSpPr>
-          <p:cNvPr id="4" name="Title 1"/>
-          <p:cNvSpPr txBox="1">
-            <a:spLocks/>
-          </p:cNvSpPr>
-          <p:nvPr/>
-        </p:nvSpPr>
-        <p:spPr>
-          <a:xfrm>
-            <a:off x="323528" y="-331440"/>
-            <a:ext cx="8229600" cy="1600200"/>
-          </a:xfrm>
-          <a:prstGeom prst="rect">
-            <a:avLst/>
-          </a:prstGeom>
-        </p:spPr>
-        <p:txBody>
-          <a:bodyPr vert="horz" lIns="91440" tIns="45720" rIns="91440" bIns="45720" rtlCol="0" anchor="b">
-            <a:noAutofit/>
-          </a:bodyPr>
-          <a:lstStyle>
-            <a:lvl1pPr algn="ctr" defTabSz="914400" rtl="0" eaLnBrk="1" latinLnBrk="0" hangingPunct="1">
-              <a:lnSpc>
-                <a:spcPts val="5800"/>
-              </a:lnSpc>
-              <a:spcBef>
-                <a:spcPct val="0"/>
-              </a:spcBef>
-              <a:buNone/>
-              <a:defRPr sz="5400" kern="1200">
-                <a:solidFill>
-                  <a:schemeClr val="tx2"/>
-                </a:solidFill>
-                <a:effectLst>
-                  <a:outerShdw blurRad="63500" dist="38100" dir="5400000" algn="t" rotWithShape="0">
-                    <a:prstClr val="black">
-                      <a:alpha val="25000"/>
-                    </a:prstClr>
-                  </a:outerShdw>
-                </a:effectLst>
-                <a:latin typeface="+mn-lt"/>
-                <a:ea typeface="+mj-ea"/>
-                <a:cs typeface="+mj-cs"/>
-              </a:defRPr>
-            </a:lvl1pPr>
-          </a:lstStyle>
-          <a:p>
-            <a:pPr algn="l"/>
-            <a:r>
-              <a:rPr lang="th-TH" dirty="0" smtClean="0">
-                <a:solidFill>
-                  <a:srgbClr val="2F5897"/>
-                </a:solidFill>
-              </a:rPr>
-              <a:t>	เอกสารอ้างอิง</a:t>
-            </a:r>
-            <a:endParaRPr lang="th-TH" dirty="0">
-              <a:solidFill>
-                <a:srgbClr val="2F5897"/>
-              </a:solidFill>
-            </a:endParaRPr>
-          </a:p>
-        </p:txBody>
-      </p:sp>
-    </p:spTree>
-    <p:extLst>
-      <p:ext uri="{BB962C8B-B14F-4D97-AF65-F5344CB8AC3E}">
-        <p14:creationId xmlns:p14="http://schemas.microsoft.com/office/powerpoint/2010/main" val="761093745"/>
+        <p14:creationId xmlns:p14="http://schemas.microsoft.com/office/powerpoint/2010/main" val="1720105912"/>
       </p:ext>
     </p:extLst>
   </p:cSld>
@@ -11483,6 +14682,76 @@
               </a:rPr>
               <a:t>และปัญหาของระบบปัจจุบัน</a:t>
             </a:r>
+          </a:p>
+        </p:txBody>
+      </p:sp>
+      <p:sp>
+        <p:nvSpPr>
+          <p:cNvPr id="3" name="Date Placeholder 2"/>
+          <p:cNvSpPr>
+            <a:spLocks noGrp="1"/>
+          </p:cNvSpPr>
+          <p:nvPr>
+            <p:ph type="dt" sz="half" idx="10"/>
+          </p:nvPr>
+        </p:nvSpPr>
+        <p:spPr/>
+        <p:txBody>
+          <a:bodyPr/>
+          <a:lstStyle/>
+          <a:p>
+            <a:r>
+              <a:rPr lang="en-US" smtClean="0"/>
+              <a:t>26 September 2015</a:t>
+            </a:r>
+            <a:endParaRPr lang="en-US"/>
+          </a:p>
+        </p:txBody>
+      </p:sp>
+      <p:sp>
+        <p:nvSpPr>
+          <p:cNvPr id="4" name="Footer Placeholder 3"/>
+          <p:cNvSpPr>
+            <a:spLocks noGrp="1"/>
+          </p:cNvSpPr>
+          <p:nvPr>
+            <p:ph type="ftr" sz="quarter" idx="11"/>
+          </p:nvPr>
+        </p:nvSpPr>
+        <p:spPr/>
+        <p:txBody>
+          <a:bodyPr/>
+          <a:lstStyle/>
+          <a:p>
+            <a:r>
+              <a:rPr lang="th-TH" smtClean="0"/>
+              <a:t>ระบบบริหารจัดการศูนย์ออกกำลังกาย</a:t>
+            </a:r>
+            <a:endParaRPr lang="en-US"/>
+          </a:p>
+        </p:txBody>
+      </p:sp>
+      <p:sp>
+        <p:nvSpPr>
+          <p:cNvPr id="5" name="Slide Number Placeholder 4"/>
+          <p:cNvSpPr>
+            <a:spLocks noGrp="1"/>
+          </p:cNvSpPr>
+          <p:nvPr>
+            <p:ph type="sldNum" sz="quarter" idx="12"/>
+          </p:nvPr>
+        </p:nvSpPr>
+        <p:spPr/>
+        <p:txBody>
+          <a:bodyPr/>
+          <a:lstStyle/>
+          <a:p>
+            <a:fld id="{C200352D-4569-3E41-9599-1BD1EAE34D42}" type="slidenum">
+              <a:rPr lang="en-US" smtClean="0"/>
+              <a:pPr/>
+              <a:t>4</a:t>
+            </a:fld>
+            <a:endParaRPr lang="en-US"/>
           </a:p>
         </p:txBody>
       </p:sp>
@@ -11823,6 +15092,76 @@
           </a:p>
         </p:txBody>
       </p:sp>
+      <p:sp>
+        <p:nvSpPr>
+          <p:cNvPr id="6" name="Date Placeholder 5"/>
+          <p:cNvSpPr>
+            <a:spLocks noGrp="1"/>
+          </p:cNvSpPr>
+          <p:nvPr>
+            <p:ph type="dt" sz="half" idx="10"/>
+          </p:nvPr>
+        </p:nvSpPr>
+        <p:spPr/>
+        <p:txBody>
+          <a:bodyPr/>
+          <a:lstStyle/>
+          <a:p>
+            <a:r>
+              <a:rPr lang="en-US" smtClean="0"/>
+              <a:t>26 September 2015</a:t>
+            </a:r>
+            <a:endParaRPr lang="en-US"/>
+          </a:p>
+        </p:txBody>
+      </p:sp>
+      <p:sp>
+        <p:nvSpPr>
+          <p:cNvPr id="7" name="Footer Placeholder 6"/>
+          <p:cNvSpPr>
+            <a:spLocks noGrp="1"/>
+          </p:cNvSpPr>
+          <p:nvPr>
+            <p:ph type="ftr" sz="quarter" idx="3"/>
+          </p:nvPr>
+        </p:nvSpPr>
+        <p:spPr/>
+        <p:txBody>
+          <a:bodyPr/>
+          <a:lstStyle/>
+          <a:p>
+            <a:r>
+              <a:rPr lang="th-TH" smtClean="0"/>
+              <a:t>ระบบบริหารจัดการศูนย์ออกกำลังกาย</a:t>
+            </a:r>
+            <a:endParaRPr lang="en-US" dirty="0"/>
+          </a:p>
+        </p:txBody>
+      </p:sp>
+      <p:sp>
+        <p:nvSpPr>
+          <p:cNvPr id="8" name="Slide Number Placeholder 7"/>
+          <p:cNvSpPr>
+            <a:spLocks noGrp="1"/>
+          </p:cNvSpPr>
+          <p:nvPr>
+            <p:ph type="sldNum" sz="quarter" idx="12"/>
+          </p:nvPr>
+        </p:nvSpPr>
+        <p:spPr/>
+        <p:txBody>
+          <a:bodyPr/>
+          <a:lstStyle/>
+          <a:p>
+            <a:fld id="{C200352D-4569-3E41-9599-1BD1EAE34D42}" type="slidenum">
+              <a:rPr lang="en-US" smtClean="0"/>
+              <a:pPr/>
+              <a:t>5</a:t>
+            </a:fld>
+            <a:endParaRPr lang="en-US"/>
+          </a:p>
+        </p:txBody>
+      </p:sp>
     </p:spTree>
     <p:extLst>
       <p:ext uri="{BB962C8B-B14F-4D97-AF65-F5344CB8AC3E}">
@@ -12315,6 +15654,76 @@
           </a:extLst>
         </p:spPr>
       </p:pic>
+      <p:sp>
+        <p:nvSpPr>
+          <p:cNvPr id="3" name="Date Placeholder 2"/>
+          <p:cNvSpPr>
+            <a:spLocks noGrp="1"/>
+          </p:cNvSpPr>
+          <p:nvPr>
+            <p:ph type="dt" sz="half" idx="10"/>
+          </p:nvPr>
+        </p:nvSpPr>
+        <p:spPr/>
+        <p:txBody>
+          <a:bodyPr/>
+          <a:lstStyle/>
+          <a:p>
+            <a:r>
+              <a:rPr lang="en-US" smtClean="0"/>
+              <a:t>26 September 2015</a:t>
+            </a:r>
+            <a:endParaRPr lang="en-US"/>
+          </a:p>
+        </p:txBody>
+      </p:sp>
+      <p:sp>
+        <p:nvSpPr>
+          <p:cNvPr id="4" name="Footer Placeholder 3"/>
+          <p:cNvSpPr>
+            <a:spLocks noGrp="1"/>
+          </p:cNvSpPr>
+          <p:nvPr>
+            <p:ph type="ftr" sz="quarter" idx="3"/>
+          </p:nvPr>
+        </p:nvSpPr>
+        <p:spPr/>
+        <p:txBody>
+          <a:bodyPr/>
+          <a:lstStyle/>
+          <a:p>
+            <a:r>
+              <a:rPr lang="th-TH" smtClean="0"/>
+              <a:t>ระบบบริหารจัดการศูนย์ออกกำลังกาย</a:t>
+            </a:r>
+            <a:endParaRPr lang="en-US" dirty="0"/>
+          </a:p>
+        </p:txBody>
+      </p:sp>
+      <p:sp>
+        <p:nvSpPr>
+          <p:cNvPr id="10" name="Slide Number Placeholder 9"/>
+          <p:cNvSpPr>
+            <a:spLocks noGrp="1"/>
+          </p:cNvSpPr>
+          <p:nvPr>
+            <p:ph type="sldNum" sz="quarter" idx="12"/>
+          </p:nvPr>
+        </p:nvSpPr>
+        <p:spPr/>
+        <p:txBody>
+          <a:bodyPr/>
+          <a:lstStyle/>
+          <a:p>
+            <a:fld id="{C200352D-4569-3E41-9599-1BD1EAE34D42}" type="slidenum">
+              <a:rPr lang="en-US" smtClean="0"/>
+              <a:pPr/>
+              <a:t>6</a:t>
+            </a:fld>
+            <a:endParaRPr lang="en-US"/>
+          </a:p>
+        </p:txBody>
+      </p:sp>
     </p:spTree>
     <p:extLst>
       <p:ext uri="{BB962C8B-B14F-4D97-AF65-F5344CB8AC3E}">
@@ -12327,22 +15736,488 @@
   </p:clrMapOvr>
   <mc:AlternateContent xmlns:mc="http://schemas.openxmlformats.org/markup-compatibility/2006">
     <mc:Choice xmlns:p14="http://schemas.microsoft.com/office/powerpoint/2010/main" Requires="p14">
-      <p:transition spd="slow" p14:dur="1500">
-        <p:split orient="vert"/>
-      </p:transition>
+      <p:transition p14:dur="0"/>
     </mc:Choice>
     <mc:Fallback>
-      <p:transition spd="slow">
-        <p:split orient="vert"/>
-      </p:transition>
+      <p:transition/>
     </mc:Fallback>
   </mc:AlternateContent>
   <p:timing>
     <p:tnLst>
       <p:par>
-        <p:cTn id="1" dur="indefinite" restart="never" nodeType="tmRoot"/>
+        <p:cTn id="1" dur="indefinite" restart="never" nodeType="tmRoot">
+          <p:childTnLst>
+            <p:seq concurrent="1" nextAc="seek">
+              <p:cTn id="2" dur="indefinite" nodeType="mainSeq">
+                <p:childTnLst>
+                  <p:par>
+                    <p:cTn id="3" fill="hold">
+                      <p:stCondLst>
+                        <p:cond delay="indefinite"/>
+                      </p:stCondLst>
+                      <p:childTnLst>
+                        <p:par>
+                          <p:cTn id="4" fill="hold">
+                            <p:stCondLst>
+                              <p:cond delay="0"/>
+                            </p:stCondLst>
+                            <p:childTnLst>
+                              <p:par>
+                                <p:cTn id="5" presetID="16" presetClass="entr" presetSubtype="21" fill="hold" grpId="0" nodeType="clickEffect">
+                                  <p:stCondLst>
+                                    <p:cond delay="0"/>
+                                  </p:stCondLst>
+                                  <p:childTnLst>
+                                    <p:set>
+                                      <p:cBhvr>
+                                        <p:cTn id="6" dur="1" fill="hold">
+                                          <p:stCondLst>
+                                            <p:cond delay="0"/>
+                                          </p:stCondLst>
+                                        </p:cTn>
+                                        <p:tgtEl>
+                                          <p:spTgt spid="5"/>
+                                        </p:tgtEl>
+                                        <p:attrNameLst>
+                                          <p:attrName>style.visibility</p:attrName>
+                                        </p:attrNameLst>
+                                      </p:cBhvr>
+                                      <p:to>
+                                        <p:strVal val="visible"/>
+                                      </p:to>
+                                    </p:set>
+                                    <p:animEffect transition="in" filter="barn(inVertical)">
+                                      <p:cBhvr>
+                                        <p:cTn id="7" dur="500"/>
+                                        <p:tgtEl>
+                                          <p:spTgt spid="5"/>
+                                        </p:tgtEl>
+                                      </p:cBhvr>
+                                    </p:animEffect>
+                                  </p:childTnLst>
+                                </p:cTn>
+                              </p:par>
+                            </p:childTnLst>
+                          </p:cTn>
+                        </p:par>
+                      </p:childTnLst>
+                    </p:cTn>
+                  </p:par>
+                  <p:par>
+                    <p:cTn id="8" fill="hold">
+                      <p:stCondLst>
+                        <p:cond delay="indefinite"/>
+                      </p:stCondLst>
+                      <p:childTnLst>
+                        <p:par>
+                          <p:cTn id="9" fill="hold">
+                            <p:stCondLst>
+                              <p:cond delay="0"/>
+                            </p:stCondLst>
+                            <p:childTnLst>
+                              <p:par>
+                                <p:cTn id="10" presetID="22" presetClass="entr" presetSubtype="4" fill="hold" grpId="0" nodeType="clickEffect">
+                                  <p:stCondLst>
+                                    <p:cond delay="0"/>
+                                  </p:stCondLst>
+                                  <p:childTnLst>
+                                    <p:set>
+                                      <p:cBhvr>
+                                        <p:cTn id="11" dur="1" fill="hold">
+                                          <p:stCondLst>
+                                            <p:cond delay="0"/>
+                                          </p:stCondLst>
+                                        </p:cTn>
+                                        <p:tgtEl>
+                                          <p:spTgt spid="8"/>
+                                        </p:tgtEl>
+                                        <p:attrNameLst>
+                                          <p:attrName>style.visibility</p:attrName>
+                                        </p:attrNameLst>
+                                      </p:cBhvr>
+                                      <p:to>
+                                        <p:strVal val="visible"/>
+                                      </p:to>
+                                    </p:set>
+                                    <p:animEffect transition="in" filter="wipe(down)">
+                                      <p:cBhvr>
+                                        <p:cTn id="12" dur="500"/>
+                                        <p:tgtEl>
+                                          <p:spTgt spid="8"/>
+                                        </p:tgtEl>
+                                      </p:cBhvr>
+                                    </p:animEffect>
+                                  </p:childTnLst>
+                                </p:cTn>
+                              </p:par>
+                              <p:par>
+                                <p:cTn id="13" presetID="22" presetClass="entr" presetSubtype="4" fill="hold" nodeType="withEffect">
+                                  <p:stCondLst>
+                                    <p:cond delay="0"/>
+                                  </p:stCondLst>
+                                  <p:childTnLst>
+                                    <p:set>
+                                      <p:cBhvr>
+                                        <p:cTn id="14" dur="1" fill="hold">
+                                          <p:stCondLst>
+                                            <p:cond delay="0"/>
+                                          </p:stCondLst>
+                                        </p:cTn>
+                                        <p:tgtEl>
+                                          <p:spTgt spid="2050"/>
+                                        </p:tgtEl>
+                                        <p:attrNameLst>
+                                          <p:attrName>style.visibility</p:attrName>
+                                        </p:attrNameLst>
+                                      </p:cBhvr>
+                                      <p:to>
+                                        <p:strVal val="visible"/>
+                                      </p:to>
+                                    </p:set>
+                                    <p:animEffect transition="in" filter="wipe(down)">
+                                      <p:cBhvr>
+                                        <p:cTn id="15" dur="500"/>
+                                        <p:tgtEl>
+                                          <p:spTgt spid="2050"/>
+                                        </p:tgtEl>
+                                      </p:cBhvr>
+                                    </p:animEffect>
+                                  </p:childTnLst>
+                                </p:cTn>
+                              </p:par>
+                            </p:childTnLst>
+                          </p:cTn>
+                        </p:par>
+                      </p:childTnLst>
+                    </p:cTn>
+                  </p:par>
+                  <p:par>
+                    <p:cTn id="16" fill="hold">
+                      <p:stCondLst>
+                        <p:cond delay="indefinite"/>
+                      </p:stCondLst>
+                      <p:childTnLst>
+                        <p:par>
+                          <p:cTn id="17" fill="hold">
+                            <p:stCondLst>
+                              <p:cond delay="0"/>
+                            </p:stCondLst>
+                            <p:childTnLst>
+                              <p:par>
+                                <p:cTn id="18" presetID="22" presetClass="entr" presetSubtype="4" fill="hold" grpId="0" nodeType="clickEffect">
+                                  <p:stCondLst>
+                                    <p:cond delay="0"/>
+                                  </p:stCondLst>
+                                  <p:childTnLst>
+                                    <p:set>
+                                      <p:cBhvr>
+                                        <p:cTn id="19" dur="1" fill="hold">
+                                          <p:stCondLst>
+                                            <p:cond delay="0"/>
+                                          </p:stCondLst>
+                                        </p:cTn>
+                                        <p:tgtEl>
+                                          <p:spTgt spid="6"/>
+                                        </p:tgtEl>
+                                        <p:attrNameLst>
+                                          <p:attrName>style.visibility</p:attrName>
+                                        </p:attrNameLst>
+                                      </p:cBhvr>
+                                      <p:to>
+                                        <p:strVal val="visible"/>
+                                      </p:to>
+                                    </p:set>
+                                    <p:animEffect transition="in" filter="wipe(down)">
+                                      <p:cBhvr>
+                                        <p:cTn id="20" dur="500"/>
+                                        <p:tgtEl>
+                                          <p:spTgt spid="6"/>
+                                        </p:tgtEl>
+                                      </p:cBhvr>
+                                    </p:animEffect>
+                                  </p:childTnLst>
+                                </p:cTn>
+                              </p:par>
+                              <p:par>
+                                <p:cTn id="21" presetID="22" presetClass="entr" presetSubtype="4" fill="hold" nodeType="withEffect">
+                                  <p:stCondLst>
+                                    <p:cond delay="0"/>
+                                  </p:stCondLst>
+                                  <p:childTnLst>
+                                    <p:set>
+                                      <p:cBhvr>
+                                        <p:cTn id="22" dur="1" fill="hold">
+                                          <p:stCondLst>
+                                            <p:cond delay="0"/>
+                                          </p:stCondLst>
+                                        </p:cTn>
+                                        <p:tgtEl>
+                                          <p:spTgt spid="2052"/>
+                                        </p:tgtEl>
+                                        <p:attrNameLst>
+                                          <p:attrName>style.visibility</p:attrName>
+                                        </p:attrNameLst>
+                                      </p:cBhvr>
+                                      <p:to>
+                                        <p:strVal val="visible"/>
+                                      </p:to>
+                                    </p:set>
+                                    <p:animEffect transition="in" filter="wipe(down)">
+                                      <p:cBhvr>
+                                        <p:cTn id="23" dur="500"/>
+                                        <p:tgtEl>
+                                          <p:spTgt spid="2052"/>
+                                        </p:tgtEl>
+                                      </p:cBhvr>
+                                    </p:animEffect>
+                                  </p:childTnLst>
+                                </p:cTn>
+                              </p:par>
+                              <p:par>
+                                <p:cTn id="24" presetID="22" presetClass="entr" presetSubtype="4" fill="hold" nodeType="withEffect">
+                                  <p:stCondLst>
+                                    <p:cond delay="0"/>
+                                  </p:stCondLst>
+                                  <p:childTnLst>
+                                    <p:set>
+                                      <p:cBhvr>
+                                        <p:cTn id="25" dur="1" fill="hold">
+                                          <p:stCondLst>
+                                            <p:cond delay="0"/>
+                                          </p:stCondLst>
+                                        </p:cTn>
+                                        <p:tgtEl>
+                                          <p:spTgt spid="2051"/>
+                                        </p:tgtEl>
+                                        <p:attrNameLst>
+                                          <p:attrName>style.visibility</p:attrName>
+                                        </p:attrNameLst>
+                                      </p:cBhvr>
+                                      <p:to>
+                                        <p:strVal val="visible"/>
+                                      </p:to>
+                                    </p:set>
+                                    <p:animEffect transition="in" filter="wipe(down)">
+                                      <p:cBhvr>
+                                        <p:cTn id="26" dur="500"/>
+                                        <p:tgtEl>
+                                          <p:spTgt spid="2051"/>
+                                        </p:tgtEl>
+                                      </p:cBhvr>
+                                    </p:animEffect>
+                                  </p:childTnLst>
+                                </p:cTn>
+                              </p:par>
+                            </p:childTnLst>
+                          </p:cTn>
+                        </p:par>
+                      </p:childTnLst>
+                    </p:cTn>
+                  </p:par>
+                  <p:par>
+                    <p:cTn id="27" fill="hold">
+                      <p:stCondLst>
+                        <p:cond delay="indefinite"/>
+                      </p:stCondLst>
+                      <p:childTnLst>
+                        <p:par>
+                          <p:cTn id="28" fill="hold">
+                            <p:stCondLst>
+                              <p:cond delay="0"/>
+                            </p:stCondLst>
+                            <p:childTnLst>
+                              <p:par>
+                                <p:cTn id="29" presetID="22" presetClass="entr" presetSubtype="4" fill="hold" grpId="0" nodeType="clickEffect">
+                                  <p:stCondLst>
+                                    <p:cond delay="0"/>
+                                  </p:stCondLst>
+                                  <p:childTnLst>
+                                    <p:set>
+                                      <p:cBhvr>
+                                        <p:cTn id="30" dur="1" fill="hold">
+                                          <p:stCondLst>
+                                            <p:cond delay="0"/>
+                                          </p:stCondLst>
+                                        </p:cTn>
+                                        <p:tgtEl>
+                                          <p:spTgt spid="9"/>
+                                        </p:tgtEl>
+                                        <p:attrNameLst>
+                                          <p:attrName>style.visibility</p:attrName>
+                                        </p:attrNameLst>
+                                      </p:cBhvr>
+                                      <p:to>
+                                        <p:strVal val="visible"/>
+                                      </p:to>
+                                    </p:set>
+                                    <p:animEffect transition="in" filter="wipe(down)">
+                                      <p:cBhvr>
+                                        <p:cTn id="31" dur="500"/>
+                                        <p:tgtEl>
+                                          <p:spTgt spid="9"/>
+                                        </p:tgtEl>
+                                      </p:cBhvr>
+                                    </p:animEffect>
+                                  </p:childTnLst>
+                                </p:cTn>
+                              </p:par>
+                              <p:par>
+                                <p:cTn id="32" presetID="22" presetClass="entr" presetSubtype="4" fill="hold" nodeType="withEffect">
+                                  <p:stCondLst>
+                                    <p:cond delay="0"/>
+                                  </p:stCondLst>
+                                  <p:childTnLst>
+                                    <p:set>
+                                      <p:cBhvr>
+                                        <p:cTn id="33" dur="1" fill="hold">
+                                          <p:stCondLst>
+                                            <p:cond delay="0"/>
+                                          </p:stCondLst>
+                                        </p:cTn>
+                                        <p:tgtEl>
+                                          <p:spTgt spid="2053"/>
+                                        </p:tgtEl>
+                                        <p:attrNameLst>
+                                          <p:attrName>style.visibility</p:attrName>
+                                        </p:attrNameLst>
+                                      </p:cBhvr>
+                                      <p:to>
+                                        <p:strVal val="visible"/>
+                                      </p:to>
+                                    </p:set>
+                                    <p:animEffect transition="in" filter="wipe(down)">
+                                      <p:cBhvr>
+                                        <p:cTn id="34" dur="500"/>
+                                        <p:tgtEl>
+                                          <p:spTgt spid="2053"/>
+                                        </p:tgtEl>
+                                      </p:cBhvr>
+                                    </p:animEffect>
+                                  </p:childTnLst>
+                                </p:cTn>
+                              </p:par>
+                            </p:childTnLst>
+                          </p:cTn>
+                        </p:par>
+                      </p:childTnLst>
+                    </p:cTn>
+                  </p:par>
+                  <p:par>
+                    <p:cTn id="35" fill="hold">
+                      <p:stCondLst>
+                        <p:cond delay="indefinite"/>
+                      </p:stCondLst>
+                      <p:childTnLst>
+                        <p:par>
+                          <p:cTn id="36" fill="hold">
+                            <p:stCondLst>
+                              <p:cond delay="0"/>
+                            </p:stCondLst>
+                            <p:childTnLst>
+                              <p:par>
+                                <p:cTn id="37" presetID="22" presetClass="entr" presetSubtype="4" fill="hold" grpId="0" nodeType="clickEffect">
+                                  <p:stCondLst>
+                                    <p:cond delay="0"/>
+                                  </p:stCondLst>
+                                  <p:childTnLst>
+                                    <p:set>
+                                      <p:cBhvr>
+                                        <p:cTn id="38" dur="1" fill="hold">
+                                          <p:stCondLst>
+                                            <p:cond delay="0"/>
+                                          </p:stCondLst>
+                                        </p:cTn>
+                                        <p:tgtEl>
+                                          <p:spTgt spid="7"/>
+                                        </p:tgtEl>
+                                        <p:attrNameLst>
+                                          <p:attrName>style.visibility</p:attrName>
+                                        </p:attrNameLst>
+                                      </p:cBhvr>
+                                      <p:to>
+                                        <p:strVal val="visible"/>
+                                      </p:to>
+                                    </p:set>
+                                    <p:animEffect transition="in" filter="wipe(down)">
+                                      <p:cBhvr>
+                                        <p:cTn id="39" dur="500"/>
+                                        <p:tgtEl>
+                                          <p:spTgt spid="7"/>
+                                        </p:tgtEl>
+                                      </p:cBhvr>
+                                    </p:animEffect>
+                                  </p:childTnLst>
+                                </p:cTn>
+                              </p:par>
+                              <p:par>
+                                <p:cTn id="40" presetID="22" presetClass="entr" presetSubtype="4" fill="hold" nodeType="withEffect">
+                                  <p:stCondLst>
+                                    <p:cond delay="0"/>
+                                  </p:stCondLst>
+                                  <p:childTnLst>
+                                    <p:set>
+                                      <p:cBhvr>
+                                        <p:cTn id="41" dur="1" fill="hold">
+                                          <p:stCondLst>
+                                            <p:cond delay="0"/>
+                                          </p:stCondLst>
+                                        </p:cTn>
+                                        <p:tgtEl>
+                                          <p:spTgt spid="2054"/>
+                                        </p:tgtEl>
+                                        <p:attrNameLst>
+                                          <p:attrName>style.visibility</p:attrName>
+                                        </p:attrNameLst>
+                                      </p:cBhvr>
+                                      <p:to>
+                                        <p:strVal val="visible"/>
+                                      </p:to>
+                                    </p:set>
+                                    <p:animEffect transition="in" filter="wipe(down)">
+                                      <p:cBhvr>
+                                        <p:cTn id="42" dur="500"/>
+                                        <p:tgtEl>
+                                          <p:spTgt spid="2054"/>
+                                        </p:tgtEl>
+                                      </p:cBhvr>
+                                    </p:animEffect>
+                                  </p:childTnLst>
+                                </p:cTn>
+                              </p:par>
+                            </p:childTnLst>
+                          </p:cTn>
+                        </p:par>
+                      </p:childTnLst>
+                    </p:cTn>
+                  </p:par>
+                </p:childTnLst>
+              </p:cTn>
+              <p:prevCondLst>
+                <p:cond evt="onPrev" delay="0">
+                  <p:tgtEl>
+                    <p:sldTgt/>
+                  </p:tgtEl>
+                </p:cond>
+              </p:prevCondLst>
+              <p:nextCondLst>
+                <p:cond evt="onNext" delay="0">
+                  <p:tgtEl>
+                    <p:sldTgt/>
+                  </p:tgtEl>
+                </p:cond>
+              </p:nextCondLst>
+            </p:seq>
+          </p:childTnLst>
+        </p:cTn>
       </p:par>
     </p:tnLst>
+    <p:bldLst>
+      <p:bldP spid="5" grpId="0" animBg="1"/>
+      <p:bldP spid="6" grpId="0" animBg="1"/>
+      <p:bldP spid="9" grpId="0" animBg="1"/>
+      <p:bldP spid="7" grpId="0" animBg="1"/>
+      <p:bldP spid="8" grpId="0" animBg="1"/>
+    </p:bldLst>
   </p:timing>
 </p:sld>
 </file>
@@ -12422,14 +16297,7 @@
                 <a:latin typeface="TH Sarabun New" pitchFamily="34" charset="-34"/>
                 <a:cs typeface="TH Sarabun New" pitchFamily="34" charset="-34"/>
               </a:rPr>
-              <a:t>การจัดเก็บข้อมูลของ</a:t>
-            </a:r>
-            <a:r>
-              <a:rPr lang="th-TH" sz="3600" dirty="0" smtClean="0">
-                <a:latin typeface="TH Sarabun New" pitchFamily="34" charset="-34"/>
-                <a:cs typeface="TH Sarabun New" pitchFamily="34" charset="-34"/>
-              </a:rPr>
-              <a:t>สมาชิก </a:t>
+              <a:t>การจัดเก็บข้อมูลของสมาชิก </a:t>
             </a:r>
             <a:r>
               <a:rPr lang="en-US" sz="3600" dirty="0" smtClean="0">
@@ -12479,6 +16347,76 @@
               <a:latin typeface="TH Sarabun New" pitchFamily="34" charset="-34"/>
               <a:cs typeface="TH Sarabun New" pitchFamily="34" charset="-34"/>
             </a:endParaRPr>
+          </a:p>
+        </p:txBody>
+      </p:sp>
+      <p:sp>
+        <p:nvSpPr>
+          <p:cNvPr id="4" name="Date Placeholder 3"/>
+          <p:cNvSpPr>
+            <a:spLocks noGrp="1"/>
+          </p:cNvSpPr>
+          <p:nvPr>
+            <p:ph type="dt" sz="half" idx="10"/>
+          </p:nvPr>
+        </p:nvSpPr>
+        <p:spPr/>
+        <p:txBody>
+          <a:bodyPr/>
+          <a:lstStyle/>
+          <a:p>
+            <a:r>
+              <a:rPr lang="en-US" smtClean="0"/>
+              <a:t>26 September 2015</a:t>
+            </a:r>
+            <a:endParaRPr lang="en-US"/>
+          </a:p>
+        </p:txBody>
+      </p:sp>
+      <p:sp>
+        <p:nvSpPr>
+          <p:cNvPr id="5" name="Footer Placeholder 4"/>
+          <p:cNvSpPr>
+            <a:spLocks noGrp="1"/>
+          </p:cNvSpPr>
+          <p:nvPr>
+            <p:ph type="ftr" sz="quarter" idx="3"/>
+          </p:nvPr>
+        </p:nvSpPr>
+        <p:spPr/>
+        <p:txBody>
+          <a:bodyPr/>
+          <a:lstStyle/>
+          <a:p>
+            <a:r>
+              <a:rPr lang="th-TH" smtClean="0"/>
+              <a:t>ระบบบริหารจัดการศูนย์ออกกำลังกาย</a:t>
+            </a:r>
+            <a:endParaRPr lang="en-US" dirty="0"/>
+          </a:p>
+        </p:txBody>
+      </p:sp>
+      <p:sp>
+        <p:nvSpPr>
+          <p:cNvPr id="6" name="Slide Number Placeholder 5"/>
+          <p:cNvSpPr>
+            <a:spLocks noGrp="1"/>
+          </p:cNvSpPr>
+          <p:nvPr>
+            <p:ph type="sldNum" sz="quarter" idx="12"/>
+          </p:nvPr>
+        </p:nvSpPr>
+        <p:spPr/>
+        <p:txBody>
+          <a:bodyPr/>
+          <a:lstStyle/>
+          <a:p>
+            <a:fld id="{C200352D-4569-3E41-9599-1BD1EAE34D42}" type="slidenum">
+              <a:rPr lang="en-US" smtClean="0"/>
+              <a:pPr/>
+              <a:t>7</a:t>
+            </a:fld>
+            <a:endParaRPr lang="en-US"/>
           </a:p>
         </p:txBody>
       </p:sp>
@@ -12633,6 +16571,76 @@
           </a:effectLst>
         </p:spPr>
       </p:pic>
+      <p:sp>
+        <p:nvSpPr>
+          <p:cNvPr id="5" name="Date Placeholder 4"/>
+          <p:cNvSpPr>
+            <a:spLocks noGrp="1"/>
+          </p:cNvSpPr>
+          <p:nvPr>
+            <p:ph type="dt" sz="half" idx="10"/>
+          </p:nvPr>
+        </p:nvSpPr>
+        <p:spPr/>
+        <p:txBody>
+          <a:bodyPr/>
+          <a:lstStyle/>
+          <a:p>
+            <a:r>
+              <a:rPr lang="en-US" smtClean="0"/>
+              <a:t>26 September 2015</a:t>
+            </a:r>
+            <a:endParaRPr lang="en-US"/>
+          </a:p>
+        </p:txBody>
+      </p:sp>
+      <p:sp>
+        <p:nvSpPr>
+          <p:cNvPr id="6" name="Footer Placeholder 5"/>
+          <p:cNvSpPr>
+            <a:spLocks noGrp="1"/>
+          </p:cNvSpPr>
+          <p:nvPr>
+            <p:ph type="ftr" sz="quarter" idx="3"/>
+          </p:nvPr>
+        </p:nvSpPr>
+        <p:spPr/>
+        <p:txBody>
+          <a:bodyPr/>
+          <a:lstStyle/>
+          <a:p>
+            <a:r>
+              <a:rPr lang="th-TH" smtClean="0"/>
+              <a:t>ระบบบริหารจัดการศูนย์ออกกำลังกาย</a:t>
+            </a:r>
+            <a:endParaRPr lang="en-US" dirty="0"/>
+          </a:p>
+        </p:txBody>
+      </p:sp>
+      <p:sp>
+        <p:nvSpPr>
+          <p:cNvPr id="7" name="Slide Number Placeholder 6"/>
+          <p:cNvSpPr>
+            <a:spLocks noGrp="1"/>
+          </p:cNvSpPr>
+          <p:nvPr>
+            <p:ph type="sldNum" sz="quarter" idx="12"/>
+          </p:nvPr>
+        </p:nvSpPr>
+        <p:spPr/>
+        <p:txBody>
+          <a:bodyPr/>
+          <a:lstStyle/>
+          <a:p>
+            <a:fld id="{C200352D-4569-3E41-9599-1BD1EAE34D42}" type="slidenum">
+              <a:rPr lang="en-US" smtClean="0"/>
+              <a:pPr/>
+              <a:t>8</a:t>
+            </a:fld>
+            <a:endParaRPr lang="en-US"/>
+          </a:p>
+        </p:txBody>
+      </p:sp>
     </p:spTree>
     <p:extLst>
       <p:ext uri="{BB962C8B-B14F-4D97-AF65-F5344CB8AC3E}">
@@ -12692,14 +16700,7 @@
                 <a:latin typeface="TH Sarabun New" pitchFamily="34" charset="-34"/>
                 <a:cs typeface="TH Sarabun New" pitchFamily="34" charset="-34"/>
               </a:rPr>
-              <a:t>การ</a:t>
-            </a:r>
-            <a:r>
-              <a:rPr lang="th-TH" sz="4000" b="1" dirty="0" smtClean="0">
-                <a:latin typeface="TH Sarabun New" pitchFamily="34" charset="-34"/>
-                <a:cs typeface="TH Sarabun New" pitchFamily="34" charset="-34"/>
-              </a:rPr>
-              <a:t>จัดเก็บข้อมูลบัญชีรายรับ</a:t>
+              <a:t>การจัดเก็บข้อมูลบัญชีรายรับ</a:t>
             </a:r>
             <a:endParaRPr lang="th-TH" sz="4000" b="1" dirty="0">
               <a:latin typeface="TH Sarabun New" pitchFamily="34" charset="-34"/>
@@ -12746,6 +16747,76 @@
           </a:ln>
         </p:spPr>
       </p:pic>
+      <p:sp>
+        <p:nvSpPr>
+          <p:cNvPr id="2" name="Date Placeholder 1"/>
+          <p:cNvSpPr>
+            <a:spLocks noGrp="1"/>
+          </p:cNvSpPr>
+          <p:nvPr>
+            <p:ph type="dt" sz="half" idx="10"/>
+          </p:nvPr>
+        </p:nvSpPr>
+        <p:spPr/>
+        <p:txBody>
+          <a:bodyPr/>
+          <a:lstStyle/>
+          <a:p>
+            <a:r>
+              <a:rPr lang="en-US" smtClean="0"/>
+              <a:t>26 September 2015</a:t>
+            </a:r>
+            <a:endParaRPr lang="en-US"/>
+          </a:p>
+        </p:txBody>
+      </p:sp>
+      <p:sp>
+        <p:nvSpPr>
+          <p:cNvPr id="3" name="Footer Placeholder 2"/>
+          <p:cNvSpPr>
+            <a:spLocks noGrp="1"/>
+          </p:cNvSpPr>
+          <p:nvPr>
+            <p:ph type="ftr" sz="quarter" idx="3"/>
+          </p:nvPr>
+        </p:nvSpPr>
+        <p:spPr/>
+        <p:txBody>
+          <a:bodyPr/>
+          <a:lstStyle/>
+          <a:p>
+            <a:r>
+              <a:rPr lang="th-TH" smtClean="0"/>
+              <a:t>ระบบบริหารจัดการศูนย์ออกกำลังกาย</a:t>
+            </a:r>
+            <a:endParaRPr lang="en-US" dirty="0"/>
+          </a:p>
+        </p:txBody>
+      </p:sp>
+      <p:sp>
+        <p:nvSpPr>
+          <p:cNvPr id="5" name="Slide Number Placeholder 4"/>
+          <p:cNvSpPr>
+            <a:spLocks noGrp="1"/>
+          </p:cNvSpPr>
+          <p:nvPr>
+            <p:ph type="sldNum" sz="quarter" idx="12"/>
+          </p:nvPr>
+        </p:nvSpPr>
+        <p:spPr/>
+        <p:txBody>
+          <a:bodyPr/>
+          <a:lstStyle/>
+          <a:p>
+            <a:fld id="{C200352D-4569-3E41-9599-1BD1EAE34D42}" type="slidenum">
+              <a:rPr lang="en-US" smtClean="0"/>
+              <a:pPr/>
+              <a:t>9</a:t>
+            </a:fld>
+            <a:endParaRPr lang="en-US"/>
+          </a:p>
+        </p:txBody>
+      </p:sp>
     </p:spTree>
     <p:extLst>
       <p:ext uri="{BB962C8B-B14F-4D97-AF65-F5344CB8AC3E}">
